--- a/2018/03/control_structures.pptx
+++ b/2018/03/control_structures.pptx
@@ -5,7 +5,7 @@
     <p:sldMasterId id="2147483672" r:id="rId1"/>
   </p:sldMasterIdLst>
   <p:notesMasterIdLst>
-    <p:notesMasterId r:id="rId8"/>
+    <p:notesMasterId r:id="rId18"/>
   </p:notesMasterIdLst>
   <p:sldIdLst>
     <p:sldId id="256" r:id="rId2"/>
@@ -13,7 +13,17 @@
     <p:sldId id="258" r:id="rId4"/>
     <p:sldId id="259" r:id="rId5"/>
     <p:sldId id="261" r:id="rId6"/>
-    <p:sldId id="260" r:id="rId7"/>
+    <p:sldId id="269" r:id="rId7"/>
+    <p:sldId id="262" r:id="rId8"/>
+    <p:sldId id="263" r:id="rId9"/>
+    <p:sldId id="271" r:id="rId10"/>
+    <p:sldId id="268" r:id="rId11"/>
+    <p:sldId id="272" r:id="rId12"/>
+    <p:sldId id="270" r:id="rId13"/>
+    <p:sldId id="264" r:id="rId14"/>
+    <p:sldId id="260" r:id="rId15"/>
+    <p:sldId id="265" r:id="rId16"/>
+    <p:sldId id="266" r:id="rId17"/>
   </p:sldIdLst>
   <p:sldSz cx="12192000" cy="6858000"/>
   <p:notesSz cx="6858000" cy="9144000"/>
@@ -127,17 +137,40 @@
 <pc:chgInfo xmlns:a="http://schemas.openxmlformats.org/drawingml/2006/main" xmlns:r="http://schemas.openxmlformats.org/officeDocument/2006/relationships" xmlns:ac="http://schemas.microsoft.com/office/drawing/2013/main/command" xmlns:pc="http://schemas.microsoft.com/office/powerpoint/2013/main/command">
   <pc:docChgLst>
     <pc:chgData name="Moritz Nipshagen" userId="ee3b3bbc25b4cb6d" providerId="LiveId" clId="{DE675401-0B62-4ED5-8A37-2FCE979182EF}"/>
-    <pc:docChg chg="custSel addSld modSld sldOrd">
-      <pc:chgData name="Moritz Nipshagen" userId="ee3b3bbc25b4cb6d" providerId="LiveId" clId="{DE675401-0B62-4ED5-8A37-2FCE979182EF}" dt="2018-04-05T08:36:41.901" v="524" actId="14"/>
+    <pc:docChg chg="undo custSel addSld delSld modSld sldOrd">
+      <pc:chgData name="Moritz Nipshagen" userId="ee3b3bbc25b4cb6d" providerId="LiveId" clId="{DE675401-0B62-4ED5-8A37-2FCE979182EF}" dt="2018-04-09T10:24:13.394" v="2176" actId="20577"/>
       <pc:docMkLst>
         <pc:docMk/>
       </pc:docMkLst>
+      <pc:sldChg chg="modSp">
+        <pc:chgData name="Moritz Nipshagen" userId="ee3b3bbc25b4cb6d" providerId="LiveId" clId="{DE675401-0B62-4ED5-8A37-2FCE979182EF}" dt="2018-04-07T19:51:34.429" v="526" actId="20577"/>
+        <pc:sldMkLst>
+          <pc:docMk/>
+          <pc:sldMk cId="1309100374" sldId="256"/>
+        </pc:sldMkLst>
+        <pc:spChg chg="mod">
+          <ac:chgData name="Moritz Nipshagen" userId="ee3b3bbc25b4cb6d" providerId="LiveId" clId="{DE675401-0B62-4ED5-8A37-2FCE979182EF}" dt="2018-04-07T19:51:34.429" v="526" actId="20577"/>
+          <ac:spMkLst>
+            <pc:docMk/>
+            <pc:sldMk cId="1309100374" sldId="256"/>
+            <ac:spMk id="2" creationId="{3CB5C473-D4E8-4488-9541-8AB9EE7E608C}"/>
+          </ac:spMkLst>
+        </pc:spChg>
+      </pc:sldChg>
       <pc:sldChg chg="addSp delSp modSp add">
         <pc:chgData name="Moritz Nipshagen" userId="ee3b3bbc25b4cb6d" providerId="LiveId" clId="{DE675401-0B62-4ED5-8A37-2FCE979182EF}" dt="2018-04-05T08:23:58.124" v="26" actId="20577"/>
         <pc:sldMkLst>
           <pc:docMk/>
           <pc:sldMk cId="818305137" sldId="258"/>
         </pc:sldMkLst>
+        <pc:spChg chg="del">
+          <ac:chgData name="Moritz Nipshagen" userId="ee3b3bbc25b4cb6d" providerId="LiveId" clId="{DE675401-0B62-4ED5-8A37-2FCE979182EF}" dt="2018-04-04T16:23:24.120" v="1" actId="20577"/>
+          <ac:spMkLst>
+            <pc:docMk/>
+            <pc:sldMk cId="818305137" sldId="258"/>
+            <ac:spMk id="2" creationId="{30166B1A-E8B4-4A09-9010-206A3FCB7B2F}"/>
+          </ac:spMkLst>
+        </pc:spChg>
         <pc:spChg chg="add mod">
           <ac:chgData name="Moritz Nipshagen" userId="ee3b3bbc25b4cb6d" providerId="LiveId" clId="{DE675401-0B62-4ED5-8A37-2FCE979182EF}" dt="2018-04-05T08:23:58.124" v="26" actId="20577"/>
           <ac:spMkLst>
@@ -147,15 +180,7 @@
           </ac:spMkLst>
         </pc:spChg>
         <pc:spChg chg="del">
-          <ac:chgData name="Moritz Nipshagen" userId="ee3b3bbc25b4cb6d" providerId="LiveId" clId="{DE675401-0B62-4ED5-8A37-2FCE979182EF}" dt="2018-04-04T16:23:24.120" v="1"/>
-          <ac:spMkLst>
-            <pc:docMk/>
-            <pc:sldMk cId="818305137" sldId="258"/>
-            <ac:spMk id="2" creationId="{30166B1A-E8B4-4A09-9010-206A3FCB7B2F}"/>
-          </ac:spMkLst>
-        </pc:spChg>
-        <pc:spChg chg="del">
-          <ac:chgData name="Moritz Nipshagen" userId="ee3b3bbc25b4cb6d" providerId="LiveId" clId="{DE675401-0B62-4ED5-8A37-2FCE979182EF}" dt="2018-04-04T16:23:24.120" v="1"/>
+          <ac:chgData name="Moritz Nipshagen" userId="ee3b3bbc25b4cb6d" providerId="LiveId" clId="{DE675401-0B62-4ED5-8A37-2FCE979182EF}" dt="2018-04-04T16:23:24.120" v="1" actId="20577"/>
           <ac:spMkLst>
             <pc:docMk/>
             <pc:sldMk cId="818305137" sldId="258"/>
@@ -163,7 +188,7 @@
           </ac:spMkLst>
         </pc:spChg>
         <pc:spChg chg="del">
-          <ac:chgData name="Moritz Nipshagen" userId="ee3b3bbc25b4cb6d" providerId="LiveId" clId="{DE675401-0B62-4ED5-8A37-2FCE979182EF}" dt="2018-04-04T16:23:24.120" v="1"/>
+          <ac:chgData name="Moritz Nipshagen" userId="ee3b3bbc25b4cb6d" providerId="LiveId" clId="{DE675401-0B62-4ED5-8A37-2FCE979182EF}" dt="2018-04-04T16:23:24.120" v="1" actId="20577"/>
           <ac:spMkLst>
             <pc:docMk/>
             <pc:sldMk cId="818305137" sldId="258"/>
@@ -171,7 +196,7 @@
           </ac:spMkLst>
         </pc:spChg>
         <pc:spChg chg="add del mod">
-          <ac:chgData name="Moritz Nipshagen" userId="ee3b3bbc25b4cb6d" providerId="LiveId" clId="{DE675401-0B62-4ED5-8A37-2FCE979182EF}" dt="2018-04-05T08:23:50.579" v="2"/>
+          <ac:chgData name="Moritz Nipshagen" userId="ee3b3bbc25b4cb6d" providerId="LiveId" clId="{DE675401-0B62-4ED5-8A37-2FCE979182EF}" dt="2018-04-05T08:23:50.579" v="2" actId="20577"/>
           <ac:spMkLst>
             <pc:docMk/>
             <pc:sldMk cId="818305137" sldId="258"/>
@@ -179,7 +204,7 @@
           </ac:spMkLst>
         </pc:spChg>
         <pc:spChg chg="add del mod">
-          <ac:chgData name="Moritz Nipshagen" userId="ee3b3bbc25b4cb6d" providerId="LiveId" clId="{DE675401-0B62-4ED5-8A37-2FCE979182EF}" dt="2018-04-05T08:23:50.579" v="2"/>
+          <ac:chgData name="Moritz Nipshagen" userId="ee3b3bbc25b4cb6d" providerId="LiveId" clId="{DE675401-0B62-4ED5-8A37-2FCE979182EF}" dt="2018-04-05T08:23:50.579" v="2" actId="20577"/>
           <ac:spMkLst>
             <pc:docMk/>
             <pc:sldMk cId="818305137" sldId="258"/>
@@ -194,7 +219,7 @@
           <pc:sldMk cId="4206545932" sldId="259"/>
         </pc:sldMkLst>
         <pc:spChg chg="del">
-          <ac:chgData name="Moritz Nipshagen" userId="ee3b3bbc25b4cb6d" providerId="LiveId" clId="{DE675401-0B62-4ED5-8A37-2FCE979182EF}" dt="2018-04-05T08:24:06.243" v="28"/>
+          <ac:chgData name="Moritz Nipshagen" userId="ee3b3bbc25b4cb6d" providerId="LiveId" clId="{DE675401-0B62-4ED5-8A37-2FCE979182EF}" dt="2018-04-05T08:24:06.243" v="28" actId="20577"/>
           <ac:spMkLst>
             <pc:docMk/>
             <pc:sldMk cId="4206545932" sldId="259"/>
@@ -234,7 +259,7 @@
         </pc:spChg>
       </pc:sldChg>
       <pc:sldChg chg="modSp add ord">
-        <pc:chgData name="Moritz Nipshagen" userId="ee3b3bbc25b4cb6d" providerId="LiveId" clId="{DE675401-0B62-4ED5-8A37-2FCE979182EF}" dt="2018-04-05T08:36:41.901" v="524" actId="14"/>
+        <pc:chgData name="Moritz Nipshagen" userId="ee3b3bbc25b4cb6d" providerId="LiveId" clId="{DE675401-0B62-4ED5-8A37-2FCE979182EF}" dt="2018-04-07T20:49:41.779" v="686" actId="20577"/>
         <pc:sldMkLst>
           <pc:docMk/>
           <pc:sldMk cId="1534164495" sldId="261"/>
@@ -248,11 +273,372 @@
           </ac:spMkLst>
         </pc:spChg>
         <pc:spChg chg="mod">
-          <ac:chgData name="Moritz Nipshagen" userId="ee3b3bbc25b4cb6d" providerId="LiveId" clId="{DE675401-0B62-4ED5-8A37-2FCE979182EF}" dt="2018-04-05T08:36:41.901" v="524" actId="14"/>
+          <ac:chgData name="Moritz Nipshagen" userId="ee3b3bbc25b4cb6d" providerId="LiveId" clId="{DE675401-0B62-4ED5-8A37-2FCE979182EF}" dt="2018-04-07T20:49:41.779" v="686" actId="20577"/>
           <ac:spMkLst>
             <pc:docMk/>
             <pc:sldMk cId="1534164495" sldId="261"/>
             <ac:spMk id="3" creationId="{D4E53B66-54EF-44E1-8F73-3158874A7B99}"/>
+          </ac:spMkLst>
+        </pc:spChg>
+      </pc:sldChg>
+      <pc:sldChg chg="modSp">
+        <pc:chgData name="Moritz Nipshagen" userId="ee3b3bbc25b4cb6d" providerId="LiveId" clId="{DE675401-0B62-4ED5-8A37-2FCE979182EF}" dt="2018-04-07T21:30:00.573" v="789" actId="242"/>
+        <pc:sldMkLst>
+          <pc:docMk/>
+          <pc:sldMk cId="3973824458" sldId="262"/>
+        </pc:sldMkLst>
+        <pc:graphicFrameChg chg="mod modGraphic">
+          <ac:chgData name="Moritz Nipshagen" userId="ee3b3bbc25b4cb6d" providerId="LiveId" clId="{DE675401-0B62-4ED5-8A37-2FCE979182EF}" dt="2018-04-07T21:30:00.573" v="789" actId="242"/>
+          <ac:graphicFrameMkLst>
+            <pc:docMk/>
+            <pc:sldMk cId="3973824458" sldId="262"/>
+            <ac:graphicFrameMk id="6" creationId="{391086D3-C9FB-4574-9E4A-DA5E50648D72}"/>
+          </ac:graphicFrameMkLst>
+        </pc:graphicFrameChg>
+      </pc:sldChg>
+      <pc:sldChg chg="modSp">
+        <pc:chgData name="Moritz Nipshagen" userId="ee3b3bbc25b4cb6d" providerId="LiveId" clId="{DE675401-0B62-4ED5-8A37-2FCE979182EF}" dt="2018-04-09T09:48:43.065" v="918" actId="27636"/>
+        <pc:sldMkLst>
+          <pc:docMk/>
+          <pc:sldMk cId="4106587795" sldId="263"/>
+        </pc:sldMkLst>
+        <pc:spChg chg="mod">
+          <ac:chgData name="Moritz Nipshagen" userId="ee3b3bbc25b4cb6d" providerId="LiveId" clId="{DE675401-0B62-4ED5-8A37-2FCE979182EF}" dt="2018-04-07T21:33:26.222" v="795" actId="313"/>
+          <ac:spMkLst>
+            <pc:docMk/>
+            <pc:sldMk cId="4106587795" sldId="263"/>
+            <ac:spMk id="2" creationId="{1F6336D3-D6B4-4558-BF17-A441F95DD9A7}"/>
+          </ac:spMkLst>
+        </pc:spChg>
+        <pc:spChg chg="mod">
+          <ac:chgData name="Moritz Nipshagen" userId="ee3b3bbc25b4cb6d" providerId="LiveId" clId="{DE675401-0B62-4ED5-8A37-2FCE979182EF}" dt="2018-04-09T09:48:43.065" v="918" actId="27636"/>
+          <ac:spMkLst>
+            <pc:docMk/>
+            <pc:sldMk cId="4106587795" sldId="263"/>
+            <ac:spMk id="3" creationId="{B7C67059-D5DF-4782-A04A-3EDB5242DA36}"/>
+          </ac:spMkLst>
+        </pc:spChg>
+      </pc:sldChg>
+      <pc:sldChg chg="modSp add del">
+        <pc:chgData name="Moritz Nipshagen" userId="ee3b3bbc25b4cb6d" providerId="LiveId" clId="{DE675401-0B62-4ED5-8A37-2FCE979182EF}" dt="2018-04-09T10:07:44.215" v="1398" actId="2696"/>
+        <pc:sldMkLst>
+          <pc:docMk/>
+          <pc:sldMk cId="224671493" sldId="267"/>
+        </pc:sldMkLst>
+        <pc:spChg chg="mod">
+          <ac:chgData name="Moritz Nipshagen" userId="ee3b3bbc25b4cb6d" providerId="LiveId" clId="{DE675401-0B62-4ED5-8A37-2FCE979182EF}" dt="2018-04-07T22:24:05.681" v="916" actId="20577"/>
+          <ac:spMkLst>
+            <pc:docMk/>
+            <pc:sldMk cId="224671493" sldId="267"/>
+            <ac:spMk id="2" creationId="{CF55A910-E8EA-4181-9BC9-3E0B4F40897E}"/>
+          </ac:spMkLst>
+        </pc:spChg>
+      </pc:sldChg>
+      <pc:sldChg chg="modSp add ord">
+        <pc:chgData name="Moritz Nipshagen" userId="ee3b3bbc25b4cb6d" providerId="LiveId" clId="{DE675401-0B62-4ED5-8A37-2FCE979182EF}" dt="2018-04-09T10:21:31.539" v="1819"/>
+        <pc:sldMkLst>
+          <pc:docMk/>
+          <pc:sldMk cId="3032225036" sldId="268"/>
+        </pc:sldMkLst>
+        <pc:spChg chg="mod">
+          <ac:chgData name="Moritz Nipshagen" userId="ee3b3bbc25b4cb6d" providerId="LiveId" clId="{DE675401-0B62-4ED5-8A37-2FCE979182EF}" dt="2018-04-09T09:58:39.327" v="940" actId="20577"/>
+          <ac:spMkLst>
+            <pc:docMk/>
+            <pc:sldMk cId="3032225036" sldId="268"/>
+            <ac:spMk id="2" creationId="{6C18CDCD-BDCC-4E5A-A6F4-B899E98B40E7}"/>
+          </ac:spMkLst>
+        </pc:spChg>
+        <pc:spChg chg="mod">
+          <ac:chgData name="Moritz Nipshagen" userId="ee3b3bbc25b4cb6d" providerId="LiveId" clId="{DE675401-0B62-4ED5-8A37-2FCE979182EF}" dt="2018-04-09T10:05:20.481" v="1118" actId="20577"/>
+          <ac:spMkLst>
+            <pc:docMk/>
+            <pc:sldMk cId="3032225036" sldId="268"/>
+            <ac:spMk id="3" creationId="{D55E004E-37D3-4090-BADD-424E31900011}"/>
+          </ac:spMkLst>
+        </pc:spChg>
+      </pc:sldChg>
+      <pc:sldChg chg="modSp add">
+        <pc:chgData name="Moritz Nipshagen" userId="ee3b3bbc25b4cb6d" providerId="LiveId" clId="{DE675401-0B62-4ED5-8A37-2FCE979182EF}" dt="2018-04-09T10:07:34.850" v="1397" actId="20577"/>
+        <pc:sldMkLst>
+          <pc:docMk/>
+          <pc:sldMk cId="331228608" sldId="269"/>
+        </pc:sldMkLst>
+        <pc:spChg chg="mod">
+          <ac:chgData name="Moritz Nipshagen" userId="ee3b3bbc25b4cb6d" providerId="LiveId" clId="{DE675401-0B62-4ED5-8A37-2FCE979182EF}" dt="2018-04-09T10:06:05.584" v="1128" actId="20577"/>
+          <ac:spMkLst>
+            <pc:docMk/>
+            <pc:sldMk cId="331228608" sldId="269"/>
+            <ac:spMk id="2" creationId="{4E9D18F0-29F7-4CFE-9C64-58A0F89B4569}"/>
+          </ac:spMkLst>
+        </pc:spChg>
+        <pc:spChg chg="mod">
+          <ac:chgData name="Moritz Nipshagen" userId="ee3b3bbc25b4cb6d" providerId="LiveId" clId="{DE675401-0B62-4ED5-8A37-2FCE979182EF}" dt="2018-04-09T10:07:34.850" v="1397" actId="20577"/>
+          <ac:spMkLst>
+            <pc:docMk/>
+            <pc:sldMk cId="331228608" sldId="269"/>
+            <ac:spMk id="3" creationId="{48979847-1537-4D93-8D7B-94BDDCCCEA28}"/>
+          </ac:spMkLst>
+        </pc:spChg>
+      </pc:sldChg>
+      <pc:sldChg chg="modSp add">
+        <pc:chgData name="Moritz Nipshagen" userId="ee3b3bbc25b4cb6d" providerId="LiveId" clId="{DE675401-0B62-4ED5-8A37-2FCE979182EF}" dt="2018-04-09T10:24:13.394" v="2176" actId="20577"/>
+        <pc:sldMkLst>
+          <pc:docMk/>
+          <pc:sldMk cId="666640570" sldId="270"/>
+        </pc:sldMkLst>
+        <pc:spChg chg="mod">
+          <ac:chgData name="Moritz Nipshagen" userId="ee3b3bbc25b4cb6d" providerId="LiveId" clId="{DE675401-0B62-4ED5-8A37-2FCE979182EF}" dt="2018-04-09T10:24:13.394" v="2176" actId="20577"/>
+          <ac:spMkLst>
+            <pc:docMk/>
+            <pc:sldMk cId="666640570" sldId="270"/>
+            <ac:spMk id="2" creationId="{BC2C86D8-C6AA-44A1-B7B8-2B0805456B69}"/>
+          </ac:spMkLst>
+        </pc:spChg>
+        <pc:spChg chg="mod">
+          <ac:chgData name="Moritz Nipshagen" userId="ee3b3bbc25b4cb6d" providerId="LiveId" clId="{DE675401-0B62-4ED5-8A37-2FCE979182EF}" dt="2018-04-09T10:09:32.225" v="1655" actId="20577"/>
+          <ac:spMkLst>
+            <pc:docMk/>
+            <pc:sldMk cId="666640570" sldId="270"/>
+            <ac:spMk id="3" creationId="{FBBD4875-08D4-43CB-878D-60C973D79F5A}"/>
+          </ac:spMkLst>
+        </pc:spChg>
+      </pc:sldChg>
+      <pc:sldChg chg="modSp add ord">
+        <pc:chgData name="Moritz Nipshagen" userId="ee3b3bbc25b4cb6d" providerId="LiveId" clId="{DE675401-0B62-4ED5-8A37-2FCE979182EF}" dt="2018-04-09T10:21:09.234" v="1792" actId="20577"/>
+        <pc:sldMkLst>
+          <pc:docMk/>
+          <pc:sldMk cId="162141928" sldId="271"/>
+        </pc:sldMkLst>
+        <pc:spChg chg="mod">
+          <ac:chgData name="Moritz Nipshagen" userId="ee3b3bbc25b4cb6d" providerId="LiveId" clId="{DE675401-0B62-4ED5-8A37-2FCE979182EF}" dt="2018-04-09T10:19:39.137" v="1677" actId="20577"/>
+          <ac:spMkLst>
+            <pc:docMk/>
+            <pc:sldMk cId="162141928" sldId="271"/>
+            <ac:spMk id="2" creationId="{DED8971F-3852-4733-BFCF-F61A0D673766}"/>
+          </ac:spMkLst>
+        </pc:spChg>
+        <pc:spChg chg="mod">
+          <ac:chgData name="Moritz Nipshagen" userId="ee3b3bbc25b4cb6d" providerId="LiveId" clId="{DE675401-0B62-4ED5-8A37-2FCE979182EF}" dt="2018-04-09T10:21:09.234" v="1792" actId="20577"/>
+          <ac:spMkLst>
+            <pc:docMk/>
+            <pc:sldMk cId="162141928" sldId="271"/>
+            <ac:spMk id="3" creationId="{0CED4F13-FA4F-4FAE-B1D0-8E91433E8D62}"/>
+          </ac:spMkLst>
+        </pc:spChg>
+      </pc:sldChg>
+      <pc:sldChg chg="modSp add">
+        <pc:chgData name="Moritz Nipshagen" userId="ee3b3bbc25b4cb6d" providerId="LiveId" clId="{DE675401-0B62-4ED5-8A37-2FCE979182EF}" dt="2018-04-09T10:23:52.145" v="2155" actId="20577"/>
+        <pc:sldMkLst>
+          <pc:docMk/>
+          <pc:sldMk cId="1748417960" sldId="272"/>
+        </pc:sldMkLst>
+        <pc:spChg chg="mod">
+          <ac:chgData name="Moritz Nipshagen" userId="ee3b3bbc25b4cb6d" providerId="LiveId" clId="{DE675401-0B62-4ED5-8A37-2FCE979182EF}" dt="2018-04-09T10:21:22.226" v="1818" actId="20577"/>
+          <ac:spMkLst>
+            <pc:docMk/>
+            <pc:sldMk cId="1748417960" sldId="272"/>
+            <ac:spMk id="2" creationId="{AF10ECC2-F415-45F3-8A18-AD77A20FD0E1}"/>
+          </ac:spMkLst>
+        </pc:spChg>
+        <pc:spChg chg="mod">
+          <ac:chgData name="Moritz Nipshagen" userId="ee3b3bbc25b4cb6d" providerId="LiveId" clId="{DE675401-0B62-4ED5-8A37-2FCE979182EF}" dt="2018-04-09T10:23:52.145" v="2155" actId="20577"/>
+          <ac:spMkLst>
+            <pc:docMk/>
+            <pc:sldMk cId="1748417960" sldId="272"/>
+            <ac:spMk id="3" creationId="{33782E74-D337-424E-8CBA-5E9A6EA2D44A}"/>
+          </ac:spMkLst>
+        </pc:spChg>
+      </pc:sldChg>
+    </pc:docChg>
+  </pc:docChgLst>
+  <pc:docChgLst>
+    <pc:chgData name="Moritz Nipshagen" userId="ee3b3bbc25b4cb6d" providerId="LiveId" clId="{1E8176CD-B94A-41B8-907A-4DE8635BE80A}"/>
+    <pc:docChg chg="undo custSel addSld modSld sldOrd">
+      <pc:chgData name="Moritz Nipshagen" userId="ee3b3bbc25b4cb6d" providerId="LiveId" clId="{1E8176CD-B94A-41B8-907A-4DE8635BE80A}" dt="2018-04-05T14:35:30.527" v="1408"/>
+      <pc:docMkLst>
+        <pc:docMk/>
+      </pc:docMkLst>
+      <pc:sldChg chg="modSp">
+        <pc:chgData name="Moritz Nipshagen" userId="ee3b3bbc25b4cb6d" providerId="LiveId" clId="{1E8176CD-B94A-41B8-907A-4DE8635BE80A}" dt="2018-04-05T14:26:38.167" v="1058" actId="20577"/>
+        <pc:sldMkLst>
+          <pc:docMk/>
+          <pc:sldMk cId="4206545932" sldId="259"/>
+        </pc:sldMkLst>
+        <pc:spChg chg="mod">
+          <ac:chgData name="Moritz Nipshagen" userId="ee3b3bbc25b4cb6d" providerId="LiveId" clId="{1E8176CD-B94A-41B8-907A-4DE8635BE80A}" dt="2018-04-05T14:26:38.167" v="1058" actId="20577"/>
+          <ac:spMkLst>
+            <pc:docMk/>
+            <pc:sldMk cId="4206545932" sldId="259"/>
+            <ac:spMk id="5" creationId="{9C868A2C-260C-4672-AFEA-C039A5B1B793}"/>
+          </ac:spMkLst>
+        </pc:spChg>
+      </pc:sldChg>
+      <pc:sldChg chg="ord">
+        <pc:chgData name="Moritz Nipshagen" userId="ee3b3bbc25b4cb6d" providerId="LiveId" clId="{1E8176CD-B94A-41B8-907A-4DE8635BE80A}" dt="2018-04-05T14:26:03.110" v="1003"/>
+        <pc:sldMkLst>
+          <pc:docMk/>
+          <pc:sldMk cId="2524052308" sldId="260"/>
+        </pc:sldMkLst>
+      </pc:sldChg>
+      <pc:sldChg chg="ord">
+        <pc:chgData name="Moritz Nipshagen" userId="ee3b3bbc25b4cb6d" providerId="LiveId" clId="{1E8176CD-B94A-41B8-907A-4DE8635BE80A}" dt="2018-04-05T14:26:12.442" v="1004"/>
+        <pc:sldMkLst>
+          <pc:docMk/>
+          <pc:sldMk cId="1534164495" sldId="261"/>
+        </pc:sldMkLst>
+      </pc:sldChg>
+      <pc:sldChg chg="addSp delSp modSp add">
+        <pc:chgData name="Moritz Nipshagen" userId="ee3b3bbc25b4cb6d" providerId="LiveId" clId="{1E8176CD-B94A-41B8-907A-4DE8635BE80A}" dt="2018-04-05T14:18:31.455" v="333" actId="20577"/>
+        <pc:sldMkLst>
+          <pc:docMk/>
+          <pc:sldMk cId="3973824458" sldId="262"/>
+        </pc:sldMkLst>
+        <pc:spChg chg="mod">
+          <ac:chgData name="Moritz Nipshagen" userId="ee3b3bbc25b4cb6d" providerId="LiveId" clId="{1E8176CD-B94A-41B8-907A-4DE8635BE80A}" dt="2018-04-05T14:01:50.439" v="22" actId="20577"/>
+          <ac:spMkLst>
+            <pc:docMk/>
+            <pc:sldMk cId="3973824458" sldId="262"/>
+            <ac:spMk id="2" creationId="{4D289458-5B7E-4EE5-8E0B-C91A20E39474}"/>
+          </ac:spMkLst>
+        </pc:spChg>
+        <pc:spChg chg="add">
+          <ac:chgData name="Moritz Nipshagen" userId="ee3b3bbc25b4cb6d" providerId="LiveId" clId="{1E8176CD-B94A-41B8-907A-4DE8635BE80A}" dt="2018-04-05T14:02:54.280" v="23" actId="3680"/>
+          <ac:spMkLst>
+            <pc:docMk/>
+            <pc:sldMk cId="3973824458" sldId="262"/>
+            <ac:spMk id="3" creationId="{DBB91B87-B0F4-4359-A2ED-FE14ADA217B9}"/>
+          </ac:spMkLst>
+        </pc:spChg>
+        <pc:graphicFrameChg chg="del mod">
+          <ac:chgData name="Moritz Nipshagen" userId="ee3b3bbc25b4cb6d" providerId="LiveId" clId="{1E8176CD-B94A-41B8-907A-4DE8635BE80A}" dt="2018-04-05T14:02:54.280" v="23" actId="3680"/>
+          <ac:graphicFrameMkLst>
+            <pc:docMk/>
+            <pc:sldMk cId="3973824458" sldId="262"/>
+            <ac:graphicFrameMk id="5" creationId="{A7DA5009-8C53-4C3F-9499-D3F22163D667}"/>
+          </ac:graphicFrameMkLst>
+        </pc:graphicFrameChg>
+        <pc:graphicFrameChg chg="mod modGraphic">
+          <ac:chgData name="Moritz Nipshagen" userId="ee3b3bbc25b4cb6d" providerId="LiveId" clId="{1E8176CD-B94A-41B8-907A-4DE8635BE80A}" dt="2018-04-05T14:18:31.455" v="333" actId="20577"/>
+          <ac:graphicFrameMkLst>
+            <pc:docMk/>
+            <pc:sldMk cId="3973824458" sldId="262"/>
+            <ac:graphicFrameMk id="6" creationId="{391086D3-C9FB-4574-9E4A-DA5E50648D72}"/>
+          </ac:graphicFrameMkLst>
+        </pc:graphicFrameChg>
+      </pc:sldChg>
+      <pc:sldChg chg="modSp add">
+        <pc:chgData name="Moritz Nipshagen" userId="ee3b3bbc25b4cb6d" providerId="LiveId" clId="{1E8176CD-B94A-41B8-907A-4DE8635BE80A}" dt="2018-04-05T14:34:15.824" v="1371" actId="20577"/>
+        <pc:sldMkLst>
+          <pc:docMk/>
+          <pc:sldMk cId="4106587795" sldId="263"/>
+        </pc:sldMkLst>
+        <pc:spChg chg="mod">
+          <ac:chgData name="Moritz Nipshagen" userId="ee3b3bbc25b4cb6d" providerId="LiveId" clId="{1E8176CD-B94A-41B8-907A-4DE8635BE80A}" dt="2018-04-05T14:19:11.176" v="354" actId="20577"/>
+          <ac:spMkLst>
+            <pc:docMk/>
+            <pc:sldMk cId="4106587795" sldId="263"/>
+            <ac:spMk id="2" creationId="{1F6336D3-D6B4-4558-BF17-A441F95DD9A7}"/>
+          </ac:spMkLst>
+        </pc:spChg>
+        <pc:spChg chg="mod">
+          <ac:chgData name="Moritz Nipshagen" userId="ee3b3bbc25b4cb6d" providerId="LiveId" clId="{1E8176CD-B94A-41B8-907A-4DE8635BE80A}" dt="2018-04-05T14:34:15.824" v="1371" actId="20577"/>
+          <ac:spMkLst>
+            <pc:docMk/>
+            <pc:sldMk cId="4106587795" sldId="263"/>
+            <ac:spMk id="3" creationId="{B7C67059-D5DF-4782-A04A-3EDB5242DA36}"/>
+          </ac:spMkLst>
+        </pc:spChg>
+      </pc:sldChg>
+      <pc:sldChg chg="addSp delSp modSp add">
+        <pc:chgData name="Moritz Nipshagen" userId="ee3b3bbc25b4cb6d" providerId="LiveId" clId="{1E8176CD-B94A-41B8-907A-4DE8635BE80A}" dt="2018-04-05T14:35:04.585" v="1382" actId="20577"/>
+        <pc:sldMkLst>
+          <pc:docMk/>
+          <pc:sldMk cId="2076424613" sldId="264"/>
+        </pc:sldMkLst>
+        <pc:spChg chg="del">
+          <ac:chgData name="Moritz Nipshagen" userId="ee3b3bbc25b4cb6d" providerId="LiveId" clId="{1E8176CD-B94A-41B8-907A-4DE8635BE80A}" dt="2018-04-05T14:35:01" v="1373" actId="20577"/>
+          <ac:spMkLst>
+            <pc:docMk/>
+            <pc:sldMk cId="2076424613" sldId="264"/>
+            <ac:spMk id="2" creationId="{572148BD-69FB-40BC-9B9D-397524C91454}"/>
+          </ac:spMkLst>
+        </pc:spChg>
+        <pc:spChg chg="del">
+          <ac:chgData name="Moritz Nipshagen" userId="ee3b3bbc25b4cb6d" providerId="LiveId" clId="{1E8176CD-B94A-41B8-907A-4DE8635BE80A}" dt="2018-04-05T14:35:01" v="1373" actId="20577"/>
+          <ac:spMkLst>
+            <pc:docMk/>
+            <pc:sldMk cId="2076424613" sldId="264"/>
+            <ac:spMk id="3" creationId="{4BE8A776-0505-488C-B35E-8E6D2A77EED7}"/>
+          </ac:spMkLst>
+        </pc:spChg>
+        <pc:spChg chg="add mod">
+          <ac:chgData name="Moritz Nipshagen" userId="ee3b3bbc25b4cb6d" providerId="LiveId" clId="{1E8176CD-B94A-41B8-907A-4DE8635BE80A}" dt="2018-04-05T14:35:04.585" v="1382" actId="20577"/>
+          <ac:spMkLst>
+            <pc:docMk/>
+            <pc:sldMk cId="2076424613" sldId="264"/>
+            <ac:spMk id="5" creationId="{4F189C5F-6187-4BFF-92B8-3937A6F0BA2E}"/>
+          </ac:spMkLst>
+        </pc:spChg>
+      </pc:sldChg>
+      <pc:sldChg chg="addSp delSp modSp add">
+        <pc:chgData name="Moritz Nipshagen" userId="ee3b3bbc25b4cb6d" providerId="LiveId" clId="{1E8176CD-B94A-41B8-907A-4DE8635BE80A}" dt="2018-04-05T14:35:25.114" v="1406" actId="20577"/>
+        <pc:sldMkLst>
+          <pc:docMk/>
+          <pc:sldMk cId="2724340794" sldId="265"/>
+        </pc:sldMkLst>
+        <pc:spChg chg="del">
+          <ac:chgData name="Moritz Nipshagen" userId="ee3b3bbc25b4cb6d" providerId="LiveId" clId="{1E8176CD-B94A-41B8-907A-4DE8635BE80A}" dt="2018-04-05T14:35:17.336" v="1384" actId="20577"/>
+          <ac:spMkLst>
+            <pc:docMk/>
+            <pc:sldMk cId="2724340794" sldId="265"/>
+            <ac:spMk id="2" creationId="{6A29D5A8-EAD8-46CA-838C-AF7DD94429D1}"/>
+          </ac:spMkLst>
+        </pc:spChg>
+        <pc:spChg chg="del">
+          <ac:chgData name="Moritz Nipshagen" userId="ee3b3bbc25b4cb6d" providerId="LiveId" clId="{1E8176CD-B94A-41B8-907A-4DE8635BE80A}" dt="2018-04-05T14:35:17.336" v="1384" actId="20577"/>
+          <ac:spMkLst>
+            <pc:docMk/>
+            <pc:sldMk cId="2724340794" sldId="265"/>
+            <ac:spMk id="3" creationId="{549232D5-8F65-4819-BD2E-063017608F28}"/>
+          </ac:spMkLst>
+        </pc:spChg>
+        <pc:spChg chg="add mod">
+          <ac:chgData name="Moritz Nipshagen" userId="ee3b3bbc25b4cb6d" providerId="LiveId" clId="{1E8176CD-B94A-41B8-907A-4DE8635BE80A}" dt="2018-04-05T14:35:25.114" v="1406" actId="20577"/>
+          <ac:spMkLst>
+            <pc:docMk/>
+            <pc:sldMk cId="2724340794" sldId="265"/>
+            <ac:spMk id="5" creationId="{34A7CCA3-127D-4AE3-8705-7C64FF4DD299}"/>
+          </ac:spMkLst>
+        </pc:spChg>
+      </pc:sldChg>
+      <pc:sldChg chg="addSp delSp modSp add">
+        <pc:chgData name="Moritz Nipshagen" userId="ee3b3bbc25b4cb6d" providerId="LiveId" clId="{1E8176CD-B94A-41B8-907A-4DE8635BE80A}" dt="2018-04-05T14:35:30.527" v="1408"/>
+        <pc:sldMkLst>
+          <pc:docMk/>
+          <pc:sldMk cId="3733908408" sldId="266"/>
+        </pc:sldMkLst>
+        <pc:spChg chg="del">
+          <ac:chgData name="Moritz Nipshagen" userId="ee3b3bbc25b4cb6d" providerId="LiveId" clId="{1E8176CD-B94A-41B8-907A-4DE8635BE80A}" dt="2018-04-05T14:35:30.527" v="1408"/>
+          <ac:spMkLst>
+            <pc:docMk/>
+            <pc:sldMk cId="3733908408" sldId="266"/>
+            <ac:spMk id="2" creationId="{A68B0AAF-3355-4A9F-9CF8-A5122A3DDB84}"/>
+          </ac:spMkLst>
+        </pc:spChg>
+        <pc:spChg chg="add mod">
+          <ac:chgData name="Moritz Nipshagen" userId="ee3b3bbc25b4cb6d" providerId="LiveId" clId="{1E8176CD-B94A-41B8-907A-4DE8635BE80A}" dt="2018-04-05T14:35:30.527" v="1408"/>
+          <ac:spMkLst>
+            <pc:docMk/>
+            <pc:sldMk cId="3733908408" sldId="266"/>
+            <ac:spMk id="4" creationId="{72884A04-E614-4174-A31A-9F67282C5F6E}"/>
+          </ac:spMkLst>
+        </pc:spChg>
+        <pc:spChg chg="add mod">
+          <ac:chgData name="Moritz Nipshagen" userId="ee3b3bbc25b4cb6d" providerId="LiveId" clId="{1E8176CD-B94A-41B8-907A-4DE8635BE80A}" dt="2018-04-05T14:35:30.527" v="1408"/>
+          <ac:spMkLst>
+            <pc:docMk/>
+            <pc:sldMk cId="3733908408" sldId="266"/>
+            <ac:spMk id="5" creationId="{CE7E5534-782C-4B17-BB75-B717B34E9622}"/>
           </ac:spMkLst>
         </pc:spChg>
       </pc:sldChg>
@@ -343,7 +729,7 @@
           <a:p>
             <a:fld id="{E74960FE-84BF-4F36-96F9-AC8A426EF4E1}" type="datetimeFigureOut">
               <a:rPr lang="en-GB" smtClean="0"/>
-              <a:t>04/04/2018</a:t>
+              <a:t>09/04/2018</a:t>
             </a:fld>
             <a:endParaRPr lang="en-GB"/>
           </a:p>
@@ -611,6 +997,90 @@
 </p:notesMaster>
 </file>
 
+<file path=ppt/notesSlides/notesSlide1.xml><?xml version="1.0" encoding="utf-8"?>
+<p:notes xmlns:a="http://schemas.openxmlformats.org/drawingml/2006/main" xmlns:r="http://schemas.openxmlformats.org/officeDocument/2006/relationships" xmlns:p="http://schemas.openxmlformats.org/presentationml/2006/main">
+  <p:cSld>
+    <p:spTree>
+      <p:nvGrpSpPr>
+        <p:cNvPr id="1" name=""/>
+        <p:cNvGrpSpPr/>
+        <p:nvPr/>
+      </p:nvGrpSpPr>
+      <p:grpSpPr>
+        <a:xfrm>
+          <a:off x="0" y="0"/>
+          <a:ext cx="0" cy="0"/>
+          <a:chOff x="0" y="0"/>
+          <a:chExt cx="0" cy="0"/>
+        </a:xfrm>
+      </p:grpSpPr>
+      <p:sp>
+        <p:nvSpPr>
+          <p:cNvPr id="2" name="Slide Image Placeholder 1"/>
+          <p:cNvSpPr>
+            <a:spLocks noGrp="1" noRot="1" noChangeAspect="1"/>
+          </p:cNvSpPr>
+          <p:nvPr>
+            <p:ph type="sldImg"/>
+          </p:nvPr>
+        </p:nvSpPr>
+        <p:spPr/>
+      </p:sp>
+      <p:sp>
+        <p:nvSpPr>
+          <p:cNvPr id="3" name="Notes Placeholder 2"/>
+          <p:cNvSpPr>
+            <a:spLocks noGrp="1"/>
+          </p:cNvSpPr>
+          <p:nvPr>
+            <p:ph type="body" idx="1"/>
+          </p:nvPr>
+        </p:nvSpPr>
+        <p:spPr/>
+        <p:txBody>
+          <a:bodyPr/>
+          <a:lstStyle/>
+          <a:p>
+            <a:endParaRPr lang="en-GB" dirty="0"/>
+          </a:p>
+        </p:txBody>
+      </p:sp>
+      <p:sp>
+        <p:nvSpPr>
+          <p:cNvPr id="4" name="Slide Number Placeholder 3"/>
+          <p:cNvSpPr>
+            <a:spLocks noGrp="1"/>
+          </p:cNvSpPr>
+          <p:nvPr>
+            <p:ph type="sldNum" sz="quarter" idx="10"/>
+          </p:nvPr>
+        </p:nvSpPr>
+        <p:spPr/>
+        <p:txBody>
+          <a:bodyPr/>
+          <a:lstStyle/>
+          <a:p>
+            <a:fld id="{42145966-3644-4EF3-8D3C-4E37A0E97571}" type="slidenum">
+              <a:rPr lang="en-GB" smtClean="0"/>
+              <a:t>8</a:t>
+            </a:fld>
+            <a:endParaRPr lang="en-GB"/>
+          </a:p>
+        </p:txBody>
+      </p:sp>
+    </p:spTree>
+    <p:extLst>
+      <p:ext uri="{BB962C8B-B14F-4D97-AF65-F5344CB8AC3E}">
+        <p14:creationId xmlns:p14="http://schemas.microsoft.com/office/powerpoint/2010/main" val="2538010960"/>
+      </p:ext>
+    </p:extLst>
+  </p:cSld>
+  <p:clrMapOvr>
+    <a:masterClrMapping/>
+  </p:clrMapOvr>
+</p:notes>
+</file>
+
 <file path=ppt/slideLayouts/slideLayout1.xml><?xml version="1.0" encoding="utf-8"?>
 <p:sldLayout xmlns:a="http://schemas.openxmlformats.org/drawingml/2006/main" xmlns:r="http://schemas.openxmlformats.org/officeDocument/2006/relationships" xmlns:p="http://schemas.openxmlformats.org/presentationml/2006/main" showMasterSp="0" type="title" preserve="1">
   <p:cSld name="Title Slide">
@@ -804,7 +1274,7 @@
           <a:p>
             <a:fld id="{59D2D3E5-8D07-442F-AD09-44D2D54E3827}" type="datetime1">
               <a:rPr lang="en-GB" smtClean="0"/>
-              <a:t>04/04/2018</a:t>
+              <a:t>09/04/2018</a:t>
             </a:fld>
             <a:endParaRPr lang="en-GB"/>
           </a:p>
@@ -1506,7 +1976,7 @@
           <a:p>
             <a:fld id="{AC8401FF-837F-478C-A187-ED49428D1834}" type="datetime1">
               <a:rPr lang="en-GB" smtClean="0"/>
-              <a:t>04/04/2018</a:t>
+              <a:t>09/04/2018</a:t>
             </a:fld>
             <a:endParaRPr lang="en-GB"/>
           </a:p>
@@ -1705,7 +2175,7 @@
           <a:p>
             <a:fld id="{A4BB1C3B-24F6-4AC1-B694-40E27DE719F2}" type="datetime1">
               <a:rPr lang="en-GB" smtClean="0"/>
-              <a:t>04/04/2018</a:t>
+              <a:t>09/04/2018</a:t>
             </a:fld>
             <a:endParaRPr lang="en-GB"/>
           </a:p>
@@ -2392,7 +2862,7 @@
           <a:p>
             <a:fld id="{1BF7B5F6-71AF-4144-B18A-52D5DACADA0A}" type="datetime1">
               <a:rPr lang="en-GB" smtClean="0"/>
-              <a:t>04/04/2018</a:t>
+              <a:t>09/04/2018</a:t>
             </a:fld>
             <a:endParaRPr lang="en-GB"/>
           </a:p>
@@ -2557,7 +3027,7 @@
           <a:p>
             <a:fld id="{5255503A-C87E-470F-982F-B4799D338920}" type="datetime1">
               <a:rPr lang="en-GB" smtClean="0"/>
-              <a:t>04/04/2018</a:t>
+              <a:t>09/04/2018</a:t>
             </a:fld>
             <a:endParaRPr lang="en-GB"/>
           </a:p>
@@ -3332,7 +3802,7 @@
           <a:p>
             <a:fld id="{75144A6B-3049-457F-A987-8390460069EE}" type="datetime1">
               <a:rPr lang="en-GB" smtClean="0"/>
-              <a:t>04/04/2018</a:t>
+              <a:t>09/04/2018</a:t>
             </a:fld>
             <a:endParaRPr lang="en-GB"/>
           </a:p>
@@ -3692,7 +4162,7 @@
           <a:p>
             <a:fld id="{FBD4005F-9225-497A-885F-BA883E74DE5D}" type="datetime1">
               <a:rPr lang="en-GB" smtClean="0"/>
-              <a:t>04/04/2018</a:t>
+              <a:t>09/04/2018</a:t>
             </a:fld>
             <a:endParaRPr lang="en-GB"/>
           </a:p>
@@ -3791,7 +4261,7 @@
           <a:p>
             <a:fld id="{AE523FC3-765C-4CC7-9E4B-E3B68A3EDBFE}" type="datetime1">
               <a:rPr lang="en-GB" smtClean="0"/>
-              <a:t>04/04/2018</a:t>
+              <a:t>09/04/2018</a:t>
             </a:fld>
             <a:endParaRPr lang="en-GB"/>
           </a:p>
@@ -3905,7 +4375,7 @@
           <a:p>
             <a:fld id="{9AA3DD7D-9416-45E8-AF3B-D7B360CC564A}" type="datetime1">
               <a:rPr lang="en-GB" smtClean="0"/>
-              <a:t>04/04/2018</a:t>
+              <a:t>09/04/2018</a:t>
             </a:fld>
             <a:endParaRPr lang="en-GB"/>
           </a:p>
@@ -4707,7 +5177,7 @@
           <a:p>
             <a:fld id="{F613CE8B-DAD8-4C75-ABDD-E74B55B147EF}" type="datetime1">
               <a:rPr lang="en-GB" smtClean="0"/>
-              <a:t>04/04/2018</a:t>
+              <a:t>09/04/2018</a:t>
             </a:fld>
             <a:endParaRPr lang="en-GB"/>
           </a:p>
@@ -5499,7 +5969,7 @@
           <a:p>
             <a:fld id="{90C1D48F-8DEA-4C52-92C1-302F75FCAD76}" type="datetime1">
               <a:rPr lang="en-GB" smtClean="0"/>
-              <a:t>04/04/2018</a:t>
+              <a:t>09/04/2018</a:t>
             </a:fld>
             <a:endParaRPr lang="en-GB"/>
           </a:p>
@@ -6248,7 +6718,7 @@
           <a:p>
             <a:fld id="{0F5CF901-3F04-46D3-A66D-6A29BDCE7C35}" type="datetime1">
               <a:rPr lang="en-GB" smtClean="0"/>
-              <a:t>04/04/2018</a:t>
+              <a:t>09/04/2018</a:t>
             </a:fld>
             <a:endParaRPr lang="en-GB"/>
           </a:p>
@@ -7274,7 +7744,7 @@
           <a:p>
             <a:r>
               <a:rPr lang="en-GB" dirty="0"/>
-              <a:t>Directing the flow</a:t>
+              <a:t>Directing the Flow</a:t>
             </a:r>
           </a:p>
         </p:txBody>
@@ -7311,6 +7781,856 @@
     <p:extLst>
       <p:ext uri="{BB962C8B-B14F-4D97-AF65-F5344CB8AC3E}">
         <p14:creationId xmlns:p14="http://schemas.microsoft.com/office/powerpoint/2010/main" val="1309100374"/>
+      </p:ext>
+    </p:extLst>
+  </p:cSld>
+  <p:clrMapOvr>
+    <a:masterClrMapping/>
+  </p:clrMapOvr>
+</p:sld>
+</file>
+
+<file path=ppt/slides/slide10.xml><?xml version="1.0" encoding="utf-8"?>
+<p:sld xmlns:a="http://schemas.openxmlformats.org/drawingml/2006/main" xmlns:r="http://schemas.openxmlformats.org/officeDocument/2006/relationships" xmlns:p="http://schemas.openxmlformats.org/presentationml/2006/main">
+  <p:cSld>
+    <p:spTree>
+      <p:nvGrpSpPr>
+        <p:cNvPr id="1" name=""/>
+        <p:cNvGrpSpPr/>
+        <p:nvPr/>
+      </p:nvGrpSpPr>
+      <p:grpSpPr>
+        <a:xfrm>
+          <a:off x="0" y="0"/>
+          <a:ext cx="0" cy="0"/>
+          <a:chOff x="0" y="0"/>
+          <a:chExt cx="0" cy="0"/>
+        </a:xfrm>
+      </p:grpSpPr>
+      <p:sp>
+        <p:nvSpPr>
+          <p:cNvPr id="2" name="Title 1">
+            <a:extLst>
+              <a:ext uri="{FF2B5EF4-FFF2-40B4-BE49-F238E27FC236}">
+                <a16:creationId xmlns:a16="http://schemas.microsoft.com/office/drawing/2014/main" id="{6C18CDCD-BDCC-4E5A-A6F4-B899E98B40E7}"/>
+              </a:ext>
+            </a:extLst>
+          </p:cNvPr>
+          <p:cNvSpPr>
+            <a:spLocks noGrp="1"/>
+          </p:cNvSpPr>
+          <p:nvPr>
+            <p:ph type="title"/>
+          </p:nvPr>
+        </p:nvSpPr>
+        <p:spPr/>
+        <p:txBody>
+          <a:bodyPr/>
+          <a:lstStyle/>
+          <a:p>
+            <a:r>
+              <a:rPr lang="en-GB" dirty="0"/>
+              <a:t>Boolean Expressions</a:t>
+            </a:r>
+          </a:p>
+        </p:txBody>
+      </p:sp>
+      <p:sp>
+        <p:nvSpPr>
+          <p:cNvPr id="3" name="Content Placeholder 2">
+            <a:extLst>
+              <a:ext uri="{FF2B5EF4-FFF2-40B4-BE49-F238E27FC236}">
+                <a16:creationId xmlns:a16="http://schemas.microsoft.com/office/drawing/2014/main" id="{D55E004E-37D3-4090-BADD-424E31900011}"/>
+              </a:ext>
+            </a:extLst>
+          </p:cNvPr>
+          <p:cNvSpPr>
+            <a:spLocks noGrp="1"/>
+          </p:cNvSpPr>
+          <p:nvPr>
+            <p:ph idx="1"/>
+          </p:nvPr>
+        </p:nvSpPr>
+        <p:spPr/>
+        <p:txBody>
+          <a:bodyPr/>
+          <a:lstStyle/>
+          <a:p>
+            <a:r>
+              <a:rPr lang="en-GB" dirty="0"/>
+              <a:t>Combine Booleans with “and” and “or”</a:t>
+            </a:r>
+          </a:p>
+          <a:p>
+            <a:r>
+              <a:rPr lang="en-GB" dirty="0"/>
+              <a:t>Negate Booleans with not</a:t>
+            </a:r>
+          </a:p>
+          <a:p>
+            <a:r>
+              <a:rPr lang="en-GB" dirty="0"/>
+              <a:t>&lt;Examples of and / or / not&gt;</a:t>
+            </a:r>
+          </a:p>
+          <a:p>
+            <a:r>
+              <a:rPr lang="en-GB" dirty="0"/>
+              <a:t>&amp;&amp; || ! do not exist in python</a:t>
+            </a:r>
+          </a:p>
+        </p:txBody>
+      </p:sp>
+      <p:sp>
+        <p:nvSpPr>
+          <p:cNvPr id="4" name="Slide Number Placeholder 3">
+            <a:extLst>
+              <a:ext uri="{FF2B5EF4-FFF2-40B4-BE49-F238E27FC236}">
+                <a16:creationId xmlns:a16="http://schemas.microsoft.com/office/drawing/2014/main" id="{FAA123F1-C4A3-4D24-A4CB-DA604055DC0C}"/>
+              </a:ext>
+            </a:extLst>
+          </p:cNvPr>
+          <p:cNvSpPr>
+            <a:spLocks noGrp="1"/>
+          </p:cNvSpPr>
+          <p:nvPr>
+            <p:ph type="sldNum" sz="quarter" idx="12"/>
+          </p:nvPr>
+        </p:nvSpPr>
+        <p:spPr/>
+        <p:txBody>
+          <a:bodyPr/>
+          <a:lstStyle/>
+          <a:p>
+            <a:fld id="{89C4E583-6443-4199-AF95-A2ECCC288D48}" type="slidenum">
+              <a:rPr lang="en-GB" smtClean="0"/>
+              <a:t>10</a:t>
+            </a:fld>
+            <a:endParaRPr lang="en-GB"/>
+          </a:p>
+        </p:txBody>
+      </p:sp>
+    </p:spTree>
+    <p:extLst>
+      <p:ext uri="{BB962C8B-B14F-4D97-AF65-F5344CB8AC3E}">
+        <p14:creationId xmlns:p14="http://schemas.microsoft.com/office/powerpoint/2010/main" val="3032225036"/>
+      </p:ext>
+    </p:extLst>
+  </p:cSld>
+  <p:clrMapOvr>
+    <a:masterClrMapping/>
+  </p:clrMapOvr>
+</p:sld>
+</file>
+
+<file path=ppt/slides/slide11.xml><?xml version="1.0" encoding="utf-8"?>
+<p:sld xmlns:a="http://schemas.openxmlformats.org/drawingml/2006/main" xmlns:r="http://schemas.openxmlformats.org/officeDocument/2006/relationships" xmlns:p="http://schemas.openxmlformats.org/presentationml/2006/main">
+  <p:cSld>
+    <p:spTree>
+      <p:nvGrpSpPr>
+        <p:cNvPr id="1" name=""/>
+        <p:cNvGrpSpPr/>
+        <p:nvPr/>
+      </p:nvGrpSpPr>
+      <p:grpSpPr>
+        <a:xfrm>
+          <a:off x="0" y="0"/>
+          <a:ext cx="0" cy="0"/>
+          <a:chOff x="0" y="0"/>
+          <a:chExt cx="0" cy="0"/>
+        </a:xfrm>
+      </p:grpSpPr>
+      <p:sp>
+        <p:nvSpPr>
+          <p:cNvPr id="2" name="Title 1">
+            <a:extLst>
+              <a:ext uri="{FF2B5EF4-FFF2-40B4-BE49-F238E27FC236}">
+                <a16:creationId xmlns:a16="http://schemas.microsoft.com/office/drawing/2014/main" id="{AF10ECC2-F415-45F3-8A18-AD77A20FD0E1}"/>
+              </a:ext>
+            </a:extLst>
+          </p:cNvPr>
+          <p:cNvSpPr>
+            <a:spLocks noGrp="1"/>
+          </p:cNvSpPr>
+          <p:nvPr>
+            <p:ph type="title"/>
+          </p:nvPr>
+        </p:nvSpPr>
+        <p:spPr/>
+        <p:txBody>
+          <a:bodyPr/>
+          <a:lstStyle/>
+          <a:p>
+            <a:r>
+              <a:rPr lang="en-GB" dirty="0"/>
+              <a:t>Boolean Expressions</a:t>
+            </a:r>
+          </a:p>
+        </p:txBody>
+      </p:sp>
+      <p:sp>
+        <p:nvSpPr>
+          <p:cNvPr id="3" name="Content Placeholder 2">
+            <a:extLst>
+              <a:ext uri="{FF2B5EF4-FFF2-40B4-BE49-F238E27FC236}">
+                <a16:creationId xmlns:a16="http://schemas.microsoft.com/office/drawing/2014/main" id="{33782E74-D337-424E-8CBA-5E9A6EA2D44A}"/>
+              </a:ext>
+            </a:extLst>
+          </p:cNvPr>
+          <p:cNvSpPr>
+            <a:spLocks noGrp="1"/>
+          </p:cNvSpPr>
+          <p:nvPr>
+            <p:ph idx="1"/>
+          </p:nvPr>
+        </p:nvSpPr>
+        <p:spPr/>
+        <p:txBody>
+          <a:bodyPr/>
+          <a:lstStyle/>
+          <a:p>
+            <a:r>
+              <a:rPr lang="en-GB" dirty="0"/>
+              <a:t>You can influence and make expressions more readable with parentheses</a:t>
+            </a:r>
+          </a:p>
+          <a:p>
+            <a:r>
+              <a:rPr lang="en-GB" dirty="0"/>
+              <a:t>(x &lt; 5) and (x != 2)</a:t>
+            </a:r>
+          </a:p>
+          <a:p>
+            <a:r>
+              <a:rPr lang="en-GB" dirty="0"/>
+              <a:t>But be careful when using chaining</a:t>
+            </a:r>
+          </a:p>
+          <a:p>
+            <a:pPr lvl="1"/>
+            <a:r>
+              <a:rPr lang="en-GB" dirty="0"/>
+              <a:t>(3 &lt; x) &lt; 2 </a:t>
+            </a:r>
+            <a:r>
+              <a:rPr lang="en-GB" dirty="0">
+                <a:sym typeface="Wingdings" panose="05000000000000000000" pitchFamily="2" charset="2"/>
+              </a:rPr>
+              <a:t> What does this result in?</a:t>
+            </a:r>
+          </a:p>
+          <a:p>
+            <a:pPr lvl="2"/>
+            <a:r>
+              <a:rPr lang="en-GB" dirty="0" err="1">
+                <a:solidFill>
+                  <a:srgbClr val="FF0000"/>
+                </a:solidFill>
+                <a:sym typeface="Wingdings" panose="05000000000000000000" pitchFamily="2" charset="2"/>
+              </a:rPr>
+              <a:t>Anim</a:t>
+            </a:r>
+            <a:r>
+              <a:rPr lang="en-GB" dirty="0">
+                <a:solidFill>
+                  <a:srgbClr val="FF0000"/>
+                </a:solidFill>
+                <a:sym typeface="Wingdings" panose="05000000000000000000" pitchFamily="2" charset="2"/>
+              </a:rPr>
+              <a:t> </a:t>
+            </a:r>
+            <a:r>
+              <a:rPr lang="en-GB" dirty="0">
+                <a:solidFill>
+                  <a:schemeClr val="tx1"/>
+                </a:solidFill>
+                <a:sym typeface="Wingdings" panose="05000000000000000000" pitchFamily="2" charset="2"/>
+              </a:rPr>
+              <a:t>True &lt; 2 --&gt; True as True is 1</a:t>
+            </a:r>
+          </a:p>
+          <a:p>
+            <a:pPr lvl="2"/>
+            <a:r>
+              <a:rPr lang="en-GB" dirty="0">
+                <a:solidFill>
+                  <a:schemeClr val="tx1"/>
+                </a:solidFill>
+                <a:sym typeface="Wingdings" panose="05000000000000000000" pitchFamily="2" charset="2"/>
+              </a:rPr>
+              <a:t>False is 0 for that matter</a:t>
+            </a:r>
+          </a:p>
+        </p:txBody>
+      </p:sp>
+      <p:sp>
+        <p:nvSpPr>
+          <p:cNvPr id="4" name="Slide Number Placeholder 3">
+            <a:extLst>
+              <a:ext uri="{FF2B5EF4-FFF2-40B4-BE49-F238E27FC236}">
+                <a16:creationId xmlns:a16="http://schemas.microsoft.com/office/drawing/2014/main" id="{F28B0AF5-A39F-4080-B068-915E4394A5B3}"/>
+              </a:ext>
+            </a:extLst>
+          </p:cNvPr>
+          <p:cNvSpPr>
+            <a:spLocks noGrp="1"/>
+          </p:cNvSpPr>
+          <p:nvPr>
+            <p:ph type="sldNum" sz="quarter" idx="12"/>
+          </p:nvPr>
+        </p:nvSpPr>
+        <p:spPr/>
+        <p:txBody>
+          <a:bodyPr/>
+          <a:lstStyle/>
+          <a:p>
+            <a:fld id="{89C4E583-6443-4199-AF95-A2ECCC288D48}" type="slidenum">
+              <a:rPr lang="en-GB" smtClean="0"/>
+              <a:t>11</a:t>
+            </a:fld>
+            <a:endParaRPr lang="en-GB"/>
+          </a:p>
+        </p:txBody>
+      </p:sp>
+    </p:spTree>
+    <p:extLst>
+      <p:ext uri="{BB962C8B-B14F-4D97-AF65-F5344CB8AC3E}">
+        <p14:creationId xmlns:p14="http://schemas.microsoft.com/office/powerpoint/2010/main" val="1748417960"/>
+      </p:ext>
+    </p:extLst>
+  </p:cSld>
+  <p:clrMapOvr>
+    <a:masterClrMapping/>
+  </p:clrMapOvr>
+</p:sld>
+</file>
+
+<file path=ppt/slides/slide12.xml><?xml version="1.0" encoding="utf-8"?>
+<p:sld xmlns:a="http://schemas.openxmlformats.org/drawingml/2006/main" xmlns:r="http://schemas.openxmlformats.org/officeDocument/2006/relationships" xmlns:p="http://schemas.openxmlformats.org/presentationml/2006/main">
+  <p:cSld>
+    <p:spTree>
+      <p:nvGrpSpPr>
+        <p:cNvPr id="1" name=""/>
+        <p:cNvGrpSpPr/>
+        <p:nvPr/>
+      </p:nvGrpSpPr>
+      <p:grpSpPr>
+        <a:xfrm>
+          <a:off x="0" y="0"/>
+          <a:ext cx="0" cy="0"/>
+          <a:chOff x="0" y="0"/>
+          <a:chExt cx="0" cy="0"/>
+        </a:xfrm>
+      </p:grpSpPr>
+      <p:sp>
+        <p:nvSpPr>
+          <p:cNvPr id="2" name="Title 1">
+            <a:extLst>
+              <a:ext uri="{FF2B5EF4-FFF2-40B4-BE49-F238E27FC236}">
+                <a16:creationId xmlns:a16="http://schemas.microsoft.com/office/drawing/2014/main" id="{BC2C86D8-C6AA-44A1-B7B8-2B0805456B69}"/>
+              </a:ext>
+            </a:extLst>
+          </p:cNvPr>
+          <p:cNvSpPr>
+            <a:spLocks noGrp="1"/>
+          </p:cNvSpPr>
+          <p:nvPr>
+            <p:ph type="title"/>
+          </p:nvPr>
+        </p:nvSpPr>
+        <p:spPr/>
+        <p:txBody>
+          <a:bodyPr/>
+          <a:lstStyle/>
+          <a:p>
+            <a:r>
+              <a:rPr lang="en-GB"/>
+              <a:t>Boolean Expressions</a:t>
+            </a:r>
+            <a:endParaRPr lang="en-GB" dirty="0"/>
+          </a:p>
+        </p:txBody>
+      </p:sp>
+      <p:sp>
+        <p:nvSpPr>
+          <p:cNvPr id="3" name="Content Placeholder 2">
+            <a:extLst>
+              <a:ext uri="{FF2B5EF4-FFF2-40B4-BE49-F238E27FC236}">
+                <a16:creationId xmlns:a16="http://schemas.microsoft.com/office/drawing/2014/main" id="{FBBD4875-08D4-43CB-878D-60C973D79F5A}"/>
+              </a:ext>
+            </a:extLst>
+          </p:cNvPr>
+          <p:cNvSpPr>
+            <a:spLocks noGrp="1"/>
+          </p:cNvSpPr>
+          <p:nvPr>
+            <p:ph idx="1"/>
+          </p:nvPr>
+        </p:nvSpPr>
+        <p:spPr/>
+        <p:txBody>
+          <a:bodyPr/>
+          <a:lstStyle/>
+          <a:p>
+            <a:r>
+              <a:rPr lang="en-GB" dirty="0"/>
+              <a:t>We can compare / evaluate a lot of things in Boolean expressions</a:t>
+            </a:r>
+          </a:p>
+          <a:p>
+            <a:r>
+              <a:rPr lang="en-GB" dirty="0"/>
+              <a:t>0 of all kinds are False</a:t>
+            </a:r>
+          </a:p>
+          <a:p>
+            <a:r>
+              <a:rPr lang="en-GB" dirty="0"/>
+              <a:t>Empty strings, lists, collections (see next week) are False</a:t>
+            </a:r>
+          </a:p>
+          <a:p>
+            <a:r>
+              <a:rPr lang="en-GB" dirty="0"/>
+              <a:t>False, None are False</a:t>
+            </a:r>
+          </a:p>
+          <a:p>
+            <a:r>
+              <a:rPr lang="en-GB" dirty="0"/>
+              <a:t>By default everything else is True</a:t>
+            </a:r>
+          </a:p>
+        </p:txBody>
+      </p:sp>
+      <p:sp>
+        <p:nvSpPr>
+          <p:cNvPr id="4" name="Slide Number Placeholder 3">
+            <a:extLst>
+              <a:ext uri="{FF2B5EF4-FFF2-40B4-BE49-F238E27FC236}">
+                <a16:creationId xmlns:a16="http://schemas.microsoft.com/office/drawing/2014/main" id="{FC0AEB70-134A-4EA9-AE17-271D72CF3F6B}"/>
+              </a:ext>
+            </a:extLst>
+          </p:cNvPr>
+          <p:cNvSpPr>
+            <a:spLocks noGrp="1"/>
+          </p:cNvSpPr>
+          <p:nvPr>
+            <p:ph type="sldNum" sz="quarter" idx="12"/>
+          </p:nvPr>
+        </p:nvSpPr>
+        <p:spPr/>
+        <p:txBody>
+          <a:bodyPr/>
+          <a:lstStyle/>
+          <a:p>
+            <a:fld id="{89C4E583-6443-4199-AF95-A2ECCC288D48}" type="slidenum">
+              <a:rPr lang="en-GB" smtClean="0"/>
+              <a:t>12</a:t>
+            </a:fld>
+            <a:endParaRPr lang="en-GB"/>
+          </a:p>
+        </p:txBody>
+      </p:sp>
+    </p:spTree>
+    <p:extLst>
+      <p:ext uri="{BB962C8B-B14F-4D97-AF65-F5344CB8AC3E}">
+        <p14:creationId xmlns:p14="http://schemas.microsoft.com/office/powerpoint/2010/main" val="666640570"/>
+      </p:ext>
+    </p:extLst>
+  </p:cSld>
+  <p:clrMapOvr>
+    <a:masterClrMapping/>
+  </p:clrMapOvr>
+</p:sld>
+</file>
+
+<file path=ppt/slides/slide13.xml><?xml version="1.0" encoding="utf-8"?>
+<p:sld xmlns:a="http://schemas.openxmlformats.org/drawingml/2006/main" xmlns:r="http://schemas.openxmlformats.org/officeDocument/2006/relationships" xmlns:p="http://schemas.openxmlformats.org/presentationml/2006/main">
+  <p:cSld>
+    <p:spTree>
+      <p:nvGrpSpPr>
+        <p:cNvPr id="1" name=""/>
+        <p:cNvGrpSpPr/>
+        <p:nvPr/>
+      </p:nvGrpSpPr>
+      <p:grpSpPr>
+        <a:xfrm>
+          <a:off x="0" y="0"/>
+          <a:ext cx="0" cy="0"/>
+          <a:chOff x="0" y="0"/>
+          <a:chExt cx="0" cy="0"/>
+        </a:xfrm>
+      </p:grpSpPr>
+      <p:sp>
+        <p:nvSpPr>
+          <p:cNvPr id="5" name="Title 4">
+            <a:extLst>
+              <a:ext uri="{FF2B5EF4-FFF2-40B4-BE49-F238E27FC236}">
+                <a16:creationId xmlns:a16="http://schemas.microsoft.com/office/drawing/2014/main" id="{4F189C5F-6187-4BFF-92B8-3937A6F0BA2E}"/>
+              </a:ext>
+            </a:extLst>
+          </p:cNvPr>
+          <p:cNvSpPr>
+            <a:spLocks noGrp="1"/>
+          </p:cNvSpPr>
+          <p:nvPr>
+            <p:ph type="title"/>
+          </p:nvPr>
+        </p:nvSpPr>
+        <p:spPr/>
+        <p:txBody>
+          <a:bodyPr/>
+          <a:lstStyle/>
+          <a:p>
+            <a:r>
+              <a:rPr lang="en-GB" dirty="0"/>
+              <a:t>Branching</a:t>
+            </a:r>
+          </a:p>
+        </p:txBody>
+      </p:sp>
+      <p:sp>
+        <p:nvSpPr>
+          <p:cNvPr id="4" name="Slide Number Placeholder 3">
+            <a:extLst>
+              <a:ext uri="{FF2B5EF4-FFF2-40B4-BE49-F238E27FC236}">
+                <a16:creationId xmlns:a16="http://schemas.microsoft.com/office/drawing/2014/main" id="{128AD48F-5BBB-4B51-88B8-9625EA9DF2EA}"/>
+              </a:ext>
+            </a:extLst>
+          </p:cNvPr>
+          <p:cNvSpPr>
+            <a:spLocks noGrp="1"/>
+          </p:cNvSpPr>
+          <p:nvPr>
+            <p:ph type="sldNum" sz="quarter" idx="12"/>
+          </p:nvPr>
+        </p:nvSpPr>
+        <p:spPr/>
+        <p:txBody>
+          <a:bodyPr/>
+          <a:lstStyle/>
+          <a:p>
+            <a:fld id="{89C4E583-6443-4199-AF95-A2ECCC288D48}" type="slidenum">
+              <a:rPr lang="en-GB" smtClean="0"/>
+              <a:t>13</a:t>
+            </a:fld>
+            <a:endParaRPr lang="en-GB"/>
+          </a:p>
+        </p:txBody>
+      </p:sp>
+    </p:spTree>
+    <p:extLst>
+      <p:ext uri="{BB962C8B-B14F-4D97-AF65-F5344CB8AC3E}">
+        <p14:creationId xmlns:p14="http://schemas.microsoft.com/office/powerpoint/2010/main" val="2076424613"/>
+      </p:ext>
+    </p:extLst>
+  </p:cSld>
+  <p:clrMapOvr>
+    <a:masterClrMapping/>
+  </p:clrMapOvr>
+</p:sld>
+</file>
+
+<file path=ppt/slides/slide14.xml><?xml version="1.0" encoding="utf-8"?>
+<p:sld xmlns:a="http://schemas.openxmlformats.org/drawingml/2006/main" xmlns:r="http://schemas.openxmlformats.org/officeDocument/2006/relationships" xmlns:p="http://schemas.openxmlformats.org/presentationml/2006/main">
+  <p:cSld>
+    <p:spTree>
+      <p:nvGrpSpPr>
+        <p:cNvPr id="1" name=""/>
+        <p:cNvGrpSpPr/>
+        <p:nvPr/>
+      </p:nvGrpSpPr>
+      <p:grpSpPr>
+        <a:xfrm>
+          <a:off x="0" y="0"/>
+          <a:ext cx="0" cy="0"/>
+          <a:chOff x="0" y="0"/>
+          <a:chExt cx="0" cy="0"/>
+        </a:xfrm>
+      </p:grpSpPr>
+      <p:sp>
+        <p:nvSpPr>
+          <p:cNvPr id="2" name="Title 1">
+            <a:extLst>
+              <a:ext uri="{FF2B5EF4-FFF2-40B4-BE49-F238E27FC236}">
+                <a16:creationId xmlns:a16="http://schemas.microsoft.com/office/drawing/2014/main" id="{A8659E6F-2442-4291-974B-C63E8B23E826}"/>
+              </a:ext>
+            </a:extLst>
+          </p:cNvPr>
+          <p:cNvSpPr>
+            <a:spLocks noGrp="1"/>
+          </p:cNvSpPr>
+          <p:nvPr>
+            <p:ph type="title"/>
+          </p:nvPr>
+        </p:nvSpPr>
+        <p:spPr/>
+        <p:txBody>
+          <a:bodyPr/>
+          <a:lstStyle/>
+          <a:p>
+            <a:r>
+              <a:rPr lang="en-GB" dirty="0"/>
+              <a:t>If: Conditions &amp; Branching</a:t>
+            </a:r>
+          </a:p>
+        </p:txBody>
+      </p:sp>
+      <p:sp>
+        <p:nvSpPr>
+          <p:cNvPr id="3" name="Content Placeholder 2">
+            <a:extLst>
+              <a:ext uri="{FF2B5EF4-FFF2-40B4-BE49-F238E27FC236}">
+                <a16:creationId xmlns:a16="http://schemas.microsoft.com/office/drawing/2014/main" id="{79D091E3-78B9-48A1-A998-FC835EAC1169}"/>
+              </a:ext>
+            </a:extLst>
+          </p:cNvPr>
+          <p:cNvSpPr>
+            <a:spLocks noGrp="1"/>
+          </p:cNvSpPr>
+          <p:nvPr>
+            <p:ph idx="1"/>
+          </p:nvPr>
+        </p:nvSpPr>
+        <p:spPr/>
+        <p:txBody>
+          <a:bodyPr/>
+          <a:lstStyle/>
+          <a:p>
+            <a:endParaRPr lang="en-GB" dirty="0"/>
+          </a:p>
+        </p:txBody>
+      </p:sp>
+      <p:sp>
+        <p:nvSpPr>
+          <p:cNvPr id="4" name="Slide Number Placeholder 3">
+            <a:extLst>
+              <a:ext uri="{FF2B5EF4-FFF2-40B4-BE49-F238E27FC236}">
+                <a16:creationId xmlns:a16="http://schemas.microsoft.com/office/drawing/2014/main" id="{CCD56930-8C4E-48FB-8211-9B2FAE8D76E1}"/>
+              </a:ext>
+            </a:extLst>
+          </p:cNvPr>
+          <p:cNvSpPr>
+            <a:spLocks noGrp="1"/>
+          </p:cNvSpPr>
+          <p:nvPr>
+            <p:ph type="sldNum" sz="quarter" idx="12"/>
+          </p:nvPr>
+        </p:nvSpPr>
+        <p:spPr/>
+        <p:txBody>
+          <a:bodyPr/>
+          <a:lstStyle/>
+          <a:p>
+            <a:fld id="{89C4E583-6443-4199-AF95-A2ECCC288D48}" type="slidenum">
+              <a:rPr lang="en-GB" smtClean="0"/>
+              <a:t>14</a:t>
+            </a:fld>
+            <a:endParaRPr lang="en-GB"/>
+          </a:p>
+        </p:txBody>
+      </p:sp>
+    </p:spTree>
+    <p:extLst>
+      <p:ext uri="{BB962C8B-B14F-4D97-AF65-F5344CB8AC3E}">
+        <p14:creationId xmlns:p14="http://schemas.microsoft.com/office/powerpoint/2010/main" val="2524052308"/>
+      </p:ext>
+    </p:extLst>
+  </p:cSld>
+  <p:clrMapOvr>
+    <a:masterClrMapping/>
+  </p:clrMapOvr>
+</p:sld>
+</file>
+
+<file path=ppt/slides/slide15.xml><?xml version="1.0" encoding="utf-8"?>
+<p:sld xmlns:a="http://schemas.openxmlformats.org/drawingml/2006/main" xmlns:r="http://schemas.openxmlformats.org/officeDocument/2006/relationships" xmlns:p="http://schemas.openxmlformats.org/presentationml/2006/main">
+  <p:cSld>
+    <p:spTree>
+      <p:nvGrpSpPr>
+        <p:cNvPr id="1" name=""/>
+        <p:cNvGrpSpPr/>
+        <p:nvPr/>
+      </p:nvGrpSpPr>
+      <p:grpSpPr>
+        <a:xfrm>
+          <a:off x="0" y="0"/>
+          <a:ext cx="0" cy="0"/>
+          <a:chOff x="0" y="0"/>
+          <a:chExt cx="0" cy="0"/>
+        </a:xfrm>
+      </p:grpSpPr>
+      <p:sp>
+        <p:nvSpPr>
+          <p:cNvPr id="5" name="Title 4">
+            <a:extLst>
+              <a:ext uri="{FF2B5EF4-FFF2-40B4-BE49-F238E27FC236}">
+                <a16:creationId xmlns:a16="http://schemas.microsoft.com/office/drawing/2014/main" id="{34A7CCA3-127D-4AE3-8705-7C64FF4DD299}"/>
+              </a:ext>
+            </a:extLst>
+          </p:cNvPr>
+          <p:cNvSpPr>
+            <a:spLocks noGrp="1"/>
+          </p:cNvSpPr>
+          <p:nvPr>
+            <p:ph type="title"/>
+          </p:nvPr>
+        </p:nvSpPr>
+        <p:spPr/>
+        <p:txBody>
+          <a:bodyPr/>
+          <a:lstStyle/>
+          <a:p>
+            <a:r>
+              <a:rPr lang="en-GB" dirty="0"/>
+              <a:t>Let’s get loopy</a:t>
+            </a:r>
+          </a:p>
+        </p:txBody>
+      </p:sp>
+      <p:sp>
+        <p:nvSpPr>
+          <p:cNvPr id="4" name="Slide Number Placeholder 3">
+            <a:extLst>
+              <a:ext uri="{FF2B5EF4-FFF2-40B4-BE49-F238E27FC236}">
+                <a16:creationId xmlns:a16="http://schemas.microsoft.com/office/drawing/2014/main" id="{BB74E550-A46E-4DC8-B1E5-959C0B0F1C1D}"/>
+              </a:ext>
+            </a:extLst>
+          </p:cNvPr>
+          <p:cNvSpPr>
+            <a:spLocks noGrp="1"/>
+          </p:cNvSpPr>
+          <p:nvPr>
+            <p:ph type="sldNum" sz="quarter" idx="12"/>
+          </p:nvPr>
+        </p:nvSpPr>
+        <p:spPr/>
+        <p:txBody>
+          <a:bodyPr/>
+          <a:lstStyle/>
+          <a:p>
+            <a:fld id="{89C4E583-6443-4199-AF95-A2ECCC288D48}" type="slidenum">
+              <a:rPr lang="en-GB" smtClean="0"/>
+              <a:t>15</a:t>
+            </a:fld>
+            <a:endParaRPr lang="en-GB"/>
+          </a:p>
+        </p:txBody>
+      </p:sp>
+    </p:spTree>
+    <p:extLst>
+      <p:ext uri="{BB962C8B-B14F-4D97-AF65-F5344CB8AC3E}">
+        <p14:creationId xmlns:p14="http://schemas.microsoft.com/office/powerpoint/2010/main" val="2724340794"/>
+      </p:ext>
+    </p:extLst>
+  </p:cSld>
+  <p:clrMapOvr>
+    <a:masterClrMapping/>
+  </p:clrMapOvr>
+</p:sld>
+</file>
+
+<file path=ppt/slides/slide16.xml><?xml version="1.0" encoding="utf-8"?>
+<p:sld xmlns:a="http://schemas.openxmlformats.org/drawingml/2006/main" xmlns:r="http://schemas.openxmlformats.org/officeDocument/2006/relationships" xmlns:p="http://schemas.openxmlformats.org/presentationml/2006/main">
+  <p:cSld>
+    <p:spTree>
+      <p:nvGrpSpPr>
+        <p:cNvPr id="1" name=""/>
+        <p:cNvGrpSpPr/>
+        <p:nvPr/>
+      </p:nvGrpSpPr>
+      <p:grpSpPr>
+        <a:xfrm>
+          <a:off x="0" y="0"/>
+          <a:ext cx="0" cy="0"/>
+          <a:chOff x="0" y="0"/>
+          <a:chExt cx="0" cy="0"/>
+        </a:xfrm>
+      </p:grpSpPr>
+      <p:sp>
+        <p:nvSpPr>
+          <p:cNvPr id="4" name="Title 3">
+            <a:extLst>
+              <a:ext uri="{FF2B5EF4-FFF2-40B4-BE49-F238E27FC236}">
+                <a16:creationId xmlns:a16="http://schemas.microsoft.com/office/drawing/2014/main" id="{72884A04-E614-4174-A31A-9F67282C5F6E}"/>
+              </a:ext>
+            </a:extLst>
+          </p:cNvPr>
+          <p:cNvSpPr>
+            <a:spLocks noGrp="1"/>
+          </p:cNvSpPr>
+          <p:nvPr>
+            <p:ph type="title"/>
+          </p:nvPr>
+        </p:nvSpPr>
+        <p:spPr/>
+        <p:txBody>
+          <a:bodyPr/>
+          <a:lstStyle/>
+          <a:p>
+            <a:endParaRPr lang="en-GB" dirty="0"/>
+          </a:p>
+        </p:txBody>
+      </p:sp>
+      <p:sp>
+        <p:nvSpPr>
+          <p:cNvPr id="5" name="Content Placeholder 4">
+            <a:extLst>
+              <a:ext uri="{FF2B5EF4-FFF2-40B4-BE49-F238E27FC236}">
+                <a16:creationId xmlns:a16="http://schemas.microsoft.com/office/drawing/2014/main" id="{CE7E5534-782C-4B17-BB75-B717B34E9622}"/>
+              </a:ext>
+            </a:extLst>
+          </p:cNvPr>
+          <p:cNvSpPr>
+            <a:spLocks noGrp="1"/>
+          </p:cNvSpPr>
+          <p:nvPr>
+            <p:ph idx="1"/>
+          </p:nvPr>
+        </p:nvSpPr>
+        <p:spPr/>
+        <p:txBody>
+          <a:bodyPr/>
+          <a:lstStyle/>
+          <a:p>
+            <a:endParaRPr lang="en-GB"/>
+          </a:p>
+        </p:txBody>
+      </p:sp>
+      <p:sp>
+        <p:nvSpPr>
+          <p:cNvPr id="3" name="Slide Number Placeholder 2">
+            <a:extLst>
+              <a:ext uri="{FF2B5EF4-FFF2-40B4-BE49-F238E27FC236}">
+                <a16:creationId xmlns:a16="http://schemas.microsoft.com/office/drawing/2014/main" id="{212277EF-219F-4D7F-A738-C524EB194FDD}"/>
+              </a:ext>
+            </a:extLst>
+          </p:cNvPr>
+          <p:cNvSpPr>
+            <a:spLocks noGrp="1"/>
+          </p:cNvSpPr>
+          <p:nvPr>
+            <p:ph type="sldNum" sz="quarter" idx="12"/>
+          </p:nvPr>
+        </p:nvSpPr>
+        <p:spPr/>
+        <p:txBody>
+          <a:bodyPr/>
+          <a:lstStyle/>
+          <a:p>
+            <a:fld id="{89C4E583-6443-4199-AF95-A2ECCC288D48}" type="slidenum">
+              <a:rPr lang="en-GB" smtClean="0"/>
+              <a:t>16</a:t>
+            </a:fld>
+            <a:endParaRPr lang="en-GB"/>
+          </a:p>
+        </p:txBody>
+      </p:sp>
+    </p:spTree>
+    <p:extLst>
+      <p:ext uri="{BB962C8B-B14F-4D97-AF65-F5344CB8AC3E}">
+        <p14:creationId xmlns:p14="http://schemas.microsoft.com/office/powerpoint/2010/main" val="3733908408"/>
       </p:ext>
     </p:extLst>
   </p:cSld>
@@ -7715,6 +9035,21 @@
               <a:t>Sometimes we have to repeat things a lot</a:t>
             </a:r>
           </a:p>
+          <a:p>
+            <a:endParaRPr lang="en-GB" dirty="0"/>
+          </a:p>
+          <a:p>
+            <a:pPr marL="0" indent="0">
+              <a:buNone/>
+            </a:pPr>
+            <a:r>
+              <a:rPr lang="en-GB" dirty="0">
+                <a:sym typeface="Wingdings" panose="05000000000000000000" pitchFamily="2" charset="2"/>
+              </a:rPr>
+              <a:t> 2 types of control: repetition and branching</a:t>
+            </a:r>
+            <a:endParaRPr lang="en-GB" dirty="0"/>
+          </a:p>
         </p:txBody>
       </p:sp>
       <p:sp>
@@ -7827,6 +9162,19 @@
           <a:p>
             <a:r>
               <a:rPr lang="en-GB" dirty="0"/>
+              <a:t>A short reminder: Booleans are truth values</a:t>
+            </a:r>
+          </a:p>
+          <a:p>
+            <a:pPr lvl="1"/>
+            <a:r>
+              <a:rPr lang="en-GB" dirty="0"/>
+              <a:t>They only know two values: True and False (mind the spelling)</a:t>
+            </a:r>
+          </a:p>
+          <a:p>
+            <a:r>
+              <a:rPr lang="en-GB" dirty="0"/>
               <a:t>Booleans are most important for control flow</a:t>
             </a:r>
           </a:p>
@@ -7847,11 +9195,7 @@
             <a:pPr lvl="1"/>
             <a:r>
               <a:rPr lang="en-GB" dirty="0"/>
-              <a:t>If you had a class on logic this might </a:t>
-            </a:r>
-            <a:r>
-              <a:rPr lang="en-GB"/>
-              <a:t>seem familiar</a:t>
+              <a:t>If you had a class on logic this might seem familiar</a:t>
             </a:r>
           </a:p>
           <a:p>
@@ -7923,7 +9267,7 @@
           <p:cNvPr id="2" name="Title 1">
             <a:extLst>
               <a:ext uri="{FF2B5EF4-FFF2-40B4-BE49-F238E27FC236}">
-                <a16:creationId xmlns:a16="http://schemas.microsoft.com/office/drawing/2014/main" id="{A8659E6F-2442-4291-974B-C63E8B23E826}"/>
+                <a16:creationId xmlns:a16="http://schemas.microsoft.com/office/drawing/2014/main" id="{4E9D18F0-29F7-4CFE-9C64-58A0F89B4569}"/>
               </a:ext>
             </a:extLst>
           </p:cNvPr>
@@ -7941,7 +9285,7 @@
           <a:p>
             <a:r>
               <a:rPr lang="en-GB" dirty="0"/>
-              <a:t>If: Conditions &amp; Branching</a:t>
+              <a:t>Comparing</a:t>
             </a:r>
           </a:p>
         </p:txBody>
@@ -7951,7 +9295,7 @@
           <p:cNvPr id="3" name="Content Placeholder 2">
             <a:extLst>
               <a:ext uri="{FF2B5EF4-FFF2-40B4-BE49-F238E27FC236}">
-                <a16:creationId xmlns:a16="http://schemas.microsoft.com/office/drawing/2014/main" id="{79D091E3-78B9-48A1-A998-FC835EAC1169}"/>
+                <a16:creationId xmlns:a16="http://schemas.microsoft.com/office/drawing/2014/main" id="{48979847-1537-4D93-8D7B-94BDDCCCEA28}"/>
               </a:ext>
             </a:extLst>
           </p:cNvPr>
@@ -7967,7 +9311,45 @@
           <a:bodyPr/>
           <a:lstStyle/>
           <a:p>
+            <a:r>
+              <a:rPr lang="en-GB" dirty="0"/>
+              <a:t>One of the most often decisions is probably comparing</a:t>
+            </a:r>
+          </a:p>
+          <a:p>
+            <a:r>
+              <a:rPr lang="en-GB" dirty="0"/>
+              <a:t>Age &gt;= </a:t>
+            </a:r>
+            <a:r>
+              <a:rPr lang="en-GB" dirty="0" err="1"/>
+              <a:t>drinking_age</a:t>
+            </a:r>
             <a:endParaRPr lang="en-GB" dirty="0"/>
+          </a:p>
+          <a:p>
+            <a:r>
+              <a:rPr lang="en-GB" dirty="0"/>
+              <a:t>Counter &lt;= limit</a:t>
+            </a:r>
+          </a:p>
+          <a:p>
+            <a:r>
+              <a:rPr lang="en-GB" dirty="0"/>
+              <a:t>Divisor != 0</a:t>
+            </a:r>
+          </a:p>
+          <a:p>
+            <a:r>
+              <a:rPr lang="en-GB" dirty="0"/>
+              <a:t>Python does it like you know from maths</a:t>
+            </a:r>
+          </a:p>
+          <a:p>
+            <a:r>
+              <a:rPr lang="en-GB" dirty="0"/>
+              <a:t>They always result in a Boolean</a:t>
+            </a:r>
           </a:p>
         </p:txBody>
       </p:sp>
@@ -7976,7 +9358,7 @@
           <p:cNvPr id="4" name="Slide Number Placeholder 3">
             <a:extLst>
               <a:ext uri="{FF2B5EF4-FFF2-40B4-BE49-F238E27FC236}">
-                <a16:creationId xmlns:a16="http://schemas.microsoft.com/office/drawing/2014/main" id="{CCD56930-8C4E-48FB-8211-9B2FAE8D76E1}"/>
+                <a16:creationId xmlns:a16="http://schemas.microsoft.com/office/drawing/2014/main" id="{848C3650-7A48-4199-842D-2F2AA8E2EE2D}"/>
               </a:ext>
             </a:extLst>
           </p:cNvPr>
@@ -8003,7 +9385,1160 @@
     </p:spTree>
     <p:extLst>
       <p:ext uri="{BB962C8B-B14F-4D97-AF65-F5344CB8AC3E}">
-        <p14:creationId xmlns:p14="http://schemas.microsoft.com/office/powerpoint/2010/main" val="2524052308"/>
+        <p14:creationId xmlns:p14="http://schemas.microsoft.com/office/powerpoint/2010/main" val="331228608"/>
+      </p:ext>
+    </p:extLst>
+  </p:cSld>
+  <p:clrMapOvr>
+    <a:masterClrMapping/>
+  </p:clrMapOvr>
+</p:sld>
+</file>
+
+<file path=ppt/slides/slide7.xml><?xml version="1.0" encoding="utf-8"?>
+<p:sld xmlns:a="http://schemas.openxmlformats.org/drawingml/2006/main" xmlns:r="http://schemas.openxmlformats.org/officeDocument/2006/relationships" xmlns:p="http://schemas.openxmlformats.org/presentationml/2006/main">
+  <p:cSld>
+    <p:spTree>
+      <p:nvGrpSpPr>
+        <p:cNvPr id="1" name=""/>
+        <p:cNvGrpSpPr/>
+        <p:nvPr/>
+      </p:nvGrpSpPr>
+      <p:grpSpPr>
+        <a:xfrm>
+          <a:off x="0" y="0"/>
+          <a:ext cx="0" cy="0"/>
+          <a:chOff x="0" y="0"/>
+          <a:chExt cx="0" cy="0"/>
+        </a:xfrm>
+      </p:grpSpPr>
+      <p:sp>
+        <p:nvSpPr>
+          <p:cNvPr id="2" name="Title 1">
+            <a:extLst>
+              <a:ext uri="{FF2B5EF4-FFF2-40B4-BE49-F238E27FC236}">
+                <a16:creationId xmlns:a16="http://schemas.microsoft.com/office/drawing/2014/main" id="{4D289458-5B7E-4EE5-8E0B-C91A20E39474}"/>
+              </a:ext>
+            </a:extLst>
+          </p:cNvPr>
+          <p:cNvSpPr>
+            <a:spLocks noGrp="1"/>
+          </p:cNvSpPr>
+          <p:nvPr>
+            <p:ph type="title"/>
+          </p:nvPr>
+        </p:nvSpPr>
+        <p:spPr/>
+        <p:txBody>
+          <a:bodyPr/>
+          <a:lstStyle/>
+          <a:p>
+            <a:r>
+              <a:rPr lang="en-GB" dirty="0"/>
+              <a:t>Comparison Operators</a:t>
+            </a:r>
+          </a:p>
+        </p:txBody>
+      </p:sp>
+      <p:graphicFrame>
+        <p:nvGraphicFramePr>
+          <p:cNvPr id="6" name="Content Placeholder 5">
+            <a:extLst>
+              <a:ext uri="{FF2B5EF4-FFF2-40B4-BE49-F238E27FC236}">
+                <a16:creationId xmlns:a16="http://schemas.microsoft.com/office/drawing/2014/main" id="{391086D3-C9FB-4574-9E4A-DA5E50648D72}"/>
+              </a:ext>
+            </a:extLst>
+          </p:cNvPr>
+          <p:cNvGraphicFramePr>
+            <a:graphicFrameLocks noGrp="1"/>
+          </p:cNvGraphicFramePr>
+          <p:nvPr>
+            <p:ph idx="1"/>
+            <p:extLst>
+              <p:ext uri="{D42A27DB-BD31-4B8C-83A1-F6EECF244321}">
+                <p14:modId xmlns:p14="http://schemas.microsoft.com/office/powerpoint/2010/main" val="4116839971"/>
+              </p:ext>
+            </p:extLst>
+          </p:nvPr>
+        </p:nvGraphicFramePr>
+        <p:xfrm>
+          <a:off x="1096963" y="1846263"/>
+          <a:ext cx="10058400" cy="3337560"/>
+        </p:xfrm>
+        <a:graphic>
+          <a:graphicData uri="http://schemas.openxmlformats.org/drawingml/2006/table">
+            <a:tbl>
+              <a:tblPr firstRow="1" bandRow="1">
+                <a:tableStyleId>{D27102A9-8310-4765-A935-A1911B00CA55}</a:tableStyleId>
+              </a:tblPr>
+              <a:tblGrid>
+                <a:gridCol w="2514600">
+                  <a:extLst>
+                    <a:ext uri="{9D8B030D-6E8A-4147-A177-3AD203B41FA5}">
+                      <a16:colId xmlns:a16="http://schemas.microsoft.com/office/drawing/2014/main" val="2383687774"/>
+                    </a:ext>
+                  </a:extLst>
+                </a:gridCol>
+                <a:gridCol w="2514600">
+                  <a:extLst>
+                    <a:ext uri="{9D8B030D-6E8A-4147-A177-3AD203B41FA5}">
+                      <a16:colId xmlns:a16="http://schemas.microsoft.com/office/drawing/2014/main" val="2233034777"/>
+                    </a:ext>
+                  </a:extLst>
+                </a:gridCol>
+                <a:gridCol w="2514600">
+                  <a:extLst>
+                    <a:ext uri="{9D8B030D-6E8A-4147-A177-3AD203B41FA5}">
+                      <a16:colId xmlns:a16="http://schemas.microsoft.com/office/drawing/2014/main" val="3868733369"/>
+                    </a:ext>
+                  </a:extLst>
+                </a:gridCol>
+                <a:gridCol w="2514600">
+                  <a:extLst>
+                    <a:ext uri="{9D8B030D-6E8A-4147-A177-3AD203B41FA5}">
+                      <a16:colId xmlns:a16="http://schemas.microsoft.com/office/drawing/2014/main" val="4290816689"/>
+                    </a:ext>
+                  </a:extLst>
+                </a:gridCol>
+              </a:tblGrid>
+              <a:tr h="370840">
+                <a:tc>
+                  <a:txBody>
+                    <a:bodyPr/>
+                    <a:lstStyle/>
+                    <a:p>
+                      <a:r>
+                        <a:rPr lang="en-GB" dirty="0"/>
+                        <a:t>Operator</a:t>
+                      </a:r>
+                    </a:p>
+                  </a:txBody>
+                  <a:tcPr/>
+                </a:tc>
+                <a:tc>
+                  <a:txBody>
+                    <a:bodyPr/>
+                    <a:lstStyle/>
+                    <a:p>
+                      <a:r>
+                        <a:rPr lang="en-GB" dirty="0"/>
+                        <a:t>Meaning</a:t>
+                      </a:r>
+                    </a:p>
+                  </a:txBody>
+                  <a:tcPr/>
+                </a:tc>
+                <a:tc>
+                  <a:txBody>
+                    <a:bodyPr/>
+                    <a:lstStyle/>
+                    <a:p>
+                      <a:r>
+                        <a:rPr lang="en-GB" dirty="0"/>
+                        <a:t>True Example</a:t>
+                      </a:r>
+                    </a:p>
+                  </a:txBody>
+                  <a:tcPr/>
+                </a:tc>
+                <a:tc>
+                  <a:txBody>
+                    <a:bodyPr/>
+                    <a:lstStyle/>
+                    <a:p>
+                      <a:r>
+                        <a:rPr lang="en-GB" dirty="0"/>
+                        <a:t>False Example</a:t>
+                      </a:r>
+                    </a:p>
+                  </a:txBody>
+                  <a:tcPr/>
+                </a:tc>
+                <a:extLst>
+                  <a:ext uri="{0D108BD9-81ED-4DB2-BD59-A6C34878D82A}">
+                    <a16:rowId xmlns:a16="http://schemas.microsoft.com/office/drawing/2014/main" val="2209456691"/>
+                  </a:ext>
+                </a:extLst>
+              </a:tr>
+              <a:tr h="370840">
+                <a:tc>
+                  <a:txBody>
+                    <a:bodyPr/>
+                    <a:lstStyle/>
+                    <a:p>
+                      <a:r>
+                        <a:rPr lang="en-GB" dirty="0"/>
+                        <a:t>&lt;</a:t>
+                      </a:r>
+                    </a:p>
+                  </a:txBody>
+                  <a:tcPr/>
+                </a:tc>
+                <a:tc>
+                  <a:txBody>
+                    <a:bodyPr/>
+                    <a:lstStyle/>
+                    <a:p>
+                      <a:r>
+                        <a:rPr lang="en-GB" dirty="0"/>
+                        <a:t>strictly less than</a:t>
+                      </a:r>
+                    </a:p>
+                  </a:txBody>
+                  <a:tcPr/>
+                </a:tc>
+                <a:tc>
+                  <a:txBody>
+                    <a:bodyPr/>
+                    <a:lstStyle/>
+                    <a:p>
+                      <a:r>
+                        <a:rPr lang="en-GB" dirty="0"/>
+                        <a:t>5 == 5</a:t>
+                      </a:r>
+                    </a:p>
+                  </a:txBody>
+                  <a:tcPr/>
+                </a:tc>
+                <a:tc>
+                  <a:txBody>
+                    <a:bodyPr/>
+                    <a:lstStyle/>
+                    <a:p>
+                      <a:r>
+                        <a:rPr lang="en-GB" dirty="0"/>
+                        <a:t>0 == 3</a:t>
+                      </a:r>
+                    </a:p>
+                  </a:txBody>
+                  <a:tcPr/>
+                </a:tc>
+                <a:extLst>
+                  <a:ext uri="{0D108BD9-81ED-4DB2-BD59-A6C34878D82A}">
+                    <a16:rowId xmlns:a16="http://schemas.microsoft.com/office/drawing/2014/main" val="639517185"/>
+                  </a:ext>
+                </a:extLst>
+              </a:tr>
+              <a:tr h="370840">
+                <a:tc>
+                  <a:txBody>
+                    <a:bodyPr/>
+                    <a:lstStyle/>
+                    <a:p>
+                      <a:r>
+                        <a:rPr lang="en-GB" dirty="0"/>
+                        <a:t>&lt;=</a:t>
+                      </a:r>
+                    </a:p>
+                  </a:txBody>
+                  <a:tcPr/>
+                </a:tc>
+                <a:tc>
+                  <a:txBody>
+                    <a:bodyPr/>
+                    <a:lstStyle/>
+                    <a:p>
+                      <a:r>
+                        <a:rPr lang="en-GB" dirty="0"/>
+                        <a:t>less than or equal</a:t>
+                      </a:r>
+                    </a:p>
+                  </a:txBody>
+                  <a:tcPr/>
+                </a:tc>
+                <a:tc>
+                  <a:txBody>
+                    <a:bodyPr/>
+                    <a:lstStyle/>
+                    <a:p>
+                      <a:r>
+                        <a:rPr lang="en-GB" dirty="0"/>
+                        <a:t>3 != 0</a:t>
+                      </a:r>
+                    </a:p>
+                  </a:txBody>
+                  <a:tcPr/>
+                </a:tc>
+                <a:tc>
+                  <a:txBody>
+                    <a:bodyPr/>
+                    <a:lstStyle/>
+                    <a:p>
+                      <a:r>
+                        <a:rPr lang="en-GB" dirty="0"/>
+                        <a:t>5 != 5</a:t>
+                      </a:r>
+                    </a:p>
+                  </a:txBody>
+                  <a:tcPr/>
+                </a:tc>
+                <a:extLst>
+                  <a:ext uri="{0D108BD9-81ED-4DB2-BD59-A6C34878D82A}">
+                    <a16:rowId xmlns:a16="http://schemas.microsoft.com/office/drawing/2014/main" val="1863754977"/>
+                  </a:ext>
+                </a:extLst>
+              </a:tr>
+              <a:tr h="370840">
+                <a:tc>
+                  <a:txBody>
+                    <a:bodyPr/>
+                    <a:lstStyle/>
+                    <a:p>
+                      <a:r>
+                        <a:rPr lang="en-GB" dirty="0"/>
+                        <a:t>&gt;</a:t>
+                      </a:r>
+                    </a:p>
+                  </a:txBody>
+                  <a:tcPr/>
+                </a:tc>
+                <a:tc>
+                  <a:txBody>
+                    <a:bodyPr/>
+                    <a:lstStyle/>
+                    <a:p>
+                      <a:r>
+                        <a:rPr lang="en-GB" dirty="0"/>
+                        <a:t>strictly greater than</a:t>
+                      </a:r>
+                    </a:p>
+                  </a:txBody>
+                  <a:tcPr/>
+                </a:tc>
+                <a:tc>
+                  <a:txBody>
+                    <a:bodyPr/>
+                    <a:lstStyle/>
+                    <a:p>
+                      <a:r>
+                        <a:rPr lang="en-GB" dirty="0"/>
+                        <a:t>3 &lt; 4</a:t>
+                      </a:r>
+                    </a:p>
+                  </a:txBody>
+                  <a:tcPr/>
+                </a:tc>
+                <a:tc>
+                  <a:txBody>
+                    <a:bodyPr/>
+                    <a:lstStyle/>
+                    <a:p>
+                      <a:r>
+                        <a:rPr lang="en-GB" dirty="0"/>
+                        <a:t>42 &lt; 27</a:t>
+                      </a:r>
+                    </a:p>
+                  </a:txBody>
+                  <a:tcPr/>
+                </a:tc>
+                <a:extLst>
+                  <a:ext uri="{0D108BD9-81ED-4DB2-BD59-A6C34878D82A}">
+                    <a16:rowId xmlns:a16="http://schemas.microsoft.com/office/drawing/2014/main" val="1241210721"/>
+                  </a:ext>
+                </a:extLst>
+              </a:tr>
+              <a:tr h="370840">
+                <a:tc>
+                  <a:txBody>
+                    <a:bodyPr/>
+                    <a:lstStyle/>
+                    <a:p>
+                      <a:r>
+                        <a:rPr lang="en-GB" dirty="0"/>
+                        <a:t>&gt;=</a:t>
+                      </a:r>
+                    </a:p>
+                  </a:txBody>
+                  <a:tcPr/>
+                </a:tc>
+                <a:tc>
+                  <a:txBody>
+                    <a:bodyPr/>
+                    <a:lstStyle/>
+                    <a:p>
+                      <a:r>
+                        <a:rPr lang="en-GB" dirty="0"/>
+                        <a:t>greater than or equal</a:t>
+                      </a:r>
+                    </a:p>
+                  </a:txBody>
+                  <a:tcPr/>
+                </a:tc>
+                <a:tc>
+                  <a:txBody>
+                    <a:bodyPr/>
+                    <a:lstStyle/>
+                    <a:p>
+                      <a:r>
+                        <a:rPr lang="en-GB" dirty="0"/>
+                        <a:t>42 &gt; 27</a:t>
+                      </a:r>
+                    </a:p>
+                  </a:txBody>
+                  <a:tcPr/>
+                </a:tc>
+                <a:tc>
+                  <a:txBody>
+                    <a:bodyPr/>
+                    <a:lstStyle/>
+                    <a:p>
+                      <a:r>
+                        <a:rPr lang="en-GB" dirty="0"/>
+                        <a:t>3 &gt; 4</a:t>
+                      </a:r>
+                    </a:p>
+                  </a:txBody>
+                  <a:tcPr/>
+                </a:tc>
+                <a:extLst>
+                  <a:ext uri="{0D108BD9-81ED-4DB2-BD59-A6C34878D82A}">
+                    <a16:rowId xmlns:a16="http://schemas.microsoft.com/office/drawing/2014/main" val="2887219487"/>
+                  </a:ext>
+                </a:extLst>
+              </a:tr>
+              <a:tr h="370840">
+                <a:tc>
+                  <a:txBody>
+                    <a:bodyPr/>
+                    <a:lstStyle/>
+                    <a:p>
+                      <a:r>
+                        <a:rPr lang="en-GB" dirty="0"/>
+                        <a:t>==</a:t>
+                      </a:r>
+                    </a:p>
+                  </a:txBody>
+                  <a:tcPr/>
+                </a:tc>
+                <a:tc>
+                  <a:txBody>
+                    <a:bodyPr/>
+                    <a:lstStyle/>
+                    <a:p>
+                      <a:r>
+                        <a:rPr lang="en-GB" dirty="0"/>
+                        <a:t>equal</a:t>
+                      </a:r>
+                    </a:p>
+                  </a:txBody>
+                  <a:tcPr/>
+                </a:tc>
+                <a:tc>
+                  <a:txBody>
+                    <a:bodyPr/>
+                    <a:lstStyle/>
+                    <a:p>
+                      <a:r>
+                        <a:rPr lang="en-GB" dirty="0"/>
+                        <a:t>5 &lt;= 6, 5 &lt;= 5</a:t>
+                      </a:r>
+                    </a:p>
+                  </a:txBody>
+                  <a:tcPr/>
+                </a:tc>
+                <a:tc>
+                  <a:txBody>
+                    <a:bodyPr/>
+                    <a:lstStyle/>
+                    <a:p>
+                      <a:r>
+                        <a:rPr lang="en-GB" dirty="0"/>
+                        <a:t>9 &lt;= 8 </a:t>
+                      </a:r>
+                    </a:p>
+                  </a:txBody>
+                  <a:tcPr/>
+                </a:tc>
+                <a:extLst>
+                  <a:ext uri="{0D108BD9-81ED-4DB2-BD59-A6C34878D82A}">
+                    <a16:rowId xmlns:a16="http://schemas.microsoft.com/office/drawing/2014/main" val="3058834897"/>
+                  </a:ext>
+                </a:extLst>
+              </a:tr>
+              <a:tr h="370840">
+                <a:tc>
+                  <a:txBody>
+                    <a:bodyPr/>
+                    <a:lstStyle/>
+                    <a:p>
+                      <a:r>
+                        <a:rPr lang="en-GB" dirty="0"/>
+                        <a:t>!=</a:t>
+                      </a:r>
+                    </a:p>
+                  </a:txBody>
+                  <a:tcPr/>
+                </a:tc>
+                <a:tc>
+                  <a:txBody>
+                    <a:bodyPr/>
+                    <a:lstStyle/>
+                    <a:p>
+                      <a:r>
+                        <a:rPr lang="en-GB" dirty="0"/>
+                        <a:t>not equal</a:t>
+                      </a:r>
+                    </a:p>
+                  </a:txBody>
+                  <a:tcPr/>
+                </a:tc>
+                <a:tc>
+                  <a:txBody>
+                    <a:bodyPr/>
+                    <a:lstStyle/>
+                    <a:p>
+                      <a:r>
+                        <a:rPr lang="en-GB" dirty="0"/>
+                        <a:t>13 &gt;= 13, 13 &gt;= 10</a:t>
+                      </a:r>
+                    </a:p>
+                  </a:txBody>
+                  <a:tcPr/>
+                </a:tc>
+                <a:tc>
+                  <a:txBody>
+                    <a:bodyPr/>
+                    <a:lstStyle/>
+                    <a:p>
+                      <a:r>
+                        <a:rPr lang="en-GB" dirty="0"/>
+                        <a:t>13 &gt;= 19</a:t>
+                      </a:r>
+                    </a:p>
+                  </a:txBody>
+                  <a:tcPr/>
+                </a:tc>
+                <a:extLst>
+                  <a:ext uri="{0D108BD9-81ED-4DB2-BD59-A6C34878D82A}">
+                    <a16:rowId xmlns:a16="http://schemas.microsoft.com/office/drawing/2014/main" val="3497910788"/>
+                  </a:ext>
+                </a:extLst>
+              </a:tr>
+              <a:tr h="370840">
+                <a:tc>
+                  <a:txBody>
+                    <a:bodyPr/>
+                    <a:lstStyle/>
+                    <a:p>
+                      <a:r>
+                        <a:rPr lang="en-GB" dirty="0"/>
+                        <a:t>is</a:t>
+                      </a:r>
+                    </a:p>
+                  </a:txBody>
+                  <a:tcPr/>
+                </a:tc>
+                <a:tc>
+                  <a:txBody>
+                    <a:bodyPr/>
+                    <a:lstStyle/>
+                    <a:p>
+                      <a:r>
+                        <a:rPr lang="en-GB" dirty="0"/>
+                        <a:t>object identity</a:t>
+                      </a:r>
+                    </a:p>
+                  </a:txBody>
+                  <a:tcPr/>
+                </a:tc>
+                <a:tc rowSpan="2" gridSpan="2">
+                  <a:txBody>
+                    <a:bodyPr/>
+                    <a:lstStyle/>
+                    <a:p>
+                      <a:pPr algn="ctr"/>
+                      <a:r>
+                        <a:rPr lang="en-GB" dirty="0"/>
+                        <a:t>See next slide</a:t>
+                      </a:r>
+                    </a:p>
+                  </a:txBody>
+                  <a:tcPr anchor="ctr"/>
+                </a:tc>
+                <a:tc rowSpan="2" hMerge="1">
+                  <a:txBody>
+                    <a:bodyPr/>
+                    <a:lstStyle/>
+                    <a:p>
+                      <a:endParaRPr lang="en-GB" dirty="0"/>
+                    </a:p>
+                  </a:txBody>
+                  <a:tcPr/>
+                </a:tc>
+                <a:extLst>
+                  <a:ext uri="{0D108BD9-81ED-4DB2-BD59-A6C34878D82A}">
+                    <a16:rowId xmlns:a16="http://schemas.microsoft.com/office/drawing/2014/main" val="1308923244"/>
+                  </a:ext>
+                </a:extLst>
+              </a:tr>
+              <a:tr h="370840">
+                <a:tc>
+                  <a:txBody>
+                    <a:bodyPr/>
+                    <a:lstStyle/>
+                    <a:p>
+                      <a:r>
+                        <a:rPr lang="en-GB" dirty="0"/>
+                        <a:t>is not</a:t>
+                      </a:r>
+                    </a:p>
+                  </a:txBody>
+                  <a:tcPr/>
+                </a:tc>
+                <a:tc>
+                  <a:txBody>
+                    <a:bodyPr/>
+                    <a:lstStyle/>
+                    <a:p>
+                      <a:r>
+                        <a:rPr lang="en-GB" dirty="0"/>
+                        <a:t>negated object identity</a:t>
+                      </a:r>
+                    </a:p>
+                  </a:txBody>
+                  <a:tcPr/>
+                </a:tc>
+                <a:tc gridSpan="2" vMerge="1">
+                  <a:txBody>
+                    <a:bodyPr/>
+                    <a:lstStyle/>
+                    <a:p>
+                      <a:endParaRPr lang="en-GB" dirty="0"/>
+                    </a:p>
+                  </a:txBody>
+                  <a:tcPr/>
+                </a:tc>
+                <a:tc hMerge="1" vMerge="1">
+                  <a:txBody>
+                    <a:bodyPr/>
+                    <a:lstStyle/>
+                    <a:p>
+                      <a:endParaRPr lang="en-GB" dirty="0"/>
+                    </a:p>
+                  </a:txBody>
+                  <a:tcPr/>
+                </a:tc>
+                <a:extLst>
+                  <a:ext uri="{0D108BD9-81ED-4DB2-BD59-A6C34878D82A}">
+                    <a16:rowId xmlns:a16="http://schemas.microsoft.com/office/drawing/2014/main" val="1282968139"/>
+                  </a:ext>
+                </a:extLst>
+              </a:tr>
+            </a:tbl>
+          </a:graphicData>
+        </a:graphic>
+      </p:graphicFrame>
+      <p:sp>
+        <p:nvSpPr>
+          <p:cNvPr id="4" name="Slide Number Placeholder 3">
+            <a:extLst>
+              <a:ext uri="{FF2B5EF4-FFF2-40B4-BE49-F238E27FC236}">
+                <a16:creationId xmlns:a16="http://schemas.microsoft.com/office/drawing/2014/main" id="{93B7C8A0-CE47-43B8-AFF1-31FC87C5DD82}"/>
+              </a:ext>
+            </a:extLst>
+          </p:cNvPr>
+          <p:cNvSpPr>
+            <a:spLocks noGrp="1"/>
+          </p:cNvSpPr>
+          <p:nvPr>
+            <p:ph type="sldNum" sz="quarter" idx="12"/>
+          </p:nvPr>
+        </p:nvSpPr>
+        <p:spPr/>
+        <p:txBody>
+          <a:bodyPr/>
+          <a:lstStyle/>
+          <a:p>
+            <a:fld id="{89C4E583-6443-4199-AF95-A2ECCC288D48}" type="slidenum">
+              <a:rPr lang="en-GB" smtClean="0"/>
+              <a:t>7</a:t>
+            </a:fld>
+            <a:endParaRPr lang="en-GB"/>
+          </a:p>
+        </p:txBody>
+      </p:sp>
+    </p:spTree>
+    <p:extLst>
+      <p:ext uri="{BB962C8B-B14F-4D97-AF65-F5344CB8AC3E}">
+        <p14:creationId xmlns:p14="http://schemas.microsoft.com/office/powerpoint/2010/main" val="3973824458"/>
+      </p:ext>
+    </p:extLst>
+  </p:cSld>
+  <p:clrMapOvr>
+    <a:masterClrMapping/>
+  </p:clrMapOvr>
+</p:sld>
+</file>
+
+<file path=ppt/slides/slide8.xml><?xml version="1.0" encoding="utf-8"?>
+<p:sld xmlns:a="http://schemas.openxmlformats.org/drawingml/2006/main" xmlns:r="http://schemas.openxmlformats.org/officeDocument/2006/relationships" xmlns:p="http://schemas.openxmlformats.org/presentationml/2006/main">
+  <p:cSld>
+    <p:spTree>
+      <p:nvGrpSpPr>
+        <p:cNvPr id="1" name=""/>
+        <p:cNvGrpSpPr/>
+        <p:nvPr/>
+      </p:nvGrpSpPr>
+      <p:grpSpPr>
+        <a:xfrm>
+          <a:off x="0" y="0"/>
+          <a:ext cx="0" cy="0"/>
+          <a:chOff x="0" y="0"/>
+          <a:chExt cx="0" cy="0"/>
+        </a:xfrm>
+      </p:grpSpPr>
+      <p:sp>
+        <p:nvSpPr>
+          <p:cNvPr id="2" name="Title 1">
+            <a:extLst>
+              <a:ext uri="{FF2B5EF4-FFF2-40B4-BE49-F238E27FC236}">
+                <a16:creationId xmlns:a16="http://schemas.microsoft.com/office/drawing/2014/main" id="{1F6336D3-D6B4-4558-BF17-A441F95DD9A7}"/>
+              </a:ext>
+            </a:extLst>
+          </p:cNvPr>
+          <p:cNvSpPr>
+            <a:spLocks noGrp="1"/>
+          </p:cNvSpPr>
+          <p:nvPr>
+            <p:ph type="title"/>
+          </p:nvPr>
+        </p:nvSpPr>
+        <p:spPr/>
+        <p:txBody>
+          <a:bodyPr/>
+          <a:lstStyle/>
+          <a:p>
+            <a:r>
+              <a:rPr lang="en-GB" dirty="0"/>
+              <a:t>A more complicated side note</a:t>
+            </a:r>
+          </a:p>
+        </p:txBody>
+      </p:sp>
+      <p:sp>
+        <p:nvSpPr>
+          <p:cNvPr id="3" name="Content Placeholder 2">
+            <a:extLst>
+              <a:ext uri="{FF2B5EF4-FFF2-40B4-BE49-F238E27FC236}">
+                <a16:creationId xmlns:a16="http://schemas.microsoft.com/office/drawing/2014/main" id="{B7C67059-D5DF-4782-A04A-3EDB5242DA36}"/>
+              </a:ext>
+            </a:extLst>
+          </p:cNvPr>
+          <p:cNvSpPr>
+            <a:spLocks noGrp="1"/>
+          </p:cNvSpPr>
+          <p:nvPr>
+            <p:ph idx="1"/>
+          </p:nvPr>
+        </p:nvSpPr>
+        <p:spPr/>
+        <p:txBody>
+          <a:bodyPr>
+            <a:normAutofit/>
+          </a:bodyPr>
+          <a:lstStyle/>
+          <a:p>
+            <a:r>
+              <a:rPr lang="en-GB" dirty="0">
+                <a:highlight>
+                  <a:srgbClr val="C0C0C0"/>
+                </a:highlight>
+              </a:rPr>
+              <a:t>is</a:t>
+            </a:r>
+            <a:r>
+              <a:rPr lang="en-GB" dirty="0"/>
+              <a:t> </a:t>
+            </a:r>
+            <a:r>
+              <a:rPr lang="en-GB" dirty="0" err="1"/>
+              <a:t>is</a:t>
+            </a:r>
+            <a:r>
+              <a:rPr lang="en-GB" dirty="0"/>
+              <a:t> similar to </a:t>
+            </a:r>
+            <a:r>
+              <a:rPr lang="en-GB" dirty="0">
+                <a:highlight>
+                  <a:srgbClr val="C0C0C0"/>
+                </a:highlight>
+                <a:latin typeface="Consolas" panose="020B0609020204030204" pitchFamily="49" charset="0"/>
+              </a:rPr>
+              <a:t>==</a:t>
+            </a:r>
+            <a:r>
+              <a:rPr lang="en-GB" dirty="0"/>
+              <a:t> but not quite the same</a:t>
+            </a:r>
+          </a:p>
+          <a:p>
+            <a:r>
+              <a:rPr lang="en-GB" dirty="0">
+                <a:highlight>
+                  <a:srgbClr val="C0C0C0"/>
+                </a:highlight>
+              </a:rPr>
+              <a:t>is</a:t>
+            </a:r>
+            <a:r>
+              <a:rPr lang="en-GB" dirty="0"/>
+              <a:t> checks for </a:t>
+            </a:r>
+            <a:r>
+              <a:rPr lang="en-GB" i="1" dirty="0"/>
+              <a:t>identity</a:t>
+            </a:r>
+            <a:r>
+              <a:rPr lang="en-GB" dirty="0"/>
+              <a:t> and </a:t>
+            </a:r>
+            <a:r>
+              <a:rPr lang="en-GB" dirty="0">
+                <a:highlight>
+                  <a:srgbClr val="C0C0C0"/>
+                </a:highlight>
+                <a:latin typeface="Consolas" panose="020B0609020204030204" pitchFamily="49" charset="0"/>
+              </a:rPr>
+              <a:t>==</a:t>
+            </a:r>
+            <a:r>
+              <a:rPr lang="en-GB" dirty="0"/>
+              <a:t> checks for </a:t>
+            </a:r>
+            <a:r>
+              <a:rPr lang="en-GB" i="1" dirty="0"/>
+              <a:t>equality</a:t>
+            </a:r>
+          </a:p>
+          <a:p>
+            <a:pPr lvl="1"/>
+            <a:r>
+              <a:rPr lang="en-GB" dirty="0"/>
+              <a:t>In German we have the difference of “das </a:t>
+            </a:r>
+            <a:r>
+              <a:rPr lang="en-GB" dirty="0" err="1"/>
+              <a:t>selbe</a:t>
+            </a:r>
+            <a:r>
+              <a:rPr lang="en-GB" dirty="0"/>
+              <a:t>” (identity) and “das </a:t>
+            </a:r>
+            <a:r>
+              <a:rPr lang="en-GB" dirty="0" err="1"/>
+              <a:t>gleiche</a:t>
+            </a:r>
+            <a:r>
+              <a:rPr lang="en-GB" dirty="0"/>
+              <a:t>” (equality)</a:t>
+            </a:r>
+          </a:p>
+          <a:p>
+            <a:pPr lvl="1"/>
+            <a:r>
+              <a:rPr lang="en-GB" dirty="0"/>
+              <a:t>It also implies that if </a:t>
+            </a:r>
+            <a:r>
+              <a:rPr lang="en-GB" dirty="0">
+                <a:highlight>
+                  <a:srgbClr val="C0C0C0"/>
+                </a:highlight>
+                <a:latin typeface="Consolas" panose="020B0609020204030204" pitchFamily="49" charset="0"/>
+              </a:rPr>
+              <a:t>a is b</a:t>
+            </a:r>
+            <a:r>
+              <a:rPr lang="en-GB" dirty="0"/>
+              <a:t> is True then </a:t>
+            </a:r>
+            <a:r>
+              <a:rPr lang="en-GB" dirty="0">
+                <a:highlight>
+                  <a:srgbClr val="C0C0C0"/>
+                </a:highlight>
+                <a:latin typeface="Consolas" panose="020B0609020204030204" pitchFamily="49" charset="0"/>
+              </a:rPr>
+              <a:t>a == b</a:t>
+            </a:r>
+            <a:r>
+              <a:rPr lang="en-GB" dirty="0"/>
+              <a:t> is true</a:t>
+            </a:r>
+          </a:p>
+          <a:p>
+            <a:r>
+              <a:rPr lang="en-GB" dirty="0"/>
+              <a:t>This means that if you have 2 cars of the same model, they are equal, but they are not the same car, meaning they have a different identity</a:t>
+            </a:r>
+          </a:p>
+          <a:p>
+            <a:pPr lvl="1"/>
+            <a:r>
+              <a:rPr lang="en-GB" dirty="0"/>
+              <a:t>This means that </a:t>
+            </a:r>
+            <a:r>
+              <a:rPr lang="en-GB" dirty="0">
+                <a:highlight>
+                  <a:srgbClr val="C0C0C0"/>
+                </a:highlight>
+              </a:rPr>
+              <a:t>car1 is car2</a:t>
+            </a:r>
+            <a:r>
+              <a:rPr lang="en-GB" dirty="0"/>
+              <a:t> would be </a:t>
+            </a:r>
+            <a:r>
+              <a:rPr lang="en-GB" dirty="0">
+                <a:highlight>
+                  <a:srgbClr val="C0C0C0"/>
+                </a:highlight>
+              </a:rPr>
+              <a:t>False</a:t>
+            </a:r>
+            <a:r>
+              <a:rPr lang="en-GB" dirty="0"/>
+              <a:t>, but </a:t>
+            </a:r>
+            <a:r>
+              <a:rPr lang="en-GB" dirty="0">
+                <a:highlight>
+                  <a:srgbClr val="C0C0C0"/>
+                </a:highlight>
+                <a:latin typeface="Consolas" panose="020B0609020204030204" pitchFamily="49" charset="0"/>
+              </a:rPr>
+              <a:t>car1 == car2</a:t>
+            </a:r>
+            <a:r>
+              <a:rPr lang="en-GB" dirty="0"/>
+              <a:t> would be </a:t>
+            </a:r>
+            <a:r>
+              <a:rPr lang="en-GB" dirty="0">
+                <a:highlight>
+                  <a:srgbClr val="C0C0C0"/>
+                </a:highlight>
+              </a:rPr>
+              <a:t>True</a:t>
+            </a:r>
+          </a:p>
+          <a:p>
+            <a:r>
+              <a:rPr lang="en-GB" dirty="0"/>
+              <a:t>For now </a:t>
+            </a:r>
+            <a:r>
+              <a:rPr lang="en-GB" dirty="0">
+                <a:highlight>
+                  <a:srgbClr val="C0C0C0"/>
+                </a:highlight>
+                <a:latin typeface="Consolas" panose="020B0609020204030204" pitchFamily="49" charset="0"/>
+              </a:rPr>
+              <a:t>==</a:t>
+            </a:r>
+            <a:r>
+              <a:rPr lang="en-GB" dirty="0"/>
+              <a:t> should always be sufficient</a:t>
+            </a:r>
+          </a:p>
+          <a:p>
+            <a:pPr lvl="1"/>
+            <a:r>
+              <a:rPr lang="en-GB" dirty="0"/>
+              <a:t>Unless you are checking for “</a:t>
+            </a:r>
+            <a:r>
+              <a:rPr lang="en-GB" dirty="0">
+                <a:latin typeface="Consolas" panose="020B0609020204030204" pitchFamily="49" charset="0"/>
+              </a:rPr>
+              <a:t>None</a:t>
+            </a:r>
+            <a:r>
+              <a:rPr lang="en-GB" dirty="0"/>
+              <a:t>”, in that case use </a:t>
+            </a:r>
+            <a:r>
+              <a:rPr lang="en-GB" dirty="0">
+                <a:highlight>
+                  <a:srgbClr val="C0C0C0"/>
+                </a:highlight>
+              </a:rPr>
+              <a:t>is</a:t>
+            </a:r>
+            <a:endParaRPr lang="en-GB" dirty="0"/>
+          </a:p>
+          <a:p>
+            <a:pPr lvl="1"/>
+            <a:r>
+              <a:rPr lang="en-GB" dirty="0"/>
+              <a:t>We will touch on this again in the future, no worries.</a:t>
+            </a:r>
+          </a:p>
+        </p:txBody>
+      </p:sp>
+      <p:sp>
+        <p:nvSpPr>
+          <p:cNvPr id="4" name="Slide Number Placeholder 3">
+            <a:extLst>
+              <a:ext uri="{FF2B5EF4-FFF2-40B4-BE49-F238E27FC236}">
+                <a16:creationId xmlns:a16="http://schemas.microsoft.com/office/drawing/2014/main" id="{7D818AAD-BBA5-42C7-86DE-853604BC16ED}"/>
+              </a:ext>
+            </a:extLst>
+          </p:cNvPr>
+          <p:cNvSpPr>
+            <a:spLocks noGrp="1"/>
+          </p:cNvSpPr>
+          <p:nvPr>
+            <p:ph type="sldNum" sz="quarter" idx="12"/>
+          </p:nvPr>
+        </p:nvSpPr>
+        <p:spPr/>
+        <p:txBody>
+          <a:bodyPr/>
+          <a:lstStyle/>
+          <a:p>
+            <a:fld id="{89C4E583-6443-4199-AF95-A2ECCC288D48}" type="slidenum">
+              <a:rPr lang="en-GB" smtClean="0"/>
+              <a:t>8</a:t>
+            </a:fld>
+            <a:endParaRPr lang="en-GB"/>
+          </a:p>
+        </p:txBody>
+      </p:sp>
+    </p:spTree>
+    <p:extLst>
+      <p:ext uri="{BB962C8B-B14F-4D97-AF65-F5344CB8AC3E}">
+        <p14:creationId xmlns:p14="http://schemas.microsoft.com/office/powerpoint/2010/main" val="4106587795"/>
+      </p:ext>
+    </p:extLst>
+  </p:cSld>
+  <p:clrMapOvr>
+    <a:masterClrMapping/>
+  </p:clrMapOvr>
+</p:sld>
+</file>
+
+<file path=ppt/slides/slide9.xml><?xml version="1.0" encoding="utf-8"?>
+<p:sld xmlns:a="http://schemas.openxmlformats.org/drawingml/2006/main" xmlns:r="http://schemas.openxmlformats.org/officeDocument/2006/relationships" xmlns:p="http://schemas.openxmlformats.org/presentationml/2006/main">
+  <p:cSld>
+    <p:spTree>
+      <p:nvGrpSpPr>
+        <p:cNvPr id="1" name=""/>
+        <p:cNvGrpSpPr/>
+        <p:nvPr/>
+      </p:nvGrpSpPr>
+      <p:grpSpPr>
+        <a:xfrm>
+          <a:off x="0" y="0"/>
+          <a:ext cx="0" cy="0"/>
+          <a:chOff x="0" y="0"/>
+          <a:chExt cx="0" cy="0"/>
+        </a:xfrm>
+      </p:grpSpPr>
+      <p:sp>
+        <p:nvSpPr>
+          <p:cNvPr id="2" name="Title 1">
+            <a:extLst>
+              <a:ext uri="{FF2B5EF4-FFF2-40B4-BE49-F238E27FC236}">
+                <a16:creationId xmlns:a16="http://schemas.microsoft.com/office/drawing/2014/main" id="{DED8971F-3852-4733-BFCF-F61A0D673766}"/>
+              </a:ext>
+            </a:extLst>
+          </p:cNvPr>
+          <p:cNvSpPr>
+            <a:spLocks noGrp="1"/>
+          </p:cNvSpPr>
+          <p:nvPr>
+            <p:ph type="title"/>
+          </p:nvPr>
+        </p:nvSpPr>
+        <p:spPr/>
+        <p:txBody>
+          <a:bodyPr/>
+          <a:lstStyle/>
+          <a:p>
+            <a:r>
+              <a:rPr lang="en-GB" dirty="0"/>
+              <a:t>Comparison chaining</a:t>
+            </a:r>
+          </a:p>
+        </p:txBody>
+      </p:sp>
+      <p:sp>
+        <p:nvSpPr>
+          <p:cNvPr id="3" name="Content Placeholder 2">
+            <a:extLst>
+              <a:ext uri="{FF2B5EF4-FFF2-40B4-BE49-F238E27FC236}">
+                <a16:creationId xmlns:a16="http://schemas.microsoft.com/office/drawing/2014/main" id="{0CED4F13-FA4F-4FAE-B1D0-8E91433E8D62}"/>
+              </a:ext>
+            </a:extLst>
+          </p:cNvPr>
+          <p:cNvSpPr>
+            <a:spLocks noGrp="1"/>
+          </p:cNvSpPr>
+          <p:nvPr>
+            <p:ph idx="1"/>
+          </p:nvPr>
+        </p:nvSpPr>
+        <p:spPr/>
+        <p:txBody>
+          <a:bodyPr/>
+          <a:lstStyle/>
+          <a:p>
+            <a:r>
+              <a:rPr lang="en-GB" dirty="0"/>
+              <a:t>5 &lt; x &lt; 7 works</a:t>
+            </a:r>
+          </a:p>
+          <a:p>
+            <a:r>
+              <a:rPr lang="en-GB" dirty="0"/>
+              <a:t>So does 3 &lt; y &gt; 9</a:t>
+            </a:r>
+          </a:p>
+          <a:p>
+            <a:r>
+              <a:rPr lang="en-GB" dirty="0"/>
+              <a:t>Same as 5 &lt; x and x &lt; 7</a:t>
+            </a:r>
+          </a:p>
+        </p:txBody>
+      </p:sp>
+      <p:sp>
+        <p:nvSpPr>
+          <p:cNvPr id="4" name="Slide Number Placeholder 3">
+            <a:extLst>
+              <a:ext uri="{FF2B5EF4-FFF2-40B4-BE49-F238E27FC236}">
+                <a16:creationId xmlns:a16="http://schemas.microsoft.com/office/drawing/2014/main" id="{413F0498-C33D-43DC-A989-F010F02F631E}"/>
+              </a:ext>
+            </a:extLst>
+          </p:cNvPr>
+          <p:cNvSpPr>
+            <a:spLocks noGrp="1"/>
+          </p:cNvSpPr>
+          <p:nvPr>
+            <p:ph type="sldNum" sz="quarter" idx="12"/>
+          </p:nvPr>
+        </p:nvSpPr>
+        <p:spPr/>
+        <p:txBody>
+          <a:bodyPr/>
+          <a:lstStyle/>
+          <a:p>
+            <a:fld id="{89C4E583-6443-4199-AF95-A2ECCC288D48}" type="slidenum">
+              <a:rPr lang="en-GB" smtClean="0"/>
+              <a:t>9</a:t>
+            </a:fld>
+            <a:endParaRPr lang="en-GB"/>
+          </a:p>
+        </p:txBody>
+      </p:sp>
+    </p:spTree>
+    <p:extLst>
+      <p:ext uri="{BB962C8B-B14F-4D97-AF65-F5344CB8AC3E}">
+        <p14:creationId xmlns:p14="http://schemas.microsoft.com/office/powerpoint/2010/main" val="162141928"/>
       </p:ext>
     </p:extLst>
   </p:cSld>

--- a/2018/03/control_structures.pptx
+++ b/2018/03/control_structures.pptx
@@ -5,7 +5,7 @@
     <p:sldMasterId id="2147483672" r:id="rId1"/>
   </p:sldMasterIdLst>
   <p:notesMasterIdLst>
-    <p:notesMasterId r:id="rId44"/>
+    <p:notesMasterId r:id="rId50"/>
   </p:notesMasterIdLst>
   <p:sldIdLst>
     <p:sldId id="256" r:id="rId2"/>
@@ -43,13 +43,19 @@
     <p:sldId id="296" r:id="rId34"/>
     <p:sldId id="280" r:id="rId35"/>
     <p:sldId id="277" r:id="rId36"/>
-    <p:sldId id="295" r:id="rId37"/>
-    <p:sldId id="292" r:id="rId38"/>
-    <p:sldId id="298" r:id="rId39"/>
-    <p:sldId id="299" r:id="rId40"/>
-    <p:sldId id="284" r:id="rId41"/>
-    <p:sldId id="285" r:id="rId42"/>
-    <p:sldId id="297" r:id="rId43"/>
+    <p:sldId id="301" r:id="rId37"/>
+    <p:sldId id="302" r:id="rId38"/>
+    <p:sldId id="295" r:id="rId39"/>
+    <p:sldId id="292" r:id="rId40"/>
+    <p:sldId id="298" r:id="rId41"/>
+    <p:sldId id="299" r:id="rId42"/>
+    <p:sldId id="284" r:id="rId43"/>
+    <p:sldId id="300" r:id="rId44"/>
+    <p:sldId id="285" r:id="rId45"/>
+    <p:sldId id="297" r:id="rId46"/>
+    <p:sldId id="304" r:id="rId47"/>
+    <p:sldId id="305" r:id="rId48"/>
+    <p:sldId id="303" r:id="rId49"/>
   </p:sldIdLst>
   <p:sldSz cx="12192000" cy="6858000"/>
   <p:notesSz cx="6858000" cy="9144000"/>
@@ -179,15 +185,181 @@
       </p:ext>
     </p:extLst>
   </p:cmAuthor>
+  <p:cmAuthor id="2" name="Antonia H." initials="AH" lastIdx="9" clrIdx="1">
+    <p:extLst>
+      <p:ext uri="{19B8F6BF-5375-455C-9EA6-DF929625EA0E}">
+        <p15:presenceInfo xmlns:p15="http://schemas.microsoft.com/office/powerpoint/2012/main" userId="da08060cd893cdf4" providerId="Windows Live"/>
+      </p:ext>
+    </p:extLst>
+  </p:cmAuthor>
 </p:cmAuthorLst>
 </file>
 
 <file path=ppt/changesInfos/changesInfo1.xml><?xml version="1.0" encoding="utf-8"?>
 <pc:chgInfo xmlns:a="http://schemas.openxmlformats.org/drawingml/2006/main" xmlns:r="http://schemas.openxmlformats.org/officeDocument/2006/relationships" xmlns:ac="http://schemas.microsoft.com/office/drawing/2013/main/command" xmlns:pc="http://schemas.microsoft.com/office/powerpoint/2013/main/command">
   <pc:docChgLst>
+    <pc:chgData name="Antonia H." userId="da08060cd893cdf4" providerId="Windows Live" clId="Web-{D91DB348-2BD5-4C73-AE27-44B4D57D757A}"/>
+    <pc:docChg chg="">
+      <pc:chgData name="Antonia H." userId="da08060cd893cdf4" providerId="Windows Live" clId="Web-{D91DB348-2BD5-4C73-AE27-44B4D57D757A}" dt="2018-04-17T15:03:21.877" v="0"/>
+      <pc:docMkLst>
+        <pc:docMk/>
+      </pc:docMkLst>
+      <pc:sldChg chg="addCm">
+        <pc:chgData name="Antonia H." userId="da08060cd893cdf4" providerId="Windows Live" clId="Web-{D91DB348-2BD5-4C73-AE27-44B4D57D757A}" dt="2018-04-17T15:03:21.877" v="0"/>
+        <pc:sldMkLst>
+          <pc:docMk/>
+          <pc:sldMk cId="1309100374" sldId="256"/>
+        </pc:sldMkLst>
+      </pc:sldChg>
+    </pc:docChg>
+  </pc:docChgLst>
+  <pc:docChgLst>
+    <pc:chgData name="Antonia H." userId="da08060cd893cdf4" providerId="Windows Live" clId="Web-{136EC533-547D-40C2-B15B-A492A7273F4B}"/>
+    <pc:docChg chg="modSld">
+      <pc:chgData name="Antonia H." userId="da08060cd893cdf4" providerId="Windows Live" clId="Web-{136EC533-547D-40C2-B15B-A492A7273F4B}" dt="2018-04-17T16:49:41.685" v="75"/>
+      <pc:docMkLst>
+        <pc:docMk/>
+      </pc:docMkLst>
+      <pc:sldChg chg="addCm modCm">
+        <pc:chgData name="Antonia H." userId="da08060cd893cdf4" providerId="Windows Live" clId="Web-{136EC533-547D-40C2-B15B-A492A7273F4B}" dt="2018-04-17T16:44:43.341" v="3"/>
+        <pc:sldMkLst>
+          <pc:docMk/>
+          <pc:sldMk cId="3733908408" sldId="266"/>
+        </pc:sldMkLst>
+      </pc:sldChg>
+      <pc:sldChg chg="addCm">
+        <pc:chgData name="Antonia H." userId="da08060cd893cdf4" providerId="Windows Live" clId="Web-{136EC533-547D-40C2-B15B-A492A7273F4B}" dt="2018-04-17T16:47:46.841" v="37"/>
+        <pc:sldMkLst>
+          <pc:docMk/>
+          <pc:sldMk cId="4277374853" sldId="277"/>
+        </pc:sldMkLst>
+      </pc:sldChg>
+      <pc:sldChg chg="modSp">
+        <pc:chgData name="Antonia H." userId="da08060cd893cdf4" providerId="Windows Live" clId="Web-{136EC533-547D-40C2-B15B-A492A7273F4B}" dt="2018-04-17T16:47:29.435" v="34"/>
+        <pc:sldMkLst>
+          <pc:docMk/>
+          <pc:sldMk cId="1237686452" sldId="280"/>
+        </pc:sldMkLst>
+        <pc:spChg chg="mod">
+          <ac:chgData name="Antonia H." userId="da08060cd893cdf4" providerId="Windows Live" clId="Web-{136EC533-547D-40C2-B15B-A492A7273F4B}" dt="2018-04-17T16:47:29.435" v="34"/>
+          <ac:spMkLst>
+            <pc:docMk/>
+            <pc:sldMk cId="1237686452" sldId="280"/>
+            <ac:spMk id="5" creationId="{EDE2044C-0442-4C13-B8B9-72543486DCC7}"/>
+          </ac:spMkLst>
+        </pc:spChg>
+      </pc:sldChg>
+      <pc:sldChg chg="modSp">
+        <pc:chgData name="Antonia H." userId="da08060cd893cdf4" providerId="Windows Live" clId="Web-{136EC533-547D-40C2-B15B-A492A7273F4B}" dt="2018-04-17T16:46:24.216" v="20"/>
+        <pc:sldMkLst>
+          <pc:docMk/>
+          <pc:sldMk cId="418217649" sldId="290"/>
+        </pc:sldMkLst>
+        <pc:spChg chg="mod">
+          <ac:chgData name="Antonia H." userId="da08060cd893cdf4" providerId="Windows Live" clId="Web-{136EC533-547D-40C2-B15B-A492A7273F4B}" dt="2018-04-17T16:46:24.216" v="20"/>
+          <ac:spMkLst>
+            <pc:docMk/>
+            <pc:sldMk cId="418217649" sldId="290"/>
+            <ac:spMk id="2" creationId="{155E0461-4B00-452C-9FF9-FA684C8F23AC}"/>
+          </ac:spMkLst>
+        </pc:spChg>
+      </pc:sldChg>
+      <pc:sldChg chg="modSp">
+        <pc:chgData name="Antonia H." userId="da08060cd893cdf4" providerId="Windows Live" clId="Web-{136EC533-547D-40C2-B15B-A492A7273F4B}" dt="2018-04-17T16:46:32.997" v="29"/>
+        <pc:sldMkLst>
+          <pc:docMk/>
+          <pc:sldMk cId="1278898071" sldId="291"/>
+        </pc:sldMkLst>
+        <pc:spChg chg="mod">
+          <ac:chgData name="Antonia H." userId="da08060cd893cdf4" providerId="Windows Live" clId="Web-{136EC533-547D-40C2-B15B-A492A7273F4B}" dt="2018-04-17T16:46:32.997" v="29"/>
+          <ac:spMkLst>
+            <pc:docMk/>
+            <pc:sldMk cId="1278898071" sldId="291"/>
+            <ac:spMk id="2" creationId="{3FD66228-1CC9-457C-BB19-24014058264A}"/>
+          </ac:spMkLst>
+        </pc:spChg>
+      </pc:sldChg>
+      <pc:sldChg chg="modSp">
+        <pc:chgData name="Antonia H." userId="da08060cd893cdf4" providerId="Windows Live" clId="Web-{136EC533-547D-40C2-B15B-A492A7273F4B}" dt="2018-04-17T16:49:02.591" v="67"/>
+        <pc:sldMkLst>
+          <pc:docMk/>
+          <pc:sldMk cId="2868607691" sldId="292"/>
+        </pc:sldMkLst>
+        <pc:spChg chg="mod">
+          <ac:chgData name="Antonia H." userId="da08060cd893cdf4" providerId="Windows Live" clId="Web-{136EC533-547D-40C2-B15B-A492A7273F4B}" dt="2018-04-17T16:49:02.591" v="67"/>
+          <ac:spMkLst>
+            <pc:docMk/>
+            <pc:sldMk cId="2868607691" sldId="292"/>
+            <ac:spMk id="2" creationId="{63E47435-C31A-4912-B3EC-52840FFB3692}"/>
+          </ac:spMkLst>
+        </pc:spChg>
+      </pc:sldChg>
+      <pc:sldChg chg="modSp">
+        <pc:chgData name="Antonia H." userId="da08060cd893cdf4" providerId="Windows Live" clId="Web-{136EC533-547D-40C2-B15B-A492A7273F4B}" dt="2018-04-17T16:46:13.544" v="8"/>
+        <pc:sldMkLst>
+          <pc:docMk/>
+          <pc:sldMk cId="2258907253" sldId="294"/>
+        </pc:sldMkLst>
+        <pc:spChg chg="mod">
+          <ac:chgData name="Antonia H." userId="da08060cd893cdf4" providerId="Windows Live" clId="Web-{136EC533-547D-40C2-B15B-A492A7273F4B}" dt="2018-04-17T16:46:13.544" v="8"/>
+          <ac:spMkLst>
+            <pc:docMk/>
+            <pc:sldMk cId="2258907253" sldId="294"/>
+            <ac:spMk id="4" creationId="{4D274842-0A4C-4412-BED9-E89A4905807D}"/>
+          </ac:spMkLst>
+        </pc:spChg>
+      </pc:sldChg>
+      <pc:sldChg chg="modSp">
+        <pc:chgData name="Antonia H." userId="da08060cd893cdf4" providerId="Windows Live" clId="Web-{136EC533-547D-40C2-B15B-A492A7273F4B}" dt="2018-04-17T16:47:55.903" v="48"/>
+        <pc:sldMkLst>
+          <pc:docMk/>
+          <pc:sldMk cId="304692077" sldId="295"/>
+        </pc:sldMkLst>
+        <pc:spChg chg="mod">
+          <ac:chgData name="Antonia H." userId="da08060cd893cdf4" providerId="Windows Live" clId="Web-{136EC533-547D-40C2-B15B-A492A7273F4B}" dt="2018-04-17T16:47:55.903" v="48"/>
+          <ac:spMkLst>
+            <pc:docMk/>
+            <pc:sldMk cId="304692077" sldId="295"/>
+            <ac:spMk id="5" creationId="{EDE2044C-0442-4C13-B8B9-72543486DCC7}"/>
+          </ac:spMkLst>
+        </pc:spChg>
+      </pc:sldChg>
+      <pc:sldChg chg="modSp addCm">
+        <pc:chgData name="Antonia H." userId="da08060cd893cdf4" providerId="Windows Live" clId="Web-{136EC533-547D-40C2-B15B-A492A7273F4B}" dt="2018-04-17T16:49:34.841" v="70"/>
+        <pc:sldMkLst>
+          <pc:docMk/>
+          <pc:sldMk cId="3796023582" sldId="298"/>
+        </pc:sldMkLst>
+        <pc:spChg chg="mod">
+          <ac:chgData name="Antonia H." userId="da08060cd893cdf4" providerId="Windows Live" clId="Web-{136EC533-547D-40C2-B15B-A492A7273F4B}" dt="2018-04-17T16:48:58.060" v="62"/>
+          <ac:spMkLst>
+            <pc:docMk/>
+            <pc:sldMk cId="3796023582" sldId="298"/>
+            <ac:spMk id="2" creationId="{1CE59E70-148D-4644-BDEB-D5D07FB95C49}"/>
+          </ac:spMkLst>
+        </pc:spChg>
+      </pc:sldChg>
+      <pc:sldChg chg="modSp">
+        <pc:chgData name="Antonia H." userId="da08060cd893cdf4" providerId="Windows Live" clId="Web-{136EC533-547D-40C2-B15B-A492A7273F4B}" dt="2018-04-17T16:49:40.857" v="73"/>
+        <pc:sldMkLst>
+          <pc:docMk/>
+          <pc:sldMk cId="1100881795" sldId="299"/>
+        </pc:sldMkLst>
+        <pc:spChg chg="mod">
+          <ac:chgData name="Antonia H." userId="da08060cd893cdf4" providerId="Windows Live" clId="Web-{136EC533-547D-40C2-B15B-A492A7273F4B}" dt="2018-04-17T16:49:40.857" v="73"/>
+          <ac:spMkLst>
+            <pc:docMk/>
+            <pc:sldMk cId="1100881795" sldId="299"/>
+            <ac:spMk id="5" creationId="{0ABB99BB-56B0-4483-8892-6F824E7DF11C}"/>
+          </ac:spMkLst>
+        </pc:spChg>
+      </pc:sldChg>
+    </pc:docChg>
+  </pc:docChgLst>
+  <pc:docChgLst>
     <pc:chgData name="Moritz Nipshagen" userId="ee3b3bbc25b4cb6d" providerId="LiveId" clId="{DE675401-0B62-4ED5-8A37-2FCE979182EF}"/>
     <pc:docChg chg="undo redo custSel addSld delSld modSld sldOrd modMainMaster">
-      <pc:chgData name="Moritz Nipshagen" userId="ee3b3bbc25b4cb6d" providerId="LiveId" clId="{DE675401-0B62-4ED5-8A37-2FCE979182EF}" dt="2018-04-16T20:57:01.805" v="13842" actId="20577"/>
+      <pc:chgData name="Moritz Nipshagen" userId="ee3b3bbc25b4cb6d" providerId="LiveId" clId="{DE675401-0B62-4ED5-8A37-2FCE979182EF}" dt="2018-04-18T08:13:46.551" v="14574" actId="20577"/>
       <pc:docMkLst>
         <pc:docMk/>
       </pc:docMkLst>
@@ -212,20 +384,20 @@
           <pc:docMk/>
           <pc:sldMk cId="818305137" sldId="258"/>
         </pc:sldMkLst>
+        <pc:spChg chg="del">
+          <ac:chgData name="Moritz Nipshagen" userId="ee3b3bbc25b4cb6d" providerId="LiveId" clId="{DE675401-0B62-4ED5-8A37-2FCE979182EF}" dt="2018-04-04T16:23:24.120" v="1" actId="20577"/>
+          <ac:spMkLst>
+            <pc:docMk/>
+            <pc:sldMk cId="818305137" sldId="258"/>
+            <ac:spMk id="2" creationId="{30166B1A-E8B4-4A09-9010-206A3FCB7B2F}"/>
+          </ac:spMkLst>
+        </pc:spChg>
         <pc:spChg chg="add mod">
           <ac:chgData name="Moritz Nipshagen" userId="ee3b3bbc25b4cb6d" providerId="LiveId" clId="{DE675401-0B62-4ED5-8A37-2FCE979182EF}" dt="2018-04-05T08:23:58.124" v="26" actId="20577"/>
           <ac:spMkLst>
             <pc:docMk/>
             <pc:sldMk cId="818305137" sldId="258"/>
             <ac:spMk id="2" creationId="{D8D00D56-9450-47BF-AF3F-928D9BCC17EB}"/>
-          </ac:spMkLst>
-        </pc:spChg>
-        <pc:spChg chg="del">
-          <ac:chgData name="Moritz Nipshagen" userId="ee3b3bbc25b4cb6d" providerId="LiveId" clId="{DE675401-0B62-4ED5-8A37-2FCE979182EF}" dt="2018-04-04T16:23:24.120" v="1" actId="20577"/>
-          <ac:spMkLst>
-            <pc:docMk/>
-            <pc:sldMk cId="818305137" sldId="258"/>
-            <ac:spMk id="2" creationId="{30166B1A-E8B4-4A09-9010-206A3FCB7B2F}"/>
           </ac:spMkLst>
         </pc:spChg>
         <pc:spChg chg="del">
@@ -261,8 +433,8 @@
           </ac:spMkLst>
         </pc:spChg>
       </pc:sldChg>
-      <pc:sldChg chg="addSp delSp modSp add">
-        <pc:chgData name="Moritz Nipshagen" userId="ee3b3bbc25b4cb6d" providerId="LiveId" clId="{DE675401-0B62-4ED5-8A37-2FCE979182EF}" dt="2018-04-13T12:52:58.184" v="2370" actId="20577"/>
+      <pc:sldChg chg="addSp delSp modSp add modAnim">
+        <pc:chgData name="Moritz Nipshagen" userId="ee3b3bbc25b4cb6d" providerId="LiveId" clId="{DE675401-0B62-4ED5-8A37-2FCE979182EF}" dt="2018-04-17T16:20:47.468" v="13956" actId="15"/>
         <pc:sldMkLst>
           <pc:docMk/>
           <pc:sldMk cId="4206545932" sldId="259"/>
@@ -284,7 +456,7 @@
           </ac:spMkLst>
         </pc:spChg>
         <pc:spChg chg="add mod">
-          <ac:chgData name="Moritz Nipshagen" userId="ee3b3bbc25b4cb6d" providerId="LiveId" clId="{DE675401-0B62-4ED5-8A37-2FCE979182EF}" dt="2018-04-13T12:52:58.184" v="2370" actId="20577"/>
+          <ac:chgData name="Moritz Nipshagen" userId="ee3b3bbc25b4cb6d" providerId="LiveId" clId="{DE675401-0B62-4ED5-8A37-2FCE979182EF}" dt="2018-04-17T16:20:40.954" v="13955" actId="20577"/>
           <ac:spMkLst>
             <pc:docMk/>
             <pc:sldMk cId="4206545932" sldId="259"/>
@@ -316,7 +488,7 @@
         </pc:spChg>
       </pc:sldChg>
       <pc:sldChg chg="modSp add ord">
-        <pc:chgData name="Moritz Nipshagen" userId="ee3b3bbc25b4cb6d" providerId="LiveId" clId="{DE675401-0B62-4ED5-8A37-2FCE979182EF}" dt="2018-04-13T13:04:07.965" v="2392" actId="207"/>
+        <pc:chgData name="Moritz Nipshagen" userId="ee3b3bbc25b4cb6d" providerId="LiveId" clId="{DE675401-0B62-4ED5-8A37-2FCE979182EF}" dt="2018-04-17T16:29:47.835" v="13959" actId="20577"/>
         <pc:sldMkLst>
           <pc:docMk/>
           <pc:sldMk cId="1534164495" sldId="261"/>
@@ -330,7 +502,7 @@
           </ac:spMkLst>
         </pc:spChg>
         <pc:spChg chg="mod">
-          <ac:chgData name="Moritz Nipshagen" userId="ee3b3bbc25b4cb6d" providerId="LiveId" clId="{DE675401-0B62-4ED5-8A37-2FCE979182EF}" dt="2018-04-13T13:04:07.965" v="2392" actId="207"/>
+          <ac:chgData name="Moritz Nipshagen" userId="ee3b3bbc25b4cb6d" providerId="LiveId" clId="{DE675401-0B62-4ED5-8A37-2FCE979182EF}" dt="2018-04-17T16:29:47.835" v="13959" actId="20577"/>
           <ac:spMkLst>
             <pc:docMk/>
             <pc:sldMk cId="1534164495" sldId="261"/>
@@ -353,8 +525,8 @@
           </ac:graphicFrameMkLst>
         </pc:graphicFrameChg>
       </pc:sldChg>
-      <pc:sldChg chg="modSp">
-        <pc:chgData name="Moritz Nipshagen" userId="ee3b3bbc25b4cb6d" providerId="LiveId" clId="{DE675401-0B62-4ED5-8A37-2FCE979182EF}" dt="2018-04-13T12:51:34.949" v="2226" actId="20577"/>
+      <pc:sldChg chg="modSp modNotesTx">
+        <pc:chgData name="Moritz Nipshagen" userId="ee3b3bbc25b4cb6d" providerId="LiveId" clId="{DE675401-0B62-4ED5-8A37-2FCE979182EF}" dt="2018-04-17T16:34:16.555" v="13989" actId="20577"/>
         <pc:sldMkLst>
           <pc:docMk/>
           <pc:sldMk cId="4106587795" sldId="263"/>
@@ -392,7 +564,7 @@
         </pc:spChg>
       </pc:sldChg>
       <pc:sldChg chg="modSp">
-        <pc:chgData name="Moritz Nipshagen" userId="ee3b3bbc25b4cb6d" providerId="LiveId" clId="{DE675401-0B62-4ED5-8A37-2FCE979182EF}" dt="2018-04-15T15:14:34.137" v="11027" actId="113"/>
+        <pc:chgData name="Moritz Nipshagen" userId="ee3b3bbc25b4cb6d" providerId="LiveId" clId="{DE675401-0B62-4ED5-8A37-2FCE979182EF}" dt="2018-04-17T16:48:24.380" v="14218" actId="20577"/>
         <pc:sldMkLst>
           <pc:docMk/>
           <pc:sldMk cId="3733908408" sldId="266"/>
@@ -406,7 +578,7 @@
           </ac:spMkLst>
         </pc:spChg>
         <pc:spChg chg="mod">
-          <ac:chgData name="Moritz Nipshagen" userId="ee3b3bbc25b4cb6d" providerId="LiveId" clId="{DE675401-0B62-4ED5-8A37-2FCE979182EF}" dt="2018-04-15T15:14:34.137" v="11027" actId="113"/>
+          <ac:chgData name="Moritz Nipshagen" userId="ee3b3bbc25b4cb6d" providerId="LiveId" clId="{DE675401-0B62-4ED5-8A37-2FCE979182EF}" dt="2018-04-17T16:48:24.380" v="14218" actId="20577"/>
           <ac:spMkLst>
             <pc:docMk/>
             <pc:sldMk cId="3733908408" sldId="266"/>
@@ -446,7 +618,7 @@
         </pc:spChg>
       </pc:sldChg>
       <pc:sldChg chg="modSp add del">
-        <pc:chgData name="Moritz Nipshagen" userId="ee3b3bbc25b4cb6d" providerId="LiveId" clId="{DE675401-0B62-4ED5-8A37-2FCE979182EF}" dt="2018-04-13T16:14:55.877" v="3540" actId="20577"/>
+        <pc:chgData name="Moritz Nipshagen" userId="ee3b3bbc25b4cb6d" providerId="LiveId" clId="{DE675401-0B62-4ED5-8A37-2FCE979182EF}" dt="2018-04-17T15:10:57.989" v="13863" actId="20577"/>
         <pc:sldMkLst>
           <pc:docMk/>
           <pc:sldMk cId="331228608" sldId="269"/>
@@ -460,7 +632,7 @@
           </ac:spMkLst>
         </pc:spChg>
         <pc:spChg chg="mod">
-          <ac:chgData name="Moritz Nipshagen" userId="ee3b3bbc25b4cb6d" providerId="LiveId" clId="{DE675401-0B62-4ED5-8A37-2FCE979182EF}" dt="2018-04-13T16:13:32.645" v="3417" actId="20577"/>
+          <ac:chgData name="Moritz Nipshagen" userId="ee3b3bbc25b4cb6d" providerId="LiveId" clId="{DE675401-0B62-4ED5-8A37-2FCE979182EF}" dt="2018-04-17T15:10:57.989" v="13863" actId="20577"/>
           <ac:spMkLst>
             <pc:docMk/>
             <pc:sldMk cId="331228608" sldId="269"/>
@@ -469,7 +641,7 @@
         </pc:spChg>
       </pc:sldChg>
       <pc:sldChg chg="modSp add">
-        <pc:chgData name="Moritz Nipshagen" userId="ee3b3bbc25b4cb6d" providerId="LiveId" clId="{DE675401-0B62-4ED5-8A37-2FCE979182EF}" dt="2018-04-09T10:24:13.394" v="2176" actId="20577"/>
+        <pc:chgData name="Moritz Nipshagen" userId="ee3b3bbc25b4cb6d" providerId="LiveId" clId="{DE675401-0B62-4ED5-8A37-2FCE979182EF}" dt="2018-04-17T16:44:57.324" v="14169" actId="20577"/>
         <pc:sldMkLst>
           <pc:docMk/>
           <pc:sldMk cId="666640570" sldId="270"/>
@@ -483,7 +655,7 @@
           </ac:spMkLst>
         </pc:spChg>
         <pc:spChg chg="mod">
-          <ac:chgData name="Moritz Nipshagen" userId="ee3b3bbc25b4cb6d" providerId="LiveId" clId="{DE675401-0B62-4ED5-8A37-2FCE979182EF}" dt="2018-04-09T10:09:32.225" v="1655" actId="20577"/>
+          <ac:chgData name="Moritz Nipshagen" userId="ee3b3bbc25b4cb6d" providerId="LiveId" clId="{DE675401-0B62-4ED5-8A37-2FCE979182EF}" dt="2018-04-17T16:44:57.324" v="14169" actId="20577"/>
           <ac:spMkLst>
             <pc:docMk/>
             <pc:sldMk cId="666640570" sldId="270"/>
@@ -492,7 +664,7 @@
         </pc:spChg>
       </pc:sldChg>
       <pc:sldChg chg="modSp add ord">
-        <pc:chgData name="Moritz Nipshagen" userId="ee3b3bbc25b4cb6d" providerId="LiveId" clId="{DE675401-0B62-4ED5-8A37-2FCE979182EF}" dt="2018-04-09T10:21:09.234" v="1792" actId="20577"/>
+        <pc:chgData name="Moritz Nipshagen" userId="ee3b3bbc25b4cb6d" providerId="LiveId" clId="{DE675401-0B62-4ED5-8A37-2FCE979182EF}" dt="2018-04-17T16:37:24.668" v="13993" actId="404"/>
         <pc:sldMkLst>
           <pc:docMk/>
           <pc:sldMk cId="162141928" sldId="271"/>
@@ -506,7 +678,7 @@
           </ac:spMkLst>
         </pc:spChg>
         <pc:spChg chg="mod">
-          <ac:chgData name="Moritz Nipshagen" userId="ee3b3bbc25b4cb6d" providerId="LiveId" clId="{DE675401-0B62-4ED5-8A37-2FCE979182EF}" dt="2018-04-09T10:21:09.234" v="1792" actId="20577"/>
+          <ac:chgData name="Moritz Nipshagen" userId="ee3b3bbc25b4cb6d" providerId="LiveId" clId="{DE675401-0B62-4ED5-8A37-2FCE979182EF}" dt="2018-04-17T16:37:24.668" v="13993" actId="404"/>
           <ac:spMkLst>
             <pc:docMk/>
             <pc:sldMk cId="162141928" sldId="271"/>
@@ -514,8 +686,8 @@
           </ac:spMkLst>
         </pc:spChg>
       </pc:sldChg>
-      <pc:sldChg chg="modSp add">
-        <pc:chgData name="Moritz Nipshagen" userId="ee3b3bbc25b4cb6d" providerId="LiveId" clId="{DE675401-0B62-4ED5-8A37-2FCE979182EF}" dt="2018-04-13T16:17:07.252" v="3677" actId="20577"/>
+      <pc:sldChg chg="modSp add modAnim">
+        <pc:chgData name="Moritz Nipshagen" userId="ee3b3bbc25b4cb6d" providerId="LiveId" clId="{DE675401-0B62-4ED5-8A37-2FCE979182EF}" dt="2018-04-17T16:43:48.268" v="14010" actId="404"/>
         <pc:sldMkLst>
           <pc:docMk/>
           <pc:sldMk cId="1748417960" sldId="272"/>
@@ -529,7 +701,7 @@
           </ac:spMkLst>
         </pc:spChg>
         <pc:spChg chg="mod">
-          <ac:chgData name="Moritz Nipshagen" userId="ee3b3bbc25b4cb6d" providerId="LiveId" clId="{DE675401-0B62-4ED5-8A37-2FCE979182EF}" dt="2018-04-13T16:17:07.252" v="3677" actId="20577"/>
+          <ac:chgData name="Moritz Nipshagen" userId="ee3b3bbc25b4cb6d" providerId="LiveId" clId="{DE675401-0B62-4ED5-8A37-2FCE979182EF}" dt="2018-04-17T16:43:48.268" v="14010" actId="404"/>
           <ac:spMkLst>
             <pc:docMk/>
             <pc:sldMk cId="1748417960" sldId="272"/>
@@ -845,7 +1017,7 @@
         </pc:spChg>
       </pc:sldChg>
       <pc:sldChg chg="addSp delSp modSp add">
-        <pc:chgData name="Moritz Nipshagen" userId="ee3b3bbc25b4cb6d" providerId="LiveId" clId="{DE675401-0B62-4ED5-8A37-2FCE979182EF}" dt="2018-04-13T12:51:45.731" v="2242" actId="20577"/>
+        <pc:chgData name="Moritz Nipshagen" userId="ee3b3bbc25b4cb6d" providerId="LiveId" clId="{DE675401-0B62-4ED5-8A37-2FCE979182EF}" dt="2018-04-17T15:29:47.767" v="13879" actId="20577"/>
         <pc:sldMkLst>
           <pc:docMk/>
           <pc:sldMk cId="2758662190" sldId="279"/>
@@ -867,7 +1039,7 @@
           </ac:spMkLst>
         </pc:spChg>
         <pc:spChg chg="add mod">
-          <ac:chgData name="Moritz Nipshagen" userId="ee3b3bbc25b4cb6d" providerId="LiveId" clId="{DE675401-0B62-4ED5-8A37-2FCE979182EF}" dt="2018-04-13T12:51:37.099" v="2227" actId="20577"/>
+          <ac:chgData name="Moritz Nipshagen" userId="ee3b3bbc25b4cb6d" providerId="LiveId" clId="{DE675401-0B62-4ED5-8A37-2FCE979182EF}" dt="2018-04-17T15:29:47.767" v="13879" actId="20577"/>
           <ac:spMkLst>
             <pc:docMk/>
             <pc:sldMk cId="2758662190" sldId="279"/>
@@ -1355,7 +1527,7 @@
         </pc:spChg>
       </pc:sldChg>
       <pc:sldChg chg="addSp modSp add modAnim">
-        <pc:chgData name="Moritz Nipshagen" userId="ee3b3bbc25b4cb6d" providerId="LiveId" clId="{DE675401-0B62-4ED5-8A37-2FCE979182EF}" dt="2018-04-15T20:35:16.735" v="12995" actId="20577"/>
+        <pc:chgData name="Moritz Nipshagen" userId="ee3b3bbc25b4cb6d" providerId="LiveId" clId="{DE675401-0B62-4ED5-8A37-2FCE979182EF}" dt="2018-04-17T16:50:26.956" v="14219" actId="114"/>
         <pc:sldMkLst>
           <pc:docMk/>
           <pc:sldMk cId="2097889616" sldId="289"/>
@@ -1369,7 +1541,7 @@
           </ac:spMkLst>
         </pc:spChg>
         <pc:spChg chg="mod">
-          <ac:chgData name="Moritz Nipshagen" userId="ee3b3bbc25b4cb6d" providerId="LiveId" clId="{DE675401-0B62-4ED5-8A37-2FCE979182EF}" dt="2018-04-15T20:31:50.836" v="12948" actId="20577"/>
+          <ac:chgData name="Moritz Nipshagen" userId="ee3b3bbc25b4cb6d" providerId="LiveId" clId="{DE675401-0B62-4ED5-8A37-2FCE979182EF}" dt="2018-04-17T16:50:26.956" v="14219" actId="114"/>
           <ac:spMkLst>
             <pc:docMk/>
             <pc:sldMk cId="2097889616" sldId="289"/>
@@ -1532,6 +1704,176 @@
           </ac:spMkLst>
         </pc:spChg>
       </pc:sldChg>
+      <pc:sldChg chg="delSp">
+        <pc:chgData name="Moritz Nipshagen" userId="ee3b3bbc25b4cb6d" providerId="LiveId" clId="{DE675401-0B62-4ED5-8A37-2FCE979182EF}" dt="2018-04-17T16:52:35.373" v="14220" actId="478"/>
+        <pc:sldMkLst>
+          <pc:docMk/>
+          <pc:sldMk cId="3796023582" sldId="298"/>
+        </pc:sldMkLst>
+        <pc:spChg chg="del">
+          <ac:chgData name="Moritz Nipshagen" userId="ee3b3bbc25b4cb6d" providerId="LiveId" clId="{DE675401-0B62-4ED5-8A37-2FCE979182EF}" dt="2018-04-17T16:52:35.373" v="14220" actId="478"/>
+          <ac:spMkLst>
+            <pc:docMk/>
+            <pc:sldMk cId="3796023582" sldId="298"/>
+            <ac:spMk id="5" creationId="{01029D81-740A-45D8-8B72-B40482EEAB95}"/>
+          </ac:spMkLst>
+        </pc:spChg>
+      </pc:sldChg>
+      <pc:sldChg chg="addSp delSp modSp add">
+        <pc:chgData name="Moritz Nipshagen" userId="ee3b3bbc25b4cb6d" providerId="LiveId" clId="{DE675401-0B62-4ED5-8A37-2FCE979182EF}" dt="2018-04-17T17:02:26.957" v="14446" actId="20577"/>
+        <pc:sldMkLst>
+          <pc:docMk/>
+          <pc:sldMk cId="221048645" sldId="300"/>
+        </pc:sldMkLst>
+        <pc:spChg chg="del">
+          <ac:chgData name="Moritz Nipshagen" userId="ee3b3bbc25b4cb6d" providerId="LiveId" clId="{DE675401-0B62-4ED5-8A37-2FCE979182EF}" dt="2018-04-17T16:55:50.072" v="14222" actId="20577"/>
+          <ac:spMkLst>
+            <pc:docMk/>
+            <pc:sldMk cId="221048645" sldId="300"/>
+            <ac:spMk id="2" creationId="{EAAF167F-FD40-44A7-81C0-FA3409DB5463}"/>
+          </ac:spMkLst>
+        </pc:spChg>
+        <pc:spChg chg="add mod">
+          <ac:chgData name="Moritz Nipshagen" userId="ee3b3bbc25b4cb6d" providerId="LiveId" clId="{DE675401-0B62-4ED5-8A37-2FCE979182EF}" dt="2018-04-17T16:57:46.604" v="14235" actId="20577"/>
+          <ac:spMkLst>
+            <pc:docMk/>
+            <pc:sldMk cId="221048645" sldId="300"/>
+            <ac:spMk id="4" creationId="{C6B533E2-F6C9-4CE7-BABA-9A0141EB9A17}"/>
+          </ac:spMkLst>
+        </pc:spChg>
+        <pc:spChg chg="add mod">
+          <ac:chgData name="Moritz Nipshagen" userId="ee3b3bbc25b4cb6d" providerId="LiveId" clId="{DE675401-0B62-4ED5-8A37-2FCE979182EF}" dt="2018-04-17T17:02:26.957" v="14446" actId="20577"/>
+          <ac:spMkLst>
+            <pc:docMk/>
+            <pc:sldMk cId="221048645" sldId="300"/>
+            <ac:spMk id="5" creationId="{091FADBE-9652-4EB2-980F-059F15BF72DE}"/>
+          </ac:spMkLst>
+        </pc:spChg>
+      </pc:sldChg>
+      <pc:sldChg chg="modSp add del">
+        <pc:chgData name="Moritz Nipshagen" userId="ee3b3bbc25b4cb6d" providerId="LiveId" clId="{DE675401-0B62-4ED5-8A37-2FCE979182EF}" dt="2018-04-17T16:13:30.310" v="13905" actId="2696"/>
+        <pc:sldMkLst>
+          <pc:docMk/>
+          <pc:sldMk cId="3791966479" sldId="300"/>
+        </pc:sldMkLst>
+        <pc:spChg chg="mod">
+          <ac:chgData name="Moritz Nipshagen" userId="ee3b3bbc25b4cb6d" providerId="LiveId" clId="{DE675401-0B62-4ED5-8A37-2FCE979182EF}" dt="2018-04-17T15:29:55.014" v="13904" actId="20577"/>
+          <ac:spMkLst>
+            <pc:docMk/>
+            <pc:sldMk cId="3791966479" sldId="300"/>
+            <ac:spMk id="2" creationId="{63514A12-7019-4709-9E30-81F7AE97D741}"/>
+          </ac:spMkLst>
+        </pc:spChg>
+      </pc:sldChg>
+      <pc:sldChg chg="addSp delSp modSp add">
+        <pc:chgData name="Moritz Nipshagen" userId="ee3b3bbc25b4cb6d" providerId="LiveId" clId="{DE675401-0B62-4ED5-8A37-2FCE979182EF}" dt="2018-04-18T08:09:08.166" v="14470" actId="20577"/>
+        <pc:sldMkLst>
+          <pc:docMk/>
+          <pc:sldMk cId="4114954885" sldId="303"/>
+        </pc:sldMkLst>
+        <pc:spChg chg="del">
+          <ac:chgData name="Moritz Nipshagen" userId="ee3b3bbc25b4cb6d" providerId="LiveId" clId="{DE675401-0B62-4ED5-8A37-2FCE979182EF}" dt="2018-04-18T08:09:03.996" v="14448"/>
+          <ac:spMkLst>
+            <pc:docMk/>
+            <pc:sldMk cId="4114954885" sldId="303"/>
+            <ac:spMk id="2" creationId="{95E71B6C-207B-4C2B-A46F-DFA99B126D7D}"/>
+          </ac:spMkLst>
+        </pc:spChg>
+        <pc:spChg chg="del">
+          <ac:chgData name="Moritz Nipshagen" userId="ee3b3bbc25b4cb6d" providerId="LiveId" clId="{DE675401-0B62-4ED5-8A37-2FCE979182EF}" dt="2018-04-18T08:09:03.996" v="14448"/>
+          <ac:spMkLst>
+            <pc:docMk/>
+            <pc:sldMk cId="4114954885" sldId="303"/>
+            <ac:spMk id="3" creationId="{A6DD316C-293C-404F-88B4-4375A0283356}"/>
+          </ac:spMkLst>
+        </pc:spChg>
+        <pc:spChg chg="add mod">
+          <ac:chgData name="Moritz Nipshagen" userId="ee3b3bbc25b4cb6d" providerId="LiveId" clId="{DE675401-0B62-4ED5-8A37-2FCE979182EF}" dt="2018-04-18T08:09:08.166" v="14470" actId="20577"/>
+          <ac:spMkLst>
+            <pc:docMk/>
+            <pc:sldMk cId="4114954885" sldId="303"/>
+            <ac:spMk id="5" creationId="{5B6C0B5C-0F40-48ED-891F-9E499A277AF6}"/>
+          </ac:spMkLst>
+        </pc:spChg>
+      </pc:sldChg>
+      <pc:sldChg chg="addSp delSp modSp add">
+        <pc:chgData name="Moritz Nipshagen" userId="ee3b3bbc25b4cb6d" providerId="LiveId" clId="{DE675401-0B62-4ED5-8A37-2FCE979182EF}" dt="2018-04-18T08:09:15.958" v="14480" actId="20577"/>
+        <pc:sldMkLst>
+          <pc:docMk/>
+          <pc:sldMk cId="1433010184" sldId="304"/>
+        </pc:sldMkLst>
+        <pc:spChg chg="del">
+          <ac:chgData name="Moritz Nipshagen" userId="ee3b3bbc25b4cb6d" providerId="LiveId" clId="{DE675401-0B62-4ED5-8A37-2FCE979182EF}" dt="2018-04-18T08:09:13.837" v="14472"/>
+          <ac:spMkLst>
+            <pc:docMk/>
+            <pc:sldMk cId="1433010184" sldId="304"/>
+            <ac:spMk id="2" creationId="{BAF2B22A-AFCC-48E3-9B99-90555F8ABABC}"/>
+          </ac:spMkLst>
+        </pc:spChg>
+        <pc:spChg chg="del">
+          <ac:chgData name="Moritz Nipshagen" userId="ee3b3bbc25b4cb6d" providerId="LiveId" clId="{DE675401-0B62-4ED5-8A37-2FCE979182EF}" dt="2018-04-18T08:09:13.837" v="14472"/>
+          <ac:spMkLst>
+            <pc:docMk/>
+            <pc:sldMk cId="1433010184" sldId="304"/>
+            <ac:spMk id="3" creationId="{CDAD893D-8FD7-4248-9CC0-60957EDF1DC3}"/>
+          </ac:spMkLst>
+        </pc:spChg>
+        <pc:spChg chg="add mod">
+          <ac:chgData name="Moritz Nipshagen" userId="ee3b3bbc25b4cb6d" providerId="LiveId" clId="{DE675401-0B62-4ED5-8A37-2FCE979182EF}" dt="2018-04-18T08:09:15.958" v="14480" actId="20577"/>
+          <ac:spMkLst>
+            <pc:docMk/>
+            <pc:sldMk cId="1433010184" sldId="304"/>
+            <ac:spMk id="5" creationId="{EF6FBB67-C551-4D8F-B3EF-392CB779AB90}"/>
+          </ac:spMkLst>
+        </pc:spChg>
+      </pc:sldChg>
+      <pc:sldChg chg="addSp delSp modSp add">
+        <pc:chgData name="Moritz Nipshagen" userId="ee3b3bbc25b4cb6d" providerId="LiveId" clId="{DE675401-0B62-4ED5-8A37-2FCE979182EF}" dt="2018-04-18T08:13:46.551" v="14574" actId="20577"/>
+        <pc:sldMkLst>
+          <pc:docMk/>
+          <pc:sldMk cId="3464784469" sldId="305"/>
+        </pc:sldMkLst>
+        <pc:spChg chg="del">
+          <ac:chgData name="Moritz Nipshagen" userId="ee3b3bbc25b4cb6d" providerId="LiveId" clId="{DE675401-0B62-4ED5-8A37-2FCE979182EF}" dt="2018-04-18T08:13:08.351" v="14482"/>
+          <ac:spMkLst>
+            <pc:docMk/>
+            <pc:sldMk cId="3464784469" sldId="305"/>
+            <ac:spMk id="2" creationId="{E5377FE5-7508-4F99-ACB7-756BD0E9BC9A}"/>
+          </ac:spMkLst>
+        </pc:spChg>
+        <pc:spChg chg="add del mod">
+          <ac:chgData name="Moritz Nipshagen" userId="ee3b3bbc25b4cb6d" providerId="LiveId" clId="{DE675401-0B62-4ED5-8A37-2FCE979182EF}" dt="2018-04-18T08:13:11.461" v="14483"/>
+          <ac:spMkLst>
+            <pc:docMk/>
+            <pc:sldMk cId="3464784469" sldId="305"/>
+            <ac:spMk id="4" creationId="{7B60C0B3-D393-4CA4-B131-5BAF53184497}"/>
+          </ac:spMkLst>
+        </pc:spChg>
+        <pc:spChg chg="add del mod">
+          <ac:chgData name="Moritz Nipshagen" userId="ee3b3bbc25b4cb6d" providerId="LiveId" clId="{DE675401-0B62-4ED5-8A37-2FCE979182EF}" dt="2018-04-18T08:13:11.461" v="14483"/>
+          <ac:spMkLst>
+            <pc:docMk/>
+            <pc:sldMk cId="3464784469" sldId="305"/>
+            <ac:spMk id="5" creationId="{D2057AC4-5CDE-437C-8936-167ACACB5499}"/>
+          </ac:spMkLst>
+        </pc:spChg>
+        <pc:spChg chg="add mod">
+          <ac:chgData name="Moritz Nipshagen" userId="ee3b3bbc25b4cb6d" providerId="LiveId" clId="{DE675401-0B62-4ED5-8A37-2FCE979182EF}" dt="2018-04-18T08:13:20.263" v="14506" actId="20577"/>
+          <ac:spMkLst>
+            <pc:docMk/>
+            <pc:sldMk cId="3464784469" sldId="305"/>
+            <ac:spMk id="6" creationId="{819A1145-D1D4-4202-BCB5-8B056E9DD8B6}"/>
+          </ac:spMkLst>
+        </pc:spChg>
+        <pc:spChg chg="add mod">
+          <ac:chgData name="Moritz Nipshagen" userId="ee3b3bbc25b4cb6d" providerId="LiveId" clId="{DE675401-0B62-4ED5-8A37-2FCE979182EF}" dt="2018-04-18T08:13:46.551" v="14574" actId="20577"/>
+          <ac:spMkLst>
+            <pc:docMk/>
+            <pc:sldMk cId="3464784469" sldId="305"/>
+            <ac:spMk id="7" creationId="{038BD655-EFB0-45F0-AFB4-F0B2A5AACB3A}"/>
+          </ac:spMkLst>
+        </pc:spChg>
+      </pc:sldChg>
       <pc:sldMasterChg chg="modSldLayout">
         <pc:chgData name="Moritz Nipshagen" userId="ee3b3bbc25b4cb6d" providerId="LiveId" clId="{DE675401-0B62-4ED5-8A37-2FCE979182EF}" dt="2018-04-14T18:27:07.919" v="8663" actId="108"/>
         <pc:sldMasterMkLst>
@@ -1640,7 +1982,7 @@
   <pc:docChgLst>
     <pc:chgData name="Moritz Nipshagen" userId="ee3b3bbc25b4cb6d" providerId="LiveId" clId="{1E8176CD-B94A-41B8-907A-4DE8635BE80A}"/>
     <pc:docChg chg="undo custSel addSld delSld modSld sldOrd">
-      <pc:chgData name="Moritz Nipshagen" userId="ee3b3bbc25b4cb6d" providerId="LiveId" clId="{1E8176CD-B94A-41B8-907A-4DE8635BE80A}" dt="2018-04-17T12:46:22.157" v="5765" actId="113"/>
+      <pc:chgData name="Moritz Nipshagen" userId="ee3b3bbc25b4cb6d" providerId="LiveId" clId="{1E8176CD-B94A-41B8-907A-4DE8635BE80A}" dt="2018-04-18T00:26:56.916" v="7399" actId="20577"/>
       <pc:docMkLst>
         <pc:docMk/>
       </pc:docMkLst>
@@ -1689,8 +2031,8 @@
           </ac:spMkLst>
         </pc:spChg>
       </pc:sldChg>
-      <pc:sldChg chg="ord">
-        <pc:chgData name="Moritz Nipshagen" userId="ee3b3bbc25b4cb6d" providerId="LiveId" clId="{1E8176CD-B94A-41B8-907A-4DE8635BE80A}" dt="2018-04-05T14:26:12.442" v="1004" actId="20577"/>
+      <pc:sldChg chg="ord delCm">
+        <pc:chgData name="Moritz Nipshagen" userId="ee3b3bbc25b4cb6d" providerId="LiveId" clId="{1E8176CD-B94A-41B8-907A-4DE8635BE80A}" dt="2018-04-17T22:21:04.518" v="5766" actId="20577"/>
         <pc:sldMkLst>
           <pc:docMk/>
           <pc:sldMk cId="1534164495" sldId="261"/>
@@ -1821,7 +2163,7 @@
         </pc:spChg>
       </pc:sldChg>
       <pc:sldChg chg="addSp delSp modSp add">
-        <pc:chgData name="Moritz Nipshagen" userId="ee3b3bbc25b4cb6d" providerId="LiveId" clId="{1E8176CD-B94A-41B8-907A-4DE8635BE80A}" dt="2018-04-05T14:35:30.527" v="1408" actId="20577"/>
+        <pc:chgData name="Moritz Nipshagen" userId="ee3b3bbc25b4cb6d" providerId="LiveId" clId="{1E8176CD-B94A-41B8-907A-4DE8635BE80A}" dt="2018-04-17T22:23:21.982" v="5786" actId="20577"/>
         <pc:sldMkLst>
           <pc:docMk/>
           <pc:sldMk cId="3733908408" sldId="266"/>
@@ -1843,11 +2185,26 @@
           </ac:spMkLst>
         </pc:spChg>
         <pc:spChg chg="add mod">
-          <ac:chgData name="Moritz Nipshagen" userId="ee3b3bbc25b4cb6d" providerId="LiveId" clId="{1E8176CD-B94A-41B8-907A-4DE8635BE80A}" dt="2018-04-05T14:35:30.527" v="1408" actId="20577"/>
+          <ac:chgData name="Moritz Nipshagen" userId="ee3b3bbc25b4cb6d" providerId="LiveId" clId="{1E8176CD-B94A-41B8-907A-4DE8635BE80A}" dt="2018-04-17T22:23:21.982" v="5786" actId="20577"/>
           <ac:spMkLst>
             <pc:docMk/>
             <pc:sldMk cId="3733908408" sldId="266"/>
             <ac:spMk id="5" creationId="{CE7E5534-782C-4B17-BB75-B717B34E9622}"/>
+          </ac:spMkLst>
+        </pc:spChg>
+      </pc:sldChg>
+      <pc:sldChg chg="modSp delCm">
+        <pc:chgData name="Moritz Nipshagen" userId="ee3b3bbc25b4cb6d" providerId="LiveId" clId="{1E8176CD-B94A-41B8-907A-4DE8635BE80A}" dt="2018-04-17T22:21:32.141" v="5774" actId="20577"/>
+        <pc:sldMkLst>
+          <pc:docMk/>
+          <pc:sldMk cId="331228608" sldId="269"/>
+        </pc:sldMkLst>
+        <pc:spChg chg="mod">
+          <ac:chgData name="Moritz Nipshagen" userId="ee3b3bbc25b4cb6d" providerId="LiveId" clId="{1E8176CD-B94A-41B8-907A-4DE8635BE80A}" dt="2018-04-17T22:21:32.141" v="5774" actId="20577"/>
+          <ac:spMkLst>
+            <pc:docMk/>
+            <pc:sldMk cId="331228608" sldId="269"/>
+            <ac:spMk id="3" creationId="{48979847-1537-4D93-8D7B-94BDDCCCEA28}"/>
           </ac:spMkLst>
         </pc:spChg>
       </pc:sldChg>
@@ -1905,13 +2262,44 @@
         </pc:spChg>
       </pc:sldChg>
       <pc:sldChg chg="modSp">
-        <pc:chgData name="Moritz Nipshagen" userId="ee3b3bbc25b4cb6d" providerId="LiveId" clId="{1E8176CD-B94A-41B8-907A-4DE8635BE80A}" dt="2018-04-17T11:38:57.988" v="5629" actId="20577"/>
+        <pc:chgData name="Moritz Nipshagen" userId="ee3b3bbc25b4cb6d" providerId="LiveId" clId="{1E8176CD-B94A-41B8-907A-4DE8635BE80A}" dt="2018-04-17T22:55:18.168" v="6678" actId="20577"/>
+        <pc:sldMkLst>
+          <pc:docMk/>
+          <pc:sldMk cId="4277374853" sldId="277"/>
+        </pc:sldMkLst>
+        <pc:spChg chg="mod">
+          <ac:chgData name="Moritz Nipshagen" userId="ee3b3bbc25b4cb6d" providerId="LiveId" clId="{1E8176CD-B94A-41B8-907A-4DE8635BE80A}" dt="2018-04-17T22:46:26.932" v="6164" actId="20577"/>
+          <ac:spMkLst>
+            <pc:docMk/>
+            <pc:sldMk cId="4277374853" sldId="277"/>
+            <ac:spMk id="6" creationId="{B4A19206-DF6A-40EE-8DF3-F16C38F0D82D}"/>
+          </ac:spMkLst>
+        </pc:spChg>
+        <pc:spChg chg="mod">
+          <ac:chgData name="Moritz Nipshagen" userId="ee3b3bbc25b4cb6d" providerId="LiveId" clId="{1E8176CD-B94A-41B8-907A-4DE8635BE80A}" dt="2018-04-17T22:55:18.168" v="6678" actId="20577"/>
+          <ac:spMkLst>
+            <pc:docMk/>
+            <pc:sldMk cId="4277374853" sldId="277"/>
+            <ac:spMk id="7" creationId="{BEBC2CC6-47BC-451E-8F46-FFAEACA5C803}"/>
+          </ac:spMkLst>
+        </pc:spChg>
+      </pc:sldChg>
+      <pc:sldChg chg="modSp">
+        <pc:chgData name="Moritz Nipshagen" userId="ee3b3bbc25b4cb6d" providerId="LiveId" clId="{1E8176CD-B94A-41B8-907A-4DE8635BE80A}" dt="2018-04-18T00:26:56.916" v="7399" actId="20577"/>
         <pc:sldMkLst>
           <pc:docMk/>
           <pc:sldMk cId="2758662190" sldId="279"/>
         </pc:sldMkLst>
         <pc:spChg chg="mod">
-          <ac:chgData name="Moritz Nipshagen" userId="ee3b3bbc25b4cb6d" providerId="LiveId" clId="{1E8176CD-B94A-41B8-907A-4DE8635BE80A}" dt="2018-04-17T11:38:57.988" v="5629" actId="20577"/>
+          <ac:chgData name="Moritz Nipshagen" userId="ee3b3bbc25b4cb6d" providerId="LiveId" clId="{1E8176CD-B94A-41B8-907A-4DE8635BE80A}" dt="2018-04-17T22:27:35.625" v="5802" actId="20577"/>
+          <ac:spMkLst>
+            <pc:docMk/>
+            <pc:sldMk cId="2758662190" sldId="279"/>
+            <ac:spMk id="4" creationId="{2115F892-629C-424D-AF9E-2F774451270B}"/>
+          </ac:spMkLst>
+        </pc:spChg>
+        <pc:spChg chg="mod">
+          <ac:chgData name="Moritz Nipshagen" userId="ee3b3bbc25b4cb6d" providerId="LiveId" clId="{1E8176CD-B94A-41B8-907A-4DE8635BE80A}" dt="2018-04-18T00:26:56.916" v="7399" actId="20577"/>
           <ac:spMkLst>
             <pc:docMk/>
             <pc:sldMk cId="2758662190" sldId="279"/>
@@ -1935,6 +2323,13 @@
         </pc:spChg>
       </pc:sldChg>
       <pc:sldChg chg="ord">
+        <pc:chgData name="Moritz Nipshagen" userId="ee3b3bbc25b4cb6d" providerId="LiveId" clId="{1E8176CD-B94A-41B8-907A-4DE8635BE80A}" dt="2018-04-17T22:26:53.589" v="5793" actId="20577"/>
+        <pc:sldMkLst>
+          <pc:docMk/>
+          <pc:sldMk cId="2702263817" sldId="285"/>
+        </pc:sldMkLst>
+      </pc:sldChg>
+      <pc:sldChg chg="ord">
         <pc:chgData name="Moritz Nipshagen" userId="ee3b3bbc25b4cb6d" providerId="LiveId" clId="{1E8176CD-B94A-41B8-907A-4DE8635BE80A}" dt="2018-04-16T13:35:39.992" v="3820" actId="20577"/>
         <pc:sldMkLst>
           <pc:docMk/>
@@ -1942,13 +2337,13 @@
         </pc:sldMkLst>
       </pc:sldChg>
       <pc:sldChg chg="modSp">
-        <pc:chgData name="Moritz Nipshagen" userId="ee3b3bbc25b4cb6d" providerId="LiveId" clId="{1E8176CD-B94A-41B8-907A-4DE8635BE80A}" dt="2018-04-16T12:05:02.977" v="2289" actId="1038"/>
+        <pc:chgData name="Moritz Nipshagen" userId="ee3b3bbc25b4cb6d" providerId="LiveId" clId="{1E8176CD-B94A-41B8-907A-4DE8635BE80A}" dt="2018-04-17T22:24:20.773" v="5791" actId="6549"/>
         <pc:sldMkLst>
           <pc:docMk/>
           <pc:sldMk cId="2097889616" sldId="289"/>
         </pc:sldMkLst>
         <pc:spChg chg="mod">
-          <ac:chgData name="Moritz Nipshagen" userId="ee3b3bbc25b4cb6d" providerId="LiveId" clId="{1E8176CD-B94A-41B8-907A-4DE8635BE80A}" dt="2018-04-16T12:04:52.025" v="2240" actId="20577"/>
+          <ac:chgData name="Moritz Nipshagen" userId="ee3b3bbc25b4cb6d" providerId="LiveId" clId="{1E8176CD-B94A-41B8-907A-4DE8635BE80A}" dt="2018-04-17T22:24:20.773" v="5791" actId="6549"/>
           <ac:spMkLst>
             <pc:docMk/>
             <pc:sldMk cId="2097889616" sldId="289"/>
@@ -2298,17 +2693,86 @@
           <pc:sldMk cId="2177839820" sldId="299"/>
         </pc:sldMkLst>
       </pc:sldChg>
+      <pc:sldChg chg="modSp">
+        <pc:chgData name="Moritz Nipshagen" userId="ee3b3bbc25b4cb6d" providerId="LiveId" clId="{1E8176CD-B94A-41B8-907A-4DE8635BE80A}" dt="2018-04-18T00:25:50.509" v="7209" actId="6549"/>
+        <pc:sldMkLst>
+          <pc:docMk/>
+          <pc:sldMk cId="221048645" sldId="300"/>
+        </pc:sldMkLst>
+        <pc:spChg chg="mod">
+          <ac:chgData name="Moritz Nipshagen" userId="ee3b3bbc25b4cb6d" providerId="LiveId" clId="{1E8176CD-B94A-41B8-907A-4DE8635BE80A}" dt="2018-04-18T00:25:50.509" v="7209" actId="6549"/>
+          <ac:spMkLst>
+            <pc:docMk/>
+            <pc:sldMk cId="221048645" sldId="300"/>
+            <ac:spMk id="5" creationId="{091FADBE-9652-4EB2-980F-059F15BF72DE}"/>
+          </ac:spMkLst>
+        </pc:spChg>
+      </pc:sldChg>
+      <pc:sldChg chg="modSp add">
+        <pc:chgData name="Moritz Nipshagen" userId="ee3b3bbc25b4cb6d" providerId="LiveId" clId="{1E8176CD-B94A-41B8-907A-4DE8635BE80A}" dt="2018-04-17T23:01:19.727" v="6929" actId="404"/>
+        <pc:sldMkLst>
+          <pc:docMk/>
+          <pc:sldMk cId="811828220" sldId="301"/>
+        </pc:sldMkLst>
+        <pc:spChg chg="mod">
+          <ac:chgData name="Moritz Nipshagen" userId="ee3b3bbc25b4cb6d" providerId="LiveId" clId="{1E8176CD-B94A-41B8-907A-4DE8635BE80A}" dt="2018-04-17T22:56:55.018" v="6690" actId="20577"/>
+          <ac:spMkLst>
+            <pc:docMk/>
+            <pc:sldMk cId="811828220" sldId="301"/>
+            <ac:spMk id="2" creationId="{DE8C8CAF-C5B1-41AD-971A-68F754C2F829}"/>
+          </ac:spMkLst>
+        </pc:spChg>
+        <pc:spChg chg="mod">
+          <ac:chgData name="Moritz Nipshagen" userId="ee3b3bbc25b4cb6d" providerId="LiveId" clId="{1E8176CD-B94A-41B8-907A-4DE8635BE80A}" dt="2018-04-17T23:01:19.727" v="6929" actId="404"/>
+          <ac:spMkLst>
+            <pc:docMk/>
+            <pc:sldMk cId="811828220" sldId="301"/>
+            <ac:spMk id="3" creationId="{AB19CDFD-BBAC-4339-A7D5-5B6B5F9F3954}"/>
+          </ac:spMkLst>
+        </pc:spChg>
+      </pc:sldChg>
+      <pc:sldChg chg="addSp modSp add">
+        <pc:chgData name="Moritz Nipshagen" userId="ee3b3bbc25b4cb6d" providerId="LiveId" clId="{1E8176CD-B94A-41B8-907A-4DE8635BE80A}" dt="2018-04-18T00:23:10.028" v="7091" actId="1076"/>
+        <pc:sldMkLst>
+          <pc:docMk/>
+          <pc:sldMk cId="1550410960" sldId="302"/>
+        </pc:sldMkLst>
+        <pc:spChg chg="mod">
+          <ac:chgData name="Moritz Nipshagen" userId="ee3b3bbc25b4cb6d" providerId="LiveId" clId="{1E8176CD-B94A-41B8-907A-4DE8635BE80A}" dt="2018-04-17T23:01:27.019" v="6939" actId="20577"/>
+          <ac:spMkLst>
+            <pc:docMk/>
+            <pc:sldMk cId="1550410960" sldId="302"/>
+            <ac:spMk id="2" creationId="{C5780D81-E099-40F1-8E14-2FDCFA4F5761}"/>
+          </ac:spMkLst>
+        </pc:spChg>
+        <pc:spChg chg="mod">
+          <ac:chgData name="Moritz Nipshagen" userId="ee3b3bbc25b4cb6d" providerId="LiveId" clId="{1E8176CD-B94A-41B8-907A-4DE8635BE80A}" dt="2018-04-17T23:30:55.406" v="7030" actId="20577"/>
+          <ac:spMkLst>
+            <pc:docMk/>
+            <pc:sldMk cId="1550410960" sldId="302"/>
+            <ac:spMk id="3" creationId="{4A2B513B-0B89-42C0-BADA-387E6E334A72}"/>
+          </ac:spMkLst>
+        </pc:spChg>
+        <pc:spChg chg="add mod">
+          <ac:chgData name="Moritz Nipshagen" userId="ee3b3bbc25b4cb6d" providerId="LiveId" clId="{1E8176CD-B94A-41B8-907A-4DE8635BE80A}" dt="2018-04-18T00:23:10.028" v="7091" actId="1076"/>
+          <ac:spMkLst>
+            <pc:docMk/>
+            <pc:sldMk cId="1550410960" sldId="302"/>
+            <ac:spMk id="5" creationId="{00679043-9D7A-4D87-8A59-21938D62BBFD}"/>
+          </ac:spMkLst>
+        </pc:spChg>
+      </pc:sldChg>
     </pc:docChg>
   </pc:docChgLst>
   <pc:docChgLst>
     <pc:chgData name="Antonia H." userId="da08060cd893cdf4" providerId="Windows Live" clId="Web-{FE7FC53E-3C97-4AD7-8BCB-EBFE1D87E8B5}"/>
     <pc:docChg chg="modSld">
-      <pc:chgData name="Antonia H." userId="da08060cd893cdf4" providerId="Windows Live" clId="Web-{FE7FC53E-3C97-4AD7-8BCB-EBFE1D87E8B5}" dt="2018-04-17T14:24:18.198" v="4"/>
+      <pc:chgData name="Antonia H." userId="da08060cd893cdf4" providerId="Windows Live" clId="Web-{FE7FC53E-3C97-4AD7-8BCB-EBFE1D87E8B5}" dt="2018-04-17T14:31:14.715" v="21"/>
       <pc:docMkLst>
         <pc:docMk/>
       </pc:docMkLst>
-      <pc:sldChg chg="modSp">
-        <pc:chgData name="Antonia H." userId="da08060cd893cdf4" providerId="Windows Live" clId="Web-{FE7FC53E-3C97-4AD7-8BCB-EBFE1D87E8B5}" dt="2018-04-17T14:24:17.355" v="2"/>
+      <pc:sldChg chg="modSp addCm">
+        <pc:chgData name="Antonia H." userId="da08060cd893cdf4" providerId="Windows Live" clId="Web-{FE7FC53E-3C97-4AD7-8BCB-EBFE1D87E8B5}" dt="2018-04-17T14:26:07.871" v="5"/>
         <pc:sldMkLst>
           <pc:docMk/>
           <pc:sldMk cId="1534164495" sldId="261"/>
@@ -2322,6 +2786,42 @@
           </ac:spMkLst>
         </pc:spChg>
       </pc:sldChg>
+      <pc:sldChg chg="modSp addCm">
+        <pc:chgData name="Antonia H." userId="da08060cd893cdf4" providerId="Windows Live" clId="Web-{FE7FC53E-3C97-4AD7-8BCB-EBFE1D87E8B5}" dt="2018-04-17T14:28:46.059" v="19"/>
+        <pc:sldMkLst>
+          <pc:docMk/>
+          <pc:sldMk cId="4106587795" sldId="263"/>
+        </pc:sldMkLst>
+        <pc:spChg chg="mod">
+          <ac:chgData name="Antonia H." userId="da08060cd893cdf4" providerId="Windows Live" clId="Web-{FE7FC53E-3C97-4AD7-8BCB-EBFE1D87E8B5}" dt="2018-04-17T14:28:11.168" v="16"/>
+          <ac:spMkLst>
+            <pc:docMk/>
+            <pc:sldMk cId="4106587795" sldId="263"/>
+            <ac:spMk id="2" creationId="{1F6336D3-D6B4-4558-BF17-A441F95DD9A7}"/>
+          </ac:spMkLst>
+        </pc:spChg>
+      </pc:sldChg>
+      <pc:sldChg chg="addCm modCm">
+        <pc:chgData name="Antonia H." userId="da08060cd893cdf4" providerId="Windows Live" clId="Web-{FE7FC53E-3C97-4AD7-8BCB-EBFE1D87E8B5}" dt="2018-04-17T14:27:53.012" v="7"/>
+        <pc:sldMkLst>
+          <pc:docMk/>
+          <pc:sldMk cId="331228608" sldId="269"/>
+        </pc:sldMkLst>
+      </pc:sldChg>
+      <pc:sldChg chg="addCm">
+        <pc:chgData name="Antonia H." userId="da08060cd893cdf4" providerId="Windows Live" clId="Web-{FE7FC53E-3C97-4AD7-8BCB-EBFE1D87E8B5}" dt="2018-04-17T14:29:43.043" v="20"/>
+        <pc:sldMkLst>
+          <pc:docMk/>
+          <pc:sldMk cId="666640570" sldId="270"/>
+        </pc:sldMkLst>
+      </pc:sldChg>
+      <pc:sldChg chg="addCm">
+        <pc:chgData name="Antonia H." userId="da08060cd893cdf4" providerId="Windows Live" clId="Web-{FE7FC53E-3C97-4AD7-8BCB-EBFE1D87E8B5}" dt="2018-04-17T14:31:14.715" v="21"/>
+        <pc:sldMkLst>
+          <pc:docMk/>
+          <pc:sldMk cId="2787808914" sldId="274"/>
+        </pc:sldMkLst>
+      </pc:sldChg>
     </pc:docChg>
   </pc:docChgLst>
 </pc:chgInfo>
@@ -2329,12 +2829,112 @@
 
 <file path=ppt/comments/comment1.xml><?xml version="1.0" encoding="utf-8"?>
 <p:cmLst xmlns:a="http://schemas.openxmlformats.org/drawingml/2006/main" xmlns:r="http://schemas.openxmlformats.org/officeDocument/2006/relationships" xmlns:p="http://schemas.openxmlformats.org/presentationml/2006/main">
+  <p:cm authorId="2" dt="2018-04-17T15:03:21.877" idx="6">
+    <p:pos x="10" y="10"/>
+    <p:text>die ersten paar Slides (bis zum if-Teil) könnten noch bisschen mehr Fettgedrucktes im Text gebrauchen denke ich</p:text>
+    <p:extLst>
+      <p:ext uri="{C676402C-5697-4E1C-873F-D02D1690AC5C}">
+        <p15:threadingInfo xmlns:p15="http://schemas.microsoft.com/office/powerpoint/2012/main" timeZoneBias="0"/>
+      </p:ext>
+    </p:extLst>
+  </p:cm>
+</p:cmLst>
+</file>
+
+<file path=ppt/comments/comment2.xml><?xml version="1.0" encoding="utf-8"?>
+<p:cmLst xmlns:a="http://schemas.openxmlformats.org/drawingml/2006/main" xmlns:r="http://schemas.openxmlformats.org/officeDocument/2006/relationships" xmlns:p="http://schemas.openxmlformats.org/presentationml/2006/main">
+  <p:cm authorId="2" dt="2018-04-17T14:28:46.059" idx="3">
+    <p:pos x="10" y="10"/>
+    <p:text>könnte man mit Livecoding demonstrieren</p:text>
+    <p:extLst>
+      <p:ext uri="{C676402C-5697-4E1C-873F-D02D1690AC5C}">
+        <p15:threadingInfo xmlns:p15="http://schemas.microsoft.com/office/powerpoint/2012/main" timeZoneBias="0"/>
+      </p:ext>
+    </p:extLst>
+  </p:cm>
+</p:cmLst>
+</file>
+
+<file path=ppt/comments/comment3.xml><?xml version="1.0" encoding="utf-8"?>
+<p:cmLst xmlns:a="http://schemas.openxmlformats.org/drawingml/2006/main" xmlns:r="http://schemas.openxmlformats.org/officeDocument/2006/relationships" xmlns:p="http://schemas.openxmlformats.org/presentationml/2006/main">
+  <p:cm authorId="2" dt="2018-04-17T14:29:43.043" idx="4">
+    <p:pos x="10" y="10"/>
+    <p:text>"None" kennen sie noch gar nicht oder? Vielleicht dazu kurz was sagen damit niemand verwirrt ist</p:text>
+    <p:extLst>
+      <p:ext uri="{C676402C-5697-4E1C-873F-D02D1690AC5C}">
+        <p15:threadingInfo xmlns:p15="http://schemas.microsoft.com/office/powerpoint/2012/main" timeZoneBias="0"/>
+      </p:ext>
+    </p:extLst>
+  </p:cm>
+</p:cmLst>
+</file>
+
+<file path=ppt/comments/comment4.xml><?xml version="1.0" encoding="utf-8"?>
+<p:cmLst xmlns:a="http://schemas.openxmlformats.org/drawingml/2006/main" xmlns:r="http://schemas.openxmlformats.org/officeDocument/2006/relationships" xmlns:p="http://schemas.openxmlformats.org/presentationml/2006/main">
+  <p:cm authorId="2" dt="2018-04-17T14:31:14.715" idx="5">
+    <p:pos x="10" y="10"/>
+    <p:text>"I am part of the block" :D
+(nehme also an, das soll demonstrieren dass es kein Einzeiler sein muss?)</p:text>
+    <p:extLst>
+      <p:ext uri="{C676402C-5697-4E1C-873F-D02D1690AC5C}">
+        <p15:threadingInfo xmlns:p15="http://schemas.microsoft.com/office/powerpoint/2012/main" timeZoneBias="0"/>
+      </p:ext>
+    </p:extLst>
+  </p:cm>
+</p:cmLst>
+</file>
+
+<file path=ppt/comments/comment5.xml><?xml version="1.0" encoding="utf-8"?>
+<p:cmLst xmlns:a="http://schemas.openxmlformats.org/drawingml/2006/main" xmlns:r="http://schemas.openxmlformats.org/officeDocument/2006/relationships" xmlns:p="http://schemas.openxmlformats.org/presentationml/2006/main">
   <p:cm authorId="1" dt="2018-04-15T16:33:50.974" idx="1">
     <p:pos x="10" y="10"/>
     <p:text>Might change code block with next slide to show the intuitive way first. Then show that it can be done better</p:text>
     <p:extLst>
       <p:ext uri="{C676402C-5697-4E1C-873F-D02D1690AC5C}">
         <p15:threadingInfo xmlns:p15="http://schemas.microsoft.com/office/powerpoint/2012/main" timeZoneBias="-120"/>
+      </p:ext>
+    </p:extLst>
+  </p:cm>
+</p:cmLst>
+</file>
+
+<file path=ppt/comments/comment6.xml><?xml version="1.0" encoding="utf-8"?>
+<p:cmLst xmlns:a="http://schemas.openxmlformats.org/drawingml/2006/main" xmlns:r="http://schemas.openxmlformats.org/officeDocument/2006/relationships" xmlns:p="http://schemas.openxmlformats.org/presentationml/2006/main">
+  <p:cm authorId="2" dt="2018-04-17T16:42:26.934" idx="7">
+    <p:pos x="10" y="10"/>
+    <p:text>eher "code piece" oder nicht?
+"until a condition is met" klingt zwar intuitiv, aber da es hier kein repeat...until gibt könnte man vlt auch einfach sagen "while a condition is met", passend zur syntax ?</p:text>
+    <p:extLst mod="1">
+      <p:ext uri="{C676402C-5697-4E1C-873F-D02D1690AC5C}">
+        <p15:threadingInfo xmlns:p15="http://schemas.microsoft.com/office/powerpoint/2012/main" timeZoneBias="0"/>
+      </p:ext>
+    </p:extLst>
+  </p:cm>
+</p:cmLst>
+</file>
+
+<file path=ppt/comments/comment7.xml><?xml version="1.0" encoding="utf-8"?>
+<p:cmLst xmlns:a="http://schemas.openxmlformats.org/drawingml/2006/main" xmlns:r="http://schemas.openxmlformats.org/officeDocument/2006/relationships" xmlns:p="http://schemas.openxmlformats.org/presentationml/2006/main">
+  <p:cm authorId="2" dt="2018-04-17T16:47:46.841" idx="8">
+    <p:pos x="10" y="10"/>
+    <p:text>nehme an hier kommt noch was hin..? :D</p:text>
+    <p:extLst>
+      <p:ext uri="{C676402C-5697-4E1C-873F-D02D1690AC5C}">
+        <p15:threadingInfo xmlns:p15="http://schemas.microsoft.com/office/powerpoint/2012/main" timeZoneBias="0"/>
+      </p:ext>
+    </p:extLst>
+  </p:cm>
+</p:cmLst>
+</file>
+
+<file path=ppt/comments/comment8.xml><?xml version="1.0" encoding="utf-8"?>
+<p:cmLst xmlns:a="http://schemas.openxmlformats.org/drawingml/2006/main" xmlns:r="http://schemas.openxmlformats.org/officeDocument/2006/relationships" xmlns:p="http://schemas.openxmlformats.org/presentationml/2006/main">
+  <p:cm authorId="2" dt="2018-04-17T16:49:34.841" idx="9">
+    <p:pos x="10" y="10"/>
+    <p:text>TODO: Formatierung</p:text>
+    <p:extLst>
+      <p:ext uri="{C676402C-5697-4E1C-873F-D02D1690AC5C}">
+        <p15:threadingInfo xmlns:p15="http://schemas.microsoft.com/office/powerpoint/2012/main" timeZoneBias="0"/>
       </p:ext>
     </p:extLst>
   </p:cm>
@@ -2582,7 +3182,7 @@
           <a:p>
             <a:fld id="{42145966-3644-4EF3-8D3C-4E37A0E97571}" type="slidenum">
               <a:rPr lang="en-GB" smtClean="0"/>
-              <a:t>‹Nr.›</a:t>
+              <a:t>‹#›</a:t>
             </a:fld>
             <a:endParaRPr lang="en-GB"/>
           </a:p>
@@ -2735,7 +3335,10 @@
           <a:bodyPr/>
           <a:lstStyle/>
           <a:p>
-            <a:endParaRPr lang="en-GB" dirty="0"/>
+            <a:r>
+              <a:rPr lang="en-GB" dirty="0"/>
+              <a:t>Live coding. String pooling.</a:t>
+            </a:r>
           </a:p>
         </p:txBody>
       </p:sp>
@@ -2955,6 +3558,90 @@
     <p:extLst>
       <p:ext uri="{BB962C8B-B14F-4D97-AF65-F5344CB8AC3E}">
         <p14:creationId xmlns:p14="http://schemas.microsoft.com/office/powerpoint/2010/main" val="2780443962"/>
+      </p:ext>
+    </p:extLst>
+  </p:cSld>
+  <p:clrMapOvr>
+    <a:masterClrMapping/>
+  </p:clrMapOvr>
+</p:notes>
+</file>
+
+<file path=ppt/notesSlides/notesSlide4.xml><?xml version="1.0" encoding="utf-8"?>
+<p:notes xmlns:a="http://schemas.openxmlformats.org/drawingml/2006/main" xmlns:r="http://schemas.openxmlformats.org/officeDocument/2006/relationships" xmlns:p="http://schemas.openxmlformats.org/presentationml/2006/main">
+  <p:cSld>
+    <p:spTree>
+      <p:nvGrpSpPr>
+        <p:cNvPr id="1" name=""/>
+        <p:cNvGrpSpPr/>
+        <p:nvPr/>
+      </p:nvGrpSpPr>
+      <p:grpSpPr>
+        <a:xfrm>
+          <a:off x="0" y="0"/>
+          <a:ext cx="0" cy="0"/>
+          <a:chOff x="0" y="0"/>
+          <a:chExt cx="0" cy="0"/>
+        </a:xfrm>
+      </p:grpSpPr>
+      <p:sp>
+        <p:nvSpPr>
+          <p:cNvPr id="2" name="Slide Image Placeholder 1"/>
+          <p:cNvSpPr>
+            <a:spLocks noGrp="1" noRot="1" noChangeAspect="1"/>
+          </p:cNvSpPr>
+          <p:nvPr>
+            <p:ph type="sldImg"/>
+          </p:nvPr>
+        </p:nvSpPr>
+        <p:spPr/>
+      </p:sp>
+      <p:sp>
+        <p:nvSpPr>
+          <p:cNvPr id="3" name="Notes Placeholder 2"/>
+          <p:cNvSpPr>
+            <a:spLocks noGrp="1"/>
+          </p:cNvSpPr>
+          <p:nvPr>
+            <p:ph type="body" idx="1"/>
+          </p:nvPr>
+        </p:nvSpPr>
+        <p:spPr/>
+        <p:txBody>
+          <a:bodyPr/>
+          <a:lstStyle/>
+          <a:p>
+            <a:endParaRPr lang="en-GB" dirty="0"/>
+          </a:p>
+        </p:txBody>
+      </p:sp>
+      <p:sp>
+        <p:nvSpPr>
+          <p:cNvPr id="4" name="Slide Number Placeholder 3"/>
+          <p:cNvSpPr>
+            <a:spLocks noGrp="1"/>
+          </p:cNvSpPr>
+          <p:nvPr>
+            <p:ph type="sldNum" sz="quarter" idx="10"/>
+          </p:nvPr>
+        </p:nvSpPr>
+        <p:spPr/>
+        <p:txBody>
+          <a:bodyPr/>
+          <a:lstStyle/>
+          <a:p>
+            <a:fld id="{42145966-3644-4EF3-8D3C-4E37A0E97571}" type="slidenum">
+              <a:rPr lang="en-GB" smtClean="0"/>
+              <a:t>37</a:t>
+            </a:fld>
+            <a:endParaRPr lang="en-GB"/>
+          </a:p>
+        </p:txBody>
+      </p:sp>
+    </p:spTree>
+    <p:extLst>
+      <p:ext uri="{BB962C8B-B14F-4D97-AF65-F5344CB8AC3E}">
+        <p14:creationId xmlns:p14="http://schemas.microsoft.com/office/powerpoint/2010/main" val="2616894673"/>
       </p:ext>
     </p:extLst>
   </p:cSld>
@@ -3180,7 +3867,7 @@
           <a:p>
             <a:fld id="{89C4E583-6443-4199-AF95-A2ECCC288D48}" type="slidenum">
               <a:rPr lang="en-GB" smtClean="0"/>
-              <a:t>‹Nr.›</a:t>
+              <a:t>‹#›</a:t>
             </a:fld>
             <a:endParaRPr lang="en-GB"/>
           </a:p>
@@ -3845,7 +4532,7 @@
           <a:p>
             <a:fld id="{89C4E583-6443-4199-AF95-A2ECCC288D48}" type="slidenum">
               <a:rPr lang="en-GB" smtClean="0"/>
-              <a:t>‹Nr.›</a:t>
+              <a:t>‹#›</a:t>
             </a:fld>
             <a:endParaRPr lang="en-GB"/>
           </a:p>
@@ -4655,7 +5342,7 @@
           <a:p>
             <a:fld id="{89C4E583-6443-4199-AF95-A2ECCC288D48}" type="slidenum">
               <a:rPr lang="en-GB" smtClean="0"/>
-              <a:t>‹Nr.›</a:t>
+              <a:t>‹#›</a:t>
             </a:fld>
             <a:endParaRPr lang="en-GB"/>
           </a:p>
@@ -5439,7 +6126,7 @@
           <a:p>
             <a:fld id="{89C4E583-6443-4199-AF95-A2ECCC288D48}" type="slidenum">
               <a:rPr lang="en-GB" smtClean="0"/>
-              <a:t>‹Nr.›</a:t>
+              <a:t>‹#›</a:t>
             </a:fld>
             <a:endParaRPr lang="en-GB"/>
           </a:p>
@@ -6103,7 +6790,7 @@
           <a:p>
             <a:fld id="{89C4E583-6443-4199-AF95-A2ECCC288D48}" type="slidenum">
               <a:rPr lang="en-GB" smtClean="0"/>
-              <a:t>‹Nr.›</a:t>
+              <a:t>‹#›</a:t>
             </a:fld>
             <a:endParaRPr lang="en-GB"/>
           </a:p>
@@ -6302,7 +6989,7 @@
           <a:p>
             <a:fld id="{89C4E583-6443-4199-AF95-A2ECCC288D48}" type="slidenum">
               <a:rPr lang="en-GB" smtClean="0"/>
-              <a:t>‹Nr.›</a:t>
+              <a:t>‹#›</a:t>
             </a:fld>
             <a:endParaRPr lang="en-GB"/>
           </a:p>
@@ -6989,7 +7676,7 @@
           <a:p>
             <a:fld id="{89C4E583-6443-4199-AF95-A2ECCC288D48}" type="slidenum">
               <a:rPr lang="en-GB" smtClean="0"/>
-              <a:t>‹Nr.›</a:t>
+              <a:t>‹#›</a:t>
             </a:fld>
             <a:endParaRPr lang="en-GB"/>
           </a:p>
@@ -7207,7 +7894,7 @@
           <a:p>
             <a:fld id="{89C4E583-6443-4199-AF95-A2ECCC288D48}" type="slidenum">
               <a:rPr lang="en-GB" smtClean="0"/>
-              <a:t>‹Nr.›</a:t>
+              <a:t>‹#›</a:t>
             </a:fld>
             <a:endParaRPr lang="en-GB"/>
           </a:p>
@@ -7372,7 +8059,7 @@
           <a:p>
             <a:fld id="{89C4E583-6443-4199-AF95-A2ECCC288D48}" type="slidenum">
               <a:rPr lang="en-GB" smtClean="0"/>
-              <a:t>‹Nr.›</a:t>
+              <a:t>‹#›</a:t>
             </a:fld>
             <a:endParaRPr lang="en-GB"/>
           </a:p>
@@ -8147,7 +8834,7 @@
           <a:p>
             <a:fld id="{89C4E583-6443-4199-AF95-A2ECCC288D48}" type="slidenum">
               <a:rPr lang="en-GB" smtClean="0"/>
-              <a:t>‹Nr.›</a:t>
+              <a:t>‹#›</a:t>
             </a:fld>
             <a:endParaRPr lang="en-GB"/>
           </a:p>
@@ -8409,7 +9096,7 @@
           <a:p>
             <a:fld id="{89C4E583-6443-4199-AF95-A2ECCC288D48}" type="slidenum">
               <a:rPr lang="en-GB" smtClean="0"/>
-              <a:t>‹Nr.›</a:t>
+              <a:t>‹#›</a:t>
             </a:fld>
             <a:endParaRPr lang="en-GB"/>
           </a:p>
@@ -8671,7 +9358,7 @@
           <a:p>
             <a:fld id="{89C4E583-6443-4199-AF95-A2ECCC288D48}" type="slidenum">
               <a:rPr lang="en-GB" smtClean="0"/>
-              <a:t>‹Nr.›</a:t>
+              <a:t>‹#›</a:t>
             </a:fld>
             <a:endParaRPr lang="en-GB"/>
           </a:p>
@@ -9031,7 +9718,7 @@
           <a:p>
             <a:fld id="{89C4E583-6443-4199-AF95-A2ECCC288D48}" type="slidenum">
               <a:rPr lang="en-GB" smtClean="0"/>
-              <a:t>‹Nr.›</a:t>
+              <a:t>‹#›</a:t>
             </a:fld>
             <a:endParaRPr lang="en-GB"/>
           </a:p>
@@ -9130,7 +9817,7 @@
           <a:p>
             <a:fld id="{89C4E583-6443-4199-AF95-A2ECCC288D48}" type="slidenum">
               <a:rPr lang="en-GB" smtClean="0"/>
-              <a:t>‹Nr.›</a:t>
+              <a:t>‹#›</a:t>
             </a:fld>
             <a:endParaRPr lang="en-GB"/>
           </a:p>
@@ -9382,7 +10069,7 @@
           <a:p>
             <a:fld id="{89C4E583-6443-4199-AF95-A2ECCC288D48}" type="slidenum">
               <a:rPr lang="en-GB" smtClean="0"/>
-              <a:t>‹Nr.›</a:t>
+              <a:t>‹#›</a:t>
             </a:fld>
             <a:endParaRPr lang="en-GB"/>
           </a:p>
@@ -11184,7 +11871,7 @@
           <a:p>
             <a:r>
               <a:rPr lang="en-GB" dirty="0"/>
-              <a:t>A more complicated side note</a:t>
+              <a:t>A More Complicated Side Note</a:t>
             </a:r>
           </a:p>
         </p:txBody>
@@ -11562,21 +12249,42 @@
           <a:lstStyle/>
           <a:p>
             <a:r>
+              <a:rPr lang="en-GB" sz="2000" dirty="0">
+                <a:latin typeface="Consolas" panose="020B0609020204030204" pitchFamily="49" charset="0"/>
+              </a:rPr>
+              <a:t>5 &lt; x &lt; 7 </a:t>
+            </a:r>
+            <a:r>
               <a:rPr lang="en-GB" dirty="0"/>
-              <a:t>5 &lt; x &lt; 7 works</a:t>
+              <a:t>works</a:t>
             </a:r>
           </a:p>
           <a:p>
             <a:r>
               <a:rPr lang="en-GB" dirty="0"/>
-              <a:t>So does 3 &lt; y &gt; 9</a:t>
+              <a:t>So does </a:t>
+            </a:r>
+            <a:r>
+              <a:rPr lang="en-GB" sz="2000" dirty="0">
+                <a:latin typeface="Consolas" panose="020B0609020204030204" pitchFamily="49" charset="0"/>
+              </a:rPr>
+              <a:t>3 &lt; y &gt; 9</a:t>
             </a:r>
           </a:p>
           <a:p>
             <a:r>
               <a:rPr lang="en-GB" dirty="0"/>
-              <a:t>Same as 5 &lt; x and x &lt; 7</a:t>
-            </a:r>
+              <a:t>Same as </a:t>
+            </a:r>
+            <a:r>
+              <a:rPr lang="en-GB" sz="2000" dirty="0">
+                <a:latin typeface="Consolas" panose="020B0609020204030204" pitchFamily="49" charset="0"/>
+              </a:rPr>
+              <a:t>5 &lt; x and x &lt; 7</a:t>
+            </a:r>
+            <a:endParaRPr lang="en-GB" dirty="0">
+              <a:latin typeface="Consolas" panose="020B0609020204030204" pitchFamily="49" charset="0"/>
+            </a:endParaRPr>
           </a:p>
         </p:txBody>
       </p:sp>
@@ -11695,19 +12403,25 @@
           </a:p>
           <a:p>
             <a:r>
-              <a:rPr lang="en-GB" dirty="0"/>
+              <a:rPr lang="en-GB" sz="2000" dirty="0">
+                <a:latin typeface="Consolas" panose="020B0609020204030204" pitchFamily="49" charset="0"/>
+              </a:rPr>
               <a:t>(x &lt; 5) and (x != 2)</a:t>
             </a:r>
           </a:p>
           <a:p>
             <a:r>
-              <a:rPr lang="en-GB" dirty="0"/>
+              <a:rPr lang="en-GB" sz="2000" dirty="0">
+                <a:latin typeface="Consolas" panose="020B0609020204030204" pitchFamily="49" charset="0"/>
+              </a:rPr>
               <a:t>(not x &lt; 5) != (not (x &lt; 5))</a:t>
             </a:r>
           </a:p>
           <a:p>
             <a:r>
-              <a:rPr lang="en-GB" dirty="0"/>
+              <a:rPr lang="en-GB" sz="2000" dirty="0">
+                <a:latin typeface="Consolas" panose="020B0609020204030204" pitchFamily="49" charset="0"/>
+              </a:rPr>
               <a:t>(3 &gt; 5 and True) != (3 &gt; (5 and True))</a:t>
             </a:r>
           </a:p>
@@ -11720,8 +12434,10 @@
           <a:p>
             <a:pPr lvl="1"/>
             <a:r>
-              <a:rPr lang="en-GB" dirty="0"/>
-              <a:t>(3 &lt; x) &lt; 2 </a:t>
+              <a:rPr lang="en-GB" sz="1800" dirty="0">
+                <a:latin typeface="Consolas" panose="020B0609020204030204" pitchFamily="49" charset="0"/>
+              </a:rPr>
+              <a:t>(3 &lt; 5) &lt; 2 </a:t>
             </a:r>
             <a:r>
               <a:rPr lang="en-GB" dirty="0">
@@ -11733,35 +12449,31 @@
           <a:p>
             <a:pPr lvl="2"/>
             <a:r>
-              <a:rPr lang="en-GB" dirty="0" err="1">
-                <a:solidFill>
-                  <a:srgbClr val="FF0000"/>
-                </a:solidFill>
+              <a:rPr lang="en-GB" sz="1400" dirty="0">
+                <a:solidFill>
+                  <a:schemeClr val="tx1"/>
+                </a:solidFill>
+                <a:latin typeface="Consolas" panose="020B0609020204030204" pitchFamily="49" charset="0"/>
                 <a:sym typeface="Wingdings" panose="05000000000000000000" pitchFamily="2" charset="2"/>
               </a:rPr>
-              <a:t>Anim</a:t>
-            </a:r>
-            <a:r>
-              <a:rPr lang="en-GB" dirty="0">
-                <a:solidFill>
-                  <a:srgbClr val="FF0000"/>
-                </a:solidFill>
+              <a:t>True &lt; 2</a:t>
+            </a:r>
+          </a:p>
+          <a:p>
+            <a:pPr lvl="3"/>
+            <a:r>
+              <a:rPr lang="en-GB" sz="1400" dirty="0">
+                <a:solidFill>
+                  <a:schemeClr val="tx1"/>
+                </a:solidFill>
+                <a:latin typeface="Consolas" panose="020B0609020204030204" pitchFamily="49" charset="0"/>
                 <a:sym typeface="Wingdings" panose="05000000000000000000" pitchFamily="2" charset="2"/>
               </a:rPr>
-              <a:t> </a:t>
-            </a:r>
-            <a:r>
-              <a:rPr lang="en-GB" dirty="0">
-                <a:solidFill>
-                  <a:schemeClr val="tx1"/>
-                </a:solidFill>
-                <a:sym typeface="Wingdings" panose="05000000000000000000" pitchFamily="2" charset="2"/>
-              </a:rPr>
-              <a:t>True &lt; 2 --&gt; True as True is 1</a:t>
-            </a:r>
-          </a:p>
-          <a:p>
-            <a:pPr lvl="2"/>
+              <a:t>--&gt; True as True is 1</a:t>
+            </a:r>
+          </a:p>
+          <a:p>
+            <a:pPr lvl="4"/>
             <a:r>
               <a:rPr lang="en-GB" dirty="0">
                 <a:solidFill>
@@ -11813,6 +12525,183 @@
   <p:clrMapOvr>
     <a:masterClrMapping/>
   </p:clrMapOvr>
+  <p:timing>
+    <p:tnLst>
+      <p:par>
+        <p:cTn id="1" dur="indefinite" restart="never" nodeType="tmRoot">
+          <p:childTnLst>
+            <p:seq concurrent="1" nextAc="seek">
+              <p:cTn id="2" dur="indefinite" nodeType="mainSeq">
+                <p:childTnLst>
+                  <p:par>
+                    <p:cTn id="3" fill="hold">
+                      <p:stCondLst>
+                        <p:cond delay="indefinite"/>
+                      </p:stCondLst>
+                      <p:childTnLst>
+                        <p:par>
+                          <p:cTn id="4" fill="hold">
+                            <p:stCondLst>
+                              <p:cond delay="0"/>
+                            </p:stCondLst>
+                            <p:childTnLst>
+                              <p:par>
+                                <p:cTn id="5" presetID="1" presetClass="entr" presetSubtype="0" fill="hold" nodeType="clickEffect">
+                                  <p:stCondLst>
+                                    <p:cond delay="0"/>
+                                  </p:stCondLst>
+                                  <p:childTnLst>
+                                    <p:set>
+                                      <p:cBhvr>
+                                        <p:cTn id="6" dur="1" fill="hold">
+                                          <p:stCondLst>
+                                            <p:cond delay="0"/>
+                                          </p:stCondLst>
+                                        </p:cTn>
+                                        <p:tgtEl>
+                                          <p:spTgt spid="3">
+                                            <p:txEl>
+                                              <p:pRg st="6" end="6"/>
+                                            </p:txEl>
+                                          </p:spTgt>
+                                        </p:tgtEl>
+                                        <p:attrNameLst>
+                                          <p:attrName>style.visibility</p:attrName>
+                                        </p:attrNameLst>
+                                      </p:cBhvr>
+                                      <p:to>
+                                        <p:strVal val="visible"/>
+                                      </p:to>
+                                    </p:set>
+                                  </p:childTnLst>
+                                </p:cTn>
+                              </p:par>
+                            </p:childTnLst>
+                          </p:cTn>
+                        </p:par>
+                      </p:childTnLst>
+                    </p:cTn>
+                  </p:par>
+                  <p:par>
+                    <p:cTn id="7" fill="hold">
+                      <p:stCondLst>
+                        <p:cond delay="indefinite"/>
+                      </p:stCondLst>
+                      <p:childTnLst>
+                        <p:par>
+                          <p:cTn id="8" fill="hold">
+                            <p:stCondLst>
+                              <p:cond delay="0"/>
+                            </p:stCondLst>
+                            <p:childTnLst>
+                              <p:par>
+                                <p:cTn id="9" presetID="1" presetClass="entr" presetSubtype="0" fill="hold" nodeType="clickEffect">
+                                  <p:stCondLst>
+                                    <p:cond delay="0"/>
+                                  </p:stCondLst>
+                                  <p:childTnLst>
+                                    <p:set>
+                                      <p:cBhvr>
+                                        <p:cTn id="10" dur="1" fill="hold">
+                                          <p:stCondLst>
+                                            <p:cond delay="0"/>
+                                          </p:stCondLst>
+                                        </p:cTn>
+                                        <p:tgtEl>
+                                          <p:spTgt spid="3">
+                                            <p:txEl>
+                                              <p:pRg st="7" end="7"/>
+                                            </p:txEl>
+                                          </p:spTgt>
+                                        </p:tgtEl>
+                                        <p:attrNameLst>
+                                          <p:attrName>style.visibility</p:attrName>
+                                        </p:attrNameLst>
+                                      </p:cBhvr>
+                                      <p:to>
+                                        <p:strVal val="visible"/>
+                                      </p:to>
+                                    </p:set>
+                                  </p:childTnLst>
+                                </p:cTn>
+                              </p:par>
+                            </p:childTnLst>
+                          </p:cTn>
+                        </p:par>
+                      </p:childTnLst>
+                    </p:cTn>
+                  </p:par>
+                  <p:par>
+                    <p:cTn id="11" fill="hold">
+                      <p:stCondLst>
+                        <p:cond delay="indefinite"/>
+                      </p:stCondLst>
+                      <p:childTnLst>
+                        <p:par>
+                          <p:cTn id="12" fill="hold">
+                            <p:stCondLst>
+                              <p:cond delay="0"/>
+                            </p:stCondLst>
+                            <p:childTnLst>
+                              <p:par>
+                                <p:cTn id="13" presetID="1" presetClass="entr" presetSubtype="0" fill="hold" nodeType="clickEffect">
+                                  <p:stCondLst>
+                                    <p:cond delay="0"/>
+                                  </p:stCondLst>
+                                  <p:childTnLst>
+                                    <p:set>
+                                      <p:cBhvr>
+                                        <p:cTn id="14" dur="1" fill="hold">
+                                          <p:stCondLst>
+                                            <p:cond delay="0"/>
+                                          </p:stCondLst>
+                                        </p:cTn>
+                                        <p:tgtEl>
+                                          <p:spTgt spid="3">
+                                            <p:txEl>
+                                              <p:pRg st="8" end="8"/>
+                                            </p:txEl>
+                                          </p:spTgt>
+                                        </p:tgtEl>
+                                        <p:attrNameLst>
+                                          <p:attrName>style.visibility</p:attrName>
+                                        </p:attrNameLst>
+                                      </p:cBhvr>
+                                      <p:to>
+                                        <p:strVal val="visible"/>
+                                      </p:to>
+                                    </p:set>
+                                  </p:childTnLst>
+                                </p:cTn>
+                              </p:par>
+                            </p:childTnLst>
+                          </p:cTn>
+                        </p:par>
+                      </p:childTnLst>
+                    </p:cTn>
+                  </p:par>
+                </p:childTnLst>
+              </p:cTn>
+              <p:prevCondLst>
+                <p:cond evt="onPrev" delay="0">
+                  <p:tgtEl>
+                    <p:sldTgt/>
+                  </p:tgtEl>
+                </p:cond>
+              </p:prevCondLst>
+              <p:nextCondLst>
+                <p:cond evt="onNext" delay="0">
+                  <p:tgtEl>
+                    <p:sldTgt/>
+                  </p:tgtEl>
+                </p:cond>
+              </p:nextCondLst>
+            </p:seq>
+          </p:childTnLst>
+        </p:cTn>
+      </p:par>
+    </p:tnLst>
+  </p:timing>
 </p:sld>
 </file>
 
@@ -11904,6 +12793,13 @@
             <a:r>
               <a:rPr lang="en-GB" dirty="0"/>
               <a:t>False, None are False</a:t>
+            </a:r>
+          </a:p>
+          <a:p>
+            <a:pPr lvl="1"/>
+            <a:r>
+              <a:rPr lang="en-GB" dirty="0"/>
+              <a:t>None is representative for “nothing” “not existing”, in other languages it is called “null”</a:t>
             </a:r>
           </a:p>
           <a:p>
@@ -17640,14 +18536,14 @@
           <a:p>
             <a:r>
               <a:rPr lang="en-GB" dirty="0"/>
-              <a:t>Loops are used to repeat a certain code-piece</a:t>
+              <a:t>Loops are used to repeat a certain code piece</a:t>
             </a:r>
           </a:p>
           <a:p>
             <a:pPr lvl="1"/>
             <a:r>
               <a:rPr lang="en-GB" dirty="0"/>
-              <a:t>Until a condition is met</a:t>
+              <a:t>While a condition is met</a:t>
             </a:r>
           </a:p>
           <a:p>
@@ -17705,6 +18601,13 @@
             <a:r>
               <a:rPr lang="en-GB" dirty="0"/>
               <a:t>Most of the time you will probably use for</a:t>
+            </a:r>
+          </a:p>
+          <a:p>
+            <a:pPr lvl="1"/>
+            <a:r>
+              <a:rPr lang="en-GB" dirty="0"/>
+              <a:t>But they are exchangeable with a bit of work</a:t>
             </a:r>
           </a:p>
         </p:txBody>
@@ -19095,7 +19998,11 @@
             </a:r>
             <a:r>
               <a:rPr lang="en-GB" i="1" dirty="0"/>
-              <a:t>iterations are called </a:t>
+              <a:t>iterations </a:t>
+            </a:r>
+            <a:r>
+              <a:rPr lang="en-GB" dirty="0"/>
+              <a:t>are called </a:t>
             </a:r>
             <a:r>
               <a:rPr lang="en-GB" b="1" i="1" dirty="0" err="1"/>
@@ -19123,7 +20030,7 @@
             </a:r>
             <a:r>
               <a:rPr lang="de-DE" dirty="0" err="1"/>
-              <a:t>about</a:t>
+              <a:t>more</a:t>
             </a:r>
             <a:r>
               <a:rPr lang="de-DE" dirty="0"/>
@@ -19131,15 +20038,7 @@
             </a:r>
             <a:r>
               <a:rPr lang="de-DE" dirty="0" err="1"/>
-              <a:t>more</a:t>
-            </a:r>
-            <a:r>
-              <a:rPr lang="de-DE" dirty="0"/>
-              <a:t> </a:t>
-            </a:r>
-            <a:r>
-              <a:rPr lang="de-DE" dirty="0" err="1"/>
-              <a:t>of</a:t>
+              <a:t>about</a:t>
             </a:r>
             <a:r>
               <a:rPr lang="de-DE" dirty="0"/>
@@ -20084,7 +20983,7 @@
             </a:r>
             <a:r>
               <a:rPr lang="de-DE" dirty="0"/>
-              <a:t> ins</a:t>
+              <a:t> Ins</a:t>
             </a:r>
             <a:endParaRPr lang="en-GB" dirty="0"/>
           </a:p>
@@ -20258,7 +21157,7 @@
           <a:p>
             <a:r>
               <a:rPr lang="en-GB" dirty="0"/>
-              <a:t>Let’s break some stuff</a:t>
+              <a:t>Let’s Break Some Stuff</a:t>
             </a:r>
           </a:p>
         </p:txBody>
@@ -21734,7 +22633,7 @@
           <a:p>
             <a:r>
               <a:rPr lang="en-GB" dirty="0"/>
-              <a:t>To be continued</a:t>
+              <a:t>To Be Continued</a:t>
             </a:r>
           </a:p>
         </p:txBody>
@@ -23299,7 +24198,7 @@
           <a:p>
             <a:r>
               <a:rPr lang="en-GB" dirty="0"/>
-              <a:t>Functions revisited</a:t>
+              <a:t>Functions Revisited</a:t>
             </a:r>
           </a:p>
         </p:txBody>
@@ -23386,7 +24285,7 @@
           <a:p>
             <a:r>
               <a:rPr lang="en-GB" dirty="0"/>
-              <a:t>Functions</a:t>
+              <a:t>Recursion</a:t>
             </a:r>
           </a:p>
         </p:txBody>
@@ -23414,7 +24313,53 @@
           <a:p>
             <a:r>
               <a:rPr lang="en-GB" dirty="0"/>
-              <a:t>Can have more than 1 line per function</a:t>
+              <a:t>So far we have put some maths into the return statements</a:t>
+            </a:r>
+          </a:p>
+          <a:p>
+            <a:r>
+              <a:rPr lang="en-GB" dirty="0"/>
+              <a:t>We can put whatever statement into this recursion and it will be evaluated before returning</a:t>
+            </a:r>
+          </a:p>
+          <a:p>
+            <a:r>
+              <a:rPr lang="en-GB" dirty="0"/>
+              <a:t>We can even put </a:t>
+            </a:r>
+            <a:r>
+              <a:rPr lang="en-GB" i="1" dirty="0"/>
+              <a:t>function calls</a:t>
+            </a:r>
+            <a:r>
+              <a:rPr lang="en-GB" dirty="0"/>
+              <a:t> in there which will be evaluated</a:t>
+            </a:r>
+          </a:p>
+          <a:p>
+            <a:r>
+              <a:rPr lang="en-GB" dirty="0"/>
+              <a:t>And we can even put the same function call in there</a:t>
+            </a:r>
+          </a:p>
+          <a:p>
+            <a:pPr lvl="1"/>
+            <a:r>
+              <a:rPr lang="en-GB" dirty="0"/>
+              <a:t>The function is effectively calling itself</a:t>
+            </a:r>
+          </a:p>
+          <a:p>
+            <a:r>
+              <a:rPr lang="en-GB" dirty="0"/>
+              <a:t>This sounds like an infinite loop, so we need something to stop it</a:t>
+            </a:r>
+          </a:p>
+          <a:p>
+            <a:pPr lvl="1"/>
+            <a:r>
+              <a:rPr lang="en-GB" dirty="0"/>
+              <a:t>This is called the base case</a:t>
             </a:r>
           </a:p>
         </p:txBody>
@@ -23462,6 +24407,676 @@
 </file>
 
 <file path=ppt/slides/slide36.xml><?xml version="1.0" encoding="utf-8"?>
+<p:sld xmlns:a="http://schemas.openxmlformats.org/drawingml/2006/main" xmlns:r="http://schemas.openxmlformats.org/officeDocument/2006/relationships" xmlns:p="http://schemas.openxmlformats.org/presentationml/2006/main">
+  <p:cSld>
+    <p:spTree>
+      <p:nvGrpSpPr>
+        <p:cNvPr id="1" name=""/>
+        <p:cNvGrpSpPr/>
+        <p:nvPr/>
+      </p:nvGrpSpPr>
+      <p:grpSpPr>
+        <a:xfrm>
+          <a:off x="0" y="0"/>
+          <a:ext cx="0" cy="0"/>
+          <a:chOff x="0" y="0"/>
+          <a:chExt cx="0" cy="0"/>
+        </a:xfrm>
+      </p:grpSpPr>
+      <p:sp>
+        <p:nvSpPr>
+          <p:cNvPr id="2" name="Title 1">
+            <a:extLst>
+              <a:ext uri="{FF2B5EF4-FFF2-40B4-BE49-F238E27FC236}">
+                <a16:creationId xmlns:a16="http://schemas.microsoft.com/office/drawing/2014/main" id="{DE8C8CAF-C5B1-41AD-971A-68F754C2F829}"/>
+              </a:ext>
+            </a:extLst>
+          </p:cNvPr>
+          <p:cNvSpPr>
+            <a:spLocks noGrp="1"/>
+          </p:cNvSpPr>
+          <p:nvPr>
+            <p:ph type="title"/>
+          </p:nvPr>
+        </p:nvSpPr>
+        <p:spPr/>
+        <p:txBody>
+          <a:bodyPr/>
+          <a:lstStyle/>
+          <a:p>
+            <a:r>
+              <a:rPr lang="en-GB" dirty="0"/>
+              <a:t>Recursion</a:t>
+            </a:r>
+          </a:p>
+        </p:txBody>
+      </p:sp>
+      <p:sp>
+        <p:nvSpPr>
+          <p:cNvPr id="3" name="Content Placeholder 2">
+            <a:extLst>
+              <a:ext uri="{FF2B5EF4-FFF2-40B4-BE49-F238E27FC236}">
+                <a16:creationId xmlns:a16="http://schemas.microsoft.com/office/drawing/2014/main" id="{AB19CDFD-BBAC-4339-A7D5-5B6B5F9F3954}"/>
+              </a:ext>
+            </a:extLst>
+          </p:cNvPr>
+          <p:cNvSpPr>
+            <a:spLocks noGrp="1"/>
+          </p:cNvSpPr>
+          <p:nvPr>
+            <p:ph idx="1"/>
+          </p:nvPr>
+        </p:nvSpPr>
+        <p:spPr/>
+        <p:txBody>
+          <a:bodyPr/>
+          <a:lstStyle/>
+          <a:p>
+            <a:r>
+              <a:rPr lang="en-GB" dirty="0"/>
+              <a:t>A pseudocode example</a:t>
+            </a:r>
+          </a:p>
+          <a:p>
+            <a:pPr marL="0" indent="0">
+              <a:buNone/>
+            </a:pPr>
+            <a:r>
+              <a:rPr lang="en-GB" sz="2000" dirty="0">
+                <a:latin typeface="Consolas" panose="020B0609020204030204" pitchFamily="49" charset="0"/>
+              </a:rPr>
+              <a:t>Find Your Way Home:</a:t>
+            </a:r>
+          </a:p>
+          <a:p>
+            <a:pPr marL="201485" lvl="1" indent="0">
+              <a:buNone/>
+            </a:pPr>
+            <a:r>
+              <a:rPr lang="en-GB" sz="1800" dirty="0">
+                <a:latin typeface="Consolas" panose="020B0609020204030204" pitchFamily="49" charset="0"/>
+              </a:rPr>
+              <a:t>If you are home, stop moving. # this is the base case</a:t>
+            </a:r>
+          </a:p>
+          <a:p>
+            <a:pPr marL="201485" lvl="1" indent="0">
+              <a:buNone/>
+            </a:pPr>
+            <a:r>
+              <a:rPr lang="en-GB" sz="1800" dirty="0">
+                <a:latin typeface="Consolas" panose="020B0609020204030204" pitchFamily="49" charset="0"/>
+              </a:rPr>
+              <a:t>Else:</a:t>
+            </a:r>
+            <a:br>
+              <a:rPr lang="en-GB" sz="1800" dirty="0">
+                <a:latin typeface="Consolas" panose="020B0609020204030204" pitchFamily="49" charset="0"/>
+              </a:rPr>
+            </a:br>
+            <a:r>
+              <a:rPr lang="en-GB" sz="1800" dirty="0">
+                <a:latin typeface="Consolas" panose="020B0609020204030204" pitchFamily="49" charset="0"/>
+              </a:rPr>
+              <a:t>Take one step towards home. # doing the recursive work</a:t>
+            </a:r>
+          </a:p>
+          <a:p>
+            <a:pPr marL="201485" lvl="1" indent="0">
+              <a:buNone/>
+            </a:pPr>
+            <a:r>
+              <a:rPr lang="en-GB" sz="1800" dirty="0">
+                <a:latin typeface="Consolas" panose="020B0609020204030204" pitchFamily="49" charset="0"/>
+              </a:rPr>
+              <a:t>Find Your Way Home # the recursive call</a:t>
+            </a:r>
+          </a:p>
+        </p:txBody>
+      </p:sp>
+      <p:sp>
+        <p:nvSpPr>
+          <p:cNvPr id="4" name="Slide Number Placeholder 3">
+            <a:extLst>
+              <a:ext uri="{FF2B5EF4-FFF2-40B4-BE49-F238E27FC236}">
+                <a16:creationId xmlns:a16="http://schemas.microsoft.com/office/drawing/2014/main" id="{34609C44-C85E-4448-88E9-317A5095D75A}"/>
+              </a:ext>
+            </a:extLst>
+          </p:cNvPr>
+          <p:cNvSpPr>
+            <a:spLocks noGrp="1"/>
+          </p:cNvSpPr>
+          <p:nvPr>
+            <p:ph type="sldNum" sz="quarter" idx="12"/>
+          </p:nvPr>
+        </p:nvSpPr>
+        <p:spPr/>
+        <p:txBody>
+          <a:bodyPr/>
+          <a:lstStyle/>
+          <a:p>
+            <a:fld id="{89C4E583-6443-4199-AF95-A2ECCC288D48}" type="slidenum">
+              <a:rPr lang="en-GB" smtClean="0"/>
+              <a:t>36</a:t>
+            </a:fld>
+            <a:endParaRPr lang="en-GB"/>
+          </a:p>
+        </p:txBody>
+      </p:sp>
+    </p:spTree>
+    <p:extLst>
+      <p:ext uri="{BB962C8B-B14F-4D97-AF65-F5344CB8AC3E}">
+        <p14:creationId xmlns:p14="http://schemas.microsoft.com/office/powerpoint/2010/main" val="811828220"/>
+      </p:ext>
+    </p:extLst>
+  </p:cSld>
+  <p:clrMapOvr>
+    <a:masterClrMapping/>
+  </p:clrMapOvr>
+</p:sld>
+</file>
+
+<file path=ppt/slides/slide37.xml><?xml version="1.0" encoding="utf-8"?>
+<p:sld xmlns:a="http://schemas.openxmlformats.org/drawingml/2006/main" xmlns:r="http://schemas.openxmlformats.org/officeDocument/2006/relationships" xmlns:p="http://schemas.openxmlformats.org/presentationml/2006/main">
+  <p:cSld>
+    <p:spTree>
+      <p:nvGrpSpPr>
+        <p:cNvPr id="1" name=""/>
+        <p:cNvGrpSpPr/>
+        <p:nvPr/>
+      </p:nvGrpSpPr>
+      <p:grpSpPr>
+        <a:xfrm>
+          <a:off x="0" y="0"/>
+          <a:ext cx="0" cy="0"/>
+          <a:chOff x="0" y="0"/>
+          <a:chExt cx="0" cy="0"/>
+        </a:xfrm>
+      </p:grpSpPr>
+      <p:sp>
+        <p:nvSpPr>
+          <p:cNvPr id="2" name="Title 1">
+            <a:extLst>
+              <a:ext uri="{FF2B5EF4-FFF2-40B4-BE49-F238E27FC236}">
+                <a16:creationId xmlns:a16="http://schemas.microsoft.com/office/drawing/2014/main" id="{C5780D81-E099-40F1-8E14-2FDCFA4F5761}"/>
+              </a:ext>
+            </a:extLst>
+          </p:cNvPr>
+          <p:cNvSpPr>
+            <a:spLocks noGrp="1"/>
+          </p:cNvSpPr>
+          <p:nvPr>
+            <p:ph type="title"/>
+          </p:nvPr>
+        </p:nvSpPr>
+        <p:spPr/>
+        <p:txBody>
+          <a:bodyPr/>
+          <a:lstStyle/>
+          <a:p>
+            <a:r>
+              <a:rPr lang="en-GB" dirty="0"/>
+              <a:t>Recursion</a:t>
+            </a:r>
+          </a:p>
+        </p:txBody>
+      </p:sp>
+      <p:sp>
+        <p:nvSpPr>
+          <p:cNvPr id="3" name="Content Placeholder 2">
+            <a:extLst>
+              <a:ext uri="{FF2B5EF4-FFF2-40B4-BE49-F238E27FC236}">
+                <a16:creationId xmlns:a16="http://schemas.microsoft.com/office/drawing/2014/main" id="{4A2B513B-0B89-42C0-BADA-387E6E334A72}"/>
+              </a:ext>
+            </a:extLst>
+          </p:cNvPr>
+          <p:cNvSpPr>
+            <a:spLocks noGrp="1"/>
+          </p:cNvSpPr>
+          <p:nvPr>
+            <p:ph idx="1"/>
+          </p:nvPr>
+        </p:nvSpPr>
+        <p:spPr/>
+        <p:txBody>
+          <a:bodyPr/>
+          <a:lstStyle/>
+          <a:p>
+            <a:r>
+              <a:rPr lang="en-GB" dirty="0"/>
+              <a:t>Another great example is calculating the factorial</a:t>
+            </a:r>
+          </a:p>
+          <a:p>
+            <a:pPr lvl="1"/>
+            <a:r>
+              <a:rPr lang="en-GB" dirty="0"/>
+              <a:t>This time in Python</a:t>
+            </a:r>
+          </a:p>
+        </p:txBody>
+      </p:sp>
+      <p:sp>
+        <p:nvSpPr>
+          <p:cNvPr id="4" name="Slide Number Placeholder 3">
+            <a:extLst>
+              <a:ext uri="{FF2B5EF4-FFF2-40B4-BE49-F238E27FC236}">
+                <a16:creationId xmlns:a16="http://schemas.microsoft.com/office/drawing/2014/main" id="{EA4FBA1B-DDBD-4F10-8A55-05ADDC097E60}"/>
+              </a:ext>
+            </a:extLst>
+          </p:cNvPr>
+          <p:cNvSpPr>
+            <a:spLocks noGrp="1"/>
+          </p:cNvSpPr>
+          <p:nvPr>
+            <p:ph type="sldNum" sz="quarter" idx="12"/>
+          </p:nvPr>
+        </p:nvSpPr>
+        <p:spPr/>
+        <p:txBody>
+          <a:bodyPr/>
+          <a:lstStyle/>
+          <a:p>
+            <a:fld id="{89C4E583-6443-4199-AF95-A2ECCC288D48}" type="slidenum">
+              <a:rPr lang="en-GB" smtClean="0"/>
+              <a:t>37</a:t>
+            </a:fld>
+            <a:endParaRPr lang="en-GB"/>
+          </a:p>
+        </p:txBody>
+      </p:sp>
+      <p:sp>
+        <p:nvSpPr>
+          <p:cNvPr id="5" name="Rectangle 4">
+            <a:extLst>
+              <a:ext uri="{FF2B5EF4-FFF2-40B4-BE49-F238E27FC236}">
+                <a16:creationId xmlns:a16="http://schemas.microsoft.com/office/drawing/2014/main" id="{00679043-9D7A-4D87-8A59-21938D62BBFD}"/>
+              </a:ext>
+            </a:extLst>
+          </p:cNvPr>
+          <p:cNvSpPr/>
+          <p:nvPr/>
+        </p:nvSpPr>
+        <p:spPr>
+          <a:xfrm>
+            <a:off x="1097280" y="2734243"/>
+            <a:ext cx="7819696" cy="2031325"/>
+          </a:xfrm>
+          <a:prstGeom prst="rect">
+            <a:avLst/>
+          </a:prstGeom>
+          <a:solidFill>
+            <a:schemeClr val="bg1">
+              <a:lumMod val="95000"/>
+            </a:schemeClr>
+          </a:solidFill>
+        </p:spPr>
+        <p:txBody>
+          <a:bodyPr wrap="square">
+            <a:spAutoFit/>
+          </a:bodyPr>
+          <a:lstStyle/>
+          <a:p>
+            <a:r>
+              <a:rPr lang="en-GB" dirty="0">
+                <a:solidFill>
+                  <a:srgbClr val="7A3E9D"/>
+                </a:solidFill>
+                <a:latin typeface="Consolas" panose="020B0609020204030204" pitchFamily="49" charset="0"/>
+              </a:rPr>
+              <a:t>def</a:t>
+            </a:r>
+            <a:r>
+              <a:rPr lang="en-GB" dirty="0">
+                <a:solidFill>
+                  <a:srgbClr val="333333"/>
+                </a:solidFill>
+                <a:latin typeface="Consolas" panose="020B0609020204030204" pitchFamily="49" charset="0"/>
+              </a:rPr>
+              <a:t> </a:t>
+            </a:r>
+            <a:r>
+              <a:rPr lang="en-GB" b="1" dirty="0">
+                <a:solidFill>
+                  <a:srgbClr val="AA3731"/>
+                </a:solidFill>
+                <a:latin typeface="Consolas" panose="020B0609020204030204" pitchFamily="49" charset="0"/>
+              </a:rPr>
+              <a:t>factorial</a:t>
+            </a:r>
+            <a:r>
+              <a:rPr lang="en-GB" dirty="0">
+                <a:solidFill>
+                  <a:srgbClr val="777777"/>
+                </a:solidFill>
+                <a:latin typeface="Consolas" panose="020B0609020204030204" pitchFamily="49" charset="0"/>
+              </a:rPr>
+              <a:t>(</a:t>
+            </a:r>
+            <a:r>
+              <a:rPr lang="en-GB" dirty="0">
+                <a:solidFill>
+                  <a:srgbClr val="7A3E9D"/>
+                </a:solidFill>
+                <a:latin typeface="Consolas" panose="020B0609020204030204" pitchFamily="49" charset="0"/>
+              </a:rPr>
+              <a:t>n</a:t>
+            </a:r>
+            <a:r>
+              <a:rPr lang="en-GB" dirty="0">
+                <a:solidFill>
+                  <a:srgbClr val="777777"/>
+                </a:solidFill>
+                <a:latin typeface="Consolas" panose="020B0609020204030204" pitchFamily="49" charset="0"/>
+              </a:rPr>
+              <a:t>):</a:t>
+            </a:r>
+            <a:endParaRPr lang="en-GB" dirty="0">
+              <a:solidFill>
+                <a:srgbClr val="333333"/>
+              </a:solidFill>
+              <a:latin typeface="Consolas" panose="020B0609020204030204" pitchFamily="49" charset="0"/>
+            </a:endParaRPr>
+          </a:p>
+          <a:p>
+            <a:r>
+              <a:rPr lang="en-GB" dirty="0">
+                <a:solidFill>
+                  <a:srgbClr val="777777"/>
+                </a:solidFill>
+                <a:latin typeface="Consolas" panose="020B0609020204030204" pitchFamily="49" charset="0"/>
+              </a:rPr>
+              <a:t>"""</a:t>
+            </a:r>
+            <a:r>
+              <a:rPr lang="en-GB" dirty="0">
+                <a:solidFill>
+                  <a:srgbClr val="448C27"/>
+                </a:solidFill>
+                <a:latin typeface="Consolas" panose="020B0609020204030204" pitchFamily="49" charset="0"/>
+              </a:rPr>
+              <a:t>Calculates the factorial of the input number n</a:t>
+            </a:r>
+            <a:r>
+              <a:rPr lang="en-GB" dirty="0">
+                <a:solidFill>
+                  <a:srgbClr val="777777"/>
+                </a:solidFill>
+                <a:latin typeface="Consolas" panose="020B0609020204030204" pitchFamily="49" charset="0"/>
+              </a:rPr>
+              <a:t>"""</a:t>
+            </a:r>
+            <a:endParaRPr lang="en-GB" dirty="0">
+              <a:solidFill>
+                <a:srgbClr val="333333"/>
+              </a:solidFill>
+              <a:latin typeface="Consolas" panose="020B0609020204030204" pitchFamily="49" charset="0"/>
+            </a:endParaRPr>
+          </a:p>
+          <a:p>
+            <a:r>
+              <a:rPr lang="en-GB" dirty="0">
+                <a:solidFill>
+                  <a:srgbClr val="4B83CD"/>
+                </a:solidFill>
+                <a:latin typeface="Consolas" panose="020B0609020204030204" pitchFamily="49" charset="0"/>
+              </a:rPr>
+              <a:t>    if</a:t>
+            </a:r>
+            <a:r>
+              <a:rPr lang="en-GB" dirty="0">
+                <a:solidFill>
+                  <a:srgbClr val="333333"/>
+                </a:solidFill>
+                <a:latin typeface="Consolas" panose="020B0609020204030204" pitchFamily="49" charset="0"/>
+              </a:rPr>
+              <a:t> n </a:t>
+            </a:r>
+            <a:r>
+              <a:rPr lang="en-GB" dirty="0">
+                <a:solidFill>
+                  <a:srgbClr val="777777"/>
+                </a:solidFill>
+                <a:latin typeface="Consolas" panose="020B0609020204030204" pitchFamily="49" charset="0"/>
+              </a:rPr>
+              <a:t>==</a:t>
+            </a:r>
+            <a:r>
+              <a:rPr lang="en-GB" dirty="0">
+                <a:solidFill>
+                  <a:srgbClr val="333333"/>
+                </a:solidFill>
+                <a:latin typeface="Consolas" panose="020B0609020204030204" pitchFamily="49" charset="0"/>
+              </a:rPr>
+              <a:t> </a:t>
+            </a:r>
+            <a:r>
+              <a:rPr lang="en-GB" dirty="0">
+                <a:solidFill>
+                  <a:srgbClr val="AB6526"/>
+                </a:solidFill>
+                <a:latin typeface="Consolas" panose="020B0609020204030204" pitchFamily="49" charset="0"/>
+              </a:rPr>
+              <a:t>1</a:t>
+            </a:r>
+            <a:r>
+              <a:rPr lang="en-GB" dirty="0">
+                <a:solidFill>
+                  <a:srgbClr val="777777"/>
+                </a:solidFill>
+                <a:latin typeface="Consolas" panose="020B0609020204030204" pitchFamily="49" charset="0"/>
+              </a:rPr>
+              <a:t>:</a:t>
+            </a:r>
+            <a:r>
+              <a:rPr lang="en-GB" dirty="0">
+                <a:solidFill>
+                  <a:srgbClr val="333333"/>
+                </a:solidFill>
+                <a:latin typeface="Consolas" panose="020B0609020204030204" pitchFamily="49" charset="0"/>
+              </a:rPr>
+              <a:t> </a:t>
+            </a:r>
+            <a:r>
+              <a:rPr lang="en-GB" i="1" dirty="0">
+                <a:solidFill>
+                  <a:srgbClr val="AAAAAA"/>
+                </a:solidFill>
+                <a:latin typeface="Consolas" panose="020B0609020204030204" pitchFamily="49" charset="0"/>
+              </a:rPr>
+              <a:t># the base case</a:t>
+            </a:r>
+            <a:endParaRPr lang="en-GB" dirty="0">
+              <a:solidFill>
+                <a:srgbClr val="333333"/>
+              </a:solidFill>
+              <a:latin typeface="Consolas" panose="020B0609020204030204" pitchFamily="49" charset="0"/>
+            </a:endParaRPr>
+          </a:p>
+          <a:p>
+            <a:r>
+              <a:rPr lang="en-GB" dirty="0">
+                <a:solidFill>
+                  <a:srgbClr val="4B83CD"/>
+                </a:solidFill>
+                <a:latin typeface="Consolas" panose="020B0609020204030204" pitchFamily="49" charset="0"/>
+              </a:rPr>
+              <a:t>        return</a:t>
+            </a:r>
+            <a:r>
+              <a:rPr lang="en-GB" dirty="0">
+                <a:solidFill>
+                  <a:srgbClr val="333333"/>
+                </a:solidFill>
+                <a:latin typeface="Consolas" panose="020B0609020204030204" pitchFamily="49" charset="0"/>
+              </a:rPr>
+              <a:t> </a:t>
+            </a:r>
+            <a:r>
+              <a:rPr lang="en-GB" dirty="0">
+                <a:solidFill>
+                  <a:srgbClr val="AB6526"/>
+                </a:solidFill>
+                <a:latin typeface="Consolas" panose="020B0609020204030204" pitchFamily="49" charset="0"/>
+              </a:rPr>
+              <a:t>1</a:t>
+            </a:r>
+            <a:endParaRPr lang="en-GB" dirty="0">
+              <a:solidFill>
+                <a:srgbClr val="333333"/>
+              </a:solidFill>
+              <a:latin typeface="Consolas" panose="020B0609020204030204" pitchFamily="49" charset="0"/>
+            </a:endParaRPr>
+          </a:p>
+          <a:p>
+            <a:r>
+              <a:rPr lang="en-GB" i="1" dirty="0">
+                <a:solidFill>
+                  <a:srgbClr val="AAAAAA"/>
+                </a:solidFill>
+                <a:latin typeface="Consolas" panose="020B0609020204030204" pitchFamily="49" charset="0"/>
+              </a:rPr>
+              <a:t>    # factorial is recursively defined as</a:t>
+            </a:r>
+            <a:endParaRPr lang="en-GB" dirty="0">
+              <a:solidFill>
+                <a:srgbClr val="333333"/>
+              </a:solidFill>
+              <a:latin typeface="Consolas" panose="020B0609020204030204" pitchFamily="49" charset="0"/>
+            </a:endParaRPr>
+          </a:p>
+          <a:p>
+            <a:r>
+              <a:rPr lang="en-GB" i="1" dirty="0">
+                <a:solidFill>
+                  <a:srgbClr val="AAAAAA"/>
+                </a:solidFill>
+                <a:latin typeface="Consolas" panose="020B0609020204030204" pitchFamily="49" charset="0"/>
+              </a:rPr>
+              <a:t>    # the multiplication of all integers before this number</a:t>
+            </a:r>
+            <a:endParaRPr lang="en-GB" dirty="0">
+              <a:solidFill>
+                <a:srgbClr val="333333"/>
+              </a:solidFill>
+              <a:latin typeface="Consolas" panose="020B0609020204030204" pitchFamily="49" charset="0"/>
+            </a:endParaRPr>
+          </a:p>
+          <a:p>
+            <a:r>
+              <a:rPr lang="en-GB" dirty="0">
+                <a:solidFill>
+                  <a:srgbClr val="4B83CD"/>
+                </a:solidFill>
+                <a:latin typeface="Consolas" panose="020B0609020204030204" pitchFamily="49" charset="0"/>
+              </a:rPr>
+              <a:t>    return</a:t>
+            </a:r>
+            <a:r>
+              <a:rPr lang="en-GB" dirty="0">
+                <a:solidFill>
+                  <a:srgbClr val="333333"/>
+                </a:solidFill>
+                <a:latin typeface="Consolas" panose="020B0609020204030204" pitchFamily="49" charset="0"/>
+              </a:rPr>
+              <a:t> n </a:t>
+            </a:r>
+            <a:r>
+              <a:rPr lang="en-GB" dirty="0">
+                <a:solidFill>
+                  <a:srgbClr val="777777"/>
+                </a:solidFill>
+                <a:latin typeface="Consolas" panose="020B0609020204030204" pitchFamily="49" charset="0"/>
+              </a:rPr>
+              <a:t>*</a:t>
+            </a:r>
+            <a:r>
+              <a:rPr lang="en-GB" dirty="0">
+                <a:solidFill>
+                  <a:srgbClr val="333333"/>
+                </a:solidFill>
+                <a:latin typeface="Consolas" panose="020B0609020204030204" pitchFamily="49" charset="0"/>
+              </a:rPr>
+              <a:t> factorial</a:t>
+            </a:r>
+            <a:r>
+              <a:rPr lang="en-GB" dirty="0">
+                <a:solidFill>
+                  <a:srgbClr val="777777"/>
+                </a:solidFill>
+                <a:latin typeface="Consolas" panose="020B0609020204030204" pitchFamily="49" charset="0"/>
+              </a:rPr>
+              <a:t>(</a:t>
+            </a:r>
+            <a:r>
+              <a:rPr lang="en-GB" dirty="0">
+                <a:solidFill>
+                  <a:srgbClr val="333333"/>
+                </a:solidFill>
+                <a:latin typeface="Consolas" panose="020B0609020204030204" pitchFamily="49" charset="0"/>
+              </a:rPr>
+              <a:t>n</a:t>
+            </a:r>
+            <a:r>
+              <a:rPr lang="en-GB" dirty="0">
+                <a:solidFill>
+                  <a:srgbClr val="777777"/>
+                </a:solidFill>
+                <a:latin typeface="Consolas" panose="020B0609020204030204" pitchFamily="49" charset="0"/>
+              </a:rPr>
+              <a:t>-</a:t>
+            </a:r>
+            <a:r>
+              <a:rPr lang="en-GB" dirty="0">
+                <a:solidFill>
+                  <a:srgbClr val="AB6526"/>
+                </a:solidFill>
+                <a:latin typeface="Consolas" panose="020B0609020204030204" pitchFamily="49" charset="0"/>
+              </a:rPr>
+              <a:t>1</a:t>
+            </a:r>
+            <a:r>
+              <a:rPr lang="en-GB" dirty="0">
+                <a:solidFill>
+                  <a:srgbClr val="777777"/>
+                </a:solidFill>
+                <a:latin typeface="Consolas" panose="020B0609020204030204" pitchFamily="49" charset="0"/>
+              </a:rPr>
+              <a:t>)</a:t>
+            </a:r>
+            <a:r>
+              <a:rPr lang="en-GB" dirty="0">
+                <a:solidFill>
+                  <a:srgbClr val="333333"/>
+                </a:solidFill>
+                <a:latin typeface="Consolas" panose="020B0609020204030204" pitchFamily="49" charset="0"/>
+              </a:rPr>
+              <a:t> </a:t>
+            </a:r>
+            <a:endParaRPr lang="en-GB" b="0" dirty="0">
+              <a:solidFill>
+                <a:srgbClr val="333333"/>
+              </a:solidFill>
+              <a:effectLst/>
+              <a:latin typeface="Consolas" panose="020B0609020204030204" pitchFamily="49" charset="0"/>
+            </a:endParaRPr>
+          </a:p>
+        </p:txBody>
+      </p:sp>
+    </p:spTree>
+    <p:extLst>
+      <p:ext uri="{BB962C8B-B14F-4D97-AF65-F5344CB8AC3E}">
+        <p14:creationId xmlns:p14="http://schemas.microsoft.com/office/powerpoint/2010/main" val="1550410960"/>
+      </p:ext>
+    </p:extLst>
+  </p:cSld>
+  <p:clrMapOvr>
+    <a:masterClrMapping/>
+  </p:clrMapOvr>
+</p:sld>
+</file>
+
+<file path=ppt/slides/slide38.xml><?xml version="1.0" encoding="utf-8"?>
 <p:sld xmlns:a="http://schemas.openxmlformats.org/drawingml/2006/main" xmlns:r="http://schemas.openxmlformats.org/officeDocument/2006/relationships" xmlns:p="http://schemas.openxmlformats.org/presentationml/2006/main">
   <p:cSld>
     <p:spTree>
@@ -23501,7 +25116,7 @@
           <a:p>
             <a:r>
               <a:rPr lang="en-GB" dirty="0"/>
-              <a:t>Put it all together</a:t>
+              <a:t>Put It All Together</a:t>
             </a:r>
           </a:p>
         </p:txBody>
@@ -23529,7 +25144,7 @@
           <a:p>
             <a:fld id="{89C4E583-6443-4199-AF95-A2ECCC288D48}" type="slidenum">
               <a:rPr lang="en-GB" smtClean="0"/>
-              <a:t>36</a:t>
+              <a:t>38</a:t>
             </a:fld>
             <a:endParaRPr lang="en-GB"/>
           </a:p>
@@ -23548,7 +25163,7 @@
 </p:sld>
 </file>
 
-<file path=ppt/slides/slide37.xml><?xml version="1.0" encoding="utf-8"?>
+<file path=ppt/slides/slide39.xml><?xml version="1.0" encoding="utf-8"?>
 <p:sld xmlns:a="http://schemas.openxmlformats.org/drawingml/2006/main" xmlns:r="http://schemas.openxmlformats.org/officeDocument/2006/relationships" xmlns:p="http://schemas.openxmlformats.org/presentationml/2006/main">
   <p:cSld>
     <p:spTree>
@@ -23588,7 +25203,7 @@
           <a:p>
             <a:r>
               <a:rPr lang="en-GB" dirty="0"/>
-              <a:t>Loops inside loops</a:t>
+              <a:t>Loops inside Loops</a:t>
             </a:r>
           </a:p>
         </p:txBody>
@@ -23663,7 +25278,7 @@
           <a:p>
             <a:fld id="{89C4E583-6443-4199-AF95-A2ECCC288D48}" type="slidenum">
               <a:rPr lang="en-GB" smtClean="0"/>
-              <a:t>37</a:t>
+              <a:t>39</a:t>
             </a:fld>
             <a:endParaRPr lang="en-GB"/>
           </a:p>
@@ -24170,1858 +25785,6 @@
     <p:extLst>
       <p:ext uri="{BB962C8B-B14F-4D97-AF65-F5344CB8AC3E}">
         <p14:creationId xmlns:p14="http://schemas.microsoft.com/office/powerpoint/2010/main" val="2868607691"/>
-      </p:ext>
-    </p:extLst>
-  </p:cSld>
-  <p:clrMapOvr>
-    <a:masterClrMapping/>
-  </p:clrMapOvr>
-</p:sld>
-</file>
-
-<file path=ppt/slides/slide38.xml><?xml version="1.0" encoding="utf-8"?>
-<p:sld xmlns:a="http://schemas.openxmlformats.org/drawingml/2006/main" xmlns:r="http://schemas.openxmlformats.org/officeDocument/2006/relationships" xmlns:p="http://schemas.openxmlformats.org/presentationml/2006/main">
-  <p:cSld>
-    <p:spTree>
-      <p:nvGrpSpPr>
-        <p:cNvPr id="1" name=""/>
-        <p:cNvGrpSpPr/>
-        <p:nvPr/>
-      </p:nvGrpSpPr>
-      <p:grpSpPr>
-        <a:xfrm>
-          <a:off x="0" y="0"/>
-          <a:ext cx="0" cy="0"/>
-          <a:chOff x="0" y="0"/>
-          <a:chExt cx="0" cy="0"/>
-        </a:xfrm>
-      </p:grpSpPr>
-      <p:sp>
-        <p:nvSpPr>
-          <p:cNvPr id="2" name="Title 1">
-            <a:extLst>
-              <a:ext uri="{FF2B5EF4-FFF2-40B4-BE49-F238E27FC236}">
-                <a16:creationId xmlns:a16="http://schemas.microsoft.com/office/drawing/2014/main" id="{1CE59E70-148D-4644-BDEB-D5D07FB95C49}"/>
-              </a:ext>
-            </a:extLst>
-          </p:cNvPr>
-          <p:cNvSpPr>
-            <a:spLocks noGrp="1"/>
-          </p:cNvSpPr>
-          <p:nvPr>
-            <p:ph type="title"/>
-          </p:nvPr>
-        </p:nvSpPr>
-        <p:spPr/>
-        <p:txBody>
-          <a:bodyPr/>
-          <a:lstStyle/>
-          <a:p>
-            <a:r>
-              <a:rPr lang="en-GB" dirty="0"/>
-              <a:t>Else and loops</a:t>
-            </a:r>
-          </a:p>
-        </p:txBody>
-      </p:sp>
-      <p:sp>
-        <p:nvSpPr>
-          <p:cNvPr id="3" name="Content Placeholder 2">
-            <a:extLst>
-              <a:ext uri="{FF2B5EF4-FFF2-40B4-BE49-F238E27FC236}">
-                <a16:creationId xmlns:a16="http://schemas.microsoft.com/office/drawing/2014/main" id="{E34C6B27-CDE0-4BCE-A502-CEB35A32E727}"/>
-              </a:ext>
-            </a:extLst>
-          </p:cNvPr>
-          <p:cNvSpPr>
-            <a:spLocks noGrp="1"/>
-          </p:cNvSpPr>
-          <p:nvPr>
-            <p:ph idx="1"/>
-          </p:nvPr>
-        </p:nvSpPr>
-        <p:spPr/>
-        <p:txBody>
-          <a:bodyPr/>
-          <a:lstStyle/>
-          <a:p>
-            <a:r>
-              <a:rPr lang="en-GB" dirty="0"/>
-              <a:t>You can use else with loops</a:t>
-            </a:r>
-          </a:p>
-          <a:p>
-            <a:pPr lvl="1"/>
-            <a:r>
-              <a:rPr lang="en-GB" dirty="0"/>
-              <a:t>This might seem counterintuitive to people who already programmed</a:t>
-            </a:r>
-          </a:p>
-          <a:p>
-            <a:r>
-              <a:rPr lang="en-GB" dirty="0"/>
-              <a:t>We said earlier that the while loop is like a repeated if statement</a:t>
-            </a:r>
-          </a:p>
-          <a:p>
-            <a:r>
-              <a:rPr lang="en-GB" dirty="0"/>
-              <a:t>Basically it means that if the loop executes to the end, the else statement will also be executed</a:t>
-            </a:r>
-          </a:p>
-          <a:p>
-            <a:r>
-              <a:rPr lang="en-GB" dirty="0"/>
-              <a:t>If the loop is cancelled early by a break, the else statement will not be executed</a:t>
-            </a:r>
-          </a:p>
-        </p:txBody>
-      </p:sp>
-      <p:sp>
-        <p:nvSpPr>
-          <p:cNvPr id="4" name="Slide Number Placeholder 3">
-            <a:extLst>
-              <a:ext uri="{FF2B5EF4-FFF2-40B4-BE49-F238E27FC236}">
-                <a16:creationId xmlns:a16="http://schemas.microsoft.com/office/drawing/2014/main" id="{8BDE12E9-D615-4706-8E12-518270D311BB}"/>
-              </a:ext>
-            </a:extLst>
-          </p:cNvPr>
-          <p:cNvSpPr>
-            <a:spLocks noGrp="1"/>
-          </p:cNvSpPr>
-          <p:nvPr>
-            <p:ph type="sldNum" sz="quarter" idx="12"/>
-          </p:nvPr>
-        </p:nvSpPr>
-        <p:spPr/>
-        <p:txBody>
-          <a:bodyPr/>
-          <a:lstStyle/>
-          <a:p>
-            <a:fld id="{89C4E583-6443-4199-AF95-A2ECCC288D48}" type="slidenum">
-              <a:rPr lang="en-GB" smtClean="0"/>
-              <a:t>38</a:t>
-            </a:fld>
-            <a:endParaRPr lang="en-GB"/>
-          </a:p>
-        </p:txBody>
-      </p:sp>
-      <p:sp>
-        <p:nvSpPr>
-          <p:cNvPr id="5" name="Rectangle 4">
-            <a:extLst>
-              <a:ext uri="{FF2B5EF4-FFF2-40B4-BE49-F238E27FC236}">
-                <a16:creationId xmlns:a16="http://schemas.microsoft.com/office/drawing/2014/main" id="{01029D81-740A-45D8-8B72-B40482EEAB95}"/>
-              </a:ext>
-            </a:extLst>
-          </p:cNvPr>
-          <p:cNvSpPr/>
-          <p:nvPr/>
-        </p:nvSpPr>
-        <p:spPr>
-          <a:xfrm>
-            <a:off x="4170552" y="3560770"/>
-            <a:ext cx="7041931" cy="2308324"/>
-          </a:xfrm>
-          <a:prstGeom prst="rect">
-            <a:avLst/>
-          </a:prstGeom>
-          <a:solidFill>
-            <a:schemeClr val="bg1">
-              <a:lumMod val="95000"/>
-            </a:schemeClr>
-          </a:solidFill>
-        </p:spPr>
-        <p:txBody>
-          <a:bodyPr wrap="square">
-            <a:spAutoFit/>
-          </a:bodyPr>
-          <a:lstStyle/>
-          <a:p>
-            <a:r>
-              <a:rPr lang="en-GB" dirty="0">
-                <a:solidFill>
-                  <a:srgbClr val="4B83CD"/>
-                </a:solidFill>
-                <a:latin typeface="Consolas" panose="020B0609020204030204" pitchFamily="49" charset="0"/>
-              </a:rPr>
-              <a:t>for</a:t>
-            </a:r>
-            <a:r>
-              <a:rPr lang="en-GB" dirty="0">
-                <a:solidFill>
-                  <a:srgbClr val="333333"/>
-                </a:solidFill>
-                <a:latin typeface="Consolas" panose="020B0609020204030204" pitchFamily="49" charset="0"/>
-              </a:rPr>
-              <a:t> </a:t>
-            </a:r>
-            <a:r>
-              <a:rPr lang="en-GB" dirty="0" err="1">
-                <a:solidFill>
-                  <a:srgbClr val="333333"/>
-                </a:solidFill>
-                <a:latin typeface="Consolas" panose="020B0609020204030204" pitchFamily="49" charset="0"/>
-              </a:rPr>
-              <a:t>num</a:t>
-            </a:r>
-            <a:r>
-              <a:rPr lang="en-GB" dirty="0">
-                <a:solidFill>
-                  <a:srgbClr val="333333"/>
-                </a:solidFill>
-                <a:latin typeface="Consolas" panose="020B0609020204030204" pitchFamily="49" charset="0"/>
-              </a:rPr>
-              <a:t> </a:t>
-            </a:r>
-            <a:r>
-              <a:rPr lang="en-GB" dirty="0">
-                <a:solidFill>
-                  <a:srgbClr val="777777"/>
-                </a:solidFill>
-                <a:latin typeface="Consolas" panose="020B0609020204030204" pitchFamily="49" charset="0"/>
-              </a:rPr>
-              <a:t>in</a:t>
-            </a:r>
-            <a:r>
-              <a:rPr lang="en-GB" dirty="0">
-                <a:solidFill>
-                  <a:srgbClr val="333333"/>
-                </a:solidFill>
-                <a:latin typeface="Consolas" panose="020B0609020204030204" pitchFamily="49" charset="0"/>
-              </a:rPr>
-              <a:t> </a:t>
-            </a:r>
-            <a:r>
-              <a:rPr lang="en-GB" b="1" dirty="0">
-                <a:solidFill>
-                  <a:srgbClr val="AA3731"/>
-                </a:solidFill>
-                <a:latin typeface="Consolas" panose="020B0609020204030204" pitchFamily="49" charset="0"/>
-              </a:rPr>
-              <a:t>range</a:t>
-            </a:r>
-            <a:r>
-              <a:rPr lang="en-GB" dirty="0">
-                <a:solidFill>
-                  <a:srgbClr val="777777"/>
-                </a:solidFill>
-                <a:latin typeface="Consolas" panose="020B0609020204030204" pitchFamily="49" charset="0"/>
-              </a:rPr>
-              <a:t>(</a:t>
-            </a:r>
-            <a:r>
-              <a:rPr lang="en-GB" dirty="0">
-                <a:solidFill>
-                  <a:srgbClr val="AB6526"/>
-                </a:solidFill>
-                <a:latin typeface="Consolas" panose="020B0609020204030204" pitchFamily="49" charset="0"/>
-              </a:rPr>
-              <a:t>10</a:t>
-            </a:r>
-            <a:r>
-              <a:rPr lang="en-GB" dirty="0">
-                <a:solidFill>
-                  <a:srgbClr val="777777"/>
-                </a:solidFill>
-                <a:latin typeface="Consolas" panose="020B0609020204030204" pitchFamily="49" charset="0"/>
-              </a:rPr>
-              <a:t>,</a:t>
-            </a:r>
-            <a:r>
-              <a:rPr lang="en-GB" dirty="0">
-                <a:solidFill>
-                  <a:srgbClr val="333333"/>
-                </a:solidFill>
-                <a:latin typeface="Consolas" panose="020B0609020204030204" pitchFamily="49" charset="0"/>
-              </a:rPr>
-              <a:t> </a:t>
-            </a:r>
-            <a:r>
-              <a:rPr lang="en-GB" dirty="0">
-                <a:solidFill>
-                  <a:srgbClr val="AB6526"/>
-                </a:solidFill>
-                <a:latin typeface="Consolas" panose="020B0609020204030204" pitchFamily="49" charset="0"/>
-              </a:rPr>
-              <a:t>20</a:t>
-            </a:r>
-            <a:r>
-              <a:rPr lang="en-GB" dirty="0">
-                <a:solidFill>
-                  <a:srgbClr val="777777"/>
-                </a:solidFill>
-                <a:latin typeface="Consolas" panose="020B0609020204030204" pitchFamily="49" charset="0"/>
-              </a:rPr>
-              <a:t>):</a:t>
-            </a:r>
-            <a:endParaRPr lang="en-GB" dirty="0">
-              <a:solidFill>
-                <a:srgbClr val="333333"/>
-              </a:solidFill>
-              <a:latin typeface="Consolas" panose="020B0609020204030204" pitchFamily="49" charset="0"/>
-            </a:endParaRPr>
-          </a:p>
-          <a:p>
-            <a:r>
-              <a:rPr lang="en-GB" dirty="0">
-                <a:solidFill>
-                  <a:srgbClr val="4B83CD"/>
-                </a:solidFill>
-                <a:latin typeface="Consolas" panose="020B0609020204030204" pitchFamily="49" charset="0"/>
-              </a:rPr>
-              <a:t>  for</a:t>
-            </a:r>
-            <a:r>
-              <a:rPr lang="en-GB" dirty="0">
-                <a:solidFill>
-                  <a:srgbClr val="333333"/>
-                </a:solidFill>
-                <a:latin typeface="Consolas" panose="020B0609020204030204" pitchFamily="49" charset="0"/>
-              </a:rPr>
-              <a:t> </a:t>
-            </a:r>
-            <a:r>
-              <a:rPr lang="en-GB" dirty="0" err="1">
-                <a:solidFill>
-                  <a:srgbClr val="333333"/>
-                </a:solidFill>
-                <a:latin typeface="Consolas" panose="020B0609020204030204" pitchFamily="49" charset="0"/>
-              </a:rPr>
-              <a:t>i</a:t>
-            </a:r>
-            <a:r>
-              <a:rPr lang="en-GB" dirty="0">
-                <a:solidFill>
-                  <a:srgbClr val="333333"/>
-                </a:solidFill>
-                <a:latin typeface="Consolas" panose="020B0609020204030204" pitchFamily="49" charset="0"/>
-              </a:rPr>
-              <a:t> </a:t>
-            </a:r>
-            <a:r>
-              <a:rPr lang="en-GB" dirty="0">
-                <a:solidFill>
-                  <a:srgbClr val="777777"/>
-                </a:solidFill>
-                <a:latin typeface="Consolas" panose="020B0609020204030204" pitchFamily="49" charset="0"/>
-              </a:rPr>
-              <a:t>in</a:t>
-            </a:r>
-            <a:r>
-              <a:rPr lang="en-GB" dirty="0">
-                <a:solidFill>
-                  <a:srgbClr val="333333"/>
-                </a:solidFill>
-                <a:latin typeface="Consolas" panose="020B0609020204030204" pitchFamily="49" charset="0"/>
-              </a:rPr>
-              <a:t> </a:t>
-            </a:r>
-            <a:r>
-              <a:rPr lang="en-GB" b="1" dirty="0">
-                <a:solidFill>
-                  <a:srgbClr val="AA3731"/>
-                </a:solidFill>
-                <a:latin typeface="Consolas" panose="020B0609020204030204" pitchFamily="49" charset="0"/>
-              </a:rPr>
-              <a:t>range</a:t>
-            </a:r>
-            <a:r>
-              <a:rPr lang="en-GB" dirty="0">
-                <a:solidFill>
-                  <a:srgbClr val="777777"/>
-                </a:solidFill>
-                <a:latin typeface="Consolas" panose="020B0609020204030204" pitchFamily="49" charset="0"/>
-              </a:rPr>
-              <a:t>(</a:t>
-            </a:r>
-            <a:r>
-              <a:rPr lang="en-GB" dirty="0">
-                <a:solidFill>
-                  <a:srgbClr val="AB6526"/>
-                </a:solidFill>
-                <a:latin typeface="Consolas" panose="020B0609020204030204" pitchFamily="49" charset="0"/>
-              </a:rPr>
-              <a:t>2</a:t>
-            </a:r>
-            <a:r>
-              <a:rPr lang="en-GB" dirty="0">
-                <a:solidFill>
-                  <a:srgbClr val="777777"/>
-                </a:solidFill>
-                <a:latin typeface="Consolas" panose="020B0609020204030204" pitchFamily="49" charset="0"/>
-              </a:rPr>
-              <a:t>,</a:t>
-            </a:r>
-            <a:r>
-              <a:rPr lang="en-GB" dirty="0">
-                <a:solidFill>
-                  <a:srgbClr val="333333"/>
-                </a:solidFill>
-                <a:latin typeface="Consolas" panose="020B0609020204030204" pitchFamily="49" charset="0"/>
-              </a:rPr>
-              <a:t> </a:t>
-            </a:r>
-            <a:r>
-              <a:rPr lang="en-GB" dirty="0" err="1">
-                <a:solidFill>
-                  <a:srgbClr val="333333"/>
-                </a:solidFill>
-                <a:latin typeface="Consolas" panose="020B0609020204030204" pitchFamily="49" charset="0"/>
-              </a:rPr>
-              <a:t>num</a:t>
-            </a:r>
-            <a:r>
-              <a:rPr lang="en-GB" dirty="0">
-                <a:solidFill>
-                  <a:srgbClr val="777777"/>
-                </a:solidFill>
-                <a:latin typeface="Consolas" panose="020B0609020204030204" pitchFamily="49" charset="0"/>
-              </a:rPr>
-              <a:t>):</a:t>
-            </a:r>
-            <a:endParaRPr lang="en-GB" dirty="0">
-              <a:solidFill>
-                <a:srgbClr val="333333"/>
-              </a:solidFill>
-              <a:latin typeface="Consolas" panose="020B0609020204030204" pitchFamily="49" charset="0"/>
-            </a:endParaRPr>
-          </a:p>
-          <a:p>
-            <a:r>
-              <a:rPr lang="en-GB" dirty="0">
-                <a:solidFill>
-                  <a:srgbClr val="4B83CD"/>
-                </a:solidFill>
-                <a:latin typeface="Consolas" panose="020B0609020204030204" pitchFamily="49" charset="0"/>
-              </a:rPr>
-              <a:t>    if</a:t>
-            </a:r>
-            <a:r>
-              <a:rPr lang="en-GB" dirty="0">
-                <a:solidFill>
-                  <a:srgbClr val="333333"/>
-                </a:solidFill>
-                <a:latin typeface="Consolas" panose="020B0609020204030204" pitchFamily="49" charset="0"/>
-              </a:rPr>
-              <a:t> </a:t>
-            </a:r>
-            <a:r>
-              <a:rPr lang="en-GB" dirty="0" err="1">
-                <a:solidFill>
-                  <a:srgbClr val="333333"/>
-                </a:solidFill>
-                <a:latin typeface="Consolas" panose="020B0609020204030204" pitchFamily="49" charset="0"/>
-              </a:rPr>
-              <a:t>num</a:t>
-            </a:r>
-            <a:r>
-              <a:rPr lang="en-GB" dirty="0">
-                <a:solidFill>
-                  <a:srgbClr val="333333"/>
-                </a:solidFill>
-                <a:latin typeface="Consolas" panose="020B0609020204030204" pitchFamily="49" charset="0"/>
-              </a:rPr>
-              <a:t> </a:t>
-            </a:r>
-            <a:r>
-              <a:rPr lang="en-GB" dirty="0">
-                <a:solidFill>
-                  <a:srgbClr val="777777"/>
-                </a:solidFill>
-                <a:latin typeface="Consolas" panose="020B0609020204030204" pitchFamily="49" charset="0"/>
-              </a:rPr>
-              <a:t>%</a:t>
-            </a:r>
-            <a:r>
-              <a:rPr lang="en-GB" dirty="0">
-                <a:solidFill>
-                  <a:srgbClr val="333333"/>
-                </a:solidFill>
-                <a:latin typeface="Consolas" panose="020B0609020204030204" pitchFamily="49" charset="0"/>
-              </a:rPr>
-              <a:t> </a:t>
-            </a:r>
-            <a:r>
-              <a:rPr lang="en-GB" dirty="0" err="1">
-                <a:solidFill>
-                  <a:srgbClr val="333333"/>
-                </a:solidFill>
-                <a:latin typeface="Consolas" panose="020B0609020204030204" pitchFamily="49" charset="0"/>
-              </a:rPr>
-              <a:t>i</a:t>
-            </a:r>
-            <a:r>
-              <a:rPr lang="en-GB" dirty="0">
-                <a:solidFill>
-                  <a:srgbClr val="333333"/>
-                </a:solidFill>
-                <a:latin typeface="Consolas" panose="020B0609020204030204" pitchFamily="49" charset="0"/>
-              </a:rPr>
-              <a:t> </a:t>
-            </a:r>
-            <a:r>
-              <a:rPr lang="en-GB" dirty="0">
-                <a:solidFill>
-                  <a:srgbClr val="777777"/>
-                </a:solidFill>
-                <a:latin typeface="Consolas" panose="020B0609020204030204" pitchFamily="49" charset="0"/>
-              </a:rPr>
-              <a:t>==</a:t>
-            </a:r>
-            <a:r>
-              <a:rPr lang="en-GB" dirty="0">
-                <a:solidFill>
-                  <a:srgbClr val="333333"/>
-                </a:solidFill>
-                <a:latin typeface="Consolas" panose="020B0609020204030204" pitchFamily="49" charset="0"/>
-              </a:rPr>
-              <a:t> </a:t>
-            </a:r>
-            <a:r>
-              <a:rPr lang="en-GB" dirty="0">
-                <a:solidFill>
-                  <a:srgbClr val="AB6526"/>
-                </a:solidFill>
-                <a:latin typeface="Consolas" panose="020B0609020204030204" pitchFamily="49" charset="0"/>
-              </a:rPr>
-              <a:t>0</a:t>
-            </a:r>
-            <a:r>
-              <a:rPr lang="en-GB" dirty="0">
-                <a:solidFill>
-                  <a:srgbClr val="777777"/>
-                </a:solidFill>
-                <a:latin typeface="Consolas" panose="020B0609020204030204" pitchFamily="49" charset="0"/>
-              </a:rPr>
-              <a:t>:</a:t>
-            </a:r>
-            <a:endParaRPr lang="en-GB" dirty="0">
-              <a:solidFill>
-                <a:srgbClr val="333333"/>
-              </a:solidFill>
-              <a:latin typeface="Consolas" panose="020B0609020204030204" pitchFamily="49" charset="0"/>
-            </a:endParaRPr>
-          </a:p>
-          <a:p>
-            <a:r>
-              <a:rPr lang="en-GB" dirty="0">
-                <a:solidFill>
-                  <a:srgbClr val="333333"/>
-                </a:solidFill>
-                <a:latin typeface="Consolas" panose="020B0609020204030204" pitchFamily="49" charset="0"/>
-              </a:rPr>
-              <a:t>      j </a:t>
-            </a:r>
-            <a:r>
-              <a:rPr lang="en-GB" dirty="0">
-                <a:solidFill>
-                  <a:srgbClr val="777777"/>
-                </a:solidFill>
-                <a:latin typeface="Consolas" panose="020B0609020204030204" pitchFamily="49" charset="0"/>
-              </a:rPr>
-              <a:t>=</a:t>
-            </a:r>
-            <a:r>
-              <a:rPr lang="en-GB" dirty="0">
-                <a:solidFill>
-                  <a:srgbClr val="333333"/>
-                </a:solidFill>
-                <a:latin typeface="Consolas" panose="020B0609020204030204" pitchFamily="49" charset="0"/>
-              </a:rPr>
-              <a:t> </a:t>
-            </a:r>
-            <a:r>
-              <a:rPr lang="en-GB" dirty="0" err="1">
-                <a:solidFill>
-                  <a:srgbClr val="333333"/>
-                </a:solidFill>
-                <a:latin typeface="Consolas" panose="020B0609020204030204" pitchFamily="49" charset="0"/>
-              </a:rPr>
-              <a:t>num</a:t>
-            </a:r>
-            <a:r>
-              <a:rPr lang="en-GB" dirty="0">
-                <a:solidFill>
-                  <a:srgbClr val="333333"/>
-                </a:solidFill>
-                <a:latin typeface="Consolas" panose="020B0609020204030204" pitchFamily="49" charset="0"/>
-              </a:rPr>
-              <a:t> </a:t>
-            </a:r>
-            <a:r>
-              <a:rPr lang="en-GB" dirty="0">
-                <a:solidFill>
-                  <a:srgbClr val="777777"/>
-                </a:solidFill>
-                <a:latin typeface="Consolas" panose="020B0609020204030204" pitchFamily="49" charset="0"/>
-              </a:rPr>
-              <a:t>//</a:t>
-            </a:r>
-            <a:r>
-              <a:rPr lang="en-GB" dirty="0">
-                <a:solidFill>
-                  <a:srgbClr val="333333"/>
-                </a:solidFill>
-                <a:latin typeface="Consolas" panose="020B0609020204030204" pitchFamily="49" charset="0"/>
-              </a:rPr>
-              <a:t> </a:t>
-            </a:r>
-            <a:r>
-              <a:rPr lang="en-GB" dirty="0" err="1">
-                <a:solidFill>
-                  <a:srgbClr val="333333"/>
-                </a:solidFill>
-                <a:latin typeface="Consolas" panose="020B0609020204030204" pitchFamily="49" charset="0"/>
-              </a:rPr>
-              <a:t>i</a:t>
-            </a:r>
-            <a:endParaRPr lang="en-GB" dirty="0">
-              <a:solidFill>
-                <a:srgbClr val="333333"/>
-              </a:solidFill>
-              <a:latin typeface="Consolas" panose="020B0609020204030204" pitchFamily="49" charset="0"/>
-            </a:endParaRPr>
-          </a:p>
-          <a:p>
-            <a:r>
-              <a:rPr lang="en-GB" b="1" dirty="0">
-                <a:solidFill>
-                  <a:srgbClr val="AA3731"/>
-                </a:solidFill>
-                <a:latin typeface="Consolas" panose="020B0609020204030204" pitchFamily="49" charset="0"/>
-              </a:rPr>
-              <a:t>      print</a:t>
-            </a:r>
-            <a:r>
-              <a:rPr lang="en-GB" dirty="0">
-                <a:solidFill>
-                  <a:srgbClr val="777777"/>
-                </a:solidFill>
-                <a:latin typeface="Consolas" panose="020B0609020204030204" pitchFamily="49" charset="0"/>
-              </a:rPr>
-              <a:t>(</a:t>
-            </a:r>
-            <a:r>
-              <a:rPr lang="en-GB" dirty="0" err="1">
-                <a:solidFill>
-                  <a:srgbClr val="7A3E9D"/>
-                </a:solidFill>
-                <a:latin typeface="Consolas" panose="020B0609020204030204" pitchFamily="49" charset="0"/>
-              </a:rPr>
-              <a:t>str</a:t>
-            </a:r>
-            <a:r>
-              <a:rPr lang="en-GB" dirty="0">
-                <a:solidFill>
-                  <a:srgbClr val="777777"/>
-                </a:solidFill>
-                <a:latin typeface="Consolas" panose="020B0609020204030204" pitchFamily="49" charset="0"/>
-              </a:rPr>
-              <a:t>(</a:t>
-            </a:r>
-            <a:r>
-              <a:rPr lang="en-GB" dirty="0" err="1">
-                <a:solidFill>
-                  <a:srgbClr val="333333"/>
-                </a:solidFill>
-                <a:latin typeface="Consolas" panose="020B0609020204030204" pitchFamily="49" charset="0"/>
-              </a:rPr>
-              <a:t>num</a:t>
-            </a:r>
-            <a:r>
-              <a:rPr lang="en-GB" dirty="0">
-                <a:solidFill>
-                  <a:srgbClr val="777777"/>
-                </a:solidFill>
-                <a:latin typeface="Consolas" panose="020B0609020204030204" pitchFamily="49" charset="0"/>
-              </a:rPr>
-              <a:t>),</a:t>
-            </a:r>
-            <a:r>
-              <a:rPr lang="en-GB" dirty="0">
-                <a:solidFill>
-                  <a:srgbClr val="333333"/>
-                </a:solidFill>
-                <a:latin typeface="Consolas" panose="020B0609020204030204" pitchFamily="49" charset="0"/>
-              </a:rPr>
-              <a:t> </a:t>
-            </a:r>
-            <a:r>
-              <a:rPr lang="en-GB" dirty="0">
-                <a:solidFill>
-                  <a:srgbClr val="777777"/>
-                </a:solidFill>
-                <a:latin typeface="Consolas" panose="020B0609020204030204" pitchFamily="49" charset="0"/>
-              </a:rPr>
-              <a:t>'</a:t>
-            </a:r>
-            <a:r>
-              <a:rPr lang="en-GB" dirty="0">
-                <a:solidFill>
-                  <a:srgbClr val="448C27"/>
-                </a:solidFill>
-                <a:latin typeface="Consolas" panose="020B0609020204030204" pitchFamily="49" charset="0"/>
-              </a:rPr>
-              <a:t> equals </a:t>
-            </a:r>
-            <a:r>
-              <a:rPr lang="en-GB" dirty="0">
-                <a:solidFill>
-                  <a:srgbClr val="777777"/>
-                </a:solidFill>
-                <a:latin typeface="Consolas" panose="020B0609020204030204" pitchFamily="49" charset="0"/>
-              </a:rPr>
-              <a:t>',</a:t>
-            </a:r>
-            <a:r>
-              <a:rPr lang="en-GB" dirty="0">
-                <a:solidFill>
-                  <a:srgbClr val="333333"/>
-                </a:solidFill>
-                <a:latin typeface="Consolas" panose="020B0609020204030204" pitchFamily="49" charset="0"/>
-              </a:rPr>
-              <a:t> </a:t>
-            </a:r>
-            <a:r>
-              <a:rPr lang="en-GB" dirty="0" err="1">
-                <a:solidFill>
-                  <a:srgbClr val="7A3E9D"/>
-                </a:solidFill>
-                <a:latin typeface="Consolas" panose="020B0609020204030204" pitchFamily="49" charset="0"/>
-              </a:rPr>
-              <a:t>str</a:t>
-            </a:r>
-            <a:r>
-              <a:rPr lang="en-GB" dirty="0">
-                <a:solidFill>
-                  <a:srgbClr val="777777"/>
-                </a:solidFill>
-                <a:latin typeface="Consolas" panose="020B0609020204030204" pitchFamily="49" charset="0"/>
-              </a:rPr>
-              <a:t>(</a:t>
-            </a:r>
-            <a:r>
-              <a:rPr lang="en-GB" dirty="0" err="1">
-                <a:solidFill>
-                  <a:srgbClr val="333333"/>
-                </a:solidFill>
-                <a:latin typeface="Consolas" panose="020B0609020204030204" pitchFamily="49" charset="0"/>
-              </a:rPr>
-              <a:t>i</a:t>
-            </a:r>
-            <a:r>
-              <a:rPr lang="en-GB" dirty="0">
-                <a:solidFill>
-                  <a:srgbClr val="777777"/>
-                </a:solidFill>
-                <a:latin typeface="Consolas" panose="020B0609020204030204" pitchFamily="49" charset="0"/>
-              </a:rPr>
-              <a:t>),</a:t>
-            </a:r>
-            <a:r>
-              <a:rPr lang="en-GB" dirty="0">
-                <a:solidFill>
-                  <a:srgbClr val="333333"/>
-                </a:solidFill>
-                <a:latin typeface="Consolas" panose="020B0609020204030204" pitchFamily="49" charset="0"/>
-              </a:rPr>
-              <a:t> </a:t>
-            </a:r>
-            <a:r>
-              <a:rPr lang="en-GB" dirty="0">
-                <a:solidFill>
-                  <a:srgbClr val="777777"/>
-                </a:solidFill>
-                <a:latin typeface="Consolas" panose="020B0609020204030204" pitchFamily="49" charset="0"/>
-              </a:rPr>
-              <a:t>'</a:t>
-            </a:r>
-            <a:r>
-              <a:rPr lang="en-GB" dirty="0">
-                <a:solidFill>
-                  <a:srgbClr val="448C27"/>
-                </a:solidFill>
-                <a:latin typeface="Consolas" panose="020B0609020204030204" pitchFamily="49" charset="0"/>
-              </a:rPr>
-              <a:t>*</a:t>
-            </a:r>
-            <a:r>
-              <a:rPr lang="en-GB" dirty="0">
-                <a:solidFill>
-                  <a:srgbClr val="777777"/>
-                </a:solidFill>
-                <a:latin typeface="Consolas" panose="020B0609020204030204" pitchFamily="49" charset="0"/>
-              </a:rPr>
-              <a:t>',</a:t>
-            </a:r>
-            <a:r>
-              <a:rPr lang="en-GB" dirty="0">
-                <a:solidFill>
-                  <a:srgbClr val="333333"/>
-                </a:solidFill>
-                <a:latin typeface="Consolas" panose="020B0609020204030204" pitchFamily="49" charset="0"/>
-              </a:rPr>
-              <a:t> </a:t>
-            </a:r>
-            <a:r>
-              <a:rPr lang="en-GB" dirty="0" err="1">
-                <a:solidFill>
-                  <a:srgbClr val="7A3E9D"/>
-                </a:solidFill>
-                <a:latin typeface="Consolas" panose="020B0609020204030204" pitchFamily="49" charset="0"/>
-              </a:rPr>
-              <a:t>str</a:t>
-            </a:r>
-            <a:r>
-              <a:rPr lang="en-GB" dirty="0">
-                <a:solidFill>
-                  <a:srgbClr val="777777"/>
-                </a:solidFill>
-                <a:latin typeface="Consolas" panose="020B0609020204030204" pitchFamily="49" charset="0"/>
-              </a:rPr>
-              <a:t>(</a:t>
-            </a:r>
-            <a:r>
-              <a:rPr lang="en-GB" dirty="0">
-                <a:solidFill>
-                  <a:srgbClr val="333333"/>
-                </a:solidFill>
-                <a:latin typeface="Consolas" panose="020B0609020204030204" pitchFamily="49" charset="0"/>
-              </a:rPr>
-              <a:t>j</a:t>
-            </a:r>
-            <a:r>
-              <a:rPr lang="en-GB" dirty="0">
-                <a:solidFill>
-                  <a:srgbClr val="777777"/>
-                </a:solidFill>
-                <a:latin typeface="Consolas" panose="020B0609020204030204" pitchFamily="49" charset="0"/>
-              </a:rPr>
-              <a:t>))</a:t>
-            </a:r>
-            <a:endParaRPr lang="en-GB" dirty="0">
-              <a:solidFill>
-                <a:srgbClr val="333333"/>
-              </a:solidFill>
-              <a:latin typeface="Consolas" panose="020B0609020204030204" pitchFamily="49" charset="0"/>
-            </a:endParaRPr>
-          </a:p>
-          <a:p>
-            <a:r>
-              <a:rPr lang="en-GB" dirty="0">
-                <a:solidFill>
-                  <a:srgbClr val="4B83CD"/>
-                </a:solidFill>
-                <a:latin typeface="Consolas" panose="020B0609020204030204" pitchFamily="49" charset="0"/>
-              </a:rPr>
-              <a:t>      break</a:t>
-            </a:r>
-            <a:endParaRPr lang="en-GB" dirty="0">
-              <a:solidFill>
-                <a:srgbClr val="333333"/>
-              </a:solidFill>
-              <a:latin typeface="Consolas" panose="020B0609020204030204" pitchFamily="49" charset="0"/>
-            </a:endParaRPr>
-          </a:p>
-          <a:p>
-            <a:r>
-              <a:rPr lang="en-GB" dirty="0">
-                <a:solidFill>
-                  <a:srgbClr val="4B83CD"/>
-                </a:solidFill>
-                <a:latin typeface="Consolas" panose="020B0609020204030204" pitchFamily="49" charset="0"/>
-              </a:rPr>
-              <a:t>  else</a:t>
-            </a:r>
-            <a:r>
-              <a:rPr lang="en-GB" dirty="0">
-                <a:solidFill>
-                  <a:srgbClr val="777777"/>
-                </a:solidFill>
-                <a:latin typeface="Consolas" panose="020B0609020204030204" pitchFamily="49" charset="0"/>
-              </a:rPr>
-              <a:t>:</a:t>
-            </a:r>
-            <a:endParaRPr lang="en-GB" dirty="0">
-              <a:solidFill>
-                <a:srgbClr val="333333"/>
-              </a:solidFill>
-              <a:latin typeface="Consolas" panose="020B0609020204030204" pitchFamily="49" charset="0"/>
-            </a:endParaRPr>
-          </a:p>
-          <a:p>
-            <a:r>
-              <a:rPr lang="en-GB" b="1" dirty="0">
-                <a:solidFill>
-                  <a:srgbClr val="AA3731"/>
-                </a:solidFill>
-                <a:latin typeface="Consolas" panose="020B0609020204030204" pitchFamily="49" charset="0"/>
-              </a:rPr>
-              <a:t>    print</a:t>
-            </a:r>
-            <a:r>
-              <a:rPr lang="en-GB" dirty="0">
-                <a:solidFill>
-                  <a:srgbClr val="777777"/>
-                </a:solidFill>
-                <a:latin typeface="Consolas" panose="020B0609020204030204" pitchFamily="49" charset="0"/>
-              </a:rPr>
-              <a:t>(</a:t>
-            </a:r>
-            <a:r>
-              <a:rPr lang="en-GB" dirty="0" err="1">
-                <a:solidFill>
-                  <a:srgbClr val="7A3E9D"/>
-                </a:solidFill>
-                <a:latin typeface="Consolas" panose="020B0609020204030204" pitchFamily="49" charset="0"/>
-              </a:rPr>
-              <a:t>str</a:t>
-            </a:r>
-            <a:r>
-              <a:rPr lang="en-GB" dirty="0">
-                <a:solidFill>
-                  <a:srgbClr val="777777"/>
-                </a:solidFill>
-                <a:latin typeface="Consolas" panose="020B0609020204030204" pitchFamily="49" charset="0"/>
-              </a:rPr>
-              <a:t>(</a:t>
-            </a:r>
-            <a:r>
-              <a:rPr lang="en-GB" dirty="0" err="1">
-                <a:solidFill>
-                  <a:srgbClr val="333333"/>
-                </a:solidFill>
-                <a:latin typeface="Consolas" panose="020B0609020204030204" pitchFamily="49" charset="0"/>
-              </a:rPr>
-              <a:t>num</a:t>
-            </a:r>
-            <a:r>
-              <a:rPr lang="en-GB" dirty="0">
-                <a:solidFill>
-                  <a:srgbClr val="777777"/>
-                </a:solidFill>
-                <a:latin typeface="Consolas" panose="020B0609020204030204" pitchFamily="49" charset="0"/>
-              </a:rPr>
-              <a:t>),</a:t>
-            </a:r>
-            <a:r>
-              <a:rPr lang="en-GB" dirty="0">
-                <a:solidFill>
-                  <a:srgbClr val="333333"/>
-                </a:solidFill>
-                <a:latin typeface="Consolas" panose="020B0609020204030204" pitchFamily="49" charset="0"/>
-              </a:rPr>
-              <a:t> </a:t>
-            </a:r>
-            <a:r>
-              <a:rPr lang="en-GB" dirty="0">
-                <a:solidFill>
-                  <a:srgbClr val="777777"/>
-                </a:solidFill>
-                <a:latin typeface="Consolas" panose="020B0609020204030204" pitchFamily="49" charset="0"/>
-              </a:rPr>
-              <a:t>'</a:t>
-            </a:r>
-            <a:r>
-              <a:rPr lang="en-GB" dirty="0">
-                <a:solidFill>
-                  <a:srgbClr val="448C27"/>
-                </a:solidFill>
-                <a:latin typeface="Consolas" panose="020B0609020204030204" pitchFamily="49" charset="0"/>
-              </a:rPr>
-              <a:t>is a prime number</a:t>
-            </a:r>
-            <a:r>
-              <a:rPr lang="en-GB" dirty="0">
-                <a:solidFill>
-                  <a:srgbClr val="777777"/>
-                </a:solidFill>
-                <a:latin typeface="Consolas" panose="020B0609020204030204" pitchFamily="49" charset="0"/>
-              </a:rPr>
-              <a:t>')</a:t>
-            </a:r>
-            <a:endParaRPr lang="en-GB" b="0" dirty="0">
-              <a:solidFill>
-                <a:srgbClr val="333333"/>
-              </a:solidFill>
-              <a:effectLst/>
-              <a:latin typeface="Consolas" panose="020B0609020204030204" pitchFamily="49" charset="0"/>
-            </a:endParaRPr>
-          </a:p>
-        </p:txBody>
-      </p:sp>
-    </p:spTree>
-    <p:extLst>
-      <p:ext uri="{BB962C8B-B14F-4D97-AF65-F5344CB8AC3E}">
-        <p14:creationId xmlns:p14="http://schemas.microsoft.com/office/powerpoint/2010/main" val="3796023582"/>
-      </p:ext>
-    </p:extLst>
-  </p:cSld>
-  <p:clrMapOvr>
-    <a:masterClrMapping/>
-  </p:clrMapOvr>
-</p:sld>
-</file>
-
-<file path=ppt/slides/slide39.xml><?xml version="1.0" encoding="utf-8"?>
-<p:sld xmlns:a="http://schemas.openxmlformats.org/drawingml/2006/main" xmlns:r="http://schemas.openxmlformats.org/officeDocument/2006/relationships" xmlns:p="http://schemas.openxmlformats.org/presentationml/2006/main">
-  <p:cSld>
-    <p:spTree>
-      <p:nvGrpSpPr>
-        <p:cNvPr id="1" name=""/>
-        <p:cNvGrpSpPr/>
-        <p:nvPr/>
-      </p:nvGrpSpPr>
-      <p:grpSpPr>
-        <a:xfrm>
-          <a:off x="0" y="0"/>
-          <a:ext cx="0" cy="0"/>
-          <a:chOff x="0" y="0"/>
-          <a:chExt cx="0" cy="0"/>
-        </a:xfrm>
-      </p:grpSpPr>
-      <p:sp>
-        <p:nvSpPr>
-          <p:cNvPr id="5" name="Title 4">
-            <a:extLst>
-              <a:ext uri="{FF2B5EF4-FFF2-40B4-BE49-F238E27FC236}">
-                <a16:creationId xmlns:a16="http://schemas.microsoft.com/office/drawing/2014/main" id="{0ABB99BB-56B0-4483-8892-6F824E7DF11C}"/>
-              </a:ext>
-            </a:extLst>
-          </p:cNvPr>
-          <p:cNvSpPr>
-            <a:spLocks noGrp="1"/>
-          </p:cNvSpPr>
-          <p:nvPr>
-            <p:ph type="title"/>
-          </p:nvPr>
-        </p:nvSpPr>
-        <p:spPr/>
-        <p:txBody>
-          <a:bodyPr/>
-          <a:lstStyle/>
-          <a:p>
-            <a:r>
-              <a:rPr lang="en-GB" dirty="0"/>
-              <a:t>Else and loops</a:t>
-            </a:r>
-          </a:p>
-        </p:txBody>
-      </p:sp>
-      <p:sp>
-        <p:nvSpPr>
-          <p:cNvPr id="6" name="Content Placeholder 5">
-            <a:extLst>
-              <a:ext uri="{FF2B5EF4-FFF2-40B4-BE49-F238E27FC236}">
-                <a16:creationId xmlns:a16="http://schemas.microsoft.com/office/drawing/2014/main" id="{56E69856-70B7-4F17-BE95-896AB027EC61}"/>
-              </a:ext>
-            </a:extLst>
-          </p:cNvPr>
-          <p:cNvSpPr>
-            <a:spLocks noGrp="1"/>
-          </p:cNvSpPr>
-          <p:nvPr>
-            <p:ph sz="half" idx="1"/>
-          </p:nvPr>
-        </p:nvSpPr>
-        <p:spPr>
-          <a:xfrm>
-            <a:off x="1097277" y="1845734"/>
-            <a:ext cx="4168405" cy="4023360"/>
-          </a:xfrm>
-        </p:spPr>
-        <p:txBody>
-          <a:bodyPr/>
-          <a:lstStyle/>
-          <a:p>
-            <a:r>
-              <a:rPr lang="en-GB" dirty="0"/>
-              <a:t>Else is used to execute code at successful completion of a loop</a:t>
-            </a:r>
-          </a:p>
-          <a:p>
-            <a:r>
-              <a:rPr lang="en-GB" dirty="0"/>
-              <a:t>It’s a very pythonic thing that you will not find in many other languages</a:t>
-            </a:r>
-          </a:p>
-        </p:txBody>
-      </p:sp>
-      <p:sp>
-        <p:nvSpPr>
-          <p:cNvPr id="7" name="Content Placeholder 6">
-            <a:extLst>
-              <a:ext uri="{FF2B5EF4-FFF2-40B4-BE49-F238E27FC236}">
-                <a16:creationId xmlns:a16="http://schemas.microsoft.com/office/drawing/2014/main" id="{CBBAEA97-D28D-4DD5-8350-7943E88C4BF0}"/>
-              </a:ext>
-            </a:extLst>
-          </p:cNvPr>
-          <p:cNvSpPr>
-            <a:spLocks noGrp="1"/>
-          </p:cNvSpPr>
-          <p:nvPr>
-            <p:ph sz="half" idx="2"/>
-          </p:nvPr>
-        </p:nvSpPr>
-        <p:spPr>
-          <a:xfrm>
-            <a:off x="5517930" y="1845735"/>
-            <a:ext cx="5637749" cy="4023360"/>
-          </a:xfrm>
-        </p:spPr>
-        <p:txBody>
-          <a:bodyPr/>
-          <a:lstStyle/>
-          <a:p>
-            <a:r>
-              <a:rPr lang="en-GB" dirty="0">
-                <a:solidFill>
-                  <a:srgbClr val="4B83CD"/>
-                </a:solidFill>
-              </a:rPr>
-              <a:t>for</a:t>
-            </a:r>
-            <a:r>
-              <a:rPr lang="en-GB" dirty="0">
-                <a:solidFill>
-                  <a:srgbClr val="333333"/>
-                </a:solidFill>
-              </a:rPr>
-              <a:t> </a:t>
-            </a:r>
-            <a:r>
-              <a:rPr lang="en-GB" dirty="0" err="1">
-                <a:solidFill>
-                  <a:srgbClr val="333333"/>
-                </a:solidFill>
-              </a:rPr>
-              <a:t>num</a:t>
-            </a:r>
-            <a:r>
-              <a:rPr lang="en-GB" dirty="0">
-                <a:solidFill>
-                  <a:srgbClr val="333333"/>
-                </a:solidFill>
-              </a:rPr>
-              <a:t> </a:t>
-            </a:r>
-            <a:r>
-              <a:rPr lang="en-GB" dirty="0">
-                <a:solidFill>
-                  <a:srgbClr val="777777"/>
-                </a:solidFill>
-              </a:rPr>
-              <a:t>in</a:t>
-            </a:r>
-            <a:r>
-              <a:rPr lang="en-GB" dirty="0">
-                <a:solidFill>
-                  <a:srgbClr val="333333"/>
-                </a:solidFill>
-              </a:rPr>
-              <a:t> </a:t>
-            </a:r>
-            <a:r>
-              <a:rPr lang="en-GB" b="1" dirty="0">
-                <a:solidFill>
-                  <a:srgbClr val="AA3731"/>
-                </a:solidFill>
-              </a:rPr>
-              <a:t>range</a:t>
-            </a:r>
-            <a:r>
-              <a:rPr lang="en-GB" dirty="0">
-                <a:solidFill>
-                  <a:srgbClr val="777777"/>
-                </a:solidFill>
-              </a:rPr>
-              <a:t>(</a:t>
-            </a:r>
-            <a:r>
-              <a:rPr lang="en-GB" dirty="0">
-                <a:solidFill>
-                  <a:srgbClr val="AB6526"/>
-                </a:solidFill>
-              </a:rPr>
-              <a:t>10</a:t>
-            </a:r>
-            <a:r>
-              <a:rPr lang="en-GB" dirty="0">
-                <a:solidFill>
-                  <a:srgbClr val="777777"/>
-                </a:solidFill>
-              </a:rPr>
-              <a:t>,</a:t>
-            </a:r>
-            <a:r>
-              <a:rPr lang="en-GB" dirty="0">
-                <a:solidFill>
-                  <a:srgbClr val="333333"/>
-                </a:solidFill>
-              </a:rPr>
-              <a:t> </a:t>
-            </a:r>
-            <a:r>
-              <a:rPr lang="en-GB" dirty="0">
-                <a:solidFill>
-                  <a:srgbClr val="AB6526"/>
-                </a:solidFill>
-              </a:rPr>
-              <a:t>20</a:t>
-            </a:r>
-            <a:r>
-              <a:rPr lang="en-GB" dirty="0">
-                <a:solidFill>
-                  <a:srgbClr val="777777"/>
-                </a:solidFill>
-              </a:rPr>
-              <a:t>):</a:t>
-            </a:r>
-            <a:endParaRPr lang="en-GB" dirty="0">
-              <a:solidFill>
-                <a:srgbClr val="333333"/>
-              </a:solidFill>
-            </a:endParaRPr>
-          </a:p>
-          <a:p>
-            <a:r>
-              <a:rPr lang="en-GB" dirty="0">
-                <a:solidFill>
-                  <a:srgbClr val="4B83CD"/>
-                </a:solidFill>
-              </a:rPr>
-              <a:t>  for</a:t>
-            </a:r>
-            <a:r>
-              <a:rPr lang="en-GB" dirty="0">
-                <a:solidFill>
-                  <a:srgbClr val="333333"/>
-                </a:solidFill>
-              </a:rPr>
-              <a:t> </a:t>
-            </a:r>
-            <a:r>
-              <a:rPr lang="en-GB" dirty="0" err="1">
-                <a:solidFill>
-                  <a:srgbClr val="333333"/>
-                </a:solidFill>
-              </a:rPr>
-              <a:t>i</a:t>
-            </a:r>
-            <a:r>
-              <a:rPr lang="en-GB" dirty="0">
-                <a:solidFill>
-                  <a:srgbClr val="333333"/>
-                </a:solidFill>
-              </a:rPr>
-              <a:t> </a:t>
-            </a:r>
-            <a:r>
-              <a:rPr lang="en-GB" dirty="0">
-                <a:solidFill>
-                  <a:srgbClr val="777777"/>
-                </a:solidFill>
-              </a:rPr>
-              <a:t>in</a:t>
-            </a:r>
-            <a:r>
-              <a:rPr lang="en-GB" dirty="0">
-                <a:solidFill>
-                  <a:srgbClr val="333333"/>
-                </a:solidFill>
-              </a:rPr>
-              <a:t> </a:t>
-            </a:r>
-            <a:r>
-              <a:rPr lang="en-GB" b="1" dirty="0">
-                <a:solidFill>
-                  <a:srgbClr val="AA3731"/>
-                </a:solidFill>
-              </a:rPr>
-              <a:t>range</a:t>
-            </a:r>
-            <a:r>
-              <a:rPr lang="en-GB" dirty="0">
-                <a:solidFill>
-                  <a:srgbClr val="777777"/>
-                </a:solidFill>
-              </a:rPr>
-              <a:t>(</a:t>
-            </a:r>
-            <a:r>
-              <a:rPr lang="en-GB" dirty="0">
-                <a:solidFill>
-                  <a:srgbClr val="AB6526"/>
-                </a:solidFill>
-              </a:rPr>
-              <a:t>2</a:t>
-            </a:r>
-            <a:r>
-              <a:rPr lang="en-GB" dirty="0">
-                <a:solidFill>
-                  <a:srgbClr val="777777"/>
-                </a:solidFill>
-              </a:rPr>
-              <a:t>,</a:t>
-            </a:r>
-            <a:r>
-              <a:rPr lang="en-GB" dirty="0">
-                <a:solidFill>
-                  <a:srgbClr val="333333"/>
-                </a:solidFill>
-              </a:rPr>
-              <a:t> </a:t>
-            </a:r>
-            <a:r>
-              <a:rPr lang="en-GB" dirty="0" err="1">
-                <a:solidFill>
-                  <a:srgbClr val="333333"/>
-                </a:solidFill>
-              </a:rPr>
-              <a:t>num</a:t>
-            </a:r>
-            <a:r>
-              <a:rPr lang="en-GB" dirty="0">
-                <a:solidFill>
-                  <a:srgbClr val="777777"/>
-                </a:solidFill>
-              </a:rPr>
-              <a:t>):</a:t>
-            </a:r>
-            <a:endParaRPr lang="en-GB" dirty="0">
-              <a:solidFill>
-                <a:srgbClr val="333333"/>
-              </a:solidFill>
-            </a:endParaRPr>
-          </a:p>
-          <a:p>
-            <a:r>
-              <a:rPr lang="en-GB" dirty="0">
-                <a:solidFill>
-                  <a:srgbClr val="4B83CD"/>
-                </a:solidFill>
-              </a:rPr>
-              <a:t>    if</a:t>
-            </a:r>
-            <a:r>
-              <a:rPr lang="en-GB" dirty="0">
-                <a:solidFill>
-                  <a:srgbClr val="333333"/>
-                </a:solidFill>
-              </a:rPr>
-              <a:t> </a:t>
-            </a:r>
-            <a:r>
-              <a:rPr lang="en-GB" dirty="0" err="1">
-                <a:solidFill>
-                  <a:srgbClr val="333333"/>
-                </a:solidFill>
-              </a:rPr>
-              <a:t>num</a:t>
-            </a:r>
-            <a:r>
-              <a:rPr lang="en-GB" dirty="0">
-                <a:solidFill>
-                  <a:srgbClr val="333333"/>
-                </a:solidFill>
-              </a:rPr>
-              <a:t> </a:t>
-            </a:r>
-            <a:r>
-              <a:rPr lang="en-GB" dirty="0">
-                <a:solidFill>
-                  <a:srgbClr val="777777"/>
-                </a:solidFill>
-              </a:rPr>
-              <a:t>%</a:t>
-            </a:r>
-            <a:r>
-              <a:rPr lang="en-GB" dirty="0">
-                <a:solidFill>
-                  <a:srgbClr val="333333"/>
-                </a:solidFill>
-              </a:rPr>
-              <a:t> </a:t>
-            </a:r>
-            <a:r>
-              <a:rPr lang="en-GB" dirty="0" err="1">
-                <a:solidFill>
-                  <a:srgbClr val="333333"/>
-                </a:solidFill>
-              </a:rPr>
-              <a:t>i</a:t>
-            </a:r>
-            <a:r>
-              <a:rPr lang="en-GB" dirty="0">
-                <a:solidFill>
-                  <a:srgbClr val="333333"/>
-                </a:solidFill>
-              </a:rPr>
-              <a:t> </a:t>
-            </a:r>
-            <a:r>
-              <a:rPr lang="en-GB" dirty="0">
-                <a:solidFill>
-                  <a:srgbClr val="777777"/>
-                </a:solidFill>
-              </a:rPr>
-              <a:t>==</a:t>
-            </a:r>
-            <a:r>
-              <a:rPr lang="en-GB" dirty="0">
-                <a:solidFill>
-                  <a:srgbClr val="333333"/>
-                </a:solidFill>
-              </a:rPr>
-              <a:t> </a:t>
-            </a:r>
-            <a:r>
-              <a:rPr lang="en-GB" dirty="0">
-                <a:solidFill>
-                  <a:srgbClr val="AB6526"/>
-                </a:solidFill>
-              </a:rPr>
-              <a:t>0</a:t>
-            </a:r>
-            <a:r>
-              <a:rPr lang="en-GB" dirty="0">
-                <a:solidFill>
-                  <a:srgbClr val="777777"/>
-                </a:solidFill>
-              </a:rPr>
-              <a:t>:</a:t>
-            </a:r>
-            <a:endParaRPr lang="en-GB" dirty="0">
-              <a:solidFill>
-                <a:srgbClr val="333333"/>
-              </a:solidFill>
-            </a:endParaRPr>
-          </a:p>
-          <a:p>
-            <a:r>
-              <a:rPr lang="en-GB" dirty="0">
-                <a:solidFill>
-                  <a:srgbClr val="333333"/>
-                </a:solidFill>
-              </a:rPr>
-              <a:t>      j </a:t>
-            </a:r>
-            <a:r>
-              <a:rPr lang="en-GB" dirty="0">
-                <a:solidFill>
-                  <a:srgbClr val="777777"/>
-                </a:solidFill>
-              </a:rPr>
-              <a:t>=</a:t>
-            </a:r>
-            <a:r>
-              <a:rPr lang="en-GB" dirty="0">
-                <a:solidFill>
-                  <a:srgbClr val="333333"/>
-                </a:solidFill>
-              </a:rPr>
-              <a:t> </a:t>
-            </a:r>
-            <a:r>
-              <a:rPr lang="en-GB" dirty="0" err="1">
-                <a:solidFill>
-                  <a:srgbClr val="333333"/>
-                </a:solidFill>
-              </a:rPr>
-              <a:t>num</a:t>
-            </a:r>
-            <a:r>
-              <a:rPr lang="en-GB" dirty="0">
-                <a:solidFill>
-                  <a:srgbClr val="333333"/>
-                </a:solidFill>
-              </a:rPr>
-              <a:t> </a:t>
-            </a:r>
-            <a:r>
-              <a:rPr lang="en-GB" dirty="0">
-                <a:solidFill>
-                  <a:srgbClr val="777777"/>
-                </a:solidFill>
-              </a:rPr>
-              <a:t>//</a:t>
-            </a:r>
-            <a:r>
-              <a:rPr lang="en-GB" dirty="0">
-                <a:solidFill>
-                  <a:srgbClr val="333333"/>
-                </a:solidFill>
-              </a:rPr>
-              <a:t> </a:t>
-            </a:r>
-            <a:r>
-              <a:rPr lang="en-GB" dirty="0" err="1">
-                <a:solidFill>
-                  <a:srgbClr val="333333"/>
-                </a:solidFill>
-              </a:rPr>
-              <a:t>i</a:t>
-            </a:r>
-            <a:endParaRPr lang="en-GB" dirty="0">
-              <a:solidFill>
-                <a:srgbClr val="333333"/>
-              </a:solidFill>
-            </a:endParaRPr>
-          </a:p>
-          <a:p>
-            <a:r>
-              <a:rPr lang="en-GB" b="1" dirty="0">
-                <a:solidFill>
-                  <a:srgbClr val="AA3731"/>
-                </a:solidFill>
-              </a:rPr>
-              <a:t>      print</a:t>
-            </a:r>
-            <a:r>
-              <a:rPr lang="en-GB" dirty="0">
-                <a:solidFill>
-                  <a:srgbClr val="777777"/>
-                </a:solidFill>
-              </a:rPr>
-              <a:t>(</a:t>
-            </a:r>
-            <a:r>
-              <a:rPr lang="en-GB" dirty="0" err="1">
-                <a:solidFill>
-                  <a:srgbClr val="7A3E9D"/>
-                </a:solidFill>
-              </a:rPr>
-              <a:t>str</a:t>
-            </a:r>
-            <a:r>
-              <a:rPr lang="en-GB" dirty="0">
-                <a:solidFill>
-                  <a:srgbClr val="777777"/>
-                </a:solidFill>
-              </a:rPr>
-              <a:t>(</a:t>
-            </a:r>
-            <a:r>
-              <a:rPr lang="en-GB" dirty="0" err="1">
-                <a:solidFill>
-                  <a:srgbClr val="333333"/>
-                </a:solidFill>
-              </a:rPr>
-              <a:t>num</a:t>
-            </a:r>
-            <a:r>
-              <a:rPr lang="en-GB" dirty="0">
-                <a:solidFill>
-                  <a:srgbClr val="777777"/>
-                </a:solidFill>
-              </a:rPr>
-              <a:t>),'</a:t>
-            </a:r>
-            <a:r>
-              <a:rPr lang="en-GB" dirty="0">
-                <a:solidFill>
-                  <a:srgbClr val="448C27"/>
-                </a:solidFill>
-              </a:rPr>
-              <a:t> equals </a:t>
-            </a:r>
-            <a:r>
-              <a:rPr lang="en-GB" dirty="0">
-                <a:solidFill>
-                  <a:srgbClr val="777777"/>
-                </a:solidFill>
-              </a:rPr>
-              <a:t>‘,</a:t>
-            </a:r>
-            <a:endParaRPr lang="en-GB" dirty="0">
-              <a:solidFill>
-                <a:srgbClr val="333333"/>
-              </a:solidFill>
-            </a:endParaRPr>
-          </a:p>
-          <a:p>
-            <a:r>
-              <a:rPr lang="en-GB" dirty="0">
-                <a:solidFill>
-                  <a:srgbClr val="333333"/>
-                </a:solidFill>
-              </a:rPr>
-              <a:t>            </a:t>
-            </a:r>
-            <a:r>
-              <a:rPr lang="en-GB" dirty="0" err="1">
-                <a:solidFill>
-                  <a:srgbClr val="7A3E9D"/>
-                </a:solidFill>
-              </a:rPr>
-              <a:t>str</a:t>
-            </a:r>
-            <a:r>
-              <a:rPr lang="en-GB" dirty="0">
-                <a:solidFill>
-                  <a:srgbClr val="777777"/>
-                </a:solidFill>
-              </a:rPr>
-              <a:t>(</a:t>
-            </a:r>
-            <a:r>
-              <a:rPr lang="en-GB" dirty="0" err="1">
-                <a:solidFill>
-                  <a:srgbClr val="333333"/>
-                </a:solidFill>
-              </a:rPr>
-              <a:t>i</a:t>
-            </a:r>
-            <a:r>
-              <a:rPr lang="en-GB" dirty="0">
-                <a:solidFill>
-                  <a:srgbClr val="777777"/>
-                </a:solidFill>
-              </a:rPr>
-              <a:t>),</a:t>
-            </a:r>
-            <a:r>
-              <a:rPr lang="en-GB" dirty="0">
-                <a:solidFill>
-                  <a:srgbClr val="333333"/>
-                </a:solidFill>
-              </a:rPr>
-              <a:t> </a:t>
-            </a:r>
-            <a:r>
-              <a:rPr lang="en-GB" dirty="0">
-                <a:solidFill>
-                  <a:srgbClr val="777777"/>
-                </a:solidFill>
-              </a:rPr>
-              <a:t>'</a:t>
-            </a:r>
-            <a:r>
-              <a:rPr lang="en-GB" dirty="0">
-                <a:solidFill>
-                  <a:srgbClr val="448C27"/>
-                </a:solidFill>
-              </a:rPr>
-              <a:t>*</a:t>
-            </a:r>
-            <a:r>
-              <a:rPr lang="en-GB" dirty="0">
-                <a:solidFill>
-                  <a:srgbClr val="777777"/>
-                </a:solidFill>
-              </a:rPr>
-              <a:t>',</a:t>
-            </a:r>
-            <a:r>
-              <a:rPr lang="en-GB" dirty="0">
-                <a:solidFill>
-                  <a:srgbClr val="333333"/>
-                </a:solidFill>
-              </a:rPr>
-              <a:t> </a:t>
-            </a:r>
-            <a:r>
-              <a:rPr lang="en-GB" dirty="0" err="1">
-                <a:solidFill>
-                  <a:srgbClr val="7A3E9D"/>
-                </a:solidFill>
-              </a:rPr>
-              <a:t>str</a:t>
-            </a:r>
-            <a:r>
-              <a:rPr lang="en-GB" dirty="0">
-                <a:solidFill>
-                  <a:srgbClr val="777777"/>
-                </a:solidFill>
-              </a:rPr>
-              <a:t>(</a:t>
-            </a:r>
-            <a:r>
-              <a:rPr lang="en-GB" dirty="0">
-                <a:solidFill>
-                  <a:srgbClr val="333333"/>
-                </a:solidFill>
-              </a:rPr>
-              <a:t>j</a:t>
-            </a:r>
-            <a:r>
-              <a:rPr lang="en-GB" dirty="0">
-                <a:solidFill>
-                  <a:srgbClr val="777777"/>
-                </a:solidFill>
-              </a:rPr>
-              <a:t>))</a:t>
-            </a:r>
-            <a:endParaRPr lang="en-GB" dirty="0">
-              <a:solidFill>
-                <a:srgbClr val="333333"/>
-              </a:solidFill>
-            </a:endParaRPr>
-          </a:p>
-          <a:p>
-            <a:r>
-              <a:rPr lang="en-GB" dirty="0">
-                <a:solidFill>
-                  <a:srgbClr val="4B83CD"/>
-                </a:solidFill>
-              </a:rPr>
-              <a:t>      break</a:t>
-            </a:r>
-            <a:endParaRPr lang="en-GB" dirty="0">
-              <a:solidFill>
-                <a:srgbClr val="333333"/>
-              </a:solidFill>
-            </a:endParaRPr>
-          </a:p>
-          <a:p>
-            <a:r>
-              <a:rPr lang="en-GB" dirty="0">
-                <a:solidFill>
-                  <a:srgbClr val="4B83CD"/>
-                </a:solidFill>
-              </a:rPr>
-              <a:t>  else</a:t>
-            </a:r>
-            <a:r>
-              <a:rPr lang="en-GB" dirty="0">
-                <a:solidFill>
-                  <a:srgbClr val="777777"/>
-                </a:solidFill>
-              </a:rPr>
-              <a:t>:</a:t>
-            </a:r>
-            <a:endParaRPr lang="en-GB" dirty="0">
-              <a:solidFill>
-                <a:srgbClr val="333333"/>
-              </a:solidFill>
-            </a:endParaRPr>
-          </a:p>
-          <a:p>
-            <a:r>
-              <a:rPr lang="en-GB" b="1" dirty="0">
-                <a:solidFill>
-                  <a:srgbClr val="AA3731"/>
-                </a:solidFill>
-              </a:rPr>
-              <a:t>    print</a:t>
-            </a:r>
-            <a:r>
-              <a:rPr lang="en-GB" dirty="0">
-                <a:solidFill>
-                  <a:srgbClr val="777777"/>
-                </a:solidFill>
-              </a:rPr>
-              <a:t>(</a:t>
-            </a:r>
-            <a:r>
-              <a:rPr lang="en-GB" dirty="0" err="1">
-                <a:solidFill>
-                  <a:srgbClr val="7A3E9D"/>
-                </a:solidFill>
-              </a:rPr>
-              <a:t>str</a:t>
-            </a:r>
-            <a:r>
-              <a:rPr lang="en-GB" dirty="0">
-                <a:solidFill>
-                  <a:srgbClr val="777777"/>
-                </a:solidFill>
-              </a:rPr>
-              <a:t>(</a:t>
-            </a:r>
-            <a:r>
-              <a:rPr lang="en-GB" dirty="0" err="1">
-                <a:solidFill>
-                  <a:srgbClr val="333333"/>
-                </a:solidFill>
-              </a:rPr>
-              <a:t>num</a:t>
-            </a:r>
-            <a:r>
-              <a:rPr lang="en-GB" dirty="0">
-                <a:solidFill>
-                  <a:srgbClr val="777777"/>
-                </a:solidFill>
-              </a:rPr>
-              <a:t>),</a:t>
-            </a:r>
-            <a:r>
-              <a:rPr lang="en-GB" dirty="0">
-                <a:solidFill>
-                  <a:srgbClr val="333333"/>
-                </a:solidFill>
-              </a:rPr>
-              <a:t> </a:t>
-            </a:r>
-            <a:r>
-              <a:rPr lang="en-GB" dirty="0">
-                <a:solidFill>
-                  <a:srgbClr val="777777"/>
-                </a:solidFill>
-              </a:rPr>
-              <a:t>'</a:t>
-            </a:r>
-            <a:r>
-              <a:rPr lang="en-GB" dirty="0">
-                <a:solidFill>
-                  <a:srgbClr val="448C27"/>
-                </a:solidFill>
-              </a:rPr>
-              <a:t>is a prime number</a:t>
-            </a:r>
-            <a:r>
-              <a:rPr lang="en-GB" dirty="0">
-                <a:solidFill>
-                  <a:srgbClr val="777777"/>
-                </a:solidFill>
-              </a:rPr>
-              <a:t>')</a:t>
-            </a:r>
-            <a:endParaRPr lang="en-GB" dirty="0">
-              <a:solidFill>
-                <a:srgbClr val="333333"/>
-              </a:solidFill>
-            </a:endParaRPr>
-          </a:p>
-          <a:p>
-            <a:endParaRPr lang="en-GB" dirty="0"/>
-          </a:p>
-        </p:txBody>
-      </p:sp>
-      <p:sp>
-        <p:nvSpPr>
-          <p:cNvPr id="4" name="Slide Number Placeholder 3">
-            <a:extLst>
-              <a:ext uri="{FF2B5EF4-FFF2-40B4-BE49-F238E27FC236}">
-                <a16:creationId xmlns:a16="http://schemas.microsoft.com/office/drawing/2014/main" id="{987B467E-A2F8-4291-953C-B4FC0437143E}"/>
-              </a:ext>
-            </a:extLst>
-          </p:cNvPr>
-          <p:cNvSpPr>
-            <a:spLocks noGrp="1"/>
-          </p:cNvSpPr>
-          <p:nvPr>
-            <p:ph type="sldNum" sz="quarter" idx="12"/>
-          </p:nvPr>
-        </p:nvSpPr>
-        <p:spPr/>
-        <p:txBody>
-          <a:bodyPr/>
-          <a:lstStyle/>
-          <a:p>
-            <a:fld id="{89C4E583-6443-4199-AF95-A2ECCC288D48}" type="slidenum">
-              <a:rPr lang="en-GB" smtClean="0"/>
-              <a:t>39</a:t>
-            </a:fld>
-            <a:endParaRPr lang="en-GB"/>
-          </a:p>
-        </p:txBody>
-      </p:sp>
-    </p:spTree>
-    <p:extLst>
-      <p:ext uri="{BB962C8B-B14F-4D97-AF65-F5344CB8AC3E}">
-        <p14:creationId xmlns:p14="http://schemas.microsoft.com/office/powerpoint/2010/main" val="1100881795"/>
       </p:ext>
     </p:extLst>
   </p:cSld>
@@ -26071,7 +25834,7 @@
           <a:p>
             <a:r>
               <a:rPr lang="en-GB" dirty="0"/>
-              <a:t>Common Mistakes</a:t>
+              <a:t>Common Mistakes &amp; Hints</a:t>
             </a:r>
           </a:p>
         </p:txBody>
@@ -26131,13 +25894,46 @@
             </a:r>
             <a:r>
               <a:rPr lang="en-GB" dirty="0"/>
-              <a:t> are not simple text files</a:t>
-            </a:r>
-          </a:p>
-          <a:p>
+              <a:t>, rtf are not simple text files</a:t>
+            </a:r>
+          </a:p>
+          <a:p>
+            <a:pPr lvl="1"/>
             <a:r>
               <a:rPr lang="en-GB" dirty="0"/>
-              <a:t>txt files are simple text files</a:t>
+              <a:t>txt files are simple text files, maybe markdown by a stretch</a:t>
+            </a:r>
+          </a:p>
+          <a:p>
+            <a:r>
+              <a:rPr lang="en-GB" dirty="0"/>
+              <a:t>It’s a good habit to not print from inside a function (unless it is a print function or you are debugging/ logging)</a:t>
+            </a:r>
+          </a:p>
+          <a:p>
+            <a:r>
+              <a:rPr lang="en-GB" dirty="0"/>
+              <a:t>Instead return the value, save it into a variable and then print this</a:t>
+            </a:r>
+          </a:p>
+          <a:p>
+            <a:pPr lvl="1"/>
+            <a:r>
+              <a:rPr lang="en-GB" dirty="0"/>
+              <a:t>This way the value is saved, you can still use it and the function is left clean</a:t>
+            </a:r>
+          </a:p>
+          <a:p>
+            <a:r>
+              <a:rPr lang="en-GB" dirty="0"/>
+              <a:t>Please put some comments into your code to explain your thought process</a:t>
+            </a:r>
+          </a:p>
+          <a:p>
+            <a:pPr lvl="1"/>
+            <a:r>
+              <a:rPr lang="en-GB" dirty="0"/>
+              <a:t>It doesn’t need to be an essay, but some short hints are very welcome</a:t>
             </a:r>
           </a:p>
         </p:txBody>
@@ -26185,6 +25981,1013 @@
 </file>
 
 <file path=ppt/slides/slide40.xml><?xml version="1.0" encoding="utf-8"?>
+<p:sld xmlns:a="http://schemas.openxmlformats.org/drawingml/2006/main" xmlns:r="http://schemas.openxmlformats.org/officeDocument/2006/relationships" xmlns:p="http://schemas.openxmlformats.org/presentationml/2006/main">
+  <p:cSld>
+    <p:spTree>
+      <p:nvGrpSpPr>
+        <p:cNvPr id="1" name=""/>
+        <p:cNvGrpSpPr/>
+        <p:nvPr/>
+      </p:nvGrpSpPr>
+      <p:grpSpPr>
+        <a:xfrm>
+          <a:off x="0" y="0"/>
+          <a:ext cx="0" cy="0"/>
+          <a:chOff x="0" y="0"/>
+          <a:chExt cx="0" cy="0"/>
+        </a:xfrm>
+      </p:grpSpPr>
+      <p:sp>
+        <p:nvSpPr>
+          <p:cNvPr id="2" name="Title 1">
+            <a:extLst>
+              <a:ext uri="{FF2B5EF4-FFF2-40B4-BE49-F238E27FC236}">
+                <a16:creationId xmlns:a16="http://schemas.microsoft.com/office/drawing/2014/main" id="{1CE59E70-148D-4644-BDEB-D5D07FB95C49}"/>
+              </a:ext>
+            </a:extLst>
+          </p:cNvPr>
+          <p:cNvSpPr>
+            <a:spLocks noGrp="1"/>
+          </p:cNvSpPr>
+          <p:nvPr>
+            <p:ph type="title"/>
+          </p:nvPr>
+        </p:nvSpPr>
+        <p:spPr/>
+        <p:txBody>
+          <a:bodyPr/>
+          <a:lstStyle/>
+          <a:p>
+            <a:r>
+              <a:rPr lang="en-GB" dirty="0"/>
+              <a:t>Else and Loops</a:t>
+            </a:r>
+          </a:p>
+        </p:txBody>
+      </p:sp>
+      <p:sp>
+        <p:nvSpPr>
+          <p:cNvPr id="3" name="Content Placeholder 2">
+            <a:extLst>
+              <a:ext uri="{FF2B5EF4-FFF2-40B4-BE49-F238E27FC236}">
+                <a16:creationId xmlns:a16="http://schemas.microsoft.com/office/drawing/2014/main" id="{E34C6B27-CDE0-4BCE-A502-CEB35A32E727}"/>
+              </a:ext>
+            </a:extLst>
+          </p:cNvPr>
+          <p:cNvSpPr>
+            <a:spLocks noGrp="1"/>
+          </p:cNvSpPr>
+          <p:nvPr>
+            <p:ph idx="1"/>
+          </p:nvPr>
+        </p:nvSpPr>
+        <p:spPr/>
+        <p:txBody>
+          <a:bodyPr/>
+          <a:lstStyle/>
+          <a:p>
+            <a:r>
+              <a:rPr lang="en-GB" dirty="0"/>
+              <a:t>You can use else with loops</a:t>
+            </a:r>
+          </a:p>
+          <a:p>
+            <a:pPr lvl="1"/>
+            <a:r>
+              <a:rPr lang="en-GB" dirty="0"/>
+              <a:t>This might seem counterintuitive to people who already programmed</a:t>
+            </a:r>
+          </a:p>
+          <a:p>
+            <a:r>
+              <a:rPr lang="en-GB" dirty="0"/>
+              <a:t>We said earlier that the while loop is like a repeated if statement</a:t>
+            </a:r>
+          </a:p>
+          <a:p>
+            <a:r>
+              <a:rPr lang="en-GB" dirty="0"/>
+              <a:t>Basically it means that if the loop executes to the end, the else statement will also be executed</a:t>
+            </a:r>
+          </a:p>
+          <a:p>
+            <a:r>
+              <a:rPr lang="en-GB" dirty="0"/>
+              <a:t>If the loop is cancelled early by a break, the else statement will not be executed</a:t>
+            </a:r>
+          </a:p>
+        </p:txBody>
+      </p:sp>
+      <p:sp>
+        <p:nvSpPr>
+          <p:cNvPr id="4" name="Slide Number Placeholder 3">
+            <a:extLst>
+              <a:ext uri="{FF2B5EF4-FFF2-40B4-BE49-F238E27FC236}">
+                <a16:creationId xmlns:a16="http://schemas.microsoft.com/office/drawing/2014/main" id="{8BDE12E9-D615-4706-8E12-518270D311BB}"/>
+              </a:ext>
+            </a:extLst>
+          </p:cNvPr>
+          <p:cNvSpPr>
+            <a:spLocks noGrp="1"/>
+          </p:cNvSpPr>
+          <p:nvPr>
+            <p:ph type="sldNum" sz="quarter" idx="12"/>
+          </p:nvPr>
+        </p:nvSpPr>
+        <p:spPr/>
+        <p:txBody>
+          <a:bodyPr/>
+          <a:lstStyle/>
+          <a:p>
+            <a:fld id="{89C4E583-6443-4199-AF95-A2ECCC288D48}" type="slidenum">
+              <a:rPr lang="en-GB" smtClean="0"/>
+              <a:t>40</a:t>
+            </a:fld>
+            <a:endParaRPr lang="en-GB"/>
+          </a:p>
+        </p:txBody>
+      </p:sp>
+    </p:spTree>
+    <p:extLst>
+      <p:ext uri="{BB962C8B-B14F-4D97-AF65-F5344CB8AC3E}">
+        <p14:creationId xmlns:p14="http://schemas.microsoft.com/office/powerpoint/2010/main" val="3796023582"/>
+      </p:ext>
+    </p:extLst>
+  </p:cSld>
+  <p:clrMapOvr>
+    <a:masterClrMapping/>
+  </p:clrMapOvr>
+</p:sld>
+</file>
+
+<file path=ppt/slides/slide41.xml><?xml version="1.0" encoding="utf-8"?>
+<p:sld xmlns:a="http://schemas.openxmlformats.org/drawingml/2006/main" xmlns:r="http://schemas.openxmlformats.org/officeDocument/2006/relationships" xmlns:p="http://schemas.openxmlformats.org/presentationml/2006/main">
+  <p:cSld>
+    <p:spTree>
+      <p:nvGrpSpPr>
+        <p:cNvPr id="1" name=""/>
+        <p:cNvGrpSpPr/>
+        <p:nvPr/>
+      </p:nvGrpSpPr>
+      <p:grpSpPr>
+        <a:xfrm>
+          <a:off x="0" y="0"/>
+          <a:ext cx="0" cy="0"/>
+          <a:chOff x="0" y="0"/>
+          <a:chExt cx="0" cy="0"/>
+        </a:xfrm>
+      </p:grpSpPr>
+      <p:sp>
+        <p:nvSpPr>
+          <p:cNvPr id="5" name="Title 4">
+            <a:extLst>
+              <a:ext uri="{FF2B5EF4-FFF2-40B4-BE49-F238E27FC236}">
+                <a16:creationId xmlns:a16="http://schemas.microsoft.com/office/drawing/2014/main" id="{0ABB99BB-56B0-4483-8892-6F824E7DF11C}"/>
+              </a:ext>
+            </a:extLst>
+          </p:cNvPr>
+          <p:cNvSpPr>
+            <a:spLocks noGrp="1"/>
+          </p:cNvSpPr>
+          <p:nvPr>
+            <p:ph type="title"/>
+          </p:nvPr>
+        </p:nvSpPr>
+        <p:spPr/>
+        <p:txBody>
+          <a:bodyPr/>
+          <a:lstStyle/>
+          <a:p>
+            <a:r>
+              <a:rPr lang="en-GB" dirty="0"/>
+              <a:t>Else and Loops</a:t>
+            </a:r>
+          </a:p>
+        </p:txBody>
+      </p:sp>
+      <p:sp>
+        <p:nvSpPr>
+          <p:cNvPr id="6" name="Content Placeholder 5">
+            <a:extLst>
+              <a:ext uri="{FF2B5EF4-FFF2-40B4-BE49-F238E27FC236}">
+                <a16:creationId xmlns:a16="http://schemas.microsoft.com/office/drawing/2014/main" id="{56E69856-70B7-4F17-BE95-896AB027EC61}"/>
+              </a:ext>
+            </a:extLst>
+          </p:cNvPr>
+          <p:cNvSpPr>
+            <a:spLocks noGrp="1"/>
+          </p:cNvSpPr>
+          <p:nvPr>
+            <p:ph sz="half" idx="1"/>
+          </p:nvPr>
+        </p:nvSpPr>
+        <p:spPr>
+          <a:xfrm>
+            <a:off x="1097277" y="1845734"/>
+            <a:ext cx="4168405" cy="4023360"/>
+          </a:xfrm>
+        </p:spPr>
+        <p:txBody>
+          <a:bodyPr/>
+          <a:lstStyle/>
+          <a:p>
+            <a:r>
+              <a:rPr lang="en-GB" dirty="0"/>
+              <a:t>Else is used to execute code at successful completion of a loop</a:t>
+            </a:r>
+          </a:p>
+          <a:p>
+            <a:r>
+              <a:rPr lang="en-GB" dirty="0"/>
+              <a:t>It’s a very pythonic thing that you will not find in many other languages</a:t>
+            </a:r>
+          </a:p>
+        </p:txBody>
+      </p:sp>
+      <p:sp>
+        <p:nvSpPr>
+          <p:cNvPr id="7" name="Content Placeholder 6">
+            <a:extLst>
+              <a:ext uri="{FF2B5EF4-FFF2-40B4-BE49-F238E27FC236}">
+                <a16:creationId xmlns:a16="http://schemas.microsoft.com/office/drawing/2014/main" id="{CBBAEA97-D28D-4DD5-8350-7943E88C4BF0}"/>
+              </a:ext>
+            </a:extLst>
+          </p:cNvPr>
+          <p:cNvSpPr>
+            <a:spLocks noGrp="1"/>
+          </p:cNvSpPr>
+          <p:nvPr>
+            <p:ph sz="half" idx="2"/>
+          </p:nvPr>
+        </p:nvSpPr>
+        <p:spPr>
+          <a:xfrm>
+            <a:off x="5517930" y="1845735"/>
+            <a:ext cx="5637749" cy="4023360"/>
+          </a:xfrm>
+        </p:spPr>
+        <p:txBody>
+          <a:bodyPr/>
+          <a:lstStyle/>
+          <a:p>
+            <a:r>
+              <a:rPr lang="en-GB" dirty="0">
+                <a:solidFill>
+                  <a:srgbClr val="4B83CD"/>
+                </a:solidFill>
+              </a:rPr>
+              <a:t>for</a:t>
+            </a:r>
+            <a:r>
+              <a:rPr lang="en-GB" dirty="0">
+                <a:solidFill>
+                  <a:srgbClr val="333333"/>
+                </a:solidFill>
+              </a:rPr>
+              <a:t> </a:t>
+            </a:r>
+            <a:r>
+              <a:rPr lang="en-GB" dirty="0" err="1">
+                <a:solidFill>
+                  <a:srgbClr val="333333"/>
+                </a:solidFill>
+              </a:rPr>
+              <a:t>num</a:t>
+            </a:r>
+            <a:r>
+              <a:rPr lang="en-GB" dirty="0">
+                <a:solidFill>
+                  <a:srgbClr val="333333"/>
+                </a:solidFill>
+              </a:rPr>
+              <a:t> </a:t>
+            </a:r>
+            <a:r>
+              <a:rPr lang="en-GB" dirty="0">
+                <a:solidFill>
+                  <a:srgbClr val="777777"/>
+                </a:solidFill>
+              </a:rPr>
+              <a:t>in</a:t>
+            </a:r>
+            <a:r>
+              <a:rPr lang="en-GB" dirty="0">
+                <a:solidFill>
+                  <a:srgbClr val="333333"/>
+                </a:solidFill>
+              </a:rPr>
+              <a:t> </a:t>
+            </a:r>
+            <a:r>
+              <a:rPr lang="en-GB" b="1" dirty="0">
+                <a:solidFill>
+                  <a:srgbClr val="AA3731"/>
+                </a:solidFill>
+              </a:rPr>
+              <a:t>range</a:t>
+            </a:r>
+            <a:r>
+              <a:rPr lang="en-GB" dirty="0">
+                <a:solidFill>
+                  <a:srgbClr val="777777"/>
+                </a:solidFill>
+              </a:rPr>
+              <a:t>(</a:t>
+            </a:r>
+            <a:r>
+              <a:rPr lang="en-GB" dirty="0">
+                <a:solidFill>
+                  <a:srgbClr val="AB6526"/>
+                </a:solidFill>
+              </a:rPr>
+              <a:t>10</a:t>
+            </a:r>
+            <a:r>
+              <a:rPr lang="en-GB" dirty="0">
+                <a:solidFill>
+                  <a:srgbClr val="777777"/>
+                </a:solidFill>
+              </a:rPr>
+              <a:t>,</a:t>
+            </a:r>
+            <a:r>
+              <a:rPr lang="en-GB" dirty="0">
+                <a:solidFill>
+                  <a:srgbClr val="333333"/>
+                </a:solidFill>
+              </a:rPr>
+              <a:t> </a:t>
+            </a:r>
+            <a:r>
+              <a:rPr lang="en-GB" dirty="0">
+                <a:solidFill>
+                  <a:srgbClr val="AB6526"/>
+                </a:solidFill>
+              </a:rPr>
+              <a:t>20</a:t>
+            </a:r>
+            <a:r>
+              <a:rPr lang="en-GB" dirty="0">
+                <a:solidFill>
+                  <a:srgbClr val="777777"/>
+                </a:solidFill>
+              </a:rPr>
+              <a:t>):</a:t>
+            </a:r>
+            <a:endParaRPr lang="en-GB" dirty="0">
+              <a:solidFill>
+                <a:srgbClr val="333333"/>
+              </a:solidFill>
+            </a:endParaRPr>
+          </a:p>
+          <a:p>
+            <a:r>
+              <a:rPr lang="en-GB" dirty="0">
+                <a:solidFill>
+                  <a:srgbClr val="4B83CD"/>
+                </a:solidFill>
+              </a:rPr>
+              <a:t>  for</a:t>
+            </a:r>
+            <a:r>
+              <a:rPr lang="en-GB" dirty="0">
+                <a:solidFill>
+                  <a:srgbClr val="333333"/>
+                </a:solidFill>
+              </a:rPr>
+              <a:t> </a:t>
+            </a:r>
+            <a:r>
+              <a:rPr lang="en-GB" dirty="0" err="1">
+                <a:solidFill>
+                  <a:srgbClr val="333333"/>
+                </a:solidFill>
+              </a:rPr>
+              <a:t>i</a:t>
+            </a:r>
+            <a:r>
+              <a:rPr lang="en-GB" dirty="0">
+                <a:solidFill>
+                  <a:srgbClr val="333333"/>
+                </a:solidFill>
+              </a:rPr>
+              <a:t> </a:t>
+            </a:r>
+            <a:r>
+              <a:rPr lang="en-GB" dirty="0">
+                <a:solidFill>
+                  <a:srgbClr val="777777"/>
+                </a:solidFill>
+              </a:rPr>
+              <a:t>in</a:t>
+            </a:r>
+            <a:r>
+              <a:rPr lang="en-GB" dirty="0">
+                <a:solidFill>
+                  <a:srgbClr val="333333"/>
+                </a:solidFill>
+              </a:rPr>
+              <a:t> </a:t>
+            </a:r>
+            <a:r>
+              <a:rPr lang="en-GB" b="1" dirty="0">
+                <a:solidFill>
+                  <a:srgbClr val="AA3731"/>
+                </a:solidFill>
+              </a:rPr>
+              <a:t>range</a:t>
+            </a:r>
+            <a:r>
+              <a:rPr lang="en-GB" dirty="0">
+                <a:solidFill>
+                  <a:srgbClr val="777777"/>
+                </a:solidFill>
+              </a:rPr>
+              <a:t>(</a:t>
+            </a:r>
+            <a:r>
+              <a:rPr lang="en-GB" dirty="0">
+                <a:solidFill>
+                  <a:srgbClr val="AB6526"/>
+                </a:solidFill>
+              </a:rPr>
+              <a:t>2</a:t>
+            </a:r>
+            <a:r>
+              <a:rPr lang="en-GB" dirty="0">
+                <a:solidFill>
+                  <a:srgbClr val="777777"/>
+                </a:solidFill>
+              </a:rPr>
+              <a:t>,</a:t>
+            </a:r>
+            <a:r>
+              <a:rPr lang="en-GB" dirty="0">
+                <a:solidFill>
+                  <a:srgbClr val="333333"/>
+                </a:solidFill>
+              </a:rPr>
+              <a:t> </a:t>
+            </a:r>
+            <a:r>
+              <a:rPr lang="en-GB" dirty="0" err="1">
+                <a:solidFill>
+                  <a:srgbClr val="333333"/>
+                </a:solidFill>
+              </a:rPr>
+              <a:t>num</a:t>
+            </a:r>
+            <a:r>
+              <a:rPr lang="en-GB" dirty="0">
+                <a:solidFill>
+                  <a:srgbClr val="777777"/>
+                </a:solidFill>
+              </a:rPr>
+              <a:t>):</a:t>
+            </a:r>
+            <a:endParaRPr lang="en-GB" dirty="0">
+              <a:solidFill>
+                <a:srgbClr val="333333"/>
+              </a:solidFill>
+            </a:endParaRPr>
+          </a:p>
+          <a:p>
+            <a:r>
+              <a:rPr lang="en-GB" dirty="0">
+                <a:solidFill>
+                  <a:srgbClr val="4B83CD"/>
+                </a:solidFill>
+              </a:rPr>
+              <a:t>    if</a:t>
+            </a:r>
+            <a:r>
+              <a:rPr lang="en-GB" dirty="0">
+                <a:solidFill>
+                  <a:srgbClr val="333333"/>
+                </a:solidFill>
+              </a:rPr>
+              <a:t> </a:t>
+            </a:r>
+            <a:r>
+              <a:rPr lang="en-GB" dirty="0" err="1">
+                <a:solidFill>
+                  <a:srgbClr val="333333"/>
+                </a:solidFill>
+              </a:rPr>
+              <a:t>num</a:t>
+            </a:r>
+            <a:r>
+              <a:rPr lang="en-GB" dirty="0">
+                <a:solidFill>
+                  <a:srgbClr val="333333"/>
+                </a:solidFill>
+              </a:rPr>
+              <a:t> </a:t>
+            </a:r>
+            <a:r>
+              <a:rPr lang="en-GB" dirty="0">
+                <a:solidFill>
+                  <a:srgbClr val="777777"/>
+                </a:solidFill>
+              </a:rPr>
+              <a:t>%</a:t>
+            </a:r>
+            <a:r>
+              <a:rPr lang="en-GB" dirty="0">
+                <a:solidFill>
+                  <a:srgbClr val="333333"/>
+                </a:solidFill>
+              </a:rPr>
+              <a:t> </a:t>
+            </a:r>
+            <a:r>
+              <a:rPr lang="en-GB" dirty="0" err="1">
+                <a:solidFill>
+                  <a:srgbClr val="333333"/>
+                </a:solidFill>
+              </a:rPr>
+              <a:t>i</a:t>
+            </a:r>
+            <a:r>
+              <a:rPr lang="en-GB" dirty="0">
+                <a:solidFill>
+                  <a:srgbClr val="333333"/>
+                </a:solidFill>
+              </a:rPr>
+              <a:t> </a:t>
+            </a:r>
+            <a:r>
+              <a:rPr lang="en-GB" dirty="0">
+                <a:solidFill>
+                  <a:srgbClr val="777777"/>
+                </a:solidFill>
+              </a:rPr>
+              <a:t>==</a:t>
+            </a:r>
+            <a:r>
+              <a:rPr lang="en-GB" dirty="0">
+                <a:solidFill>
+                  <a:srgbClr val="333333"/>
+                </a:solidFill>
+              </a:rPr>
+              <a:t> </a:t>
+            </a:r>
+            <a:r>
+              <a:rPr lang="en-GB" dirty="0">
+                <a:solidFill>
+                  <a:srgbClr val="AB6526"/>
+                </a:solidFill>
+              </a:rPr>
+              <a:t>0</a:t>
+            </a:r>
+            <a:r>
+              <a:rPr lang="en-GB" dirty="0">
+                <a:solidFill>
+                  <a:srgbClr val="777777"/>
+                </a:solidFill>
+              </a:rPr>
+              <a:t>:</a:t>
+            </a:r>
+            <a:endParaRPr lang="en-GB" dirty="0">
+              <a:solidFill>
+                <a:srgbClr val="333333"/>
+              </a:solidFill>
+            </a:endParaRPr>
+          </a:p>
+          <a:p>
+            <a:r>
+              <a:rPr lang="en-GB" dirty="0">
+                <a:solidFill>
+                  <a:srgbClr val="333333"/>
+                </a:solidFill>
+              </a:rPr>
+              <a:t>      j </a:t>
+            </a:r>
+            <a:r>
+              <a:rPr lang="en-GB" dirty="0">
+                <a:solidFill>
+                  <a:srgbClr val="777777"/>
+                </a:solidFill>
+              </a:rPr>
+              <a:t>=</a:t>
+            </a:r>
+            <a:r>
+              <a:rPr lang="en-GB" dirty="0">
+                <a:solidFill>
+                  <a:srgbClr val="333333"/>
+                </a:solidFill>
+              </a:rPr>
+              <a:t> </a:t>
+            </a:r>
+            <a:r>
+              <a:rPr lang="en-GB" dirty="0" err="1">
+                <a:solidFill>
+                  <a:srgbClr val="333333"/>
+                </a:solidFill>
+              </a:rPr>
+              <a:t>num</a:t>
+            </a:r>
+            <a:r>
+              <a:rPr lang="en-GB" dirty="0">
+                <a:solidFill>
+                  <a:srgbClr val="333333"/>
+                </a:solidFill>
+              </a:rPr>
+              <a:t> </a:t>
+            </a:r>
+            <a:r>
+              <a:rPr lang="en-GB" dirty="0">
+                <a:solidFill>
+                  <a:srgbClr val="777777"/>
+                </a:solidFill>
+              </a:rPr>
+              <a:t>//</a:t>
+            </a:r>
+            <a:r>
+              <a:rPr lang="en-GB" dirty="0">
+                <a:solidFill>
+                  <a:srgbClr val="333333"/>
+                </a:solidFill>
+              </a:rPr>
+              <a:t> </a:t>
+            </a:r>
+            <a:r>
+              <a:rPr lang="en-GB" dirty="0" err="1">
+                <a:solidFill>
+                  <a:srgbClr val="333333"/>
+                </a:solidFill>
+              </a:rPr>
+              <a:t>i</a:t>
+            </a:r>
+            <a:endParaRPr lang="en-GB" dirty="0">
+              <a:solidFill>
+                <a:srgbClr val="333333"/>
+              </a:solidFill>
+            </a:endParaRPr>
+          </a:p>
+          <a:p>
+            <a:r>
+              <a:rPr lang="en-GB" b="1" dirty="0">
+                <a:solidFill>
+                  <a:srgbClr val="AA3731"/>
+                </a:solidFill>
+              </a:rPr>
+              <a:t>      print</a:t>
+            </a:r>
+            <a:r>
+              <a:rPr lang="en-GB" dirty="0">
+                <a:solidFill>
+                  <a:srgbClr val="777777"/>
+                </a:solidFill>
+              </a:rPr>
+              <a:t>(</a:t>
+            </a:r>
+            <a:r>
+              <a:rPr lang="en-GB" dirty="0" err="1">
+                <a:solidFill>
+                  <a:srgbClr val="7A3E9D"/>
+                </a:solidFill>
+              </a:rPr>
+              <a:t>str</a:t>
+            </a:r>
+            <a:r>
+              <a:rPr lang="en-GB" dirty="0">
+                <a:solidFill>
+                  <a:srgbClr val="777777"/>
+                </a:solidFill>
+              </a:rPr>
+              <a:t>(</a:t>
+            </a:r>
+            <a:r>
+              <a:rPr lang="en-GB" dirty="0" err="1">
+                <a:solidFill>
+                  <a:srgbClr val="333333"/>
+                </a:solidFill>
+              </a:rPr>
+              <a:t>num</a:t>
+            </a:r>
+            <a:r>
+              <a:rPr lang="en-GB" dirty="0">
+                <a:solidFill>
+                  <a:srgbClr val="777777"/>
+                </a:solidFill>
+              </a:rPr>
+              <a:t>),'</a:t>
+            </a:r>
+            <a:r>
+              <a:rPr lang="en-GB" dirty="0">
+                <a:solidFill>
+                  <a:srgbClr val="448C27"/>
+                </a:solidFill>
+              </a:rPr>
+              <a:t> equals </a:t>
+            </a:r>
+            <a:r>
+              <a:rPr lang="en-GB" dirty="0">
+                <a:solidFill>
+                  <a:srgbClr val="777777"/>
+                </a:solidFill>
+              </a:rPr>
+              <a:t>‘,</a:t>
+            </a:r>
+            <a:endParaRPr lang="en-GB" dirty="0">
+              <a:solidFill>
+                <a:srgbClr val="333333"/>
+              </a:solidFill>
+            </a:endParaRPr>
+          </a:p>
+          <a:p>
+            <a:r>
+              <a:rPr lang="en-GB" dirty="0">
+                <a:solidFill>
+                  <a:srgbClr val="333333"/>
+                </a:solidFill>
+              </a:rPr>
+              <a:t>            </a:t>
+            </a:r>
+            <a:r>
+              <a:rPr lang="en-GB" dirty="0" err="1">
+                <a:solidFill>
+                  <a:srgbClr val="7A3E9D"/>
+                </a:solidFill>
+              </a:rPr>
+              <a:t>str</a:t>
+            </a:r>
+            <a:r>
+              <a:rPr lang="en-GB" dirty="0">
+                <a:solidFill>
+                  <a:srgbClr val="777777"/>
+                </a:solidFill>
+              </a:rPr>
+              <a:t>(</a:t>
+            </a:r>
+            <a:r>
+              <a:rPr lang="en-GB" dirty="0" err="1">
+                <a:solidFill>
+                  <a:srgbClr val="333333"/>
+                </a:solidFill>
+              </a:rPr>
+              <a:t>i</a:t>
+            </a:r>
+            <a:r>
+              <a:rPr lang="en-GB" dirty="0">
+                <a:solidFill>
+                  <a:srgbClr val="777777"/>
+                </a:solidFill>
+              </a:rPr>
+              <a:t>),</a:t>
+            </a:r>
+            <a:r>
+              <a:rPr lang="en-GB" dirty="0">
+                <a:solidFill>
+                  <a:srgbClr val="333333"/>
+                </a:solidFill>
+              </a:rPr>
+              <a:t> </a:t>
+            </a:r>
+            <a:r>
+              <a:rPr lang="en-GB" dirty="0">
+                <a:solidFill>
+                  <a:srgbClr val="777777"/>
+                </a:solidFill>
+              </a:rPr>
+              <a:t>'</a:t>
+            </a:r>
+            <a:r>
+              <a:rPr lang="en-GB" dirty="0">
+                <a:solidFill>
+                  <a:srgbClr val="448C27"/>
+                </a:solidFill>
+              </a:rPr>
+              <a:t>*</a:t>
+            </a:r>
+            <a:r>
+              <a:rPr lang="en-GB" dirty="0">
+                <a:solidFill>
+                  <a:srgbClr val="777777"/>
+                </a:solidFill>
+              </a:rPr>
+              <a:t>',</a:t>
+            </a:r>
+            <a:r>
+              <a:rPr lang="en-GB" dirty="0">
+                <a:solidFill>
+                  <a:srgbClr val="333333"/>
+                </a:solidFill>
+              </a:rPr>
+              <a:t> </a:t>
+            </a:r>
+            <a:r>
+              <a:rPr lang="en-GB" dirty="0" err="1">
+                <a:solidFill>
+                  <a:srgbClr val="7A3E9D"/>
+                </a:solidFill>
+              </a:rPr>
+              <a:t>str</a:t>
+            </a:r>
+            <a:r>
+              <a:rPr lang="en-GB" dirty="0">
+                <a:solidFill>
+                  <a:srgbClr val="777777"/>
+                </a:solidFill>
+              </a:rPr>
+              <a:t>(</a:t>
+            </a:r>
+            <a:r>
+              <a:rPr lang="en-GB" dirty="0">
+                <a:solidFill>
+                  <a:srgbClr val="333333"/>
+                </a:solidFill>
+              </a:rPr>
+              <a:t>j</a:t>
+            </a:r>
+            <a:r>
+              <a:rPr lang="en-GB" dirty="0">
+                <a:solidFill>
+                  <a:srgbClr val="777777"/>
+                </a:solidFill>
+              </a:rPr>
+              <a:t>))</a:t>
+            </a:r>
+            <a:endParaRPr lang="en-GB" dirty="0">
+              <a:solidFill>
+                <a:srgbClr val="333333"/>
+              </a:solidFill>
+            </a:endParaRPr>
+          </a:p>
+          <a:p>
+            <a:r>
+              <a:rPr lang="en-GB" dirty="0">
+                <a:solidFill>
+                  <a:srgbClr val="4B83CD"/>
+                </a:solidFill>
+              </a:rPr>
+              <a:t>      break</a:t>
+            </a:r>
+            <a:endParaRPr lang="en-GB" dirty="0">
+              <a:solidFill>
+                <a:srgbClr val="333333"/>
+              </a:solidFill>
+            </a:endParaRPr>
+          </a:p>
+          <a:p>
+            <a:r>
+              <a:rPr lang="en-GB" dirty="0">
+                <a:solidFill>
+                  <a:srgbClr val="4B83CD"/>
+                </a:solidFill>
+              </a:rPr>
+              <a:t>  else</a:t>
+            </a:r>
+            <a:r>
+              <a:rPr lang="en-GB" dirty="0">
+                <a:solidFill>
+                  <a:srgbClr val="777777"/>
+                </a:solidFill>
+              </a:rPr>
+              <a:t>:</a:t>
+            </a:r>
+            <a:endParaRPr lang="en-GB" dirty="0">
+              <a:solidFill>
+                <a:srgbClr val="333333"/>
+              </a:solidFill>
+            </a:endParaRPr>
+          </a:p>
+          <a:p>
+            <a:r>
+              <a:rPr lang="en-GB" b="1" dirty="0">
+                <a:solidFill>
+                  <a:srgbClr val="AA3731"/>
+                </a:solidFill>
+              </a:rPr>
+              <a:t>    print</a:t>
+            </a:r>
+            <a:r>
+              <a:rPr lang="en-GB" dirty="0">
+                <a:solidFill>
+                  <a:srgbClr val="777777"/>
+                </a:solidFill>
+              </a:rPr>
+              <a:t>(</a:t>
+            </a:r>
+            <a:r>
+              <a:rPr lang="en-GB" dirty="0" err="1">
+                <a:solidFill>
+                  <a:srgbClr val="7A3E9D"/>
+                </a:solidFill>
+              </a:rPr>
+              <a:t>str</a:t>
+            </a:r>
+            <a:r>
+              <a:rPr lang="en-GB" dirty="0">
+                <a:solidFill>
+                  <a:srgbClr val="777777"/>
+                </a:solidFill>
+              </a:rPr>
+              <a:t>(</a:t>
+            </a:r>
+            <a:r>
+              <a:rPr lang="en-GB" dirty="0" err="1">
+                <a:solidFill>
+                  <a:srgbClr val="333333"/>
+                </a:solidFill>
+              </a:rPr>
+              <a:t>num</a:t>
+            </a:r>
+            <a:r>
+              <a:rPr lang="en-GB" dirty="0">
+                <a:solidFill>
+                  <a:srgbClr val="777777"/>
+                </a:solidFill>
+              </a:rPr>
+              <a:t>),</a:t>
+            </a:r>
+            <a:r>
+              <a:rPr lang="en-GB" dirty="0">
+                <a:solidFill>
+                  <a:srgbClr val="333333"/>
+                </a:solidFill>
+              </a:rPr>
+              <a:t> </a:t>
+            </a:r>
+            <a:r>
+              <a:rPr lang="en-GB" dirty="0">
+                <a:solidFill>
+                  <a:srgbClr val="777777"/>
+                </a:solidFill>
+              </a:rPr>
+              <a:t>'</a:t>
+            </a:r>
+            <a:r>
+              <a:rPr lang="en-GB" dirty="0">
+                <a:solidFill>
+                  <a:srgbClr val="448C27"/>
+                </a:solidFill>
+              </a:rPr>
+              <a:t>is a prime number</a:t>
+            </a:r>
+            <a:r>
+              <a:rPr lang="en-GB" dirty="0">
+                <a:solidFill>
+                  <a:srgbClr val="777777"/>
+                </a:solidFill>
+              </a:rPr>
+              <a:t>')</a:t>
+            </a:r>
+            <a:endParaRPr lang="en-GB" dirty="0">
+              <a:solidFill>
+                <a:srgbClr val="333333"/>
+              </a:solidFill>
+            </a:endParaRPr>
+          </a:p>
+          <a:p>
+            <a:endParaRPr lang="en-GB" dirty="0"/>
+          </a:p>
+        </p:txBody>
+      </p:sp>
+      <p:sp>
+        <p:nvSpPr>
+          <p:cNvPr id="4" name="Slide Number Placeholder 3">
+            <a:extLst>
+              <a:ext uri="{FF2B5EF4-FFF2-40B4-BE49-F238E27FC236}">
+                <a16:creationId xmlns:a16="http://schemas.microsoft.com/office/drawing/2014/main" id="{987B467E-A2F8-4291-953C-B4FC0437143E}"/>
+              </a:ext>
+            </a:extLst>
+          </p:cNvPr>
+          <p:cNvSpPr>
+            <a:spLocks noGrp="1"/>
+          </p:cNvSpPr>
+          <p:nvPr>
+            <p:ph type="sldNum" sz="quarter" idx="12"/>
+          </p:nvPr>
+        </p:nvSpPr>
+        <p:spPr/>
+        <p:txBody>
+          <a:bodyPr/>
+          <a:lstStyle/>
+          <a:p>
+            <a:fld id="{89C4E583-6443-4199-AF95-A2ECCC288D48}" type="slidenum">
+              <a:rPr lang="en-GB" smtClean="0"/>
+              <a:t>41</a:t>
+            </a:fld>
+            <a:endParaRPr lang="en-GB"/>
+          </a:p>
+        </p:txBody>
+      </p:sp>
+    </p:spTree>
+    <p:extLst>
+      <p:ext uri="{BB962C8B-B14F-4D97-AF65-F5344CB8AC3E}">
+        <p14:creationId xmlns:p14="http://schemas.microsoft.com/office/powerpoint/2010/main" val="1100881795"/>
+      </p:ext>
+    </p:extLst>
+  </p:cSld>
+  <p:clrMapOvr>
+    <a:masterClrMapping/>
+  </p:clrMapOvr>
+</p:sld>
+</file>
+
+<file path=ppt/slides/slide42.xml><?xml version="1.0" encoding="utf-8"?>
 <p:sld xmlns:a="http://schemas.openxmlformats.org/drawingml/2006/main" xmlns:r="http://schemas.openxmlformats.org/officeDocument/2006/relationships" xmlns:p="http://schemas.openxmlformats.org/presentationml/2006/main">
   <p:cSld>
     <p:spTree>
@@ -26252,7 +27055,7 @@
           <a:p>
             <a:fld id="{89C4E583-6443-4199-AF95-A2ECCC288D48}" type="slidenum">
               <a:rPr lang="en-GB" smtClean="0"/>
-              <a:t>40</a:t>
+              <a:t>42</a:t>
             </a:fld>
             <a:endParaRPr lang="en-GB"/>
           </a:p>
@@ -26271,7 +27074,185 @@
 </p:sld>
 </file>
 
-<file path=ppt/slides/slide41.xml><?xml version="1.0" encoding="utf-8"?>
+<file path=ppt/slides/slide43.xml><?xml version="1.0" encoding="utf-8"?>
+<p:sld xmlns:a="http://schemas.openxmlformats.org/drawingml/2006/main" xmlns:r="http://schemas.openxmlformats.org/officeDocument/2006/relationships" xmlns:p="http://schemas.openxmlformats.org/presentationml/2006/main">
+  <p:cSld>
+    <p:spTree>
+      <p:nvGrpSpPr>
+        <p:cNvPr id="1" name=""/>
+        <p:cNvGrpSpPr/>
+        <p:nvPr/>
+      </p:nvGrpSpPr>
+      <p:grpSpPr>
+        <a:xfrm>
+          <a:off x="0" y="0"/>
+          <a:ext cx="0" cy="0"/>
+          <a:chOff x="0" y="0"/>
+          <a:chExt cx="0" cy="0"/>
+        </a:xfrm>
+      </p:grpSpPr>
+      <p:sp>
+        <p:nvSpPr>
+          <p:cNvPr id="4" name="Title 3">
+            <a:extLst>
+              <a:ext uri="{FF2B5EF4-FFF2-40B4-BE49-F238E27FC236}">
+                <a16:creationId xmlns:a16="http://schemas.microsoft.com/office/drawing/2014/main" id="{C6B533E2-F6C9-4CE7-BABA-9A0141EB9A17}"/>
+              </a:ext>
+            </a:extLst>
+          </p:cNvPr>
+          <p:cNvSpPr>
+            <a:spLocks noGrp="1"/>
+          </p:cNvSpPr>
+          <p:nvPr>
+            <p:ph type="title"/>
+          </p:nvPr>
+        </p:nvSpPr>
+        <p:spPr/>
+        <p:txBody>
+          <a:bodyPr/>
+          <a:lstStyle/>
+          <a:p>
+            <a:r>
+              <a:rPr lang="en-GB" dirty="0"/>
+              <a:t>If-Statements</a:t>
+            </a:r>
+          </a:p>
+        </p:txBody>
+      </p:sp>
+      <p:sp>
+        <p:nvSpPr>
+          <p:cNvPr id="5" name="Content Placeholder 4">
+            <a:extLst>
+              <a:ext uri="{FF2B5EF4-FFF2-40B4-BE49-F238E27FC236}">
+                <a16:creationId xmlns:a16="http://schemas.microsoft.com/office/drawing/2014/main" id="{091FADBE-9652-4EB2-980F-059F15BF72DE}"/>
+              </a:ext>
+            </a:extLst>
+          </p:cNvPr>
+          <p:cNvSpPr>
+            <a:spLocks noGrp="1"/>
+          </p:cNvSpPr>
+          <p:nvPr>
+            <p:ph idx="1"/>
+          </p:nvPr>
+        </p:nvSpPr>
+        <p:spPr/>
+        <p:txBody>
+          <a:bodyPr/>
+          <a:lstStyle/>
+          <a:p>
+            <a:r>
+              <a:rPr lang="en-GB" dirty="0"/>
+              <a:t>Make use of parentheses for readability and to reduce ambiguity</a:t>
+            </a:r>
+          </a:p>
+          <a:p>
+            <a:r>
+              <a:rPr lang="en-GB" dirty="0"/>
+              <a:t>Spaces around all comparison operators and logic operators</a:t>
+            </a:r>
+          </a:p>
+          <a:p>
+            <a:pPr lvl="1"/>
+            <a:r>
+              <a:rPr lang="en-GB" dirty="0">
+                <a:latin typeface="Consolas" panose="020B0609020204030204" pitchFamily="49" charset="0"/>
+              </a:rPr>
+              <a:t>a == b </a:t>
+            </a:r>
+            <a:r>
+              <a:rPr lang="en-GB" dirty="0"/>
+              <a:t>instead of</a:t>
+            </a:r>
+            <a:r>
+              <a:rPr lang="en-GB" dirty="0">
+                <a:latin typeface="Consolas" panose="020B0609020204030204" pitchFamily="49" charset="0"/>
+              </a:rPr>
+              <a:t> a==b</a:t>
+            </a:r>
+          </a:p>
+          <a:p>
+            <a:pPr lvl="1"/>
+            <a:r>
+              <a:rPr lang="en-GB" dirty="0">
+                <a:latin typeface="Consolas" panose="020B0609020204030204" pitchFamily="49" charset="0"/>
+              </a:rPr>
+              <a:t>a &lt; b </a:t>
+            </a:r>
+            <a:r>
+              <a:rPr lang="en-GB" dirty="0"/>
+              <a:t>instead of</a:t>
+            </a:r>
+            <a:r>
+              <a:rPr lang="en-GB" dirty="0">
+                <a:latin typeface="Consolas" panose="020B0609020204030204" pitchFamily="49" charset="0"/>
+              </a:rPr>
+              <a:t> a&lt;b</a:t>
+            </a:r>
+          </a:p>
+          <a:p>
+            <a:pPr lvl="1"/>
+            <a:r>
+              <a:rPr lang="en-GB" dirty="0">
+                <a:latin typeface="Consolas" panose="020B0609020204030204" pitchFamily="49" charset="0"/>
+              </a:rPr>
+              <a:t>(a and b) or c </a:t>
+            </a:r>
+            <a:r>
+              <a:rPr lang="en-GB" dirty="0"/>
+              <a:t>is preferable to</a:t>
+            </a:r>
+            <a:r>
+              <a:rPr lang="en-GB" dirty="0">
+                <a:latin typeface="Consolas" panose="020B0609020204030204" pitchFamily="49" charset="0"/>
+              </a:rPr>
+              <a:t> a and b or c</a:t>
+            </a:r>
+          </a:p>
+        </p:txBody>
+      </p:sp>
+      <p:sp>
+        <p:nvSpPr>
+          <p:cNvPr id="3" name="Slide Number Placeholder 2">
+            <a:extLst>
+              <a:ext uri="{FF2B5EF4-FFF2-40B4-BE49-F238E27FC236}">
+                <a16:creationId xmlns:a16="http://schemas.microsoft.com/office/drawing/2014/main" id="{2D981412-395C-4511-9AAD-B1B3CF297DC9}"/>
+              </a:ext>
+            </a:extLst>
+          </p:cNvPr>
+          <p:cNvSpPr>
+            <a:spLocks noGrp="1"/>
+          </p:cNvSpPr>
+          <p:nvPr>
+            <p:ph type="sldNum" sz="quarter" idx="12"/>
+          </p:nvPr>
+        </p:nvSpPr>
+        <p:spPr/>
+        <p:txBody>
+          <a:bodyPr/>
+          <a:lstStyle/>
+          <a:p>
+            <a:fld id="{89C4E583-6443-4199-AF95-A2ECCC288D48}" type="slidenum">
+              <a:rPr lang="en-GB" smtClean="0"/>
+              <a:t>43</a:t>
+            </a:fld>
+            <a:endParaRPr lang="en-GB"/>
+          </a:p>
+        </p:txBody>
+      </p:sp>
+    </p:spTree>
+    <p:extLst>
+      <p:ext uri="{BB962C8B-B14F-4D97-AF65-F5344CB8AC3E}">
+        <p14:creationId xmlns:p14="http://schemas.microsoft.com/office/powerpoint/2010/main" val="221048645"/>
+      </p:ext>
+    </p:extLst>
+  </p:cSld>
+  <p:clrMapOvr>
+    <a:masterClrMapping/>
+  </p:clrMapOvr>
+</p:sld>
+</file>
+
+<file path=ppt/slides/slide44.xml><?xml version="1.0" encoding="utf-8"?>
 <p:sld xmlns:a="http://schemas.openxmlformats.org/drawingml/2006/main" xmlns:r="http://schemas.openxmlformats.org/officeDocument/2006/relationships" xmlns:p="http://schemas.openxmlformats.org/presentationml/2006/main">
   <p:cSld>
     <p:spTree>
@@ -26458,7 +27439,7 @@
           <a:p>
             <a:fld id="{89C4E583-6443-4199-AF95-A2ECCC288D48}" type="slidenum">
               <a:rPr lang="en-GB" smtClean="0"/>
-              <a:t>41</a:t>
+              <a:t>44</a:t>
             </a:fld>
             <a:endParaRPr lang="en-GB"/>
           </a:p>
@@ -26477,7 +27458,7 @@
 </p:sld>
 </file>
 
-<file path=ppt/slides/slide42.xml><?xml version="1.0" encoding="utf-8"?>
+<file path=ppt/slides/slide45.xml><?xml version="1.0" encoding="utf-8"?>
 <p:sld xmlns:a="http://schemas.openxmlformats.org/drawingml/2006/main" xmlns:r="http://schemas.openxmlformats.org/officeDocument/2006/relationships" xmlns:p="http://schemas.openxmlformats.org/presentationml/2006/main">
   <p:cSld>
     <p:spTree>
@@ -26610,7 +27591,7 @@
           <a:p>
             <a:fld id="{89C4E583-6443-4199-AF95-A2ECCC288D48}" type="slidenum">
               <a:rPr lang="en-GB" smtClean="0"/>
-              <a:t>42</a:t>
+              <a:t>45</a:t>
             </a:fld>
             <a:endParaRPr lang="en-GB"/>
           </a:p>
@@ -26620,6 +27601,302 @@
     <p:extLst>
       <p:ext uri="{BB962C8B-B14F-4D97-AF65-F5344CB8AC3E}">
         <p14:creationId xmlns:p14="http://schemas.microsoft.com/office/powerpoint/2010/main" val="3091134185"/>
+      </p:ext>
+    </p:extLst>
+  </p:cSld>
+  <p:clrMapOvr>
+    <a:masterClrMapping/>
+  </p:clrMapOvr>
+</p:sld>
+</file>
+
+<file path=ppt/slides/slide46.xml><?xml version="1.0" encoding="utf-8"?>
+<p:sld xmlns:a="http://schemas.openxmlformats.org/drawingml/2006/main" xmlns:r="http://schemas.openxmlformats.org/officeDocument/2006/relationships" xmlns:p="http://schemas.openxmlformats.org/presentationml/2006/main">
+  <p:cSld>
+    <p:spTree>
+      <p:nvGrpSpPr>
+        <p:cNvPr id="1" name=""/>
+        <p:cNvGrpSpPr/>
+        <p:nvPr/>
+      </p:nvGrpSpPr>
+      <p:grpSpPr>
+        <a:xfrm>
+          <a:off x="0" y="0"/>
+          <a:ext cx="0" cy="0"/>
+          <a:chOff x="0" y="0"/>
+          <a:chExt cx="0" cy="0"/>
+        </a:xfrm>
+      </p:grpSpPr>
+      <p:sp>
+        <p:nvSpPr>
+          <p:cNvPr id="5" name="Title 4">
+            <a:extLst>
+              <a:ext uri="{FF2B5EF4-FFF2-40B4-BE49-F238E27FC236}">
+                <a16:creationId xmlns:a16="http://schemas.microsoft.com/office/drawing/2014/main" id="{EF6FBB67-C551-4D8F-B3EF-392CB779AB90}"/>
+              </a:ext>
+            </a:extLst>
+          </p:cNvPr>
+          <p:cNvSpPr>
+            <a:spLocks noGrp="1"/>
+          </p:cNvSpPr>
+          <p:nvPr>
+            <p:ph type="title"/>
+          </p:nvPr>
+        </p:nvSpPr>
+        <p:spPr/>
+        <p:txBody>
+          <a:bodyPr/>
+          <a:lstStyle/>
+          <a:p>
+            <a:r>
+              <a:rPr lang="en-GB" dirty="0"/>
+              <a:t>Homework</a:t>
+            </a:r>
+          </a:p>
+        </p:txBody>
+      </p:sp>
+      <p:sp>
+        <p:nvSpPr>
+          <p:cNvPr id="4" name="Slide Number Placeholder 3">
+            <a:extLst>
+              <a:ext uri="{FF2B5EF4-FFF2-40B4-BE49-F238E27FC236}">
+                <a16:creationId xmlns:a16="http://schemas.microsoft.com/office/drawing/2014/main" id="{24FE6967-E42A-42E6-A988-9E853C25C7DF}"/>
+              </a:ext>
+            </a:extLst>
+          </p:cNvPr>
+          <p:cNvSpPr>
+            <a:spLocks noGrp="1"/>
+          </p:cNvSpPr>
+          <p:nvPr>
+            <p:ph type="sldNum" sz="quarter" idx="12"/>
+          </p:nvPr>
+        </p:nvSpPr>
+        <p:spPr/>
+        <p:txBody>
+          <a:bodyPr/>
+          <a:lstStyle/>
+          <a:p>
+            <a:fld id="{89C4E583-6443-4199-AF95-A2ECCC288D48}" type="slidenum">
+              <a:rPr lang="en-GB" smtClean="0"/>
+              <a:t>46</a:t>
+            </a:fld>
+            <a:endParaRPr lang="en-GB"/>
+          </a:p>
+        </p:txBody>
+      </p:sp>
+    </p:spTree>
+    <p:extLst>
+      <p:ext uri="{BB962C8B-B14F-4D97-AF65-F5344CB8AC3E}">
+        <p14:creationId xmlns:p14="http://schemas.microsoft.com/office/powerpoint/2010/main" val="1433010184"/>
+      </p:ext>
+    </p:extLst>
+  </p:cSld>
+  <p:clrMapOvr>
+    <a:masterClrMapping/>
+  </p:clrMapOvr>
+</p:sld>
+</file>
+
+<file path=ppt/slides/slide47.xml><?xml version="1.0" encoding="utf-8"?>
+<p:sld xmlns:a="http://schemas.openxmlformats.org/drawingml/2006/main" xmlns:r="http://schemas.openxmlformats.org/officeDocument/2006/relationships" xmlns:p="http://schemas.openxmlformats.org/presentationml/2006/main">
+  <p:cSld>
+    <p:spTree>
+      <p:nvGrpSpPr>
+        <p:cNvPr id="1" name=""/>
+        <p:cNvGrpSpPr/>
+        <p:nvPr/>
+      </p:nvGrpSpPr>
+      <p:grpSpPr>
+        <a:xfrm>
+          <a:off x="0" y="0"/>
+          <a:ext cx="0" cy="0"/>
+          <a:chOff x="0" y="0"/>
+          <a:chExt cx="0" cy="0"/>
+        </a:xfrm>
+      </p:grpSpPr>
+      <p:sp>
+        <p:nvSpPr>
+          <p:cNvPr id="6" name="Title 5">
+            <a:extLst>
+              <a:ext uri="{FF2B5EF4-FFF2-40B4-BE49-F238E27FC236}">
+                <a16:creationId xmlns:a16="http://schemas.microsoft.com/office/drawing/2014/main" id="{819A1145-D1D4-4202-BCB5-8B056E9DD8B6}"/>
+              </a:ext>
+            </a:extLst>
+          </p:cNvPr>
+          <p:cNvSpPr>
+            <a:spLocks noGrp="1"/>
+          </p:cNvSpPr>
+          <p:nvPr>
+            <p:ph type="title"/>
+          </p:nvPr>
+        </p:nvSpPr>
+        <p:spPr/>
+        <p:txBody>
+          <a:bodyPr/>
+          <a:lstStyle/>
+          <a:p>
+            <a:r>
+              <a:rPr lang="en-GB" dirty="0"/>
+              <a:t>Homework</a:t>
+            </a:r>
+          </a:p>
+        </p:txBody>
+      </p:sp>
+      <p:sp>
+        <p:nvSpPr>
+          <p:cNvPr id="7" name="Content Placeholder 6">
+            <a:extLst>
+              <a:ext uri="{FF2B5EF4-FFF2-40B4-BE49-F238E27FC236}">
+                <a16:creationId xmlns:a16="http://schemas.microsoft.com/office/drawing/2014/main" id="{038BD655-EFB0-45F0-AFB4-F0B2A5AACB3A}"/>
+              </a:ext>
+            </a:extLst>
+          </p:cNvPr>
+          <p:cNvSpPr>
+            <a:spLocks noGrp="1"/>
+          </p:cNvSpPr>
+          <p:nvPr>
+            <p:ph idx="1"/>
+          </p:nvPr>
+        </p:nvSpPr>
+        <p:spPr/>
+        <p:txBody>
+          <a:bodyPr/>
+          <a:lstStyle/>
+          <a:p>
+            <a:r>
+              <a:rPr lang="en-GB" dirty="0"/>
+              <a:t>You will have to do </a:t>
+            </a:r>
+            <a:r>
+              <a:rPr lang="en-GB"/>
+              <a:t>some logic</a:t>
+            </a:r>
+          </a:p>
+          <a:p>
+            <a:endParaRPr lang="en-GB" dirty="0"/>
+          </a:p>
+        </p:txBody>
+      </p:sp>
+      <p:sp>
+        <p:nvSpPr>
+          <p:cNvPr id="3" name="Slide Number Placeholder 2">
+            <a:extLst>
+              <a:ext uri="{FF2B5EF4-FFF2-40B4-BE49-F238E27FC236}">
+                <a16:creationId xmlns:a16="http://schemas.microsoft.com/office/drawing/2014/main" id="{C995F128-AEF3-4CE9-AD08-761806C7A0D4}"/>
+              </a:ext>
+            </a:extLst>
+          </p:cNvPr>
+          <p:cNvSpPr>
+            <a:spLocks noGrp="1"/>
+          </p:cNvSpPr>
+          <p:nvPr>
+            <p:ph type="sldNum" sz="quarter" idx="12"/>
+          </p:nvPr>
+        </p:nvSpPr>
+        <p:spPr/>
+        <p:txBody>
+          <a:bodyPr/>
+          <a:lstStyle/>
+          <a:p>
+            <a:fld id="{89C4E583-6443-4199-AF95-A2ECCC288D48}" type="slidenum">
+              <a:rPr lang="en-GB" smtClean="0"/>
+              <a:t>47</a:t>
+            </a:fld>
+            <a:endParaRPr lang="en-GB"/>
+          </a:p>
+        </p:txBody>
+      </p:sp>
+    </p:spTree>
+    <p:extLst>
+      <p:ext uri="{BB962C8B-B14F-4D97-AF65-F5344CB8AC3E}">
+        <p14:creationId xmlns:p14="http://schemas.microsoft.com/office/powerpoint/2010/main" val="3464784469"/>
+      </p:ext>
+    </p:extLst>
+  </p:cSld>
+  <p:clrMapOvr>
+    <a:masterClrMapping/>
+  </p:clrMapOvr>
+</p:sld>
+</file>
+
+<file path=ppt/slides/slide48.xml><?xml version="1.0" encoding="utf-8"?>
+<p:sld xmlns:a="http://schemas.openxmlformats.org/drawingml/2006/main" xmlns:r="http://schemas.openxmlformats.org/officeDocument/2006/relationships" xmlns:p="http://schemas.openxmlformats.org/presentationml/2006/main">
+  <p:cSld>
+    <p:spTree>
+      <p:nvGrpSpPr>
+        <p:cNvPr id="1" name=""/>
+        <p:cNvGrpSpPr/>
+        <p:nvPr/>
+      </p:nvGrpSpPr>
+      <p:grpSpPr>
+        <a:xfrm>
+          <a:off x="0" y="0"/>
+          <a:ext cx="0" cy="0"/>
+          <a:chOff x="0" y="0"/>
+          <a:chExt cx="0" cy="0"/>
+        </a:xfrm>
+      </p:grpSpPr>
+      <p:sp>
+        <p:nvSpPr>
+          <p:cNvPr id="5" name="Title 4">
+            <a:extLst>
+              <a:ext uri="{FF2B5EF4-FFF2-40B4-BE49-F238E27FC236}">
+                <a16:creationId xmlns:a16="http://schemas.microsoft.com/office/drawing/2014/main" id="{5B6C0B5C-0F40-48ED-891F-9E499A277AF6}"/>
+              </a:ext>
+            </a:extLst>
+          </p:cNvPr>
+          <p:cNvSpPr>
+            <a:spLocks noGrp="1"/>
+          </p:cNvSpPr>
+          <p:nvPr>
+            <p:ph type="title"/>
+          </p:nvPr>
+        </p:nvSpPr>
+        <p:spPr/>
+        <p:txBody>
+          <a:bodyPr/>
+          <a:lstStyle/>
+          <a:p>
+            <a:r>
+              <a:rPr lang="en-GB" dirty="0"/>
+              <a:t>See you next week!</a:t>
+            </a:r>
+          </a:p>
+        </p:txBody>
+      </p:sp>
+      <p:sp>
+        <p:nvSpPr>
+          <p:cNvPr id="4" name="Slide Number Placeholder 3">
+            <a:extLst>
+              <a:ext uri="{FF2B5EF4-FFF2-40B4-BE49-F238E27FC236}">
+                <a16:creationId xmlns:a16="http://schemas.microsoft.com/office/drawing/2014/main" id="{CFA02065-1E65-40BB-A3CA-60AC5D7127C7}"/>
+              </a:ext>
+            </a:extLst>
+          </p:cNvPr>
+          <p:cNvSpPr>
+            <a:spLocks noGrp="1"/>
+          </p:cNvSpPr>
+          <p:nvPr>
+            <p:ph type="sldNum" sz="quarter" idx="12"/>
+          </p:nvPr>
+        </p:nvSpPr>
+        <p:spPr/>
+        <p:txBody>
+          <a:bodyPr/>
+          <a:lstStyle/>
+          <a:p>
+            <a:fld id="{89C4E583-6443-4199-AF95-A2ECCC288D48}" type="slidenum">
+              <a:rPr lang="en-GB" smtClean="0"/>
+              <a:t>48</a:t>
+            </a:fld>
+            <a:endParaRPr lang="en-GB"/>
+          </a:p>
+        </p:txBody>
+      </p:sp>
+    </p:spTree>
+    <p:extLst>
+      <p:ext uri="{BB962C8B-B14F-4D97-AF65-F5344CB8AC3E}">
+        <p14:creationId xmlns:p14="http://schemas.microsoft.com/office/powerpoint/2010/main" val="4114954885"/>
       </p:ext>
     </p:extLst>
   </p:cSld>
@@ -26796,7 +28073,7 @@
           <a:p>
             <a:r>
               <a:rPr lang="en-GB" dirty="0"/>
-              <a:t>Or want to iterate through something</a:t>
+              <a:t>Or want to apply an algorithm to all elements of a sequence</a:t>
             </a:r>
           </a:p>
           <a:p>
@@ -26855,6 +28132,85 @@
   <p:clrMapOvr>
     <a:masterClrMapping/>
   </p:clrMapOvr>
+  <p:timing>
+    <p:tnLst>
+      <p:par>
+        <p:cTn id="1" dur="indefinite" restart="never" nodeType="tmRoot">
+          <p:childTnLst>
+            <p:seq concurrent="1" nextAc="seek">
+              <p:cTn id="2" dur="indefinite" nodeType="mainSeq">
+                <p:childTnLst>
+                  <p:par>
+                    <p:cTn id="3" fill="hold">
+                      <p:stCondLst>
+                        <p:cond delay="indefinite"/>
+                      </p:stCondLst>
+                      <p:childTnLst>
+                        <p:par>
+                          <p:cTn id="4" fill="hold">
+                            <p:stCondLst>
+                              <p:cond delay="0"/>
+                            </p:stCondLst>
+                            <p:childTnLst>
+                              <p:par>
+                                <p:cTn id="5" presetID="1" presetClass="entr" presetSubtype="0" fill="hold" nodeType="clickEffect">
+                                  <p:stCondLst>
+                                    <p:cond delay="0"/>
+                                  </p:stCondLst>
+                                  <p:childTnLst>
+                                    <p:set>
+                                      <p:cBhvr>
+                                        <p:cTn id="6" dur="1" fill="hold">
+                                          <p:stCondLst>
+                                            <p:cond delay="0"/>
+                                          </p:stCondLst>
+                                        </p:cTn>
+                                        <p:tgtEl>
+                                          <p:spTgt spid="5">
+                                            <p:txEl>
+                                              <p:pRg st="4" end="4"/>
+                                            </p:txEl>
+                                          </p:spTgt>
+                                        </p:tgtEl>
+                                        <p:attrNameLst>
+                                          <p:attrName>style.visibility</p:attrName>
+                                        </p:attrNameLst>
+                                      </p:cBhvr>
+                                      <p:to>
+                                        <p:strVal val="visible"/>
+                                      </p:to>
+                                    </p:set>
+                                  </p:childTnLst>
+                                </p:cTn>
+                              </p:par>
+                            </p:childTnLst>
+                          </p:cTn>
+                        </p:par>
+                      </p:childTnLst>
+                    </p:cTn>
+                  </p:par>
+                </p:childTnLst>
+              </p:cTn>
+              <p:prevCondLst>
+                <p:cond evt="onPrev" delay="0">
+                  <p:tgtEl>
+                    <p:sldTgt/>
+                  </p:tgtEl>
+                </p:cond>
+              </p:prevCondLst>
+              <p:nextCondLst>
+                <p:cond evt="onNext" delay="0">
+                  <p:tgtEl>
+                    <p:sldTgt/>
+                  </p:tgtEl>
+                </p:cond>
+              </p:nextCondLst>
+            </p:seq>
+          </p:childTnLst>
+        </p:cTn>
+      </p:par>
+    </p:tnLst>
+  </p:timing>
 </p:sld>
 </file>
 
@@ -26926,35 +28282,49 @@
           <a:p>
             <a:r>
               <a:rPr lang="en-GB" dirty="0"/>
-              <a:t>A short reminder: Booleans are truth values</a:t>
+              <a:t>A short reminder: </a:t>
+            </a:r>
+            <a:r>
+              <a:rPr lang="en-GB" b="1" dirty="0"/>
+              <a:t>Booleans</a:t>
+            </a:r>
+            <a:r>
+              <a:rPr lang="en-GB" dirty="0"/>
+              <a:t> are </a:t>
+            </a:r>
+            <a:r>
+              <a:rPr lang="en-GB" i="1" dirty="0"/>
+              <a:t>truth values</a:t>
             </a:r>
           </a:p>
           <a:p>
             <a:pPr lvl="1"/>
             <a:r>
               <a:rPr lang="en-GB" dirty="0"/>
-              <a:t>They only know two values: True and False (In Python: mind the spelling)</a:t>
-            </a:r>
-          </a:p>
-          <a:p>
+              <a:t>They only know two values: </a:t>
+            </a:r>
+            <a:r>
+              <a:rPr lang="en-GB" b="1" dirty="0"/>
+              <a:t>True</a:t>
+            </a:r>
             <a:r>
               <a:rPr lang="en-GB" dirty="0"/>
-              <a:t>Booleans are most important for control flow </a:t>
-            </a:r>
-            <a:r>
-              <a:rPr lang="en-GB" dirty="0">
-                <a:solidFill>
-                  <a:srgbClr val="FF0000"/>
-                </a:solidFill>
-                <a:sym typeface="Wingdings" panose="05000000000000000000" pitchFamily="2" charset="2"/>
-              </a:rPr>
-              <a:t> why?</a:t>
-            </a:r>
-            <a:endParaRPr lang="en-GB" dirty="0">
-              <a:solidFill>
-                <a:srgbClr val="FF0000"/>
-              </a:solidFill>
-            </a:endParaRPr>
+              <a:t> and </a:t>
+            </a:r>
+            <a:r>
+              <a:rPr lang="en-GB" b="1" dirty="0"/>
+              <a:t>False</a:t>
+            </a:r>
+            <a:r>
+              <a:rPr lang="en-GB" dirty="0"/>
+              <a:t> (In Python: mind the spelling)</a:t>
+            </a:r>
+          </a:p>
+          <a:p>
+            <a:r>
+              <a:rPr lang="en-GB" dirty="0"/>
+              <a:t>Booleans are most important for control flow</a:t>
+            </a:r>
           </a:p>
           <a:p>
             <a:r>
@@ -27429,33 +28799,43 @@
           <a:p>
             <a:r>
               <a:rPr lang="en-GB" dirty="0"/>
-              <a:t>One of the most often decisions is probably comparing</a:t>
+              <a:t>One of the most frequent decisions made is probably comparing</a:t>
             </a:r>
           </a:p>
           <a:p>
             <a:pPr lvl="1"/>
             <a:r>
-              <a:rPr lang="en-GB" dirty="0"/>
+              <a:rPr lang="en-GB" sz="1800" dirty="0">
+                <a:latin typeface="Consolas" panose="020B0609020204030204" pitchFamily="49" charset="0"/>
+              </a:rPr>
               <a:t>height &gt;= </a:t>
             </a:r>
             <a:r>
-              <a:rPr lang="en-GB" dirty="0" err="1"/>
+              <a:rPr lang="en-GB" sz="1800" dirty="0" err="1">
+                <a:latin typeface="Consolas" panose="020B0609020204030204" pitchFamily="49" charset="0"/>
+              </a:rPr>
               <a:t>rollercoaster_min_height</a:t>
             </a:r>
-            <a:endParaRPr lang="en-GB" dirty="0"/>
+            <a:endParaRPr lang="en-GB" sz="1800" dirty="0">
+              <a:latin typeface="Consolas" panose="020B0609020204030204" pitchFamily="49" charset="0"/>
+            </a:endParaRPr>
           </a:p>
           <a:p>
             <a:pPr lvl="1"/>
             <a:r>
-              <a:rPr lang="en-GB" dirty="0"/>
-              <a:t>Counter &lt;= limit</a:t>
+              <a:rPr lang="en-GB" sz="1800" dirty="0">
+                <a:latin typeface="Consolas" panose="020B0609020204030204" pitchFamily="49" charset="0"/>
+              </a:rPr>
+              <a:t>counter &lt;= limit</a:t>
             </a:r>
           </a:p>
           <a:p>
             <a:pPr lvl="1"/>
             <a:r>
-              <a:rPr lang="en-GB" dirty="0"/>
-              <a:t>Divisor != 0</a:t>
+              <a:rPr lang="en-GB" sz="1800" dirty="0">
+                <a:latin typeface="Consolas" panose="020B0609020204030204" pitchFamily="49" charset="0"/>
+              </a:rPr>
+              <a:t>divisor != 0</a:t>
             </a:r>
           </a:p>
           <a:p>
@@ -27467,7 +28847,9 @@
           <a:p>
             <a:pPr lvl="1"/>
             <a:r>
-              <a:rPr lang="en-GB" dirty="0"/>
+              <a:rPr lang="en-GB" sz="1800" dirty="0">
+                <a:latin typeface="Consolas" panose="020B0609020204030204" pitchFamily="49" charset="0"/>
+              </a:rPr>
               <a:t>3 &lt; 5, 12 &gt; 13, …</a:t>
             </a:r>
           </a:p>
@@ -27479,7 +28861,7 @@
             </a:r>
             <a:r>
               <a:rPr lang="en-GB" dirty="0" err="1"/>
-              <a:t>int</a:t>
+              <a:t>ints</a:t>
             </a:r>
             <a:endParaRPr lang="en-GB" dirty="0"/>
           </a:p>

--- a/2018/03/control_structures.pptx
+++ b/2018/03/control_structures.pptx
@@ -359,7 +359,7 @@
   <pc:docChgLst>
     <pc:chgData name="Moritz Nipshagen" userId="ee3b3bbc25b4cb6d" providerId="LiveId" clId="{DE675401-0B62-4ED5-8A37-2FCE979182EF}"/>
     <pc:docChg chg="undo redo custSel addSld delSld modSld sldOrd modMainMaster">
-      <pc:chgData name="Moritz Nipshagen" userId="ee3b3bbc25b4cb6d" providerId="LiveId" clId="{DE675401-0B62-4ED5-8A37-2FCE979182EF}" dt="2018-04-18T08:13:46.551" v="14574" actId="20577"/>
+      <pc:chgData name="Moritz Nipshagen" userId="ee3b3bbc25b4cb6d" providerId="LiveId" clId="{DE675401-0B62-4ED5-8A37-2FCE979182EF}" dt="2018-04-18T10:38:29.916" v="14823" actId="20577"/>
       <pc:docMkLst>
         <pc:docMk/>
       </pc:docMkLst>
@@ -384,20 +384,20 @@
           <pc:docMk/>
           <pc:sldMk cId="818305137" sldId="258"/>
         </pc:sldMkLst>
+        <pc:spChg chg="add mod">
+          <ac:chgData name="Moritz Nipshagen" userId="ee3b3bbc25b4cb6d" providerId="LiveId" clId="{DE675401-0B62-4ED5-8A37-2FCE979182EF}" dt="2018-04-05T08:23:58.124" v="26" actId="20577"/>
+          <ac:spMkLst>
+            <pc:docMk/>
+            <pc:sldMk cId="818305137" sldId="258"/>
+            <ac:spMk id="2" creationId="{D8D00D56-9450-47BF-AF3F-928D9BCC17EB}"/>
+          </ac:spMkLst>
+        </pc:spChg>
         <pc:spChg chg="del">
           <ac:chgData name="Moritz Nipshagen" userId="ee3b3bbc25b4cb6d" providerId="LiveId" clId="{DE675401-0B62-4ED5-8A37-2FCE979182EF}" dt="2018-04-04T16:23:24.120" v="1" actId="20577"/>
           <ac:spMkLst>
             <pc:docMk/>
             <pc:sldMk cId="818305137" sldId="258"/>
             <ac:spMk id="2" creationId="{30166B1A-E8B4-4A09-9010-206A3FCB7B2F}"/>
-          </ac:spMkLst>
-        </pc:spChg>
-        <pc:spChg chg="add mod">
-          <ac:chgData name="Moritz Nipshagen" userId="ee3b3bbc25b4cb6d" providerId="LiveId" clId="{DE675401-0B62-4ED5-8A37-2FCE979182EF}" dt="2018-04-05T08:23:58.124" v="26" actId="20577"/>
-          <ac:spMkLst>
-            <pc:docMk/>
-            <pc:sldMk cId="818305137" sldId="258"/>
-            <ac:spMk id="2" creationId="{D8D00D56-9450-47BF-AF3F-928D9BCC17EB}"/>
           </ac:spMkLst>
         </pc:spChg>
         <pc:spChg chg="del">
@@ -1605,7 +1605,7 @@
         </pc:spChg>
       </pc:sldChg>
       <pc:sldChg chg="modSp add modAnim">
-        <pc:chgData name="Moritz Nipshagen" userId="ee3b3bbc25b4cb6d" providerId="LiveId" clId="{DE675401-0B62-4ED5-8A37-2FCE979182EF}" dt="2018-04-16T19:23:31.100" v="13438" actId="20577"/>
+        <pc:chgData name="Moritz Nipshagen" userId="ee3b3bbc25b4cb6d" providerId="LiveId" clId="{DE675401-0B62-4ED5-8A37-2FCE979182EF}" dt="2018-04-18T10:38:29.916" v="14823" actId="20577"/>
         <pc:sldMkLst>
           <pc:docMk/>
           <pc:sldMk cId="1278898071" sldId="291"/>
@@ -1619,7 +1619,7 @@
           </ac:spMkLst>
         </pc:spChg>
         <pc:spChg chg="mod">
-          <ac:chgData name="Moritz Nipshagen" userId="ee3b3bbc25b4cb6d" providerId="LiveId" clId="{DE675401-0B62-4ED5-8A37-2FCE979182EF}" dt="2018-04-15T20:55:45.982" v="13158" actId="20577"/>
+          <ac:chgData name="Moritz Nipshagen" userId="ee3b3bbc25b4cb6d" providerId="LiveId" clId="{DE675401-0B62-4ED5-8A37-2FCE979182EF}" dt="2018-04-18T10:38:29.916" v="14823" actId="20577"/>
           <ac:spMkLst>
             <pc:docMk/>
             <pc:sldMk cId="1278898071" sldId="291"/>
@@ -1627,11 +1627,19 @@
           </ac:spMkLst>
         </pc:spChg>
         <pc:spChg chg="mod">
-          <ac:chgData name="Moritz Nipshagen" userId="ee3b3bbc25b4cb6d" providerId="LiveId" clId="{DE675401-0B62-4ED5-8A37-2FCE979182EF}" dt="2018-04-16T19:23:04.106" v="13411" actId="20577"/>
+          <ac:chgData name="Moritz Nipshagen" userId="ee3b3bbc25b4cb6d" providerId="LiveId" clId="{DE675401-0B62-4ED5-8A37-2FCE979182EF}" dt="2018-04-18T10:09:41.870" v="14779" actId="20577"/>
           <ac:spMkLst>
             <pc:docMk/>
             <pc:sldMk cId="1278898071" sldId="291"/>
             <ac:spMk id="5" creationId="{B8D2BF18-313B-4D2B-8EA8-7B8A58FE6DE2}"/>
+          </ac:spMkLst>
+        </pc:spChg>
+        <pc:spChg chg="mod">
+          <ac:chgData name="Moritz Nipshagen" userId="ee3b3bbc25b4cb6d" providerId="LiveId" clId="{DE675401-0B62-4ED5-8A37-2FCE979182EF}" dt="2018-04-18T10:09:54.483" v="14810" actId="1076"/>
+          <ac:spMkLst>
+            <pc:docMk/>
+            <pc:sldMk cId="1278898071" sldId="291"/>
+            <ac:spMk id="6" creationId="{ABB9A35F-E55E-4CA9-BB4B-BB35EB074B19}"/>
           </ac:spMkLst>
         </pc:spChg>
         <pc:spChg chg="mod">
@@ -1644,7 +1652,7 @@
         </pc:spChg>
       </pc:sldChg>
       <pc:sldChg chg="modSp add">
-        <pc:chgData name="Moritz Nipshagen" userId="ee3b3bbc25b4cb6d" providerId="LiveId" clId="{DE675401-0B62-4ED5-8A37-2FCE979182EF}" dt="2018-04-15T20:57:19.091" v="13323" actId="20577"/>
+        <pc:chgData name="Moritz Nipshagen" userId="ee3b3bbc25b4cb6d" providerId="LiveId" clId="{DE675401-0B62-4ED5-8A37-2FCE979182EF}" dt="2018-04-18T10:18:11.887" v="14818" actId="20577"/>
         <pc:sldMkLst>
           <pc:docMk/>
           <pc:sldMk cId="2868607691" sldId="292"/>
@@ -1663,6 +1671,14 @@
             <pc:docMk/>
             <pc:sldMk cId="2868607691" sldId="292"/>
             <ac:spMk id="3" creationId="{378AF9A0-5C27-4CCE-835B-D14900F1DF10}"/>
+          </ac:spMkLst>
+        </pc:spChg>
+        <pc:spChg chg="mod">
+          <ac:chgData name="Moritz Nipshagen" userId="ee3b3bbc25b4cb6d" providerId="LiveId" clId="{DE675401-0B62-4ED5-8A37-2FCE979182EF}" dt="2018-04-18T10:18:11.887" v="14818" actId="20577"/>
+          <ac:spMkLst>
+            <pc:docMk/>
+            <pc:sldMk cId="2868607691" sldId="292"/>
+            <ac:spMk id="5" creationId="{9FFEDC05-C3B9-494D-97F4-B58C5C38A9D5}"/>
           </ac:spMkLst>
         </pc:spChg>
       </pc:sldChg>
@@ -1772,7 +1788,7 @@
           <pc:sldMk cId="4114954885" sldId="303"/>
         </pc:sldMkLst>
         <pc:spChg chg="del">
-          <ac:chgData name="Moritz Nipshagen" userId="ee3b3bbc25b4cb6d" providerId="LiveId" clId="{DE675401-0B62-4ED5-8A37-2FCE979182EF}" dt="2018-04-18T08:09:03.996" v="14448"/>
+          <ac:chgData name="Moritz Nipshagen" userId="ee3b3bbc25b4cb6d" providerId="LiveId" clId="{DE675401-0B62-4ED5-8A37-2FCE979182EF}" dt="2018-04-18T08:09:03.996" v="14448" actId="20577"/>
           <ac:spMkLst>
             <pc:docMk/>
             <pc:sldMk cId="4114954885" sldId="303"/>
@@ -1780,7 +1796,7 @@
           </ac:spMkLst>
         </pc:spChg>
         <pc:spChg chg="del">
-          <ac:chgData name="Moritz Nipshagen" userId="ee3b3bbc25b4cb6d" providerId="LiveId" clId="{DE675401-0B62-4ED5-8A37-2FCE979182EF}" dt="2018-04-18T08:09:03.996" v="14448"/>
+          <ac:chgData name="Moritz Nipshagen" userId="ee3b3bbc25b4cb6d" providerId="LiveId" clId="{DE675401-0B62-4ED5-8A37-2FCE979182EF}" dt="2018-04-18T08:09:03.996" v="14448" actId="20577"/>
           <ac:spMkLst>
             <pc:docMk/>
             <pc:sldMk cId="4114954885" sldId="303"/>
@@ -1803,7 +1819,7 @@
           <pc:sldMk cId="1433010184" sldId="304"/>
         </pc:sldMkLst>
         <pc:spChg chg="del">
-          <ac:chgData name="Moritz Nipshagen" userId="ee3b3bbc25b4cb6d" providerId="LiveId" clId="{DE675401-0B62-4ED5-8A37-2FCE979182EF}" dt="2018-04-18T08:09:13.837" v="14472"/>
+          <ac:chgData name="Moritz Nipshagen" userId="ee3b3bbc25b4cb6d" providerId="LiveId" clId="{DE675401-0B62-4ED5-8A37-2FCE979182EF}" dt="2018-04-18T08:09:13.837" v="14472" actId="20577"/>
           <ac:spMkLst>
             <pc:docMk/>
             <pc:sldMk cId="1433010184" sldId="304"/>
@@ -1811,7 +1827,7 @@
           </ac:spMkLst>
         </pc:spChg>
         <pc:spChg chg="del">
-          <ac:chgData name="Moritz Nipshagen" userId="ee3b3bbc25b4cb6d" providerId="LiveId" clId="{DE675401-0B62-4ED5-8A37-2FCE979182EF}" dt="2018-04-18T08:09:13.837" v="14472"/>
+          <ac:chgData name="Moritz Nipshagen" userId="ee3b3bbc25b4cb6d" providerId="LiveId" clId="{DE675401-0B62-4ED5-8A37-2FCE979182EF}" dt="2018-04-18T08:09:13.837" v="14472" actId="20577"/>
           <ac:spMkLst>
             <pc:docMk/>
             <pc:sldMk cId="1433010184" sldId="304"/>
@@ -1828,13 +1844,13 @@
         </pc:spChg>
       </pc:sldChg>
       <pc:sldChg chg="addSp delSp modSp add">
-        <pc:chgData name="Moritz Nipshagen" userId="ee3b3bbc25b4cb6d" providerId="LiveId" clId="{DE675401-0B62-4ED5-8A37-2FCE979182EF}" dt="2018-04-18T08:13:46.551" v="14574" actId="20577"/>
+        <pc:chgData name="Moritz Nipshagen" userId="ee3b3bbc25b4cb6d" providerId="LiveId" clId="{DE675401-0B62-4ED5-8A37-2FCE979182EF}" dt="2018-04-18T09:09:57.834" v="14761" actId="20577"/>
         <pc:sldMkLst>
           <pc:docMk/>
           <pc:sldMk cId="3464784469" sldId="305"/>
         </pc:sldMkLst>
         <pc:spChg chg="del">
-          <ac:chgData name="Moritz Nipshagen" userId="ee3b3bbc25b4cb6d" providerId="LiveId" clId="{DE675401-0B62-4ED5-8A37-2FCE979182EF}" dt="2018-04-18T08:13:08.351" v="14482"/>
+          <ac:chgData name="Moritz Nipshagen" userId="ee3b3bbc25b4cb6d" providerId="LiveId" clId="{DE675401-0B62-4ED5-8A37-2FCE979182EF}" dt="2018-04-18T08:13:08.351" v="14482" actId="20577"/>
           <ac:spMkLst>
             <pc:docMk/>
             <pc:sldMk cId="3464784469" sldId="305"/>
@@ -1842,7 +1858,7 @@
           </ac:spMkLst>
         </pc:spChg>
         <pc:spChg chg="add del mod">
-          <ac:chgData name="Moritz Nipshagen" userId="ee3b3bbc25b4cb6d" providerId="LiveId" clId="{DE675401-0B62-4ED5-8A37-2FCE979182EF}" dt="2018-04-18T08:13:11.461" v="14483"/>
+          <ac:chgData name="Moritz Nipshagen" userId="ee3b3bbc25b4cb6d" providerId="LiveId" clId="{DE675401-0B62-4ED5-8A37-2FCE979182EF}" dt="2018-04-18T08:13:11.461" v="14483" actId="20577"/>
           <ac:spMkLst>
             <pc:docMk/>
             <pc:sldMk cId="3464784469" sldId="305"/>
@@ -1850,7 +1866,7 @@
           </ac:spMkLst>
         </pc:spChg>
         <pc:spChg chg="add del mod">
-          <ac:chgData name="Moritz Nipshagen" userId="ee3b3bbc25b4cb6d" providerId="LiveId" clId="{DE675401-0B62-4ED5-8A37-2FCE979182EF}" dt="2018-04-18T08:13:11.461" v="14483"/>
+          <ac:chgData name="Moritz Nipshagen" userId="ee3b3bbc25b4cb6d" providerId="LiveId" clId="{DE675401-0B62-4ED5-8A37-2FCE979182EF}" dt="2018-04-18T08:13:11.461" v="14483" actId="20577"/>
           <ac:spMkLst>
             <pc:docMk/>
             <pc:sldMk cId="3464784469" sldId="305"/>
@@ -1866,7 +1882,7 @@
           </ac:spMkLst>
         </pc:spChg>
         <pc:spChg chg="add mod">
-          <ac:chgData name="Moritz Nipshagen" userId="ee3b3bbc25b4cb6d" providerId="LiveId" clId="{DE675401-0B62-4ED5-8A37-2FCE979182EF}" dt="2018-04-18T08:13:46.551" v="14574" actId="20577"/>
+          <ac:chgData name="Moritz Nipshagen" userId="ee3b3bbc25b4cb6d" providerId="LiveId" clId="{DE675401-0B62-4ED5-8A37-2FCE979182EF}" dt="2018-04-18T09:09:57.834" v="14761" actId="20577"/>
           <ac:spMkLst>
             <pc:docMk/>
             <pc:sldMk cId="3464784469" sldId="305"/>
@@ -1982,7 +1998,7 @@
   <pc:docChgLst>
     <pc:chgData name="Moritz Nipshagen" userId="ee3b3bbc25b4cb6d" providerId="LiveId" clId="{1E8176CD-B94A-41B8-907A-4DE8635BE80A}"/>
     <pc:docChg chg="undo custSel addSld delSld modSld sldOrd">
-      <pc:chgData name="Moritz Nipshagen" userId="ee3b3bbc25b4cb6d" providerId="LiveId" clId="{1E8176CD-B94A-41B8-907A-4DE8635BE80A}" dt="2018-04-18T00:26:56.916" v="7399" actId="20577"/>
+      <pc:chgData name="Moritz Nipshagen" userId="ee3b3bbc25b4cb6d" providerId="LiveId" clId="{1E8176CD-B94A-41B8-907A-4DE8635BE80A}" dt="2018-04-18T12:58:19.622" v="7402" actId="14100"/>
       <pc:docMkLst>
         <pc:docMk/>
       </pc:docMkLst>
@@ -2337,7 +2353,7 @@
         </pc:sldMkLst>
       </pc:sldChg>
       <pc:sldChg chg="modSp">
-        <pc:chgData name="Moritz Nipshagen" userId="ee3b3bbc25b4cb6d" providerId="LiveId" clId="{1E8176CD-B94A-41B8-907A-4DE8635BE80A}" dt="2018-04-17T22:24:20.773" v="5791" actId="6549"/>
+        <pc:chgData name="Moritz Nipshagen" userId="ee3b3bbc25b4cb6d" providerId="LiveId" clId="{1E8176CD-B94A-41B8-907A-4DE8635BE80A}" dt="2018-04-18T12:58:19.622" v="7402" actId="14100"/>
         <pc:sldMkLst>
           <pc:docMk/>
           <pc:sldMk cId="2097889616" sldId="289"/>
@@ -2359,7 +2375,7 @@
           </ac:spMkLst>
         </pc:spChg>
         <pc:spChg chg="mod">
-          <ac:chgData name="Moritz Nipshagen" userId="ee3b3bbc25b4cb6d" providerId="LiveId" clId="{1E8176CD-B94A-41B8-907A-4DE8635BE80A}" dt="2018-04-16T12:05:02.977" v="2289" actId="1038"/>
+          <ac:chgData name="Moritz Nipshagen" userId="ee3b3bbc25b4cb6d" providerId="LiveId" clId="{1E8176CD-B94A-41B8-907A-4DE8635BE80A}" dt="2018-04-18T12:58:19.622" v="7402" actId="14100"/>
           <ac:spMkLst>
             <pc:docMk/>
             <pc:sldMk cId="2097889616" sldId="289"/>
@@ -3023,7 +3039,7 @@
           <a:p>
             <a:fld id="{E74960FE-84BF-4F36-96F9-AC8A426EF4E1}" type="datetimeFigureOut">
               <a:rPr lang="en-GB" smtClean="0"/>
-              <a:t>17/04/2018</a:t>
+              <a:t>18/04/2018</a:t>
             </a:fld>
             <a:endParaRPr lang="en-GB"/>
           </a:p>
@@ -3632,6 +3648,90 @@
           <a:p>
             <a:fld id="{42145966-3644-4EF3-8D3C-4E37A0E97571}" type="slidenum">
               <a:rPr lang="en-GB" smtClean="0"/>
+              <a:t>32</a:t>
+            </a:fld>
+            <a:endParaRPr lang="en-GB"/>
+          </a:p>
+        </p:txBody>
+      </p:sp>
+    </p:spTree>
+    <p:extLst>
+      <p:ext uri="{BB962C8B-B14F-4D97-AF65-F5344CB8AC3E}">
+        <p14:creationId xmlns:p14="http://schemas.microsoft.com/office/powerpoint/2010/main" val="3837280500"/>
+      </p:ext>
+    </p:extLst>
+  </p:cSld>
+  <p:clrMapOvr>
+    <a:masterClrMapping/>
+  </p:clrMapOvr>
+</p:notes>
+</file>
+
+<file path=ppt/notesSlides/notesSlide5.xml><?xml version="1.0" encoding="utf-8"?>
+<p:notes xmlns:a="http://schemas.openxmlformats.org/drawingml/2006/main" xmlns:r="http://schemas.openxmlformats.org/officeDocument/2006/relationships" xmlns:p="http://schemas.openxmlformats.org/presentationml/2006/main">
+  <p:cSld>
+    <p:spTree>
+      <p:nvGrpSpPr>
+        <p:cNvPr id="1" name=""/>
+        <p:cNvGrpSpPr/>
+        <p:nvPr/>
+      </p:nvGrpSpPr>
+      <p:grpSpPr>
+        <a:xfrm>
+          <a:off x="0" y="0"/>
+          <a:ext cx="0" cy="0"/>
+          <a:chOff x="0" y="0"/>
+          <a:chExt cx="0" cy="0"/>
+        </a:xfrm>
+      </p:grpSpPr>
+      <p:sp>
+        <p:nvSpPr>
+          <p:cNvPr id="2" name="Slide Image Placeholder 1"/>
+          <p:cNvSpPr>
+            <a:spLocks noGrp="1" noRot="1" noChangeAspect="1"/>
+          </p:cNvSpPr>
+          <p:nvPr>
+            <p:ph type="sldImg"/>
+          </p:nvPr>
+        </p:nvSpPr>
+        <p:spPr/>
+      </p:sp>
+      <p:sp>
+        <p:nvSpPr>
+          <p:cNvPr id="3" name="Notes Placeholder 2"/>
+          <p:cNvSpPr>
+            <a:spLocks noGrp="1"/>
+          </p:cNvSpPr>
+          <p:nvPr>
+            <p:ph type="body" idx="1"/>
+          </p:nvPr>
+        </p:nvSpPr>
+        <p:spPr/>
+        <p:txBody>
+          <a:bodyPr/>
+          <a:lstStyle/>
+          <a:p>
+            <a:endParaRPr lang="en-GB" dirty="0"/>
+          </a:p>
+        </p:txBody>
+      </p:sp>
+      <p:sp>
+        <p:nvSpPr>
+          <p:cNvPr id="4" name="Slide Number Placeholder 3"/>
+          <p:cNvSpPr>
+            <a:spLocks noGrp="1"/>
+          </p:cNvSpPr>
+          <p:nvPr>
+            <p:ph type="sldNum" sz="quarter" idx="10"/>
+          </p:nvPr>
+        </p:nvSpPr>
+        <p:spPr/>
+        <p:txBody>
+          <a:bodyPr/>
+          <a:lstStyle/>
+          <a:p>
+            <a:fld id="{42145966-3644-4EF3-8D3C-4E37A0E97571}" type="slidenum">
+              <a:rPr lang="en-GB" smtClean="0"/>
               <a:t>37</a:t>
             </a:fld>
             <a:endParaRPr lang="en-GB"/>
@@ -3844,7 +3944,7 @@
           <a:p>
             <a:fld id="{59D2D3E5-8D07-442F-AD09-44D2D54E3827}" type="datetime1">
               <a:rPr lang="en-GB" smtClean="0"/>
-              <a:t>17/04/2018</a:t>
+              <a:t>18/04/2018</a:t>
             </a:fld>
             <a:endParaRPr lang="en-GB"/>
           </a:p>
@@ -4509,7 +4609,7 @@
           <a:p>
             <a:fld id="{9AA3DD7D-9416-45E8-AF3B-D7B360CC564A}" type="datetime1">
               <a:rPr lang="en-GB" smtClean="0"/>
-              <a:t>17/04/2018</a:t>
+              <a:t>18/04/2018</a:t>
             </a:fld>
             <a:endParaRPr lang="en-GB"/>
           </a:p>
@@ -5311,7 +5411,7 @@
           <a:p>
             <a:fld id="{F613CE8B-DAD8-4C75-ABDD-E74B55B147EF}" type="datetime1">
               <a:rPr lang="en-GB" smtClean="0"/>
-              <a:t>17/04/2018</a:t>
+              <a:t>18/04/2018</a:t>
             </a:fld>
             <a:endParaRPr lang="en-GB"/>
           </a:p>
@@ -6103,7 +6203,7 @@
           <a:p>
             <a:fld id="{90C1D48F-8DEA-4C52-92C1-302F75FCAD76}" type="datetime1">
               <a:rPr lang="en-GB" smtClean="0"/>
-              <a:t>17/04/2018</a:t>
+              <a:t>18/04/2018</a:t>
             </a:fld>
             <a:endParaRPr lang="en-GB"/>
           </a:p>
@@ -6767,7 +6867,7 @@
           <a:p>
             <a:fld id="{AC8401FF-837F-478C-A187-ED49428D1834}" type="datetime1">
               <a:rPr lang="en-GB" smtClean="0"/>
-              <a:t>17/04/2018</a:t>
+              <a:t>18/04/2018</a:t>
             </a:fld>
             <a:endParaRPr lang="en-GB"/>
           </a:p>
@@ -6966,7 +7066,7 @@
           <a:p>
             <a:fld id="{A4BB1C3B-24F6-4AC1-B694-40E27DE719F2}" type="datetime1">
               <a:rPr lang="en-GB" smtClean="0"/>
-              <a:t>17/04/2018</a:t>
+              <a:t>18/04/2018</a:t>
             </a:fld>
             <a:endParaRPr lang="en-GB"/>
           </a:p>
@@ -7653,7 +7753,7 @@
           <a:p>
             <a:fld id="{1BF7B5F6-71AF-4144-B18A-52D5DACADA0A}" type="datetime1">
               <a:rPr lang="en-GB" smtClean="0"/>
-              <a:t>17/04/2018</a:t>
+              <a:t>18/04/2018</a:t>
             </a:fld>
             <a:endParaRPr lang="en-GB"/>
           </a:p>
@@ -7866,7 +7966,7 @@
           <a:p>
             <a:fld id="{1BF7B5F6-71AF-4144-B18A-52D5DACADA0A}" type="datetime1">
               <a:rPr lang="en-GB" smtClean="0"/>
-              <a:t>17/04/2018</a:t>
+              <a:t>18/04/2018</a:t>
             </a:fld>
             <a:endParaRPr lang="en-GB"/>
           </a:p>
@@ -8036,7 +8136,7 @@
           <a:p>
             <a:fld id="{5255503A-C87E-470F-982F-B4799D338920}" type="datetime1">
               <a:rPr lang="en-GB" smtClean="0"/>
-              <a:t>17/04/2018</a:t>
+              <a:t>18/04/2018</a:t>
             </a:fld>
             <a:endParaRPr lang="en-GB"/>
           </a:p>
@@ -8811,7 +8911,7 @@
           <a:p>
             <a:fld id="{75144A6B-3049-457F-A987-8390460069EE}" type="datetime1">
               <a:rPr lang="en-GB" smtClean="0"/>
-              <a:t>17/04/2018</a:t>
+              <a:t>18/04/2018</a:t>
             </a:fld>
             <a:endParaRPr lang="en-GB"/>
           </a:p>
@@ -9073,7 +9173,7 @@
           <a:p>
             <a:fld id="{75144A6B-3049-457F-A987-8390460069EE}" type="datetime1">
               <a:rPr lang="en-GB" smtClean="0"/>
-              <a:t>17/04/2018</a:t>
+              <a:t>18/04/2018</a:t>
             </a:fld>
             <a:endParaRPr lang="en-GB"/>
           </a:p>
@@ -9335,7 +9435,7 @@
           <a:p>
             <a:fld id="{75144A6B-3049-457F-A987-8390460069EE}" type="datetime1">
               <a:rPr lang="en-GB" smtClean="0"/>
-              <a:t>17/04/2018</a:t>
+              <a:t>18/04/2018</a:t>
             </a:fld>
             <a:endParaRPr lang="en-GB"/>
           </a:p>
@@ -9695,7 +9795,7 @@
           <a:p>
             <a:fld id="{FBD4005F-9225-497A-885F-BA883E74DE5D}" type="datetime1">
               <a:rPr lang="en-GB" smtClean="0"/>
-              <a:t>17/04/2018</a:t>
+              <a:t>18/04/2018</a:t>
             </a:fld>
             <a:endParaRPr lang="en-GB"/>
           </a:p>
@@ -9794,7 +9894,7 @@
           <a:p>
             <a:fld id="{AE523FC3-765C-4CC7-9E4B-E3B68A3EDBFE}" type="datetime1">
               <a:rPr lang="en-GB" smtClean="0"/>
-              <a:t>17/04/2018</a:t>
+              <a:t>18/04/2018</a:t>
             </a:fld>
             <a:endParaRPr lang="en-GB"/>
           </a:p>
@@ -10030,7 +10130,7 @@
           <a:p>
             <a:fld id="{0F5CF901-3F04-46D3-A66D-6A29BDCE7C35}" type="datetime1">
               <a:rPr lang="en-GB" smtClean="0"/>
-              <a:t>17/04/2018</a:t>
+              <a:t>18/04/2018</a:t>
             </a:fld>
             <a:endParaRPr lang="en-GB"/>
           </a:p>
@@ -20312,7 +20412,7 @@
         <p:spPr>
           <a:xfrm>
             <a:off x="1317991" y="4572591"/>
-            <a:ext cx="2192740" cy="646331"/>
+            <a:ext cx="2749512" cy="646331"/>
           </a:xfrm>
           <a:prstGeom prst="rect">
             <a:avLst/>
@@ -20348,7 +20448,7 @@
                 </a:solidFill>
                 <a:latin typeface="Consolas" panose="020B0609020204030204" pitchFamily="49" charset="0"/>
               </a:rPr>
-              <a:t>P, y, t, h, o, n</a:t>
+              <a:t>P, y, t, h, o, n, </a:t>
             </a:r>
             <a:endParaRPr lang="en-GB" b="0" i="1" dirty="0">
               <a:solidFill>
@@ -22660,8 +22760,14 @@
           <a:lstStyle/>
           <a:p>
             <a:r>
+              <a:rPr lang="en-GB" sz="2000" b="1" dirty="0">
+                <a:latin typeface="Consolas" panose="020B0609020204030204" pitchFamily="49" charset="0"/>
+              </a:rPr>
+              <a:t>continue</a:t>
+            </a:r>
+            <a:r>
               <a:rPr lang="en-GB" dirty="0"/>
-              <a:t>Continue “jumps” to the end of the loop ignoring any code after the continue statement inside the loop block</a:t>
+              <a:t> “jumps” to the end of the loop ignoring any code after the continue statement inside the loop block</a:t>
             </a:r>
           </a:p>
           <a:p>
@@ -22723,7 +22829,7 @@
         <p:spPr>
           <a:xfrm>
             <a:off x="1097279" y="3591737"/>
-            <a:ext cx="3632375" cy="1477328"/>
+            <a:ext cx="3632375" cy="2031325"/>
           </a:xfrm>
           <a:prstGeom prst="rect">
             <a:avLst/>
@@ -22936,6 +23042,44 @@
               </a:rPr>
               <a:t>:</a:t>
             </a:r>
+          </a:p>
+          <a:p>
+            <a:r>
+              <a:rPr lang="en-GB" dirty="0">
+                <a:solidFill>
+                  <a:srgbClr val="333333"/>
+                </a:solidFill>
+                <a:latin typeface="Consolas" panose="020B0609020204030204" pitchFamily="49" charset="0"/>
+              </a:rPr>
+              <a:t>        counter </a:t>
+            </a:r>
+            <a:r>
+              <a:rPr lang="en-GB" dirty="0">
+                <a:solidFill>
+                  <a:srgbClr val="777777"/>
+                </a:solidFill>
+                <a:latin typeface="Consolas" panose="020B0609020204030204" pitchFamily="49" charset="0"/>
+              </a:rPr>
+              <a:t>+=</a:t>
+            </a:r>
+            <a:r>
+              <a:rPr lang="en-GB" dirty="0">
+                <a:solidFill>
+                  <a:srgbClr val="333333"/>
+                </a:solidFill>
+                <a:latin typeface="Consolas" panose="020B0609020204030204" pitchFamily="49" charset="0"/>
+              </a:rPr>
+              <a:t> </a:t>
+            </a:r>
+            <a:r>
+              <a:rPr lang="en-GB" dirty="0">
+                <a:solidFill>
+                  <a:srgbClr val="AB6526"/>
+                </a:solidFill>
+                <a:latin typeface="Consolas" panose="020B0609020204030204" pitchFamily="49" charset="0"/>
+              </a:rPr>
+              <a:t>1</a:t>
+            </a:r>
             <a:endParaRPr lang="en-GB" dirty="0">
               <a:solidFill>
                 <a:srgbClr val="333333"/>
@@ -23040,7 +23184,45 @@
                 </a:solidFill>
                 <a:latin typeface="Consolas" panose="020B0609020204030204" pitchFamily="49" charset="0"/>
               </a:rPr>
-              <a:t>')</a:t>
+              <a:t>‘)</a:t>
+            </a:r>
+          </a:p>
+          <a:p>
+            <a:r>
+              <a:rPr lang="en-GB" dirty="0">
+                <a:solidFill>
+                  <a:srgbClr val="333333"/>
+                </a:solidFill>
+                <a:latin typeface="Consolas" panose="020B0609020204030204" pitchFamily="49" charset="0"/>
+              </a:rPr>
+              <a:t>     counter </a:t>
+            </a:r>
+            <a:r>
+              <a:rPr lang="en-GB" dirty="0">
+                <a:solidFill>
+                  <a:srgbClr val="777777"/>
+                </a:solidFill>
+                <a:latin typeface="Consolas" panose="020B0609020204030204" pitchFamily="49" charset="0"/>
+              </a:rPr>
+              <a:t>+=</a:t>
+            </a:r>
+            <a:r>
+              <a:rPr lang="en-GB" dirty="0">
+                <a:solidFill>
+                  <a:srgbClr val="333333"/>
+                </a:solidFill>
+                <a:latin typeface="Consolas" panose="020B0609020204030204" pitchFamily="49" charset="0"/>
+              </a:rPr>
+              <a:t> </a:t>
+            </a:r>
+            <a:r>
+              <a:rPr lang="en-GB" dirty="0">
+                <a:solidFill>
+                  <a:srgbClr val="AB6526"/>
+                </a:solidFill>
+                <a:latin typeface="Consolas" panose="020B0609020204030204" pitchFamily="49" charset="0"/>
+              </a:rPr>
+              <a:t>1</a:t>
             </a:r>
             <a:endParaRPr lang="en-GB" dirty="0">
               <a:solidFill>
@@ -23065,7 +23247,7 @@
         </p:nvSpPr>
         <p:spPr>
           <a:xfrm>
-            <a:off x="1097278" y="5407429"/>
+            <a:off x="1097278" y="5684428"/>
             <a:ext cx="3632376" cy="646331"/>
           </a:xfrm>
           <a:prstGeom prst="rect">
@@ -25588,7 +25770,7 @@
                 </a:solidFill>
                 <a:latin typeface="Consolas" panose="020B0609020204030204" pitchFamily="49" charset="0"/>
               </a:rPr>
-              <a:t>    print</a:t>
+              <a:t>        print</a:t>
             </a:r>
             <a:r>
               <a:rPr lang="en-GB" dirty="0">
@@ -25665,16 +25847,16 @@
           </a:p>
           <a:p>
             <a:r>
-              <a:rPr lang="en-GB" dirty="0">
+              <a:rPr lang="en-GB">
                 <a:solidFill>
                   <a:srgbClr val="777777"/>
                 </a:solidFill>
                 <a:latin typeface="Consolas" panose="020B0609020204030204" pitchFamily="49" charset="0"/>
               </a:rPr>
-              <a:t>    </a:t>
-            </a:r>
-            <a:r>
-              <a:rPr lang="en-GB" dirty="0">
+              <a:t>        </a:t>
+            </a:r>
+            <a:r>
+              <a:rPr lang="en-GB">
                 <a:solidFill>
                   <a:srgbClr val="333333"/>
                 </a:solidFill>
@@ -27765,15 +27947,33 @@
           <a:p>
             <a:r>
               <a:rPr lang="en-GB" dirty="0"/>
-              <a:t>You will have to do </a:t>
-            </a:r>
-            <a:r>
-              <a:rPr lang="en-GB"/>
-              <a:t>some logic</a:t>
-            </a:r>
-          </a:p>
-          <a:p>
-            <a:endParaRPr lang="en-GB" dirty="0"/>
+              <a:t>You will have to do some logic</a:t>
+            </a:r>
+          </a:p>
+          <a:p>
+            <a:pPr lvl="1"/>
+            <a:r>
+              <a:rPr lang="en-GB" dirty="0"/>
+              <a:t>It’s always good to understand what’s happening</a:t>
+            </a:r>
+          </a:p>
+          <a:p>
+            <a:r>
+              <a:rPr lang="en-GB" dirty="0"/>
+              <a:t>A little warmup in regards to last week</a:t>
+            </a:r>
+          </a:p>
+          <a:p>
+            <a:r>
+              <a:rPr lang="en-GB" dirty="0"/>
+              <a:t>The 99 bottles song</a:t>
+            </a:r>
+          </a:p>
+          <a:p>
+            <a:r>
+              <a:rPr lang="en-GB" dirty="0"/>
+              <a:t>And the turtle returns!</a:t>
+            </a:r>
           </a:p>
         </p:txBody>
       </p:sp>
